--- a/Diapos/HPC_CUDA.pptx
+++ b/Diapos/HPC_CUDA.pptx
@@ -51021,11 +51021,7 @@
             </a:r>
             <a:r>
               <a:rPr lang="fr-FR" dirty="0" smtClean="0"/>
-              <a:t> une zone de mémoire </a:t>
-            </a:r>
-            <a:r>
-              <a:rPr lang="fr-FR" smtClean="0"/>
-              <a:t>partagée de taille 32*32</a:t>
+              <a:t> une zone de mémoire partagée de taille 32*32</a:t>
             </a:r>
             <a:endParaRPr lang="fr-FR" dirty="0" smtClean="0"/>
           </a:p>

--- a/Diapos/HPC_CUDA.pptx
+++ b/Diapos/HPC_CUDA.pptx
@@ -264,7 +264,7 @@
             <a:pPr rtl="0"/>
             <a:fld id="{44067F72-4B43-4EB2-81AF-1356A084F97D}" type="datetime1">
               <a:rPr lang="fr-FR" smtClean="0"/>
-              <a:t>07/12/2020</a:t>
+              <a:t>08/12/2020</a:t>
             </a:fld>
             <a:endParaRPr lang="fr-FR"/>
           </a:p>
@@ -446,7 +446,7 @@
             <a:pPr rtl="0"/>
             <a:fld id="{18E2C9A5-1936-47C6-ADD2-56E91A3B7AD6}" type="datetime1">
               <a:rPr lang="fr-FR" noProof="0" smtClean="0"/>
-              <a:t>07/12/2020</a:t>
+              <a:t>08/12/2020</a:t>
             </a:fld>
             <a:endParaRPr lang="fr-FR" noProof="0"/>
           </a:p>
@@ -1624,7 +1624,7 @@
             <a:pPr rtl="0"/>
             <a:fld id="{0403CD74-91A7-4B71-B298-50645341EDD4}" type="datetime1">
               <a:rPr lang="fr-FR" noProof="0" smtClean="0"/>
-              <a:t>07/12/2020</a:t>
+              <a:t>08/12/2020</a:t>
             </a:fld>
             <a:endParaRPr lang="fr-FR" noProof="0"/>
           </a:p>
@@ -1890,7 +1890,7 @@
             <a:pPr rtl="0"/>
             <a:fld id="{77B509D1-F8C0-4CA0-858B-2AEDA726DA78}" type="datetime1">
               <a:rPr lang="fr-FR" noProof="0" smtClean="0"/>
-              <a:t>07/12/2020</a:t>
+              <a:t>08/12/2020</a:t>
             </a:fld>
             <a:endParaRPr lang="fr-FR" noProof="0"/>
           </a:p>
@@ -2129,7 +2129,7 @@
             <a:pPr rtl="0"/>
             <a:fld id="{BFAD2B5B-47C2-4EBB-964D-B5C3690B6DFC}" type="datetime1">
               <a:rPr lang="fr-FR" noProof="0" smtClean="0"/>
-              <a:t>07/12/2020</a:t>
+              <a:t>08/12/2020</a:t>
             </a:fld>
             <a:endParaRPr lang="fr-FR" noProof="0"/>
           </a:p>
@@ -2378,7 +2378,7 @@
             <a:pPr rtl="0"/>
             <a:fld id="{4284DE75-DF3C-46A1-8E6B-C01542896712}" type="datetime1">
               <a:rPr lang="fr-FR" noProof="0" smtClean="0"/>
-              <a:t>07/12/2020</a:t>
+              <a:t>08/12/2020</a:t>
             </a:fld>
             <a:endParaRPr lang="fr-FR" noProof="0" dirty="0"/>
           </a:p>
@@ -2697,7 +2697,7 @@
             <a:pPr rtl="0"/>
             <a:fld id="{80CB3D2D-45DD-496C-AA6C-A93FD66473E3}" type="datetime1">
               <a:rPr lang="fr-FR" noProof="0" smtClean="0"/>
-              <a:t>07/12/2020</a:t>
+              <a:t>08/12/2020</a:t>
             </a:fld>
             <a:endParaRPr lang="fr-FR" noProof="0"/>
           </a:p>
@@ -3008,7 +3008,7 @@
             <a:pPr rtl="0"/>
             <a:fld id="{EFB18253-55B0-414F-8F02-5F24D4FE0C41}" type="datetime1">
               <a:rPr lang="fr-FR" noProof="0" smtClean="0"/>
-              <a:t>07/12/2020</a:t>
+              <a:t>08/12/2020</a:t>
             </a:fld>
             <a:endParaRPr lang="fr-FR" noProof="0"/>
           </a:p>
@@ -3449,7 +3449,7 @@
             <a:pPr rtl="0"/>
             <a:fld id="{A3DF8B3A-A2CC-4133-9F37-93D6DD187088}" type="datetime1">
               <a:rPr lang="fr-FR" noProof="0" smtClean="0"/>
-              <a:t>07/12/2020</a:t>
+              <a:t>08/12/2020</a:t>
             </a:fld>
             <a:endParaRPr lang="fr-FR" noProof="0"/>
           </a:p>
@@ -3561,7 +3561,7 @@
             <a:pPr rtl="0"/>
             <a:fld id="{3A376707-662B-440F-A345-984A712059E4}" type="datetime1">
               <a:rPr lang="fr-FR" noProof="0" smtClean="0"/>
-              <a:t>07/12/2020</a:t>
+              <a:t>08/12/2020</a:t>
             </a:fld>
             <a:endParaRPr lang="fr-FR" noProof="0"/>
           </a:p>
@@ -3727,7 +3727,7 @@
             <a:pPr rtl="0"/>
             <a:fld id="{8467424E-3337-4E92-BEE1-F720AC49DD1E}" type="datetime1">
               <a:rPr lang="fr-FR" noProof="0" smtClean="0"/>
-              <a:t>07/12/2020</a:t>
+              <a:t>08/12/2020</a:t>
             </a:fld>
             <a:endParaRPr lang="fr-FR" noProof="0"/>
           </a:p>
@@ -4109,7 +4109,7 @@
             <a:pPr rtl="0"/>
             <a:fld id="{D6D64502-6BA4-4CC8-8A3D-2A27850A7A08}" type="datetime1">
               <a:rPr lang="fr-FR" noProof="0" smtClean="0"/>
-              <a:t>07/12/2020</a:t>
+              <a:t>08/12/2020</a:t>
             </a:fld>
             <a:endParaRPr lang="fr-FR" noProof="0"/>
           </a:p>
@@ -4402,7 +4402,7 @@
             <a:pPr rtl="0"/>
             <a:fld id="{01C10578-73C0-4732-A884-D24ACCC97C87}" type="datetime1">
               <a:rPr lang="fr-FR" noProof="0" smtClean="0"/>
-              <a:t>07/12/2020</a:t>
+              <a:t>08/12/2020</a:t>
             </a:fld>
             <a:endParaRPr lang="fr-FR" noProof="0"/>
           </a:p>
@@ -4617,7 +4617,7 @@
             <a:pPr rtl="0"/>
             <a:fld id="{A4C732EE-BF7E-4015-ABFF-6CDED879EEBC}" type="datetime1">
               <a:rPr lang="fr-FR" noProof="0" smtClean="0"/>
-              <a:t>07/12/2020</a:t>
+              <a:t>08/12/2020</a:t>
             </a:fld>
             <a:endParaRPr lang="fr-FR" noProof="0"/>
           </a:p>
@@ -5332,15 +5332,7 @@
                   <a:schemeClr val="bg1"/>
                 </a:solidFill>
               </a:rPr>
-              <a:t>GPGPU </a:t>
-            </a:r>
-            <a:r>
-              <a:rPr lang="fr-FR" sz="3150" dirty="0" smtClean="0">
-                <a:solidFill>
-                  <a:schemeClr val="bg1"/>
-                </a:solidFill>
-              </a:rPr>
-              <a:t>avec CUDA</a:t>
+              <a:t>GPGPU avec CUDA</a:t>
             </a:r>
             <a:endParaRPr lang="fr-FR" sz="3150" dirty="0">
               <a:solidFill>
@@ -6651,13 +6643,13 @@
               <a:t>cudaFree</a:t>
             </a:r>
             <a:r>
-              <a:rPr lang="fr-FR" sz="1600" b="0" strike="noStrike" spc="-1" dirty="0" smtClean="0">
+              <a:rPr lang="fr-FR" sz="1600" b="0" strike="noStrike" spc="-1" smtClean="0">
                 <a:solidFill>
                   <a:srgbClr val="000000"/>
                 </a:solidFill>
                 <a:latin typeface="Courier New"/>
               </a:rPr>
-              <a:t> </a:t>
+              <a:t> (data</a:t>
             </a:r>
             <a:r>
               <a:rPr lang="fr-FR" sz="1600" b="0" strike="noStrike" spc="-1" dirty="0">
@@ -6666,7 +6658,7 @@
                 </a:solidFill>
                 <a:latin typeface="Courier New"/>
               </a:rPr>
-              <a:t>(data) ;</a:t>
+              <a:t>) ;</a:t>
             </a:r>
             <a:endParaRPr lang="fr-FR" sz="1600" b="0" strike="noStrike" spc="-1" dirty="0">
               <a:solidFill>
@@ -7463,6 +7455,13 @@
   <p:clrMapOvr>
     <a:masterClrMapping/>
   </p:clrMapOvr>
+  <p:timing>
+    <p:tnLst>
+      <p:par>
+        <p:cTn id="1" dur="indefinite" restart="never" nodeType="tmRoot"/>
+      </p:par>
+    </p:tnLst>
+  </p:timing>
 </p:sld>
 </file>
 
@@ -42940,11 +42939,7 @@
           <a:p>
             <a:r>
               <a:rPr lang="fr-FR" dirty="0" smtClean="0"/>
-              <a:t>Calcul du nombre de </a:t>
-            </a:r>
-            <a:r>
-              <a:rPr lang="fr-FR" dirty="0" smtClean="0"/>
-              <a:t>blocs</a:t>
+              <a:t>Calcul du nombre de blocs</a:t>
             </a:r>
             <a:endParaRPr lang="fr-FR" dirty="0"/>
           </a:p>
@@ -43795,11 +43790,15 @@
           <a:p>
             <a:r>
               <a:rPr lang="fr-FR" dirty="0" err="1" smtClean="0"/>
-              <a:t>nbBocs</a:t>
+              <a:t>nbBlocs</a:t>
             </a:r>
             <a:r>
               <a:rPr lang="fr-FR" dirty="0" smtClean="0"/>
-              <a:t> = (</a:t>
+              <a:t> </a:t>
+            </a:r>
+            <a:r>
+              <a:rPr lang="fr-FR" dirty="0" smtClean="0"/>
+              <a:t>= (</a:t>
             </a:r>
             <a:r>
               <a:rPr lang="fr-FR" dirty="0" err="1" smtClean="0"/>
@@ -45114,7 +45113,7 @@
           <a:p>
             <a:pPr algn="ctr"/>
             <a:r>
-              <a:rPr lang="fr-FR" sz="1200" b="0" strike="noStrike" spc="-1">
+              <a:rPr lang="fr-FR" sz="1200" b="0" strike="noStrike" spc="-1" dirty="0">
                 <a:solidFill>
                   <a:srgbClr val="000000"/>
                 </a:solidFill>
@@ -45169,7 +45168,7 @@
           <a:p>
             <a:pPr algn="ctr"/>
             <a:r>
-              <a:rPr lang="fr-FR" sz="1200" b="0" strike="noStrike" spc="-1">
+              <a:rPr lang="fr-FR" sz="1200" b="0" strike="noStrike" spc="-1" dirty="0">
                 <a:solidFill>
                   <a:srgbClr val="000000"/>
                 </a:solidFill>
@@ -45224,7 +45223,7 @@
           <a:p>
             <a:pPr algn="ctr"/>
             <a:r>
-              <a:rPr lang="fr-FR" sz="1200" b="0" strike="noStrike" spc="-1">
+              <a:rPr lang="fr-FR" sz="1200" b="0" strike="noStrike" spc="-1" dirty="0">
                 <a:solidFill>
                   <a:srgbClr val="000000"/>
                 </a:solidFill>
@@ -45279,7 +45278,7 @@
           <a:p>
             <a:pPr algn="ctr"/>
             <a:r>
-              <a:rPr lang="fr-FR" sz="1200" b="0" strike="noStrike" spc="-1">
+              <a:rPr lang="fr-FR" sz="1200" b="0" strike="noStrike" spc="-1" dirty="0">
                 <a:solidFill>
                   <a:srgbClr val="000000"/>
                 </a:solidFill>
@@ -45554,7 +45553,7 @@
           <a:p>
             <a:pPr algn="ctr"/>
             <a:r>
-              <a:rPr lang="fr-FR" sz="1200" b="0" strike="noStrike" spc="-1">
+              <a:rPr lang="fr-FR" sz="1200" b="0" strike="noStrike" spc="-1" dirty="0">
                 <a:solidFill>
                   <a:srgbClr val="000000"/>
                 </a:solidFill>
@@ -45573,7 +45572,7 @@
         </p:nvGrpSpPr>
         <p:grpSpPr>
           <a:xfrm>
-            <a:off x="708186" y="3123736"/>
+            <a:off x="735480" y="3147811"/>
             <a:ext cx="7997040" cy="1372680"/>
             <a:chOff x="720000" y="4099320"/>
             <a:chExt cx="7997040" cy="1372680"/>
@@ -47695,7 +47694,6 @@
               <a:rPr lang="fr-FR" dirty="0" smtClean="0"/>
               <a:t>Additionner 2 matrices sur GPU</a:t>
             </a:r>
-            <a:endParaRPr lang="fr-FR" dirty="0" smtClean="0"/>
           </a:p>
           <a:p>
             <a:r>
@@ -47722,7 +47720,11 @@
           <a:p>
             <a:r>
               <a:rPr lang="fr-FR" dirty="0" smtClean="0"/>
-              <a:t>Projet MatrixAdd1D_cud</a:t>
+              <a:t>Projet </a:t>
+            </a:r>
+            <a:r>
+              <a:rPr lang="fr-FR" dirty="0" err="1" smtClean="0"/>
+              <a:t>MatrixAdd_cud</a:t>
             </a:r>
             <a:endParaRPr lang="fr-FR" dirty="0" smtClean="0"/>
           </a:p>
@@ -47805,7 +47807,6 @@
               <a:rPr lang="fr-FR" dirty="0" smtClean="0"/>
               <a:t>nécessaires à l’aide de la formule magique</a:t>
             </a:r>
-            <a:endParaRPr lang="fr-FR" dirty="0" smtClean="0"/>
           </a:p>
           <a:p>
             <a:r>
@@ -48326,8 +48327,8 @@
         </p:nvSpPr>
         <p:spPr>
           <a:xfrm>
-            <a:off x="1097280" y="4706309"/>
-            <a:ext cx="2664512" cy="646331"/>
+            <a:off x="541020" y="4703458"/>
+            <a:ext cx="3701654" cy="646331"/>
           </a:xfrm>
           <a:prstGeom prst="rect">
             <a:avLst/>
@@ -48358,13 +48359,29 @@
             </a:r>
             <a:r>
               <a:rPr lang="fr-FR" dirty="0" smtClean="0"/>
-              <a:t>) * 3 = RAM</a:t>
-            </a:r>
-          </a:p>
-          <a:p>
+              <a:t>) * </a:t>
+            </a:r>
+            <a:r>
+              <a:rPr lang="fr-FR" dirty="0" err="1" smtClean="0"/>
+              <a:t>nb_matrices</a:t>
+            </a:r>
             <a:r>
               <a:rPr lang="fr-FR" dirty="0" smtClean="0"/>
-              <a:t>N² = </a:t>
+              <a:t> </a:t>
+            </a:r>
+            <a:r>
+              <a:rPr lang="fr-FR" dirty="0" smtClean="0"/>
+              <a:t>= RAM</a:t>
+            </a:r>
+          </a:p>
+          <a:p>
+            <a:r>
+              <a:rPr lang="fr-FR" dirty="0" smtClean="0"/>
+              <a:t>N </a:t>
+            </a:r>
+            <a:r>
+              <a:rPr lang="fr-FR" dirty="0" smtClean="0"/>
+              <a:t>= </a:t>
             </a:r>
             <a:r>
               <a:rPr lang="fr-FR" dirty="0" err="1" smtClean="0"/>
@@ -49131,7 +49148,25 @@
                 </a:solidFill>
                 <a:latin typeface="Consolas" panose="020B0609020204030204" pitchFamily="49" charset="0"/>
               </a:rPr>
-              <a:t>(16, 16);</a:t>
+              <a:t>(16, </a:t>
+            </a:r>
+            <a:r>
+              <a:rPr lang="fr-FR" dirty="0" smtClean="0">
+                <a:solidFill>
+                  <a:srgbClr val="000000"/>
+                </a:solidFill>
+                <a:latin typeface="Consolas" panose="020B0609020204030204" pitchFamily="49" charset="0"/>
+              </a:rPr>
+              <a:t>16);</a:t>
+            </a:r>
+            <a:r>
+              <a:rPr lang="fr-FR" dirty="0" smtClean="0">
+                <a:solidFill>
+                  <a:srgbClr val="000000"/>
+                </a:solidFill>
+                <a:latin typeface="Consolas" panose="020B0609020204030204" pitchFamily="49" charset="0"/>
+              </a:rPr>
+              <a:t/>
             </a:r>
             <a:br>
               <a:rPr lang="fr-FR" dirty="0" smtClean="0">
@@ -49252,7 +49287,7 @@
         <p:spPr>
           <a:xfrm>
             <a:off x="1753261" y="4255208"/>
-            <a:ext cx="5920210" cy="369332"/>
+            <a:ext cx="5666936" cy="369332"/>
           </a:xfrm>
           <a:prstGeom prst="rect">
             <a:avLst/>
@@ -49306,7 +49341,7 @@
                 </a:solidFill>
                 <a:latin typeface="Consolas" panose="020B0609020204030204" pitchFamily="49" charset="0"/>
               </a:rPr>
-              <a:t>, &gt;&gt;&gt;(…);</a:t>
+              <a:t>&gt;&gt;&gt;(…);</a:t>
             </a:r>
             <a:endParaRPr lang="fr-FR" dirty="0"/>
           </a:p>
@@ -49455,7 +49490,6 @@
               <a:rPr lang="fr-FR" dirty="0" smtClean="0"/>
               <a:t>Additionner 2 matrices sur GPU</a:t>
             </a:r>
-            <a:endParaRPr lang="fr-FR" dirty="0" smtClean="0"/>
           </a:p>
           <a:p>
             <a:r>
@@ -49541,7 +49575,6 @@
               <a:rPr lang="fr-FR" dirty="0" smtClean="0"/>
               <a:t>nécessaires à l’aide de la formule magique</a:t>
             </a:r>
-            <a:endParaRPr lang="fr-FR" dirty="0" smtClean="0"/>
           </a:p>
         </p:txBody>
       </p:sp>
@@ -49866,7 +49899,6 @@
               <a:rPr lang="fr-FR" dirty="0" smtClean="0"/>
               <a:t>même bloc</a:t>
             </a:r>
-            <a:endParaRPr lang="fr-FR" dirty="0" smtClean="0"/>
           </a:p>
           <a:p>
             <a:endParaRPr lang="fr-FR" dirty="0" smtClean="0"/>
@@ -50922,7 +50954,6 @@
               <a:rPr lang="fr-FR" dirty="0" smtClean="0"/>
               <a:t>Transposer une matrice sur GPU en utilisant la mémoire partagée</a:t>
             </a:r>
-            <a:endParaRPr lang="fr-FR" dirty="0" smtClean="0"/>
           </a:p>
           <a:p>
             <a:r>
@@ -50942,7 +50973,6 @@
               <a:rPr lang="fr-FR" dirty="0" smtClean="0"/>
               <a:t>On travaille sur une matrice carrée dont la largeur est un multiple de 32</a:t>
             </a:r>
-            <a:endParaRPr lang="fr-FR" dirty="0" smtClean="0"/>
           </a:p>
           <a:p>
             <a:endParaRPr lang="fr-FR" dirty="0"/>
@@ -51023,7 +51053,6 @@
               <a:rPr lang="fr-FR" dirty="0" smtClean="0"/>
               <a:t> une zone de mémoire partagée de taille 32*32</a:t>
             </a:r>
-            <a:endParaRPr lang="fr-FR" dirty="0" smtClean="0"/>
           </a:p>
         </p:txBody>
       </p:sp>
@@ -51953,6 +51982,13 @@
   <p:clrMapOvr>
     <a:masterClrMapping/>
   </p:clrMapOvr>
+  <p:timing>
+    <p:tnLst>
+      <p:par>
+        <p:cTn id="1" dur="indefinite" restart="never" nodeType="tmRoot"/>
+      </p:par>
+    </p:tnLst>
+  </p:timing>
 </p:sld>
 </file>
 
@@ -56967,6 +57003,23 @@
 </file>
 
 <file path=customXml/item1.xml><?xml version="1.0" encoding="utf-8"?>
+<?mso-contentType ?>
+<FormTemplates xmlns="http://schemas.microsoft.com/sharepoint/v3/contenttype/forms">
+  <Display>DocumentLibraryForm</Display>
+  <Edit>DocumentLibraryForm</Edit>
+  <New>DocumentLibraryForm</New>
+</FormTemplates>
+</file>
+
+<file path=customXml/item2.xml><?xml version="1.0" encoding="utf-8"?>
+<p:properties xmlns:p="http://schemas.microsoft.com/office/2006/metadata/properties" xmlns:xsi="http://www.w3.org/2001/XMLSchema-instance" xmlns:pc="http://schemas.microsoft.com/office/infopath/2007/PartnerControls">
+  <documentManagement>
+    <MediaServiceKeyPoints xmlns="71af3243-3dd4-4a8d-8c0d-dd76da1f02a5" xsi:nil="true"/>
+  </documentManagement>
+</p:properties>
+</file>
+
+<file path=customXml/item3.xml><?xml version="1.0" encoding="utf-8"?>
 <ct:contentTypeSchema xmlns:ct="http://schemas.microsoft.com/office/2006/metadata/contentType" xmlns:ma="http://schemas.microsoft.com/office/2006/metadata/properties/metaAttributes" ct:_="" ma:_="" ma:contentTypeName="Document" ma:contentTypeID="0x01010079F111ED35F8CC479449609E8A0923A6" ma:contentTypeVersion="11" ma:contentTypeDescription="Create a new document." ma:contentTypeScope="" ma:versionID="9677210f24a1be23c92c90fd886aa0aa">
   <xsd:schema xmlns:xsd="http://www.w3.org/2001/XMLSchema" xmlns:xs="http://www.w3.org/2001/XMLSchema" xmlns:p="http://schemas.microsoft.com/office/2006/metadata/properties" xmlns:ns2="71af3243-3dd4-4a8d-8c0d-dd76da1f02a5" xmlns:ns3="16c05727-aa75-4e4a-9b5f-8a80a1165891" targetNamespace="http://schemas.microsoft.com/office/2006/metadata/properties" ma:root="true" ma:fieldsID="60e05723c5c1908df1a1a4ebf11d344e" ns2:_="" ns3:_="">
     <xsd:import namespace="71af3243-3dd4-4a8d-8c0d-dd76da1f02a5"/>
@@ -57177,24 +57230,32 @@
 </ct:contentTypeSchema>
 </file>
 
-<file path=customXml/item2.xml><?xml version="1.0" encoding="utf-8"?>
-<?mso-contentType ?>
-<FormTemplates xmlns="http://schemas.microsoft.com/sharepoint/v3/contenttype/forms">
-  <Display>DocumentLibraryForm</Display>
-  <Edit>DocumentLibraryForm</Edit>
-  <New>DocumentLibraryForm</New>
-</FormTemplates>
+<file path=customXml/itemProps1.xml><?xml version="1.0" encoding="utf-8"?>
+<ds:datastoreItem xmlns:ds="http://schemas.openxmlformats.org/officeDocument/2006/customXml" ds:itemID="{2B21BF1A-59D3-4E19-9B95-2FD4309AC3AF}">
+  <ds:schemaRefs>
+    <ds:schemaRef ds:uri="http://schemas.microsoft.com/sharepoint/v3/contenttype/forms"/>
+  </ds:schemaRefs>
+</ds:datastoreItem>
 </file>
 
-<file path=customXml/item3.xml><?xml version="1.0" encoding="utf-8"?>
-<p:properties xmlns:p="http://schemas.microsoft.com/office/2006/metadata/properties" xmlns:xsi="http://www.w3.org/2001/XMLSchema-instance" xmlns:pc="http://schemas.microsoft.com/office/infopath/2007/PartnerControls">
-  <documentManagement>
-    <MediaServiceKeyPoints xmlns="71af3243-3dd4-4a8d-8c0d-dd76da1f02a5" xsi:nil="true"/>
-  </documentManagement>
-</p:properties>
+<file path=customXml/itemProps2.xml><?xml version="1.0" encoding="utf-8"?>
+<ds:datastoreItem xmlns:ds="http://schemas.openxmlformats.org/officeDocument/2006/customXml" ds:itemID="{F651EF32-6551-47EB-8BA9-22EF81F3DDAC}">
+  <ds:schemaRefs>
+    <ds:schemaRef ds:uri="http://purl.org/dc/terms/"/>
+    <ds:schemaRef ds:uri="http://purl.org/dc/elements/1.1/"/>
+    <ds:schemaRef ds:uri="http://schemas.microsoft.com/office/infopath/2007/PartnerControls"/>
+    <ds:schemaRef ds:uri="http://purl.org/dc/dcmitype/"/>
+    <ds:schemaRef ds:uri="http://schemas.microsoft.com/office/2006/metadata/properties"/>
+    <ds:schemaRef ds:uri="71af3243-3dd4-4a8d-8c0d-dd76da1f02a5"/>
+    <ds:schemaRef ds:uri="http://schemas.microsoft.com/office/2006/documentManagement/types"/>
+    <ds:schemaRef ds:uri="http://schemas.openxmlformats.org/package/2006/metadata/core-properties"/>
+    <ds:schemaRef ds:uri="16c05727-aa75-4e4a-9b5f-8a80a1165891"/>
+    <ds:schemaRef ds:uri="http://www.w3.org/XML/1998/namespace"/>
+  </ds:schemaRefs>
+</ds:datastoreItem>
 </file>
 
-<file path=customXml/itemProps1.xml><?xml version="1.0" encoding="utf-8"?>
+<file path=customXml/itemProps3.xml><?xml version="1.0" encoding="utf-8"?>
 <ds:datastoreItem xmlns:ds="http://schemas.openxmlformats.org/officeDocument/2006/customXml" ds:itemID="{1EED214C-B51A-4B75-8B08-0E0DBD2305BE}">
   <ds:schemaRefs>
     <ds:schemaRef ds:uri="http://schemas.microsoft.com/office/2006/metadata/contentType"/>
@@ -57211,29 +57272,4 @@
     <ds:schemaRef ds:uri="http://schemas.microsoft.com/internal/obd"/>
   </ds:schemaRefs>
 </ds:datastoreItem>
-</file>
-
-<file path=customXml/itemProps2.xml><?xml version="1.0" encoding="utf-8"?>
-<ds:datastoreItem xmlns:ds="http://schemas.openxmlformats.org/officeDocument/2006/customXml" ds:itemID="{2B21BF1A-59D3-4E19-9B95-2FD4309AC3AF}">
-  <ds:schemaRefs>
-    <ds:schemaRef ds:uri="http://schemas.microsoft.com/sharepoint/v3/contenttype/forms"/>
-  </ds:schemaRefs>
-</ds:datastoreItem>
-</file>
-
-<file path=customXml/itemProps3.xml><?xml version="1.0" encoding="utf-8"?>
-<ds:datastoreItem xmlns:ds="http://schemas.openxmlformats.org/officeDocument/2006/customXml" ds:itemID="{F651EF32-6551-47EB-8BA9-22EF81F3DDAC}">
-  <ds:schemaRefs>
-    <ds:schemaRef ds:uri="http://purl.org/dc/terms/"/>
-    <ds:schemaRef ds:uri="http://purl.org/dc/elements/1.1/"/>
-    <ds:schemaRef ds:uri="http://schemas.microsoft.com/office/infopath/2007/PartnerControls"/>
-    <ds:schemaRef ds:uri="http://purl.org/dc/dcmitype/"/>
-    <ds:schemaRef ds:uri="http://schemas.microsoft.com/office/2006/metadata/properties"/>
-    <ds:schemaRef ds:uri="71af3243-3dd4-4a8d-8c0d-dd76da1f02a5"/>
-    <ds:schemaRef ds:uri="http://schemas.microsoft.com/office/2006/documentManagement/types"/>
-    <ds:schemaRef ds:uri="http://schemas.openxmlformats.org/package/2006/metadata/core-properties"/>
-    <ds:schemaRef ds:uri="16c05727-aa75-4e4a-9b5f-8a80a1165891"/>
-    <ds:schemaRef ds:uri="http://www.w3.org/XML/1998/namespace"/>
-  </ds:schemaRefs>
-</ds:datastoreItem>
 </file>
--- a/Diapos/HPC_CUDA.pptx
+++ b/Diapos/HPC_CUDA.pptx
@@ -264,7 +264,7 @@
             <a:pPr rtl="0"/>
             <a:fld id="{44067F72-4B43-4EB2-81AF-1356A084F97D}" type="datetime1">
               <a:rPr lang="fr-FR" smtClean="0"/>
-              <a:t>08/12/2020</a:t>
+              <a:t>09/02/2021</a:t>
             </a:fld>
             <a:endParaRPr lang="fr-FR"/>
           </a:p>
@@ -446,7 +446,7 @@
             <a:pPr rtl="0"/>
             <a:fld id="{18E2C9A5-1936-47C6-ADD2-56E91A3B7AD6}" type="datetime1">
               <a:rPr lang="fr-FR" noProof="0" smtClean="0"/>
-              <a:t>08/12/2020</a:t>
+              <a:t>09/02/2021</a:t>
             </a:fld>
             <a:endParaRPr lang="fr-FR" noProof="0"/>
           </a:p>
@@ -1624,7 +1624,7 @@
             <a:pPr rtl="0"/>
             <a:fld id="{0403CD74-91A7-4B71-B298-50645341EDD4}" type="datetime1">
               <a:rPr lang="fr-FR" noProof="0" smtClean="0"/>
-              <a:t>08/12/2020</a:t>
+              <a:t>09/02/2021</a:t>
             </a:fld>
             <a:endParaRPr lang="fr-FR" noProof="0"/>
           </a:p>
@@ -1890,7 +1890,7 @@
             <a:pPr rtl="0"/>
             <a:fld id="{77B509D1-F8C0-4CA0-858B-2AEDA726DA78}" type="datetime1">
               <a:rPr lang="fr-FR" noProof="0" smtClean="0"/>
-              <a:t>08/12/2020</a:t>
+              <a:t>09/02/2021</a:t>
             </a:fld>
             <a:endParaRPr lang="fr-FR" noProof="0"/>
           </a:p>
@@ -2129,7 +2129,7 @@
             <a:pPr rtl="0"/>
             <a:fld id="{BFAD2B5B-47C2-4EBB-964D-B5C3690B6DFC}" type="datetime1">
               <a:rPr lang="fr-FR" noProof="0" smtClean="0"/>
-              <a:t>08/12/2020</a:t>
+              <a:t>09/02/2021</a:t>
             </a:fld>
             <a:endParaRPr lang="fr-FR" noProof="0"/>
           </a:p>
@@ -2378,7 +2378,7 @@
             <a:pPr rtl="0"/>
             <a:fld id="{4284DE75-DF3C-46A1-8E6B-C01542896712}" type="datetime1">
               <a:rPr lang="fr-FR" noProof="0" smtClean="0"/>
-              <a:t>08/12/2020</a:t>
+              <a:t>09/02/2021</a:t>
             </a:fld>
             <a:endParaRPr lang="fr-FR" noProof="0" dirty="0"/>
           </a:p>
@@ -2697,7 +2697,7 @@
             <a:pPr rtl="0"/>
             <a:fld id="{80CB3D2D-45DD-496C-AA6C-A93FD66473E3}" type="datetime1">
               <a:rPr lang="fr-FR" noProof="0" smtClean="0"/>
-              <a:t>08/12/2020</a:t>
+              <a:t>09/02/2021</a:t>
             </a:fld>
             <a:endParaRPr lang="fr-FR" noProof="0"/>
           </a:p>
@@ -3008,7 +3008,7 @@
             <a:pPr rtl="0"/>
             <a:fld id="{EFB18253-55B0-414F-8F02-5F24D4FE0C41}" type="datetime1">
               <a:rPr lang="fr-FR" noProof="0" smtClean="0"/>
-              <a:t>08/12/2020</a:t>
+              <a:t>09/02/2021</a:t>
             </a:fld>
             <a:endParaRPr lang="fr-FR" noProof="0"/>
           </a:p>
@@ -3449,7 +3449,7 @@
             <a:pPr rtl="0"/>
             <a:fld id="{A3DF8B3A-A2CC-4133-9F37-93D6DD187088}" type="datetime1">
               <a:rPr lang="fr-FR" noProof="0" smtClean="0"/>
-              <a:t>08/12/2020</a:t>
+              <a:t>09/02/2021</a:t>
             </a:fld>
             <a:endParaRPr lang="fr-FR" noProof="0"/>
           </a:p>
@@ -3561,7 +3561,7 @@
             <a:pPr rtl="0"/>
             <a:fld id="{3A376707-662B-440F-A345-984A712059E4}" type="datetime1">
               <a:rPr lang="fr-FR" noProof="0" smtClean="0"/>
-              <a:t>08/12/2020</a:t>
+              <a:t>09/02/2021</a:t>
             </a:fld>
             <a:endParaRPr lang="fr-FR" noProof="0"/>
           </a:p>
@@ -3727,7 +3727,7 @@
             <a:pPr rtl="0"/>
             <a:fld id="{8467424E-3337-4E92-BEE1-F720AC49DD1E}" type="datetime1">
               <a:rPr lang="fr-FR" noProof="0" smtClean="0"/>
-              <a:t>08/12/2020</a:t>
+              <a:t>09/02/2021</a:t>
             </a:fld>
             <a:endParaRPr lang="fr-FR" noProof="0"/>
           </a:p>
@@ -4109,7 +4109,7 @@
             <a:pPr rtl="0"/>
             <a:fld id="{D6D64502-6BA4-4CC8-8A3D-2A27850A7A08}" type="datetime1">
               <a:rPr lang="fr-FR" noProof="0" smtClean="0"/>
-              <a:t>08/12/2020</a:t>
+              <a:t>09/02/2021</a:t>
             </a:fld>
             <a:endParaRPr lang="fr-FR" noProof="0"/>
           </a:p>
@@ -4402,7 +4402,7 @@
             <a:pPr rtl="0"/>
             <a:fld id="{01C10578-73C0-4732-A884-D24ACCC97C87}" type="datetime1">
               <a:rPr lang="fr-FR" noProof="0" smtClean="0"/>
-              <a:t>08/12/2020</a:t>
+              <a:t>09/02/2021</a:t>
             </a:fld>
             <a:endParaRPr lang="fr-FR" noProof="0"/>
           </a:p>
@@ -4617,7 +4617,7 @@
             <a:pPr rtl="0"/>
             <a:fld id="{A4C732EE-BF7E-4015-ABFF-6CDED879EEBC}" type="datetime1">
               <a:rPr lang="fr-FR" noProof="0" smtClean="0"/>
-              <a:t>08/12/2020</a:t>
+              <a:t>09/02/2021</a:t>
             </a:fld>
             <a:endParaRPr lang="fr-FR" noProof="0"/>
           </a:p>
@@ -43794,11 +43794,7 @@
             </a:r>
             <a:r>
               <a:rPr lang="fr-FR" dirty="0" smtClean="0"/>
-              <a:t> </a:t>
-            </a:r>
-            <a:r>
-              <a:rPr lang="fr-FR" dirty="0" smtClean="0"/>
-              <a:t>= (</a:t>
+              <a:t> = (</a:t>
             </a:r>
             <a:r>
               <a:rPr lang="fr-FR" dirty="0" err="1" smtClean="0"/>
@@ -48367,21 +48363,13 @@
             </a:r>
             <a:r>
               <a:rPr lang="fr-FR" dirty="0" smtClean="0"/>
-              <a:t> </a:t>
-            </a:r>
+              <a:t> = RAM</a:t>
+            </a:r>
+          </a:p>
+          <a:p>
             <a:r>
               <a:rPr lang="fr-FR" dirty="0" smtClean="0"/>
-              <a:t>= RAM</a:t>
-            </a:r>
-          </a:p>
-          <a:p>
-            <a:r>
-              <a:rPr lang="fr-FR" dirty="0" smtClean="0"/>
-              <a:t>N </a:t>
-            </a:r>
-            <a:r>
-              <a:rPr lang="fr-FR" dirty="0" smtClean="0"/>
-              <a:t>= </a:t>
+              <a:t>N = </a:t>
             </a:r>
             <a:r>
               <a:rPr lang="fr-FR" dirty="0" err="1" smtClean="0"/>
@@ -49148,25 +49136,7 @@
                 </a:solidFill>
                 <a:latin typeface="Consolas" panose="020B0609020204030204" pitchFamily="49" charset="0"/>
               </a:rPr>
-              <a:t>(16, </a:t>
-            </a:r>
-            <a:r>
-              <a:rPr lang="fr-FR" dirty="0" smtClean="0">
-                <a:solidFill>
-                  <a:srgbClr val="000000"/>
-                </a:solidFill>
-                <a:latin typeface="Consolas" panose="020B0609020204030204" pitchFamily="49" charset="0"/>
-              </a:rPr>
-              <a:t>16);</a:t>
-            </a:r>
-            <a:r>
-              <a:rPr lang="fr-FR" dirty="0" smtClean="0">
-                <a:solidFill>
-                  <a:srgbClr val="000000"/>
-                </a:solidFill>
-                <a:latin typeface="Consolas" panose="020B0609020204030204" pitchFamily="49" charset="0"/>
-              </a:rPr>
-              <a:t/>
+              <a:t>(16, 16);</a:t>
             </a:r>
             <a:br>
               <a:rPr lang="fr-FR" dirty="0" smtClean="0">
@@ -51236,39 +51206,62 @@
           <a:p>
             <a:r>
               <a:rPr lang="fr-FR" dirty="0" smtClean="0"/>
-              <a:t>Raja (</a:t>
-            </a:r>
-            <a:r>
-              <a:rPr lang="fr-FR" dirty="0" err="1" smtClean="0"/>
-              <a:t>OpenMP</a:t>
+              <a:t>LLNL : </a:t>
             </a:r>
             <a:r>
               <a:rPr lang="fr-FR" dirty="0" smtClean="0"/>
-              <a:t> + CUDA)</a:t>
-            </a:r>
-          </a:p>
-          <a:p>
+              <a:t>Raja </a:t>
+            </a:r>
             <a:r>
               <a:rPr lang="fr-FR" dirty="0" smtClean="0"/>
-              <a:t>AMD / HIP(GPU AMD et </a:t>
-            </a:r>
-            <a:r>
-              <a:rPr lang="fr-FR" dirty="0" err="1" smtClean="0"/>
-              <a:t>Nvidia</a:t>
-            </a:r>
+              <a:t>(OpenMP + CUDA)</a:t>
+            </a:r>
+          </a:p>
+          <a:p>
             <a:r>
               <a:rPr lang="fr-FR" dirty="0" smtClean="0"/>
-              <a:t>), même API que CUDA, outils de portages fournis</a:t>
-            </a:r>
-          </a:p>
-          <a:p>
+              <a:t>AMD </a:t>
+            </a:r>
+            <a:r>
+              <a:rPr lang="fr-FR" dirty="0" smtClean="0"/>
+              <a:t>: HIP (HCC et NVCC), </a:t>
+            </a:r>
+            <a:r>
+              <a:rPr lang="fr-FR" dirty="0" smtClean="0"/>
+              <a:t>même API que CUDA, outils de portages </a:t>
+            </a:r>
+            <a:r>
+              <a:rPr lang="fr-FR" dirty="0" smtClean="0"/>
+              <a:t>fournis</a:t>
+            </a:r>
+          </a:p>
+          <a:p>
+            <a:r>
+              <a:rPr lang="fr-FR" dirty="0"/>
+              <a:t>Microsoft </a:t>
+            </a:r>
+            <a:r>
+              <a:rPr lang="fr-FR" dirty="0" smtClean="0"/>
+              <a:t>: C++ AMP </a:t>
+            </a:r>
+            <a:endParaRPr lang="fr-FR" dirty="0" smtClean="0"/>
+          </a:p>
+          <a:p>
+            <a:r>
+              <a:rPr lang="fr-FR" dirty="0" smtClean="0"/>
+              <a:t>Scalian : </a:t>
+            </a:r>
             <a:r>
               <a:rPr lang="fr-FR" dirty="0" err="1" smtClean="0"/>
               <a:t>GPUBox</a:t>
             </a:r>
             <a:r>
               <a:rPr lang="fr-FR" dirty="0" smtClean="0"/>
-              <a:t> (CPU / CUDA / </a:t>
+              <a:t> </a:t>
+            </a:r>
+            <a:r>
+              <a:rPr lang="fr-FR" dirty="0" smtClean="0"/>
+              <a:t>(CPU / CUDA / </a:t>
             </a:r>
             <a:r>
               <a:rPr lang="fr-FR" dirty="0" err="1" smtClean="0"/>
@@ -57003,15 +56996,6 @@
 </file>
 
 <file path=customXml/item1.xml><?xml version="1.0" encoding="utf-8"?>
-<?mso-contentType ?>
-<FormTemplates xmlns="http://schemas.microsoft.com/sharepoint/v3/contenttype/forms">
-  <Display>DocumentLibraryForm</Display>
-  <Edit>DocumentLibraryForm</Edit>
-  <New>DocumentLibraryForm</New>
-</FormTemplates>
-</file>
-
-<file path=customXml/item2.xml><?xml version="1.0" encoding="utf-8"?>
 <p:properties xmlns:p="http://schemas.microsoft.com/office/2006/metadata/properties" xmlns:xsi="http://www.w3.org/2001/XMLSchema-instance" xmlns:pc="http://schemas.microsoft.com/office/infopath/2007/PartnerControls">
   <documentManagement>
     <MediaServiceKeyPoints xmlns="71af3243-3dd4-4a8d-8c0d-dd76da1f02a5" xsi:nil="true"/>
@@ -57019,7 +57003,7 @@
 </p:properties>
 </file>
 
-<file path=customXml/item3.xml><?xml version="1.0" encoding="utf-8"?>
+<file path=customXml/item2.xml><?xml version="1.0" encoding="utf-8"?>
 <ct:contentTypeSchema xmlns:ct="http://schemas.microsoft.com/office/2006/metadata/contentType" xmlns:ma="http://schemas.microsoft.com/office/2006/metadata/properties/metaAttributes" ct:_="" ma:_="" ma:contentTypeName="Document" ma:contentTypeID="0x01010079F111ED35F8CC479449609E8A0923A6" ma:contentTypeVersion="11" ma:contentTypeDescription="Create a new document." ma:contentTypeScope="" ma:versionID="9677210f24a1be23c92c90fd886aa0aa">
   <xsd:schema xmlns:xsd="http://www.w3.org/2001/XMLSchema" xmlns:xs="http://www.w3.org/2001/XMLSchema" xmlns:p="http://schemas.microsoft.com/office/2006/metadata/properties" xmlns:ns2="71af3243-3dd4-4a8d-8c0d-dd76da1f02a5" xmlns:ns3="16c05727-aa75-4e4a-9b5f-8a80a1165891" targetNamespace="http://schemas.microsoft.com/office/2006/metadata/properties" ma:root="true" ma:fieldsID="60e05723c5c1908df1a1a4ebf11d344e" ns2:_="" ns3:_="">
     <xsd:import namespace="71af3243-3dd4-4a8d-8c0d-dd76da1f02a5"/>
@@ -57230,15 +57214,16 @@
 </ct:contentTypeSchema>
 </file>
 
-<file path=customXml/itemProps1.xml><?xml version="1.0" encoding="utf-8"?>
-<ds:datastoreItem xmlns:ds="http://schemas.openxmlformats.org/officeDocument/2006/customXml" ds:itemID="{2B21BF1A-59D3-4E19-9B95-2FD4309AC3AF}">
-  <ds:schemaRefs>
-    <ds:schemaRef ds:uri="http://schemas.microsoft.com/sharepoint/v3/contenttype/forms"/>
-  </ds:schemaRefs>
-</ds:datastoreItem>
+<file path=customXml/item3.xml><?xml version="1.0" encoding="utf-8"?>
+<?mso-contentType ?>
+<FormTemplates xmlns="http://schemas.microsoft.com/sharepoint/v3/contenttype/forms">
+  <Display>DocumentLibraryForm</Display>
+  <Edit>DocumentLibraryForm</Edit>
+  <New>DocumentLibraryForm</New>
+</FormTemplates>
 </file>
 
-<file path=customXml/itemProps2.xml><?xml version="1.0" encoding="utf-8"?>
+<file path=customXml/itemProps1.xml><?xml version="1.0" encoding="utf-8"?>
 <ds:datastoreItem xmlns:ds="http://schemas.openxmlformats.org/officeDocument/2006/customXml" ds:itemID="{F651EF32-6551-47EB-8BA9-22EF81F3DDAC}">
   <ds:schemaRefs>
     <ds:schemaRef ds:uri="http://purl.org/dc/terms/"/>
@@ -57255,7 +57240,7 @@
 </ds:datastoreItem>
 </file>
 
-<file path=customXml/itemProps3.xml><?xml version="1.0" encoding="utf-8"?>
+<file path=customXml/itemProps2.xml><?xml version="1.0" encoding="utf-8"?>
 <ds:datastoreItem xmlns:ds="http://schemas.openxmlformats.org/officeDocument/2006/customXml" ds:itemID="{1EED214C-B51A-4B75-8B08-0E0DBD2305BE}">
   <ds:schemaRefs>
     <ds:schemaRef ds:uri="http://schemas.microsoft.com/office/2006/metadata/contentType"/>
@@ -57272,4 +57257,12 @@
     <ds:schemaRef ds:uri="http://schemas.microsoft.com/internal/obd"/>
   </ds:schemaRefs>
 </ds:datastoreItem>
+</file>
+
+<file path=customXml/itemProps3.xml><?xml version="1.0" encoding="utf-8"?>
+<ds:datastoreItem xmlns:ds="http://schemas.openxmlformats.org/officeDocument/2006/customXml" ds:itemID="{2B21BF1A-59D3-4E19-9B95-2FD4309AC3AF}">
+  <ds:schemaRefs>
+    <ds:schemaRef ds:uri="http://schemas.microsoft.com/sharepoint/v3/contenttype/forms"/>
+  </ds:schemaRefs>
+</ds:datastoreItem>
 </file>
--- a/Diapos/HPC_CUDA.pptx
+++ b/Diapos/HPC_CUDA.pptx
@@ -5,10 +5,10 @@
     <p:sldMasterId id="2147483684" r:id="rId4"/>
   </p:sldMasterIdLst>
   <p:notesMasterIdLst>
-    <p:notesMasterId r:id="rId45"/>
+    <p:notesMasterId r:id="rId48"/>
   </p:notesMasterIdLst>
   <p:handoutMasterIdLst>
-    <p:handoutMasterId r:id="rId46"/>
+    <p:handoutMasterId r:id="rId49"/>
   </p:handoutMasterIdLst>
   <p:sldIdLst>
     <p:sldId id="256" r:id="rId5"/>
@@ -48,9 +48,12 @@
     <p:sldId id="338" r:id="rId39"/>
     <p:sldId id="359" r:id="rId40"/>
     <p:sldId id="360" r:id="rId41"/>
-    <p:sldId id="330" r:id="rId42"/>
+    <p:sldId id="362" r:id="rId42"/>
     <p:sldId id="332" r:id="rId43"/>
     <p:sldId id="333" r:id="rId44"/>
+    <p:sldId id="361" r:id="rId45"/>
+    <p:sldId id="330" r:id="rId46"/>
+    <p:sldId id="363" r:id="rId47"/>
   </p:sldIdLst>
   <p:sldSz cx="9144000" cy="5715000" type="screen16x10"/>
   <p:notesSz cx="6858000" cy="9144000"/>
@@ -264,7 +267,7 @@
             <a:pPr rtl="0"/>
             <a:fld id="{44067F72-4B43-4EB2-81AF-1356A084F97D}" type="datetime1">
               <a:rPr lang="fr-FR" smtClean="0"/>
-              <a:t>09/02/2021</a:t>
+              <a:t>10/02/2021</a:t>
             </a:fld>
             <a:endParaRPr lang="fr-FR"/>
           </a:p>
@@ -446,7 +449,7 @@
             <a:pPr rtl="0"/>
             <a:fld id="{18E2C9A5-1936-47C6-ADD2-56E91A3B7AD6}" type="datetime1">
               <a:rPr lang="fr-FR" noProof="0" smtClean="0"/>
-              <a:t>09/02/2021</a:t>
+              <a:t>10/02/2021</a:t>
             </a:fld>
             <a:endParaRPr lang="fr-FR" noProof="0"/>
           </a:p>
@@ -838,6 +841,279 @@
 </p:notes>
 </file>
 
+<file path=ppt/notesSlides/notesSlide10.xml><?xml version="1.0" encoding="utf-8"?>
+<p:notes xmlns:a="http://schemas.openxmlformats.org/drawingml/2006/main" xmlns:r="http://schemas.openxmlformats.org/officeDocument/2006/relationships" xmlns:p="http://schemas.openxmlformats.org/presentationml/2006/main">
+  <p:cSld>
+    <p:spTree>
+      <p:nvGrpSpPr>
+        <p:cNvPr id="1" name=""/>
+        <p:cNvGrpSpPr/>
+        <p:nvPr/>
+      </p:nvGrpSpPr>
+      <p:grpSpPr>
+        <a:xfrm>
+          <a:off x="0" y="0"/>
+          <a:ext cx="0" cy="0"/>
+          <a:chOff x="0" y="0"/>
+          <a:chExt cx="0" cy="0"/>
+        </a:xfrm>
+      </p:grpSpPr>
+      <p:sp>
+        <p:nvSpPr>
+          <p:cNvPr id="2" name="Espace réservé de l’image des diapositives 1"/>
+          <p:cNvSpPr>
+            <a:spLocks noGrp="1" noRot="1" noChangeAspect="1"/>
+          </p:cNvSpPr>
+          <p:nvPr>
+            <p:ph type="sldImg"/>
+          </p:nvPr>
+        </p:nvSpPr>
+        <p:spPr>
+          <a:xfrm>
+            <a:off x="960438" y="1143000"/>
+            <a:ext cx="4937125" cy="3086100"/>
+          </a:xfrm>
+        </p:spPr>
+      </p:sp>
+      <p:sp>
+        <p:nvSpPr>
+          <p:cNvPr id="3" name="Espace réservé des commentaires 2"/>
+          <p:cNvSpPr>
+            <a:spLocks noGrp="1"/>
+          </p:cNvSpPr>
+          <p:nvPr>
+            <p:ph type="body" idx="1"/>
+          </p:nvPr>
+        </p:nvSpPr>
+        <p:spPr/>
+        <p:txBody>
+          <a:bodyPr rtlCol="0"/>
+          <a:lstStyle/>
+          <a:p>
+            <a:pPr rtl="0"/>
+            <a:endParaRPr lang="fr-FR"/>
+          </a:p>
+        </p:txBody>
+      </p:sp>
+      <p:sp>
+        <p:nvSpPr>
+          <p:cNvPr id="4" name="Espace réservé du numéro de diapositive 3"/>
+          <p:cNvSpPr>
+            <a:spLocks noGrp="1"/>
+          </p:cNvSpPr>
+          <p:nvPr>
+            <p:ph type="sldNum" sz="quarter" idx="5"/>
+          </p:nvPr>
+        </p:nvSpPr>
+        <p:spPr/>
+        <p:txBody>
+          <a:bodyPr rtlCol="0"/>
+          <a:lstStyle/>
+          <a:p>
+            <a:pPr rtl="0"/>
+            <a:fld id="{C6B3AB32-59DF-41F1-9618-EDFBF5049629}" type="slidenum">
+              <a:rPr lang="fr-FR" smtClean="0"/>
+              <a:t>27</a:t>
+            </a:fld>
+            <a:endParaRPr lang="fr-FR"/>
+          </a:p>
+        </p:txBody>
+      </p:sp>
+    </p:spTree>
+    <p:extLst>
+      <p:ext uri="{BB962C8B-B14F-4D97-AF65-F5344CB8AC3E}">
+        <p14:creationId xmlns:p14="http://schemas.microsoft.com/office/powerpoint/2010/main" val="573105078"/>
+      </p:ext>
+    </p:extLst>
+  </p:cSld>
+  <p:clrMapOvr>
+    <a:masterClrMapping/>
+  </p:clrMapOvr>
+</p:notes>
+</file>
+
+<file path=ppt/notesSlides/notesSlide11.xml><?xml version="1.0" encoding="utf-8"?>
+<p:notes xmlns:a="http://schemas.openxmlformats.org/drawingml/2006/main" xmlns:r="http://schemas.openxmlformats.org/officeDocument/2006/relationships" xmlns:p="http://schemas.openxmlformats.org/presentationml/2006/main">
+  <p:cSld>
+    <p:spTree>
+      <p:nvGrpSpPr>
+        <p:cNvPr id="1" name=""/>
+        <p:cNvGrpSpPr/>
+        <p:nvPr/>
+      </p:nvGrpSpPr>
+      <p:grpSpPr>
+        <a:xfrm>
+          <a:off x="0" y="0"/>
+          <a:ext cx="0" cy="0"/>
+          <a:chOff x="0" y="0"/>
+          <a:chExt cx="0" cy="0"/>
+        </a:xfrm>
+      </p:grpSpPr>
+      <p:sp>
+        <p:nvSpPr>
+          <p:cNvPr id="2" name="Espace réservé de l’image des diapositives 1"/>
+          <p:cNvSpPr>
+            <a:spLocks noGrp="1" noRot="1" noChangeAspect="1"/>
+          </p:cNvSpPr>
+          <p:nvPr>
+            <p:ph type="sldImg"/>
+          </p:nvPr>
+        </p:nvSpPr>
+        <p:spPr>
+          <a:xfrm>
+            <a:off x="960438" y="1143000"/>
+            <a:ext cx="4937125" cy="3086100"/>
+          </a:xfrm>
+        </p:spPr>
+      </p:sp>
+      <p:sp>
+        <p:nvSpPr>
+          <p:cNvPr id="3" name="Espace réservé des commentaires 2"/>
+          <p:cNvSpPr>
+            <a:spLocks noGrp="1"/>
+          </p:cNvSpPr>
+          <p:nvPr>
+            <p:ph type="body" idx="1"/>
+          </p:nvPr>
+        </p:nvSpPr>
+        <p:spPr/>
+        <p:txBody>
+          <a:bodyPr rtlCol="0"/>
+          <a:lstStyle/>
+          <a:p>
+            <a:pPr rtl="0"/>
+            <a:endParaRPr lang="fr-FR"/>
+          </a:p>
+        </p:txBody>
+      </p:sp>
+      <p:sp>
+        <p:nvSpPr>
+          <p:cNvPr id="4" name="Espace réservé du numéro de diapositive 3"/>
+          <p:cNvSpPr>
+            <a:spLocks noGrp="1"/>
+          </p:cNvSpPr>
+          <p:nvPr>
+            <p:ph type="sldNum" sz="quarter" idx="5"/>
+          </p:nvPr>
+        </p:nvSpPr>
+        <p:spPr/>
+        <p:txBody>
+          <a:bodyPr rtlCol="0"/>
+          <a:lstStyle/>
+          <a:p>
+            <a:pPr rtl="0"/>
+            <a:fld id="{C6B3AB32-59DF-41F1-9618-EDFBF5049629}" type="slidenum">
+              <a:rPr lang="fr-FR" smtClean="0"/>
+              <a:t>34</a:t>
+            </a:fld>
+            <a:endParaRPr lang="fr-FR"/>
+          </a:p>
+        </p:txBody>
+      </p:sp>
+    </p:spTree>
+    <p:extLst>
+      <p:ext uri="{BB962C8B-B14F-4D97-AF65-F5344CB8AC3E}">
+        <p14:creationId xmlns:p14="http://schemas.microsoft.com/office/powerpoint/2010/main" val="3785937158"/>
+      </p:ext>
+    </p:extLst>
+  </p:cSld>
+  <p:clrMapOvr>
+    <a:masterClrMapping/>
+  </p:clrMapOvr>
+</p:notes>
+</file>
+
+<file path=ppt/notesSlides/notesSlide12.xml><?xml version="1.0" encoding="utf-8"?>
+<p:notes xmlns:a="http://schemas.openxmlformats.org/drawingml/2006/main" xmlns:r="http://schemas.openxmlformats.org/officeDocument/2006/relationships" xmlns:p="http://schemas.openxmlformats.org/presentationml/2006/main">
+  <p:cSld>
+    <p:spTree>
+      <p:nvGrpSpPr>
+        <p:cNvPr id="1" name=""/>
+        <p:cNvGrpSpPr/>
+        <p:nvPr/>
+      </p:nvGrpSpPr>
+      <p:grpSpPr>
+        <a:xfrm>
+          <a:off x="0" y="0"/>
+          <a:ext cx="0" cy="0"/>
+          <a:chOff x="0" y="0"/>
+          <a:chExt cx="0" cy="0"/>
+        </a:xfrm>
+      </p:grpSpPr>
+      <p:sp>
+        <p:nvSpPr>
+          <p:cNvPr id="2" name="Espace réservé de l’image des diapositives 1"/>
+          <p:cNvSpPr>
+            <a:spLocks noGrp="1" noRot="1" noChangeAspect="1"/>
+          </p:cNvSpPr>
+          <p:nvPr>
+            <p:ph type="sldImg"/>
+          </p:nvPr>
+        </p:nvSpPr>
+        <p:spPr>
+          <a:xfrm>
+            <a:off x="960438" y="1143000"/>
+            <a:ext cx="4937125" cy="3086100"/>
+          </a:xfrm>
+        </p:spPr>
+      </p:sp>
+      <p:sp>
+        <p:nvSpPr>
+          <p:cNvPr id="3" name="Espace réservé des commentaires 2"/>
+          <p:cNvSpPr>
+            <a:spLocks noGrp="1"/>
+          </p:cNvSpPr>
+          <p:nvPr>
+            <p:ph type="body" idx="1"/>
+          </p:nvPr>
+        </p:nvSpPr>
+        <p:spPr/>
+        <p:txBody>
+          <a:bodyPr rtlCol="0"/>
+          <a:lstStyle/>
+          <a:p>
+            <a:pPr rtl="0"/>
+            <a:endParaRPr lang="fr-FR"/>
+          </a:p>
+        </p:txBody>
+      </p:sp>
+      <p:sp>
+        <p:nvSpPr>
+          <p:cNvPr id="4" name="Espace réservé du numéro de diapositive 3"/>
+          <p:cNvSpPr>
+            <a:spLocks noGrp="1"/>
+          </p:cNvSpPr>
+          <p:nvPr>
+            <p:ph type="sldNum" sz="quarter" idx="5"/>
+          </p:nvPr>
+        </p:nvSpPr>
+        <p:spPr/>
+        <p:txBody>
+          <a:bodyPr rtlCol="0"/>
+          <a:lstStyle/>
+          <a:p>
+            <a:pPr rtl="0"/>
+            <a:fld id="{C6B3AB32-59DF-41F1-9618-EDFBF5049629}" type="slidenum">
+              <a:rPr lang="fr-FR" smtClean="0"/>
+              <a:t>41</a:t>
+            </a:fld>
+            <a:endParaRPr lang="fr-FR"/>
+          </a:p>
+        </p:txBody>
+      </p:sp>
+    </p:spTree>
+    <p:extLst>
+      <p:ext uri="{BB962C8B-B14F-4D97-AF65-F5344CB8AC3E}">
+        <p14:creationId xmlns:p14="http://schemas.microsoft.com/office/powerpoint/2010/main" val="1027550445"/>
+      </p:ext>
+    </p:extLst>
+  </p:cSld>
+  <p:clrMapOvr>
+    <a:masterClrMapping/>
+  </p:clrMapOvr>
+</p:notes>
+</file>
+
 <file path=ppt/notesSlides/notesSlide2.xml><?xml version="1.0" encoding="utf-8"?>
 <p:notes xmlns:a="http://schemas.openxmlformats.org/drawingml/2006/main" xmlns:r="http://schemas.openxmlformats.org/officeDocument/2006/relationships" xmlns:p="http://schemas.openxmlformats.org/presentationml/2006/main">
   <p:cSld>
@@ -948,97 +1224,6 @@
       </p:grpSpPr>
       <p:sp>
         <p:nvSpPr>
-          <p:cNvPr id="2" name="Espace réservé de l’image des diapositives 1"/>
-          <p:cNvSpPr>
-            <a:spLocks noGrp="1" noRot="1" noChangeAspect="1"/>
-          </p:cNvSpPr>
-          <p:nvPr>
-            <p:ph type="sldImg"/>
-          </p:nvPr>
-        </p:nvSpPr>
-        <p:spPr>
-          <a:xfrm>
-            <a:off x="960438" y="1143000"/>
-            <a:ext cx="4937125" cy="3086100"/>
-          </a:xfrm>
-        </p:spPr>
-      </p:sp>
-      <p:sp>
-        <p:nvSpPr>
-          <p:cNvPr id="3" name="Espace réservé des commentaires 2"/>
-          <p:cNvSpPr>
-            <a:spLocks noGrp="1"/>
-          </p:cNvSpPr>
-          <p:nvPr>
-            <p:ph type="body" idx="1"/>
-          </p:nvPr>
-        </p:nvSpPr>
-        <p:spPr/>
-        <p:txBody>
-          <a:bodyPr rtlCol="0"/>
-          <a:lstStyle/>
-          <a:p>
-            <a:pPr rtl="0"/>
-            <a:endParaRPr lang="fr-FR"/>
-          </a:p>
-        </p:txBody>
-      </p:sp>
-      <p:sp>
-        <p:nvSpPr>
-          <p:cNvPr id="4" name="Espace réservé du numéro de diapositive 3"/>
-          <p:cNvSpPr>
-            <a:spLocks noGrp="1"/>
-          </p:cNvSpPr>
-          <p:nvPr>
-            <p:ph type="sldNum" sz="quarter" idx="5"/>
-          </p:nvPr>
-        </p:nvSpPr>
-        <p:spPr/>
-        <p:txBody>
-          <a:bodyPr rtlCol="0"/>
-          <a:lstStyle/>
-          <a:p>
-            <a:pPr rtl="0"/>
-            <a:fld id="{C6B3AB32-59DF-41F1-9618-EDFBF5049629}" type="slidenum">
-              <a:rPr lang="fr-FR" smtClean="0"/>
-              <a:t>8</a:t>
-            </a:fld>
-            <a:endParaRPr lang="fr-FR"/>
-          </a:p>
-        </p:txBody>
-      </p:sp>
-    </p:spTree>
-    <p:extLst>
-      <p:ext uri="{BB962C8B-B14F-4D97-AF65-F5344CB8AC3E}">
-        <p14:creationId xmlns:p14="http://schemas.microsoft.com/office/powerpoint/2010/main" val="1172857036"/>
-      </p:ext>
-    </p:extLst>
-  </p:cSld>
-  <p:clrMapOvr>
-    <a:masterClrMapping/>
-  </p:clrMapOvr>
-</p:notes>
-</file>
-
-<file path=ppt/notesSlides/notesSlide4.xml><?xml version="1.0" encoding="utf-8"?>
-<p:notes xmlns:a="http://schemas.openxmlformats.org/drawingml/2006/main" xmlns:r="http://schemas.openxmlformats.org/officeDocument/2006/relationships" xmlns:p="http://schemas.openxmlformats.org/presentationml/2006/main">
-  <p:cSld>
-    <p:spTree>
-      <p:nvGrpSpPr>
-        <p:cNvPr id="1" name=""/>
-        <p:cNvGrpSpPr/>
-        <p:nvPr/>
-      </p:nvGrpSpPr>
-      <p:grpSpPr>
-        <a:xfrm>
-          <a:off x="0" y="0"/>
-          <a:ext cx="0" cy="0"/>
-          <a:chOff x="0" y="0"/>
-          <a:chExt cx="0" cy="0"/>
-        </a:xfrm>
-      </p:grpSpPr>
-      <p:sp>
-        <p:nvSpPr>
           <p:cNvPr id="2" name="Espace réservé de l'image des diapositives 1"/>
           <p:cNvSpPr>
             <a:spLocks noGrp="1" noRot="1" noChangeAspect="1"/>
@@ -1064,6 +1249,22 @@
           <a:bodyPr/>
           <a:lstStyle/>
           <a:p>
+            <a:r>
+              <a:rPr lang="fr-FR" dirty="0" err="1" smtClean="0"/>
+              <a:t>Printf</a:t>
+            </a:r>
+            <a:r>
+              <a:rPr lang="fr-FR" dirty="0" smtClean="0"/>
+              <a:t> les architectures </a:t>
+            </a:r>
+            <a:r>
+              <a:rPr lang="fr-FR" dirty="0" err="1" smtClean="0"/>
+              <a:t>cuda</a:t>
+            </a:r>
+            <a:r>
+              <a:rPr lang="fr-FR" dirty="0" smtClean="0"/>
+              <a:t> 2.0</a:t>
+            </a:r>
             <a:endParaRPr lang="fr-FR" dirty="0"/>
           </a:p>
         </p:txBody>
@@ -1086,7 +1287,7 @@
             <a:pPr rtl="0"/>
             <a:fld id="{C6B3AB32-59DF-41F1-9618-EDFBF5049629}" type="slidenum">
               <a:rPr lang="fr-FR" noProof="0" smtClean="0"/>
-              <a:t>10</a:t>
+              <a:t>5</a:t>
             </a:fld>
             <a:endParaRPr lang="fr-FR" noProof="0"/>
           </a:p>
@@ -1095,7 +1296,7 @@
     </p:spTree>
     <p:extLst>
       <p:ext uri="{BB962C8B-B14F-4D97-AF65-F5344CB8AC3E}">
-        <p14:creationId xmlns:p14="http://schemas.microsoft.com/office/powerpoint/2010/main" val="1793353950"/>
+        <p14:creationId xmlns:p14="http://schemas.microsoft.com/office/powerpoint/2010/main" val="2134857782"/>
       </p:ext>
     </p:extLst>
   </p:cSld>
@@ -1105,7 +1306,7 @@
 </p:notes>
 </file>
 
-<file path=ppt/notesSlides/notesSlide5.xml><?xml version="1.0" encoding="utf-8"?>
+<file path=ppt/notesSlides/notesSlide4.xml><?xml version="1.0" encoding="utf-8"?>
 <p:notes xmlns:a="http://schemas.openxmlformats.org/drawingml/2006/main" xmlns:r="http://schemas.openxmlformats.org/officeDocument/2006/relationships" xmlns:p="http://schemas.openxmlformats.org/presentationml/2006/main">
   <p:cSld>
     <p:spTree>
@@ -1177,7 +1378,7 @@
             <a:pPr rtl="0"/>
             <a:fld id="{C6B3AB32-59DF-41F1-9618-EDFBF5049629}" type="slidenum">
               <a:rPr lang="fr-FR" smtClean="0"/>
-              <a:t>16</a:t>
+              <a:t>8</a:t>
             </a:fld>
             <a:endParaRPr lang="fr-FR"/>
           </a:p>
@@ -1186,7 +1387,121 @@
     </p:spTree>
     <p:extLst>
       <p:ext uri="{BB962C8B-B14F-4D97-AF65-F5344CB8AC3E}">
-        <p14:creationId xmlns:p14="http://schemas.microsoft.com/office/powerpoint/2010/main" val="1166827915"/>
+        <p14:creationId xmlns:p14="http://schemas.microsoft.com/office/powerpoint/2010/main" val="1172857036"/>
+      </p:ext>
+    </p:extLst>
+  </p:cSld>
+  <p:clrMapOvr>
+    <a:masterClrMapping/>
+  </p:clrMapOvr>
+</p:notes>
+</file>
+
+<file path=ppt/notesSlides/notesSlide5.xml><?xml version="1.0" encoding="utf-8"?>
+<p:notes xmlns:a="http://schemas.openxmlformats.org/drawingml/2006/main" xmlns:r="http://schemas.openxmlformats.org/officeDocument/2006/relationships" xmlns:p="http://schemas.openxmlformats.org/presentationml/2006/main">
+  <p:cSld>
+    <p:spTree>
+      <p:nvGrpSpPr>
+        <p:cNvPr id="1" name=""/>
+        <p:cNvGrpSpPr/>
+        <p:nvPr/>
+      </p:nvGrpSpPr>
+      <p:grpSpPr>
+        <a:xfrm>
+          <a:off x="0" y="0"/>
+          <a:ext cx="0" cy="0"/>
+          <a:chOff x="0" y="0"/>
+          <a:chExt cx="0" cy="0"/>
+        </a:xfrm>
+      </p:grpSpPr>
+      <p:sp>
+        <p:nvSpPr>
+          <p:cNvPr id="2" name="Espace réservé de l'image des diapositives 1"/>
+          <p:cNvSpPr>
+            <a:spLocks noGrp="1" noRot="1" noChangeAspect="1"/>
+          </p:cNvSpPr>
+          <p:nvPr>
+            <p:ph type="sldImg"/>
+          </p:nvPr>
+        </p:nvSpPr>
+        <p:spPr/>
+      </p:sp>
+      <p:sp>
+        <p:nvSpPr>
+          <p:cNvPr id="3" name="Espace réservé des notes 2"/>
+          <p:cNvSpPr>
+            <a:spLocks noGrp="1"/>
+          </p:cNvSpPr>
+          <p:nvPr>
+            <p:ph type="body" idx="1"/>
+          </p:nvPr>
+        </p:nvSpPr>
+        <p:spPr/>
+        <p:txBody>
+          <a:bodyPr/>
+          <a:lstStyle/>
+          <a:p>
+            <a:r>
+              <a:rPr lang="fr-FR" dirty="0" err="1" smtClean="0"/>
+              <a:t>Static</a:t>
+            </a:r>
+            <a:r>
+              <a:rPr lang="fr-FR" dirty="0" smtClean="0"/>
+              <a:t> vs global</a:t>
+            </a:r>
+          </a:p>
+          <a:p>
+            <a:r>
+              <a:rPr lang="fr-FR" dirty="0" err="1" smtClean="0"/>
+              <a:t>Static</a:t>
+            </a:r>
+            <a:r>
+              <a:rPr lang="fr-FR" baseline="0" dirty="0" smtClean="0"/>
+              <a:t> est valable dans un fichier </a:t>
+            </a:r>
+            <a:r>
+              <a:rPr lang="fr-FR" baseline="0" dirty="0" err="1" smtClean="0"/>
+              <a:t>cpp</a:t>
+            </a:r>
+            <a:endParaRPr lang="fr-FR" baseline="0" dirty="0" smtClean="0"/>
+          </a:p>
+          <a:p>
+            <a:r>
+              <a:rPr lang="fr-FR" dirty="0" smtClean="0"/>
+              <a:t>Global est valable partout</a:t>
+            </a:r>
+            <a:endParaRPr lang="fr-FR" dirty="0"/>
+          </a:p>
+        </p:txBody>
+      </p:sp>
+      <p:sp>
+        <p:nvSpPr>
+          <p:cNvPr id="4" name="Espace réservé du numéro de diapositive 3"/>
+          <p:cNvSpPr>
+            <a:spLocks noGrp="1"/>
+          </p:cNvSpPr>
+          <p:nvPr>
+            <p:ph type="sldNum" sz="quarter" idx="10"/>
+          </p:nvPr>
+        </p:nvSpPr>
+        <p:spPr/>
+        <p:txBody>
+          <a:bodyPr/>
+          <a:lstStyle/>
+          <a:p>
+            <a:pPr rtl="0"/>
+            <a:fld id="{C6B3AB32-59DF-41F1-9618-EDFBF5049629}" type="slidenum">
+              <a:rPr lang="fr-FR" noProof="0" smtClean="0"/>
+              <a:t>9</a:t>
+            </a:fld>
+            <a:endParaRPr lang="fr-FR" noProof="0"/>
+          </a:p>
+        </p:txBody>
+      </p:sp>
+    </p:spTree>
+    <p:extLst>
+      <p:ext uri="{BB962C8B-B14F-4D97-AF65-F5344CB8AC3E}">
+        <p14:creationId xmlns:p14="http://schemas.microsoft.com/office/powerpoint/2010/main" val="1199937529"/>
       </p:ext>
     </p:extLst>
   </p:cSld>
@@ -1215,7 +1530,7 @@
       </p:grpSpPr>
       <p:sp>
         <p:nvSpPr>
-          <p:cNvPr id="2" name="Espace réservé de l’image des diapositives 1"/>
+          <p:cNvPr id="2" name="Espace réservé de l'image des diapositives 1"/>
           <p:cNvSpPr>
             <a:spLocks noGrp="1" noRot="1" noChangeAspect="1"/>
           </p:cNvSpPr>
@@ -1223,16 +1538,11 @@
             <p:ph type="sldImg"/>
           </p:nvPr>
         </p:nvSpPr>
-        <p:spPr>
-          <a:xfrm>
-            <a:off x="960438" y="1143000"/>
-            <a:ext cx="4937125" cy="3086100"/>
-          </a:xfrm>
-        </p:spPr>
+        <p:spPr/>
       </p:sp>
       <p:sp>
         <p:nvSpPr>
-          <p:cNvPr id="3" name="Espace réservé des commentaires 2"/>
+          <p:cNvPr id="3" name="Espace réservé des notes 2"/>
           <p:cNvSpPr>
             <a:spLocks noGrp="1"/>
           </p:cNvSpPr>
@@ -1242,11 +1552,10 @@
         </p:nvSpPr>
         <p:spPr/>
         <p:txBody>
-          <a:bodyPr rtlCol="0"/>
+          <a:bodyPr/>
           <a:lstStyle/>
           <a:p>
-            <a:pPr rtl="0"/>
-            <a:endParaRPr lang="fr-FR"/>
+            <a:endParaRPr lang="fr-FR" dirty="0"/>
           </a:p>
         </p:txBody>
       </p:sp>
@@ -1257,27 +1566,27 @@
             <a:spLocks noGrp="1"/>
           </p:cNvSpPr>
           <p:nvPr>
-            <p:ph type="sldNum" sz="quarter" idx="5"/>
+            <p:ph type="sldNum" sz="quarter" idx="10"/>
           </p:nvPr>
         </p:nvSpPr>
         <p:spPr/>
         <p:txBody>
-          <a:bodyPr rtlCol="0"/>
+          <a:bodyPr/>
           <a:lstStyle/>
           <a:p>
             <a:pPr rtl="0"/>
             <a:fld id="{C6B3AB32-59DF-41F1-9618-EDFBF5049629}" type="slidenum">
-              <a:rPr lang="fr-FR" smtClean="0"/>
-              <a:t>27</a:t>
+              <a:rPr lang="fr-FR" noProof="0" smtClean="0"/>
+              <a:t>10</a:t>
             </a:fld>
-            <a:endParaRPr lang="fr-FR"/>
+            <a:endParaRPr lang="fr-FR" noProof="0"/>
           </a:p>
         </p:txBody>
       </p:sp>
     </p:spTree>
     <p:extLst>
       <p:ext uri="{BB962C8B-B14F-4D97-AF65-F5344CB8AC3E}">
-        <p14:creationId xmlns:p14="http://schemas.microsoft.com/office/powerpoint/2010/main" val="573105078"/>
+        <p14:creationId xmlns:p14="http://schemas.microsoft.com/office/powerpoint/2010/main" val="1793353950"/>
       </p:ext>
     </p:extLst>
   </p:cSld>
@@ -1359,7 +1668,7 @@
             <a:pPr rtl="0"/>
             <a:fld id="{C6B3AB32-59DF-41F1-9618-EDFBF5049629}" type="slidenum">
               <a:rPr lang="fr-FR" smtClean="0"/>
-              <a:t>34</a:t>
+              <a:t>16</a:t>
             </a:fld>
             <a:endParaRPr lang="fr-FR"/>
           </a:p>
@@ -1368,7 +1677,197 @@
     </p:spTree>
     <p:extLst>
       <p:ext uri="{BB962C8B-B14F-4D97-AF65-F5344CB8AC3E}">
-        <p14:creationId xmlns:p14="http://schemas.microsoft.com/office/powerpoint/2010/main" val="3785937158"/>
+        <p14:creationId xmlns:p14="http://schemas.microsoft.com/office/powerpoint/2010/main" val="1166827915"/>
+      </p:ext>
+    </p:extLst>
+  </p:cSld>
+  <p:clrMapOvr>
+    <a:masterClrMapping/>
+  </p:clrMapOvr>
+</p:notes>
+</file>
+
+<file path=ppt/notesSlides/notesSlide8.xml><?xml version="1.0" encoding="utf-8"?>
+<p:notes xmlns:a="http://schemas.openxmlformats.org/drawingml/2006/main" xmlns:r="http://schemas.openxmlformats.org/officeDocument/2006/relationships" xmlns:p="http://schemas.openxmlformats.org/presentationml/2006/main">
+  <p:cSld>
+    <p:spTree>
+      <p:nvGrpSpPr>
+        <p:cNvPr id="1" name=""/>
+        <p:cNvGrpSpPr/>
+        <p:nvPr/>
+      </p:nvGrpSpPr>
+      <p:grpSpPr>
+        <a:xfrm>
+          <a:off x="0" y="0"/>
+          <a:ext cx="0" cy="0"/>
+          <a:chOff x="0" y="0"/>
+          <a:chExt cx="0" cy="0"/>
+        </a:xfrm>
+      </p:grpSpPr>
+      <p:sp>
+        <p:nvSpPr>
+          <p:cNvPr id="2" name="Espace réservé de l'image des diapositives 1"/>
+          <p:cNvSpPr>
+            <a:spLocks noGrp="1" noRot="1" noChangeAspect="1"/>
+          </p:cNvSpPr>
+          <p:nvPr>
+            <p:ph type="sldImg"/>
+          </p:nvPr>
+        </p:nvSpPr>
+        <p:spPr/>
+      </p:sp>
+      <p:sp>
+        <p:nvSpPr>
+          <p:cNvPr id="3" name="Espace réservé des notes 2"/>
+          <p:cNvSpPr>
+            <a:spLocks noGrp="1"/>
+          </p:cNvSpPr>
+          <p:nvPr>
+            <p:ph type="body" idx="1"/>
+          </p:nvPr>
+        </p:nvSpPr>
+        <p:spPr/>
+        <p:txBody>
+          <a:bodyPr/>
+          <a:lstStyle/>
+          <a:p>
+            <a:r>
+              <a:rPr lang="fr-FR" dirty="0" smtClean="0"/>
+              <a:t>SIMT = SIMD avec</a:t>
+            </a:r>
+            <a:r>
+              <a:rPr lang="fr-FR" baseline="0" dirty="0" smtClean="0"/>
+              <a:t> des threads</a:t>
+            </a:r>
+            <a:endParaRPr lang="fr-FR" dirty="0"/>
+          </a:p>
+        </p:txBody>
+      </p:sp>
+      <p:sp>
+        <p:nvSpPr>
+          <p:cNvPr id="4" name="Espace réservé du numéro de diapositive 3"/>
+          <p:cNvSpPr>
+            <a:spLocks noGrp="1"/>
+          </p:cNvSpPr>
+          <p:nvPr>
+            <p:ph type="sldNum" sz="quarter" idx="10"/>
+          </p:nvPr>
+        </p:nvSpPr>
+        <p:spPr/>
+        <p:txBody>
+          <a:bodyPr/>
+          <a:lstStyle/>
+          <a:p>
+            <a:pPr rtl="0"/>
+            <a:fld id="{C6B3AB32-59DF-41F1-9618-EDFBF5049629}" type="slidenum">
+              <a:rPr lang="fr-FR" noProof="0" smtClean="0"/>
+              <a:t>17</a:t>
+            </a:fld>
+            <a:endParaRPr lang="fr-FR" noProof="0"/>
+          </a:p>
+        </p:txBody>
+      </p:sp>
+    </p:spTree>
+    <p:extLst>
+      <p:ext uri="{BB962C8B-B14F-4D97-AF65-F5344CB8AC3E}">
+        <p14:creationId xmlns:p14="http://schemas.microsoft.com/office/powerpoint/2010/main" val="2669487324"/>
+      </p:ext>
+    </p:extLst>
+  </p:cSld>
+  <p:clrMapOvr>
+    <a:masterClrMapping/>
+  </p:clrMapOvr>
+</p:notes>
+</file>
+
+<file path=ppt/notesSlides/notesSlide9.xml><?xml version="1.0" encoding="utf-8"?>
+<p:notes xmlns:a="http://schemas.openxmlformats.org/drawingml/2006/main" xmlns:r="http://schemas.openxmlformats.org/officeDocument/2006/relationships" xmlns:p="http://schemas.openxmlformats.org/presentationml/2006/main">
+  <p:cSld>
+    <p:spTree>
+      <p:nvGrpSpPr>
+        <p:cNvPr id="1" name=""/>
+        <p:cNvGrpSpPr/>
+        <p:nvPr/>
+      </p:nvGrpSpPr>
+      <p:grpSpPr>
+        <a:xfrm>
+          <a:off x="0" y="0"/>
+          <a:ext cx="0" cy="0"/>
+          <a:chOff x="0" y="0"/>
+          <a:chExt cx="0" cy="0"/>
+        </a:xfrm>
+      </p:grpSpPr>
+      <p:sp>
+        <p:nvSpPr>
+          <p:cNvPr id="2" name="Espace réservé de l'image des diapositives 1"/>
+          <p:cNvSpPr>
+            <a:spLocks noGrp="1" noRot="1" noChangeAspect="1"/>
+          </p:cNvSpPr>
+          <p:nvPr>
+            <p:ph type="sldImg"/>
+          </p:nvPr>
+        </p:nvSpPr>
+        <p:spPr/>
+      </p:sp>
+      <p:sp>
+        <p:nvSpPr>
+          <p:cNvPr id="3" name="Espace réservé des notes 2"/>
+          <p:cNvSpPr>
+            <a:spLocks noGrp="1"/>
+          </p:cNvSpPr>
+          <p:nvPr>
+            <p:ph type="body" idx="1"/>
+          </p:nvPr>
+        </p:nvSpPr>
+        <p:spPr/>
+        <p:txBody>
+          <a:bodyPr/>
+          <a:lstStyle/>
+          <a:p>
+            <a:r>
+              <a:rPr lang="fr-FR" dirty="0" smtClean="0"/>
+              <a:t>Démonstration sur</a:t>
+            </a:r>
+            <a:r>
+              <a:rPr lang="fr-FR" baseline="0" dirty="0" smtClean="0"/>
+              <a:t> reverse </a:t>
+            </a:r>
+            <a:r>
+              <a:rPr lang="fr-FR" baseline="0" dirty="0" err="1" smtClean="0"/>
+              <a:t>cud</a:t>
+            </a:r>
+            <a:endParaRPr lang="fr-FR" dirty="0"/>
+          </a:p>
+        </p:txBody>
+      </p:sp>
+      <p:sp>
+        <p:nvSpPr>
+          <p:cNvPr id="4" name="Espace réservé du numéro de diapositive 3"/>
+          <p:cNvSpPr>
+            <a:spLocks noGrp="1"/>
+          </p:cNvSpPr>
+          <p:nvPr>
+            <p:ph type="sldNum" sz="quarter" idx="10"/>
+          </p:nvPr>
+        </p:nvSpPr>
+        <p:spPr/>
+        <p:txBody>
+          <a:bodyPr/>
+          <a:lstStyle/>
+          <a:p>
+            <a:pPr rtl="0"/>
+            <a:fld id="{C6B3AB32-59DF-41F1-9618-EDFBF5049629}" type="slidenum">
+              <a:rPr lang="fr-FR" noProof="0" smtClean="0"/>
+              <a:t>20</a:t>
+            </a:fld>
+            <a:endParaRPr lang="fr-FR" noProof="0"/>
+          </a:p>
+        </p:txBody>
+      </p:sp>
+    </p:spTree>
+    <p:extLst>
+      <p:ext uri="{BB962C8B-B14F-4D97-AF65-F5344CB8AC3E}">
+        <p14:creationId xmlns:p14="http://schemas.microsoft.com/office/powerpoint/2010/main" val="2859169014"/>
       </p:ext>
     </p:extLst>
   </p:cSld>
@@ -1624,7 +2123,7 @@
             <a:pPr rtl="0"/>
             <a:fld id="{0403CD74-91A7-4B71-B298-50645341EDD4}" type="datetime1">
               <a:rPr lang="fr-FR" noProof="0" smtClean="0"/>
-              <a:t>09/02/2021</a:t>
+              <a:t>10/02/2021</a:t>
             </a:fld>
             <a:endParaRPr lang="fr-FR" noProof="0"/>
           </a:p>
@@ -1890,7 +2389,7 @@
             <a:pPr rtl="0"/>
             <a:fld id="{77B509D1-F8C0-4CA0-858B-2AEDA726DA78}" type="datetime1">
               <a:rPr lang="fr-FR" noProof="0" smtClean="0"/>
-              <a:t>09/02/2021</a:t>
+              <a:t>10/02/2021</a:t>
             </a:fld>
             <a:endParaRPr lang="fr-FR" noProof="0"/>
           </a:p>
@@ -2129,7 +2628,7 @@
             <a:pPr rtl="0"/>
             <a:fld id="{BFAD2B5B-47C2-4EBB-964D-B5C3690B6DFC}" type="datetime1">
               <a:rPr lang="fr-FR" noProof="0" smtClean="0"/>
-              <a:t>09/02/2021</a:t>
+              <a:t>10/02/2021</a:t>
             </a:fld>
             <a:endParaRPr lang="fr-FR" noProof="0"/>
           </a:p>
@@ -2378,7 +2877,7 @@
             <a:pPr rtl="0"/>
             <a:fld id="{4284DE75-DF3C-46A1-8E6B-C01542896712}" type="datetime1">
               <a:rPr lang="fr-FR" noProof="0" smtClean="0"/>
-              <a:t>09/02/2021</a:t>
+              <a:t>10/02/2021</a:t>
             </a:fld>
             <a:endParaRPr lang="fr-FR" noProof="0" dirty="0"/>
           </a:p>
@@ -2697,7 +3196,7 @@
             <a:pPr rtl="0"/>
             <a:fld id="{80CB3D2D-45DD-496C-AA6C-A93FD66473E3}" type="datetime1">
               <a:rPr lang="fr-FR" noProof="0" smtClean="0"/>
-              <a:t>09/02/2021</a:t>
+              <a:t>10/02/2021</a:t>
             </a:fld>
             <a:endParaRPr lang="fr-FR" noProof="0"/>
           </a:p>
@@ -3008,7 +3507,7 @@
             <a:pPr rtl="0"/>
             <a:fld id="{EFB18253-55B0-414F-8F02-5F24D4FE0C41}" type="datetime1">
               <a:rPr lang="fr-FR" noProof="0" smtClean="0"/>
-              <a:t>09/02/2021</a:t>
+              <a:t>10/02/2021</a:t>
             </a:fld>
             <a:endParaRPr lang="fr-FR" noProof="0"/>
           </a:p>
@@ -3449,7 +3948,7 @@
             <a:pPr rtl="0"/>
             <a:fld id="{A3DF8B3A-A2CC-4133-9F37-93D6DD187088}" type="datetime1">
               <a:rPr lang="fr-FR" noProof="0" smtClean="0"/>
-              <a:t>09/02/2021</a:t>
+              <a:t>10/02/2021</a:t>
             </a:fld>
             <a:endParaRPr lang="fr-FR" noProof="0"/>
           </a:p>
@@ -3561,7 +4060,7 @@
             <a:pPr rtl="0"/>
             <a:fld id="{3A376707-662B-440F-A345-984A712059E4}" type="datetime1">
               <a:rPr lang="fr-FR" noProof="0" smtClean="0"/>
-              <a:t>09/02/2021</a:t>
+              <a:t>10/02/2021</a:t>
             </a:fld>
             <a:endParaRPr lang="fr-FR" noProof="0"/>
           </a:p>
@@ -3727,7 +4226,7 @@
             <a:pPr rtl="0"/>
             <a:fld id="{8467424E-3337-4E92-BEE1-F720AC49DD1E}" type="datetime1">
               <a:rPr lang="fr-FR" noProof="0" smtClean="0"/>
-              <a:t>09/02/2021</a:t>
+              <a:t>10/02/2021</a:t>
             </a:fld>
             <a:endParaRPr lang="fr-FR" noProof="0"/>
           </a:p>
@@ -4109,7 +4608,7 @@
             <a:pPr rtl="0"/>
             <a:fld id="{D6D64502-6BA4-4CC8-8A3D-2A27850A7A08}" type="datetime1">
               <a:rPr lang="fr-FR" noProof="0" smtClean="0"/>
-              <a:t>09/02/2021</a:t>
+              <a:t>10/02/2021</a:t>
             </a:fld>
             <a:endParaRPr lang="fr-FR" noProof="0"/>
           </a:p>
@@ -4402,7 +4901,7 @@
             <a:pPr rtl="0"/>
             <a:fld id="{01C10578-73C0-4732-A884-D24ACCC97C87}" type="datetime1">
               <a:rPr lang="fr-FR" noProof="0" smtClean="0"/>
-              <a:t>09/02/2021</a:t>
+              <a:t>10/02/2021</a:t>
             </a:fld>
             <a:endParaRPr lang="fr-FR" noProof="0"/>
           </a:p>
@@ -4617,7 +5116,7 @@
             <a:pPr rtl="0"/>
             <a:fld id="{A4C732EE-BF7E-4015-ABFF-6CDED879EEBC}" type="datetime1">
               <a:rPr lang="fr-FR" noProof="0" smtClean="0"/>
-              <a:t>09/02/2021</a:t>
+              <a:t>10/02/2021</a:t>
             </a:fld>
             <a:endParaRPr lang="fr-FR" noProof="0"/>
           </a:p>
@@ -5380,28 +5879,12 @@
               <a:t>Formation interne </a:t>
             </a:r>
             <a:r>
-              <a:rPr lang="fr-FR" dirty="0" err="1" smtClean="0">
+              <a:rPr lang="fr-FR" dirty="0" smtClean="0">
                 <a:solidFill>
                   <a:srgbClr val="7CEBFF"/>
                 </a:solidFill>
               </a:rPr>
               <a:t>scalian</a:t>
-            </a:r>
-            <a:r>
-              <a:rPr lang="fr-FR" dirty="0">
-                <a:solidFill>
-                  <a:srgbClr val="7CEBFF"/>
-                </a:solidFill>
-              </a:rPr>
-              <a:t> </a:t>
-            </a:r>
-            <a:r>
-              <a:rPr lang="fr-FR" dirty="0" smtClean="0">
-                <a:solidFill>
-                  <a:srgbClr val="7CEBFF"/>
-                </a:solidFill>
-              </a:rPr>
-              <a:t>les 7 et 8 décembre 2020</a:t>
             </a:r>
             <a:endParaRPr lang="fr-FR" dirty="0">
               <a:solidFill>
@@ -6787,7 +7270,7 @@
         </p:spPr>
         <p:txBody>
           <a:bodyPr lIns="90000" tIns="46800" rIns="90000" bIns="46800">
-            <a:normAutofit fontScale="77500" lnSpcReduction="20000"/>
+            <a:normAutofit fontScale="85000" lnSpcReduction="20000"/>
           </a:bodyPr>
           <a:lstStyle/>
           <a:p>
@@ -6827,7 +7310,7 @@
             </a:endParaRPr>
           </a:p>
           <a:p>
-            <a:pPr marL="741600" lvl="1" indent="-284400">
+            <a:pPr marL="659700" lvl="2" indent="0">
               <a:spcBef>
                 <a:spcPts val="448"/>
               </a:spcBef>
@@ -6835,11 +7318,10 @@
                 <a:srgbClr val="FF950E"/>
               </a:buClr>
               <a:buSzPct val="45000"/>
-              <a:buFont typeface="Wingdings" charset="2"/>
-              <a:buChar char=""/>
+              <a:buNone/>
             </a:pPr>
             <a:r>
-              <a:rPr lang="fr-FR" sz="1800" b="0" strike="noStrike" spc="-1" dirty="0" err="1">
+              <a:rPr lang="fr-FR" sz="1650" b="0" strike="noStrike" spc="-1" dirty="0" err="1">
                 <a:solidFill>
                   <a:srgbClr val="0A3071"/>
                 </a:solidFill>
@@ -6848,7 +7330,7 @@
               <a:t>cudaError_t</a:t>
             </a:r>
             <a:r>
-              <a:rPr lang="fr-FR" sz="1800" b="0" strike="noStrike" spc="-1" dirty="0">
+              <a:rPr lang="fr-FR" sz="1650" b="0" strike="noStrike" spc="-1" dirty="0">
                 <a:solidFill>
                   <a:srgbClr val="0A3071"/>
                 </a:solidFill>
@@ -6857,7 +7339,7 @@
               <a:t> </a:t>
             </a:r>
             <a:r>
-              <a:rPr lang="fr-FR" sz="1800" b="1" strike="noStrike" spc="-1" dirty="0" err="1">
+              <a:rPr lang="fr-FR" sz="1650" b="1" strike="noStrike" spc="-1" dirty="0" err="1">
                 <a:solidFill>
                   <a:srgbClr val="0A3071"/>
                 </a:solidFill>
@@ -6866,7 +7348,7 @@
               <a:t>cudaMemcpy</a:t>
             </a:r>
             <a:r>
-              <a:rPr lang="fr-FR" sz="1800" b="1" strike="noStrike" spc="-1" dirty="0">
+              <a:rPr lang="fr-FR" sz="1650" b="1" strike="noStrike" spc="-1" dirty="0">
                 <a:solidFill>
                   <a:srgbClr val="0A3071"/>
                 </a:solidFill>
@@ -6875,7 +7357,7 @@
               <a:t> </a:t>
             </a:r>
             <a:r>
-              <a:rPr lang="fr-FR" sz="1800" b="0" strike="noStrike" spc="-1" dirty="0">
+              <a:rPr lang="fr-FR" sz="1650" b="0" strike="noStrike" spc="-1" dirty="0">
                 <a:solidFill>
                   <a:srgbClr val="0A3071"/>
                 </a:solidFill>
@@ -6884,7 +7366,7 @@
               <a:t>( </a:t>
             </a:r>
             <a:r>
-              <a:rPr lang="fr-FR" sz="1800" b="0" strike="noStrike" spc="-1" dirty="0" err="1">
+              <a:rPr lang="fr-FR" sz="1650" b="0" strike="noStrike" spc="-1" dirty="0" err="1">
                 <a:solidFill>
                   <a:srgbClr val="0A3071"/>
                 </a:solidFill>
@@ -6893,7 +7375,7 @@
               <a:t>void</a:t>
             </a:r>
             <a:r>
-              <a:rPr lang="fr-FR" sz="1800" b="0" strike="noStrike" spc="-1" dirty="0">
+              <a:rPr lang="fr-FR" sz="1650" b="0" strike="noStrike" spc="-1" dirty="0">
                 <a:solidFill>
                   <a:srgbClr val="0A3071"/>
                 </a:solidFill>
@@ -6902,7 +7384,7 @@
               <a:t> * dst,            </a:t>
             </a:r>
             <a:r>
-              <a:rPr lang="fr-FR" sz="1800" b="0" strike="noStrike" spc="-1" dirty="0">
+              <a:rPr lang="fr-FR" sz="1650" b="0" strike="noStrike" spc="-1" dirty="0">
                 <a:solidFill>
                   <a:srgbClr val="008000"/>
                 </a:solidFill>
@@ -6910,7 +7392,7 @@
               </a:rPr>
               <a:t>// Adresse du buffer destination</a:t>
             </a:r>
-            <a:endParaRPr lang="fr-FR" sz="1800" b="0" strike="noStrike" spc="-1" dirty="0">
+            <a:endParaRPr lang="fr-FR" sz="1650" b="0" strike="noStrike" spc="-1" dirty="0">
               <a:solidFill>
                 <a:srgbClr val="0A3071"/>
               </a:solidFill>
@@ -6918,7 +7400,7 @@
             </a:endParaRPr>
           </a:p>
           <a:p>
-            <a:pPr marL="741600" lvl="1" indent="-284400">
+            <a:pPr marL="659700" lvl="2" indent="0">
               <a:spcBef>
                 <a:spcPts val="448"/>
               </a:spcBef>
@@ -6926,11 +7408,10 @@
                 <a:srgbClr val="FF950E"/>
               </a:buClr>
               <a:buSzPct val="45000"/>
-              <a:buFont typeface="Wingdings" charset="2"/>
-              <a:buChar char=""/>
+              <a:buNone/>
             </a:pPr>
             <a:r>
-              <a:rPr lang="fr-FR" sz="1800" b="0" strike="noStrike" spc="-1" dirty="0">
+              <a:rPr lang="fr-FR" sz="1650" b="0" strike="noStrike" spc="-1" dirty="0">
                 <a:solidFill>
                   <a:srgbClr val="0A3071"/>
                 </a:solidFill>
@@ -6939,7 +7420,7 @@
               <a:t>                                              </a:t>
             </a:r>
             <a:r>
-              <a:rPr lang="fr-FR" sz="1800" b="0" strike="noStrike" spc="-1" dirty="0" err="1">
+              <a:rPr lang="fr-FR" sz="1650" b="0" strike="noStrike" spc="-1" dirty="0" err="1">
                 <a:solidFill>
                   <a:srgbClr val="0A3071"/>
                 </a:solidFill>
@@ -6948,7 +7429,7 @@
               <a:t>const</a:t>
             </a:r>
             <a:r>
-              <a:rPr lang="fr-FR" sz="1800" b="0" strike="noStrike" spc="-1" dirty="0">
+              <a:rPr lang="fr-FR" sz="1650" b="0" strike="noStrike" spc="-1" dirty="0">
                 <a:solidFill>
                   <a:srgbClr val="0A3071"/>
                 </a:solidFill>
@@ -6957,7 +7438,7 @@
               <a:t> </a:t>
             </a:r>
             <a:r>
-              <a:rPr lang="fr-FR" sz="1800" b="0" strike="noStrike" spc="-1" dirty="0" err="1">
+              <a:rPr lang="fr-FR" sz="1650" b="0" strike="noStrike" spc="-1" dirty="0" err="1">
                 <a:solidFill>
                   <a:srgbClr val="0A3071"/>
                 </a:solidFill>
@@ -6966,7 +7447,7 @@
               <a:t>void</a:t>
             </a:r>
             <a:r>
-              <a:rPr lang="fr-FR" sz="1800" b="0" strike="noStrike" spc="-1" dirty="0">
+              <a:rPr lang="fr-FR" sz="1650" b="0" strike="noStrike" spc="-1" dirty="0">
                 <a:solidFill>
                   <a:srgbClr val="0A3071"/>
                 </a:solidFill>
@@ -6975,7 +7456,7 @@
               <a:t> * </a:t>
             </a:r>
             <a:r>
-              <a:rPr lang="fr-FR" sz="1800" b="0" strike="noStrike" spc="-1" dirty="0" err="1">
+              <a:rPr lang="fr-FR" sz="1650" b="0" strike="noStrike" spc="-1" dirty="0" err="1">
                 <a:solidFill>
                   <a:srgbClr val="0A3071"/>
                 </a:solidFill>
@@ -6984,7 +7465,7 @@
               <a:t>src</a:t>
             </a:r>
             <a:r>
-              <a:rPr lang="fr-FR" sz="1800" b="0" strike="noStrike" spc="-1" dirty="0">
+              <a:rPr lang="fr-FR" sz="1650" b="0" strike="noStrike" spc="-1" dirty="0">
                 <a:solidFill>
                   <a:srgbClr val="0A3071"/>
                 </a:solidFill>
@@ -6993,7 +7474,7 @@
               <a:t>,  </a:t>
             </a:r>
             <a:r>
-              <a:rPr lang="fr-FR" sz="1800" b="0" strike="noStrike" spc="-1" dirty="0">
+              <a:rPr lang="fr-FR" sz="1650" b="0" strike="noStrike" spc="-1" dirty="0">
                 <a:solidFill>
                   <a:srgbClr val="008000"/>
                 </a:solidFill>
@@ -7001,7 +7482,7 @@
               </a:rPr>
               <a:t>// Adresse du buffer source</a:t>
             </a:r>
-            <a:endParaRPr lang="fr-FR" sz="1800" b="0" strike="noStrike" spc="-1" dirty="0">
+            <a:endParaRPr lang="fr-FR" sz="1650" b="0" strike="noStrike" spc="-1" dirty="0">
               <a:solidFill>
                 <a:srgbClr val="0A3071"/>
               </a:solidFill>
@@ -7009,7 +7490,7 @@
             </a:endParaRPr>
           </a:p>
           <a:p>
-            <a:pPr marL="741600" lvl="1" indent="-284400">
+            <a:pPr marL="659700" lvl="2" indent="0">
               <a:spcBef>
                 <a:spcPts val="448"/>
               </a:spcBef>
@@ -7017,11 +7498,10 @@
                 <a:srgbClr val="FF950E"/>
               </a:buClr>
               <a:buSzPct val="45000"/>
-              <a:buFont typeface="Wingdings" charset="2"/>
-              <a:buChar char=""/>
+              <a:buNone/>
             </a:pPr>
             <a:r>
-              <a:rPr lang="fr-FR" sz="1800" b="0" strike="noStrike" spc="-1" dirty="0">
+              <a:rPr lang="fr-FR" sz="1650" b="0" strike="noStrike" spc="-1" dirty="0">
                 <a:solidFill>
                   <a:srgbClr val="0A3071"/>
                 </a:solidFill>
@@ -7030,7 +7510,7 @@
               <a:t>                                              </a:t>
             </a:r>
             <a:r>
-              <a:rPr lang="fr-FR" sz="1800" b="0" strike="noStrike" spc="-1" dirty="0" err="1">
+              <a:rPr lang="fr-FR" sz="1650" b="0" strike="noStrike" spc="-1" dirty="0" err="1">
                 <a:solidFill>
                   <a:srgbClr val="0A3071"/>
                 </a:solidFill>
@@ -7039,7 +7519,7 @@
               <a:t>size_t</a:t>
             </a:r>
             <a:r>
-              <a:rPr lang="fr-FR" sz="1800" b="0" strike="noStrike" spc="-1" dirty="0">
+              <a:rPr lang="fr-FR" sz="1650" b="0" strike="noStrike" spc="-1" dirty="0">
                 <a:solidFill>
                   <a:srgbClr val="0A3071"/>
                 </a:solidFill>
@@ -7048,7 +7528,7 @@
               <a:t> count,       </a:t>
             </a:r>
             <a:r>
-              <a:rPr lang="fr-FR" sz="1800" b="0" strike="noStrike" spc="-1" dirty="0">
+              <a:rPr lang="fr-FR" sz="1650" b="0" strike="noStrike" spc="-1" dirty="0">
                 <a:solidFill>
                   <a:srgbClr val="008000"/>
                 </a:solidFill>
@@ -7056,7 +7536,7 @@
               </a:rPr>
               <a:t>// Taille des données à transférer (octets)</a:t>
             </a:r>
-            <a:endParaRPr lang="fr-FR" sz="1800" b="0" strike="noStrike" spc="-1" dirty="0">
+            <a:endParaRPr lang="fr-FR" sz="1650" b="0" strike="noStrike" spc="-1" dirty="0">
               <a:solidFill>
                 <a:srgbClr val="0A3071"/>
               </a:solidFill>
@@ -7064,7 +7544,7 @@
             </a:endParaRPr>
           </a:p>
           <a:p>
-            <a:pPr marL="741600" lvl="1" indent="-284400">
+            <a:pPr marL="659700" lvl="2" indent="0">
               <a:spcBef>
                 <a:spcPts val="448"/>
               </a:spcBef>
@@ -7072,11 +7552,10 @@
                 <a:srgbClr val="FF950E"/>
               </a:buClr>
               <a:buSzPct val="45000"/>
-              <a:buFont typeface="Wingdings" charset="2"/>
-              <a:buChar char=""/>
+              <a:buNone/>
             </a:pPr>
             <a:r>
-              <a:rPr lang="fr-FR" sz="1800" b="0" strike="noStrike" spc="-1" dirty="0">
+              <a:rPr lang="fr-FR" sz="1650" b="0" strike="noStrike" spc="-1" dirty="0">
                 <a:solidFill>
                   <a:srgbClr val="0A3071"/>
                 </a:solidFill>
@@ -7085,7 +7564,7 @@
               <a:t>                                              </a:t>
             </a:r>
             <a:r>
-              <a:rPr lang="fr-FR" sz="1800" b="0" strike="noStrike" spc="-1" dirty="0" err="1">
+              <a:rPr lang="fr-FR" sz="1650" b="0" strike="noStrike" spc="-1" dirty="0" err="1">
                 <a:solidFill>
                   <a:srgbClr val="0A3071"/>
                 </a:solidFill>
@@ -7094,7 +7573,7 @@
               <a:t>enum</a:t>
             </a:r>
             <a:r>
-              <a:rPr lang="fr-FR" sz="1800" b="0" strike="noStrike" spc="-1" dirty="0">
+              <a:rPr lang="fr-FR" sz="1650" b="0" strike="noStrike" spc="-1" dirty="0">
                 <a:solidFill>
                   <a:srgbClr val="0A3071"/>
                 </a:solidFill>
@@ -7103,7 +7582,7 @@
               <a:t> </a:t>
             </a:r>
             <a:r>
-              <a:rPr lang="fr-FR" sz="1800" b="0" strike="noStrike" spc="-1" dirty="0" err="1">
+              <a:rPr lang="fr-FR" sz="1650" b="0" strike="noStrike" spc="-1" dirty="0" err="1">
                 <a:solidFill>
                   <a:srgbClr val="0A3071"/>
                 </a:solidFill>
@@ -7112,7 +7591,7 @@
               <a:t>cudaMemcpyKind</a:t>
             </a:r>
             <a:r>
-              <a:rPr lang="fr-FR" sz="1800" b="0" strike="noStrike" spc="-1" dirty="0">
+              <a:rPr lang="fr-FR" sz="1650" b="0" strike="noStrike" spc="-1" dirty="0">
                 <a:solidFill>
                   <a:srgbClr val="0A3071"/>
                 </a:solidFill>
@@ -7121,7 +7600,7 @@
               <a:t> </a:t>
             </a:r>
             <a:r>
-              <a:rPr lang="fr-FR" sz="1800" b="0" strike="noStrike" spc="-1" dirty="0" err="1">
+              <a:rPr lang="fr-FR" sz="1650" b="0" strike="noStrike" spc="-1" dirty="0" err="1">
                 <a:solidFill>
                   <a:srgbClr val="0A3071"/>
                 </a:solidFill>
@@ -7130,7 +7609,7 @@
               <a:t>kind</a:t>
             </a:r>
             <a:r>
-              <a:rPr lang="fr-FR" sz="1800" b="0" strike="noStrike" spc="-1" dirty="0">
+              <a:rPr lang="fr-FR" sz="1650" b="0" strike="noStrike" spc="-1" dirty="0">
                 <a:solidFill>
                   <a:srgbClr val="0A3071"/>
                 </a:solidFill>
@@ -7139,7 +7618,7 @@
               <a:t> ) ;   </a:t>
             </a:r>
             <a:r>
-              <a:rPr lang="fr-FR" sz="1800" b="0" strike="noStrike" spc="-1" dirty="0">
+              <a:rPr lang="fr-FR" sz="1650" b="0" strike="noStrike" spc="-1" dirty="0">
                 <a:solidFill>
                   <a:srgbClr val="008000"/>
                 </a:solidFill>
@@ -7147,7 +7626,7 @@
               </a:rPr>
               <a:t>// Sens de la copie</a:t>
             </a:r>
-            <a:endParaRPr lang="fr-FR" sz="1800" b="0" strike="noStrike" spc="-1" dirty="0">
+            <a:endParaRPr lang="fr-FR" sz="1650" b="0" strike="noStrike" spc="-1" dirty="0">
               <a:solidFill>
                 <a:srgbClr val="0A3071"/>
               </a:solidFill>
@@ -7176,7 +7655,7 @@
             </a:r>
           </a:p>
           <a:p>
-            <a:pPr marL="741600" lvl="1" indent="-284400">
+            <a:pPr marL="659700" lvl="2" indent="0">
               <a:spcBef>
                 <a:spcPts val="448"/>
               </a:spcBef>
@@ -7184,11 +7663,10 @@
                 <a:srgbClr val="FF950E"/>
               </a:buClr>
               <a:buSzPct val="45000"/>
-              <a:buFont typeface="Wingdings" charset="2"/>
-              <a:buChar char=""/>
+              <a:buNone/>
             </a:pPr>
             <a:r>
-              <a:rPr lang="fr-FR" sz="1800" b="0" strike="noStrike" spc="-1" dirty="0" err="1">
+              <a:rPr lang="fr-FR" sz="1650" b="0" strike="noStrike" spc="-1" dirty="0" err="1">
                 <a:solidFill>
                   <a:srgbClr val="0A3071"/>
                 </a:solidFill>
@@ -7197,7 +7675,7 @@
               <a:t>enum</a:t>
             </a:r>
             <a:r>
-              <a:rPr lang="fr-FR" sz="1800" b="0" strike="noStrike" spc="-1" dirty="0">
+              <a:rPr lang="fr-FR" sz="1650" b="0" strike="noStrike" spc="-1" dirty="0">
                 <a:solidFill>
                   <a:srgbClr val="0A3071"/>
                 </a:solidFill>
@@ -7206,7 +7684,7 @@
               <a:t> </a:t>
             </a:r>
             <a:r>
-              <a:rPr lang="fr-FR" sz="1800" b="1" strike="noStrike" spc="-1" dirty="0" err="1">
+              <a:rPr lang="fr-FR" sz="1650" b="1" strike="noStrike" spc="-1" dirty="0" err="1">
                 <a:solidFill>
                   <a:srgbClr val="0A3071"/>
                 </a:solidFill>
@@ -7215,7 +7693,7 @@
               <a:t>cudaMemcpyKind</a:t>
             </a:r>
             <a:r>
-              <a:rPr lang="fr-FR" sz="1800" b="0" strike="noStrike" spc="-1" dirty="0">
+              <a:rPr lang="fr-FR" sz="1650" b="0" strike="noStrike" spc="-1" dirty="0">
                 <a:solidFill>
                   <a:srgbClr val="0A3071"/>
                 </a:solidFill>
@@ -7225,7 +7703,7 @@
             </a:r>
           </a:p>
           <a:p>
-            <a:pPr marL="741600" lvl="1" indent="-284400">
+            <a:pPr marL="659700" lvl="2" indent="0">
               <a:spcBef>
                 <a:spcPts val="448"/>
               </a:spcBef>
@@ -7233,11 +7711,10 @@
                 <a:srgbClr val="FF950E"/>
               </a:buClr>
               <a:buSzPct val="45000"/>
-              <a:buFont typeface="Wingdings" charset="2"/>
-              <a:buChar char=""/>
+              <a:buNone/>
             </a:pPr>
             <a:r>
-              <a:rPr lang="fr-FR" sz="1800" b="0" strike="noStrike" spc="-1" dirty="0">
+              <a:rPr lang="fr-FR" sz="1650" b="0" strike="noStrike" spc="-1" dirty="0">
                 <a:solidFill>
                   <a:srgbClr val="0A3071"/>
                 </a:solidFill>
@@ -7246,7 +7723,7 @@
               <a:t>          </a:t>
             </a:r>
             <a:r>
-              <a:rPr lang="fr-FR" sz="1800" b="0" strike="noStrike" spc="-1" dirty="0" err="1">
+              <a:rPr lang="fr-FR" sz="1650" b="0" strike="noStrike" spc="-1" dirty="0" err="1">
                 <a:solidFill>
                   <a:srgbClr val="0A3071"/>
                 </a:solidFill>
@@ -7255,7 +7732,7 @@
               <a:t>cudaMemcpyHostToHost</a:t>
             </a:r>
             <a:r>
-              <a:rPr lang="fr-FR" sz="1800" b="0" strike="noStrike" spc="-1" dirty="0">
+              <a:rPr lang="fr-FR" sz="1650" b="0" strike="noStrike" spc="-1" dirty="0">
                 <a:solidFill>
                   <a:srgbClr val="0A3071"/>
                 </a:solidFill>
@@ -7265,7 +7742,7 @@
             </a:r>
           </a:p>
           <a:p>
-            <a:pPr marL="741600" lvl="1" indent="-284400">
+            <a:pPr marL="659700" lvl="2" indent="0">
               <a:spcBef>
                 <a:spcPts val="448"/>
               </a:spcBef>
@@ -7273,11 +7750,10 @@
                 <a:srgbClr val="FF950E"/>
               </a:buClr>
               <a:buSzPct val="45000"/>
-              <a:buFont typeface="Wingdings" charset="2"/>
-              <a:buChar char=""/>
+              <a:buNone/>
             </a:pPr>
             <a:r>
-              <a:rPr lang="fr-FR" sz="1800" b="0" strike="noStrike" spc="-1" dirty="0">
+              <a:rPr lang="fr-FR" sz="1650" b="0" strike="noStrike" spc="-1" dirty="0">
                 <a:solidFill>
                   <a:srgbClr val="0A3071"/>
                 </a:solidFill>
@@ -7286,7 +7762,7 @@
               <a:t>          </a:t>
             </a:r>
             <a:r>
-              <a:rPr lang="fr-FR" sz="1800" b="1" strike="noStrike" spc="-1" dirty="0" err="1">
+              <a:rPr lang="fr-FR" sz="1650" b="1" strike="noStrike" spc="-1" dirty="0" err="1">
                 <a:solidFill>
                   <a:srgbClr val="0A3071"/>
                 </a:solidFill>
@@ -7295,7 +7771,7 @@
               <a:t>cudaMemcpyHostToDevice</a:t>
             </a:r>
             <a:r>
-              <a:rPr lang="fr-FR" sz="1800" b="0" strike="noStrike" spc="-1" dirty="0">
+              <a:rPr lang="fr-FR" sz="1650" b="0" strike="noStrike" spc="-1" dirty="0">
                 <a:solidFill>
                   <a:srgbClr val="0A3071"/>
                 </a:solidFill>
@@ -7305,7 +7781,7 @@
             </a:r>
           </a:p>
           <a:p>
-            <a:pPr marL="741600" lvl="1" indent="-284400">
+            <a:pPr marL="659700" lvl="2" indent="0">
               <a:spcBef>
                 <a:spcPts val="448"/>
               </a:spcBef>
@@ -7313,11 +7789,10 @@
                 <a:srgbClr val="FF950E"/>
               </a:buClr>
               <a:buSzPct val="45000"/>
-              <a:buFont typeface="Wingdings" charset="2"/>
-              <a:buChar char=""/>
+              <a:buNone/>
             </a:pPr>
             <a:r>
-              <a:rPr lang="fr-FR" sz="1800" b="0" strike="noStrike" spc="-1" dirty="0">
+              <a:rPr lang="fr-FR" sz="1650" b="0" strike="noStrike" spc="-1" dirty="0">
                 <a:solidFill>
                   <a:srgbClr val="0A3071"/>
                 </a:solidFill>
@@ -7326,7 +7801,7 @@
               <a:t>          </a:t>
             </a:r>
             <a:r>
-              <a:rPr lang="fr-FR" sz="1800" b="1" strike="noStrike" spc="-1" dirty="0" err="1">
+              <a:rPr lang="fr-FR" sz="1650" b="1" strike="noStrike" spc="-1" dirty="0" err="1">
                 <a:solidFill>
                   <a:srgbClr val="0A3071"/>
                 </a:solidFill>
@@ -7335,7 +7810,7 @@
               <a:t>cudaMemcpyDeviceToHost</a:t>
             </a:r>
             <a:r>
-              <a:rPr lang="fr-FR" sz="1800" b="0" strike="noStrike" spc="-1" dirty="0">
+              <a:rPr lang="fr-FR" sz="1650" b="0" strike="noStrike" spc="-1" dirty="0">
                 <a:solidFill>
                   <a:srgbClr val="0A3071"/>
                 </a:solidFill>
@@ -7345,7 +7820,7 @@
             </a:r>
           </a:p>
           <a:p>
-            <a:pPr marL="741600" lvl="1" indent="-284400">
+            <a:pPr marL="659700" lvl="2" indent="0">
               <a:spcBef>
                 <a:spcPts val="448"/>
               </a:spcBef>
@@ -7353,11 +7828,10 @@
                 <a:srgbClr val="FF950E"/>
               </a:buClr>
               <a:buSzPct val="45000"/>
-              <a:buFont typeface="Wingdings" charset="2"/>
-              <a:buChar char=""/>
+              <a:buNone/>
             </a:pPr>
             <a:r>
-              <a:rPr lang="fr-FR" sz="1800" b="0" strike="noStrike" spc="-1" dirty="0">
+              <a:rPr lang="fr-FR" sz="1650" b="0" strike="noStrike" spc="-1" dirty="0">
                 <a:solidFill>
                   <a:srgbClr val="0A3071"/>
                 </a:solidFill>
@@ -7366,7 +7840,7 @@
               <a:t>          </a:t>
             </a:r>
             <a:r>
-              <a:rPr lang="fr-FR" sz="1800" b="0" strike="noStrike" spc="-1" dirty="0" err="1">
+              <a:rPr lang="fr-FR" sz="1650" b="0" strike="noStrike" spc="-1" dirty="0" err="1">
                 <a:solidFill>
                   <a:srgbClr val="0A3071"/>
                 </a:solidFill>
@@ -7375,7 +7849,7 @@
               <a:t>cudaMemcpyDeviceToDevice</a:t>
             </a:r>
             <a:r>
-              <a:rPr lang="fr-FR" sz="1800" b="0" strike="noStrike" spc="-1" dirty="0">
+              <a:rPr lang="fr-FR" sz="1650" b="0" strike="noStrike" spc="-1" dirty="0">
                 <a:solidFill>
                   <a:srgbClr val="0A3071"/>
                 </a:solidFill>
@@ -7385,7 +7859,7 @@
             </a:r>
           </a:p>
           <a:p>
-            <a:pPr marL="741600" lvl="1" indent="-284400">
+            <a:pPr marL="659700" lvl="2" indent="0">
               <a:spcBef>
                 <a:spcPts val="448"/>
               </a:spcBef>
@@ -7393,11 +7867,10 @@
                 <a:srgbClr val="FF950E"/>
               </a:buClr>
               <a:buSzPct val="45000"/>
-              <a:buFont typeface="Wingdings" charset="2"/>
-              <a:buChar char=""/>
+              <a:buNone/>
             </a:pPr>
             <a:r>
-              <a:rPr lang="fr-FR" sz="1800" b="0" strike="noStrike" spc="-1" dirty="0">
+              <a:rPr lang="fr-FR" sz="1650" b="0" strike="noStrike" spc="-1" dirty="0">
                 <a:solidFill>
                   <a:srgbClr val="0A3071"/>
                 </a:solidFill>
@@ -7406,7 +7879,7 @@
               <a:t>          </a:t>
             </a:r>
             <a:r>
-              <a:rPr lang="fr-FR" sz="1800" b="0" strike="noStrike" spc="-1" dirty="0" err="1" smtClean="0">
+              <a:rPr lang="fr-FR" sz="1650" b="0" strike="noStrike" spc="-1" dirty="0" err="1" smtClean="0">
                 <a:solidFill>
                   <a:srgbClr val="0A3071"/>
                 </a:solidFill>
@@ -7414,7 +7887,7 @@
               </a:rPr>
               <a:t>cudaMemcpyDefault</a:t>
             </a:r>
-            <a:endParaRPr lang="fr-FR" sz="1800" b="0" strike="noStrike" spc="-1" dirty="0">
+            <a:endParaRPr lang="fr-FR" sz="1650" b="0" strike="noStrike" spc="-1" dirty="0">
               <a:solidFill>
                 <a:srgbClr val="0A3071"/>
               </a:solidFill>
@@ -7422,7 +7895,7 @@
             </a:endParaRPr>
           </a:p>
           <a:p>
-            <a:pPr marL="741600" lvl="1" indent="-284400">
+            <a:pPr marL="659700" lvl="2" indent="0">
               <a:spcBef>
                 <a:spcPts val="448"/>
               </a:spcBef>
@@ -7430,11 +7903,10 @@
                 <a:srgbClr val="FF950E"/>
               </a:buClr>
               <a:buSzPct val="45000"/>
-              <a:buFont typeface="Wingdings" charset="2"/>
-              <a:buChar char=""/>
+              <a:buNone/>
             </a:pPr>
             <a:r>
-              <a:rPr lang="fr-FR" sz="1800" b="0" strike="noStrike" spc="-1" dirty="0">
+              <a:rPr lang="fr-FR" sz="1650" b="0" strike="noStrike" spc="-1" dirty="0">
                 <a:solidFill>
                   <a:srgbClr val="0A3071"/>
                 </a:solidFill>
@@ -13130,8 +13602,41 @@
                 </a:solidFill>
                 <a:latin typeface="Arial Narrow"/>
               </a:rPr>
-              <a:t>Parallélisme de type SIMD : Single Instruction Multiple Data</a:t>
-            </a:r>
+              <a:t>Parallélisme de type </a:t>
+            </a:r>
+            <a:r>
+              <a:rPr lang="fr-FR" sz="1600" b="0" strike="noStrike" spc="-1" dirty="0" smtClean="0">
+                <a:solidFill>
+                  <a:srgbClr val="0A3071"/>
+                </a:solidFill>
+                <a:latin typeface="Arial Narrow"/>
+              </a:rPr>
+              <a:t>SIMT</a:t>
+            </a:r>
+            <a:r>
+              <a:rPr lang="fr-FR" sz="1600" b="0" strike="noStrike" spc="-1" dirty="0">
+                <a:solidFill>
+                  <a:srgbClr val="0A3071"/>
+                </a:solidFill>
+                <a:latin typeface="Arial Narrow"/>
+              </a:rPr>
+              <a:t> : Single Instruction Multiple </a:t>
+            </a:r>
+            <a:r>
+              <a:rPr lang="fr-FR" sz="1600" b="0" strike="noStrike" spc="-1" dirty="0" smtClean="0">
+                <a:solidFill>
+                  <a:srgbClr val="0A3071"/>
+                </a:solidFill>
+                <a:latin typeface="Arial Narrow"/>
+              </a:rPr>
+              <a:t>Threads</a:t>
+            </a:r>
+            <a:endParaRPr lang="fr-FR" sz="1600" b="0" strike="noStrike" spc="-1" dirty="0">
+              <a:solidFill>
+                <a:srgbClr val="0A3071"/>
+              </a:solidFill>
+              <a:latin typeface="Arial Narrow"/>
+            </a:endParaRPr>
           </a:p>
           <a:p>
             <a:pPr marL="1143000" lvl="2" indent="-228600">
@@ -39110,19 +39615,21 @@
           <p:nvPr>
             <p:extLst>
               <p:ext uri="{D42A27DB-BD31-4B8C-83A1-F6EECF244321}">
-                <p14:modId xmlns:p14="http://schemas.microsoft.com/office/powerpoint/2010/main" val="1738155881"/>
+                <p14:modId xmlns:p14="http://schemas.microsoft.com/office/powerpoint/2010/main" val="1400951137"/>
               </p:ext>
             </p:extLst>
           </p:nvPr>
         </p:nvGraphicFramePr>
         <p:xfrm>
-          <a:off x="582269" y="1475040"/>
-          <a:ext cx="7979461" cy="3827591"/>
+          <a:off x="582269" y="2160840"/>
+          <a:ext cx="7979461" cy="2457324"/>
         </p:xfrm>
         <a:graphic>
           <a:graphicData uri="http://schemas.openxmlformats.org/drawingml/2006/table">
             <a:tbl>
-              <a:tblPr/>
+              <a:tblPr>
+                <a:tableStyleId>{2D5ABB26-0587-4C30-8999-92F81FD0307C}</a:tableStyleId>
+              </a:tblPr>
               <a:tblGrid>
                 <a:gridCol w="1575097">
                   <a:extLst>
@@ -39203,30 +39710,27 @@
                     <a:p>
                       <a:pPr algn="ctr"/>
                       <a:r>
-                        <a:rPr lang="fr-FR" sz="1300" b="0" strike="noStrike" spc="-1">
+                        <a:rPr lang="fr-FR" sz="1300" strike="noStrike" spc="-1" dirty="0">
                           <a:solidFill>
-                            <a:srgbClr val="FFFFFF"/>
+                            <a:schemeClr val="bg1"/>
                           </a:solidFill>
-                          <a:latin typeface="Arial"/>
                         </a:rPr>
                         <a:t>Modèle</a:t>
                       </a:r>
-                      <a:endParaRPr lang="fr-FR" sz="1300" b="0" strike="noStrike" spc="-1">
+                      <a:endParaRPr lang="fr-FR" sz="1300" b="0" strike="noStrike" spc="-1" dirty="0">
                         <a:solidFill>
-                          <a:srgbClr val="000000"/>
+                          <a:schemeClr val="bg1"/>
                         </a:solidFill>
                         <a:latin typeface="Arial"/>
                       </a:endParaRPr>
                     </a:p>
                   </a:txBody>
                   <a:tcPr marL="36000" marR="36000">
-                    <a:lnR w="720">
-                      <a:solidFill>
-                        <a:srgbClr val="FFFFFF"/>
-                      </a:solidFill>
-                    </a:lnR>
                     <a:solidFill>
-                      <a:srgbClr val="666666"/>
+                      <a:schemeClr val="tx1">
+                        <a:lumMod val="65000"/>
+                        <a:lumOff val="35000"/>
+                      </a:schemeClr>
                     </a:solidFill>
                   </a:tcPr>
                 </a:tc>
@@ -39237,29 +39741,27 @@
                     <a:p>
                       <a:pPr algn="ctr"/>
                       <a:r>
-                        <a:rPr lang="fr-FR" sz="1300" b="0" strike="noStrike" spc="-1">
+                        <a:rPr lang="fr-FR" sz="1300" strike="noStrike" spc="-1">
                           <a:solidFill>
-                            <a:srgbClr val="FFFFFF"/>
+                            <a:schemeClr val="bg1"/>
                           </a:solidFill>
-                          <a:latin typeface="Arial"/>
                         </a:rPr>
                         <a:t>Vers.</a:t>
                       </a:r>
+                      <a:endParaRPr lang="fr-FR" sz="1300" b="0" strike="noStrike" spc="-1">
+                        <a:solidFill>
+                          <a:schemeClr val="bg1"/>
+                        </a:solidFill>
+                        <a:latin typeface="Arial"/>
+                      </a:endParaRPr>
                     </a:p>
                   </a:txBody>
                   <a:tcPr marL="36000" marR="36000">
-                    <a:lnL w="720">
-                      <a:solidFill>
-                        <a:srgbClr val="FFFFFF"/>
-                      </a:solidFill>
-                    </a:lnL>
-                    <a:lnR w="720">
-                      <a:solidFill>
-                        <a:srgbClr val="FFFFFF"/>
-                      </a:solidFill>
-                    </a:lnR>
                     <a:solidFill>
-                      <a:srgbClr val="666666"/>
+                      <a:schemeClr val="tx1">
+                        <a:lumMod val="65000"/>
+                        <a:lumOff val="35000"/>
+                      </a:schemeClr>
                     </a:solidFill>
                   </a:tcPr>
                 </a:tc>
@@ -39270,29 +39772,27 @@
                     <a:p>
                       <a:pPr algn="ctr"/>
                       <a:r>
-                        <a:rPr lang="fr-FR" sz="1300" b="0" strike="noStrike" spc="-1">
+                        <a:rPr lang="fr-FR" sz="1300" strike="noStrike" spc="-1">
                           <a:solidFill>
-                            <a:srgbClr val="FFFFFF"/>
+                            <a:schemeClr val="bg1"/>
                           </a:solidFill>
-                          <a:latin typeface="Arial"/>
                         </a:rPr>
                         <a:t>Coeurs</a:t>
                       </a:r>
+                      <a:endParaRPr lang="fr-FR" sz="1300" b="0" strike="noStrike" spc="-1">
+                        <a:solidFill>
+                          <a:schemeClr val="bg1"/>
+                        </a:solidFill>
+                        <a:latin typeface="Arial"/>
+                      </a:endParaRPr>
                     </a:p>
                   </a:txBody>
                   <a:tcPr marL="36000" marR="36000">
-                    <a:lnL w="720">
-                      <a:solidFill>
-                        <a:srgbClr val="FFFFFF"/>
-                      </a:solidFill>
-                    </a:lnL>
-                    <a:lnR w="720">
-                      <a:solidFill>
-                        <a:srgbClr val="FFFFFF"/>
-                      </a:solidFill>
-                    </a:lnR>
                     <a:solidFill>
-                      <a:srgbClr val="666666"/>
+                      <a:schemeClr val="tx1">
+                        <a:lumMod val="65000"/>
+                        <a:lumOff val="35000"/>
+                      </a:schemeClr>
                     </a:solidFill>
                   </a:tcPr>
                 </a:tc>
@@ -39303,42 +39803,50 @@
                     <a:p>
                       <a:pPr algn="ctr"/>
                       <a:r>
-                        <a:rPr lang="fr-FR" sz="1300" b="0" strike="noStrike" spc="-1">
+                        <a:rPr lang="fr-FR" sz="1300" strike="noStrike" spc="-1">
                           <a:solidFill>
-                            <a:srgbClr val="FFFFFF"/>
+                            <a:schemeClr val="bg1"/>
                           </a:solidFill>
-                          <a:latin typeface="Arial"/>
                         </a:rPr>
                         <a:t>Fréquence</a:t>
                       </a:r>
                       <a:r>
+                        <a:rPr>
+                          <a:solidFill>
+                            <a:schemeClr val="bg1"/>
+                          </a:solidFill>
+                        </a:rPr>
                         <a:t/>
                       </a:r>
-                      <a:br/>
+                      <a:br>
+                        <a:rPr>
+                          <a:solidFill>
+                            <a:schemeClr val="bg1"/>
+                          </a:solidFill>
+                        </a:rPr>
+                      </a:br>
                       <a:r>
-                        <a:rPr lang="fr-FR" sz="1300" b="0" strike="noStrike" spc="-1">
+                        <a:rPr lang="fr-FR" sz="1300" strike="noStrike" spc="-1">
                           <a:solidFill>
-                            <a:srgbClr val="FFFFFF"/>
+                            <a:schemeClr val="bg1"/>
                           </a:solidFill>
-                          <a:latin typeface="Arial"/>
                         </a:rPr>
                         <a:t>(MHz)</a:t>
                       </a:r>
+                      <a:endParaRPr lang="fr-FR" sz="1300" b="0" strike="noStrike" spc="-1">
+                        <a:solidFill>
+                          <a:schemeClr val="bg1"/>
+                        </a:solidFill>
+                        <a:latin typeface="Arial"/>
+                      </a:endParaRPr>
                     </a:p>
                   </a:txBody>
                   <a:tcPr marL="36000" marR="36000">
-                    <a:lnL w="720">
-                      <a:solidFill>
-                        <a:srgbClr val="FFFFFF"/>
-                      </a:solidFill>
-                    </a:lnL>
-                    <a:lnR w="720">
-                      <a:solidFill>
-                        <a:srgbClr val="FFFFFF"/>
-                      </a:solidFill>
-                    </a:lnR>
                     <a:solidFill>
-                      <a:srgbClr val="666666"/>
+                      <a:schemeClr val="tx1">
+                        <a:lumMod val="65000"/>
+                        <a:lumOff val="35000"/>
+                      </a:schemeClr>
                     </a:solidFill>
                   </a:tcPr>
                 </a:tc>
@@ -39349,42 +39857,50 @@
                     <a:p>
                       <a:pPr algn="ctr"/>
                       <a:r>
-                        <a:rPr lang="fr-FR" sz="1300" b="0" strike="noStrike" spc="-1">
+                        <a:rPr lang="fr-FR" sz="1300" strike="noStrike" spc="-1" dirty="0">
                           <a:solidFill>
-                            <a:srgbClr val="FFFFFF"/>
+                            <a:schemeClr val="bg1"/>
                           </a:solidFill>
-                          <a:latin typeface="Arial"/>
                         </a:rPr>
                         <a:t>Mémoire</a:t>
                       </a:r>
                       <a:r>
+                        <a:rPr dirty="0">
+                          <a:solidFill>
+                            <a:schemeClr val="bg1"/>
+                          </a:solidFill>
+                        </a:rPr>
                         <a:t/>
                       </a:r>
-                      <a:br/>
+                      <a:br>
+                        <a:rPr dirty="0">
+                          <a:solidFill>
+                            <a:schemeClr val="bg1"/>
+                          </a:solidFill>
+                        </a:rPr>
+                      </a:br>
                       <a:r>
-                        <a:rPr lang="fr-FR" sz="1300" b="0" strike="noStrike" spc="-1">
+                        <a:rPr lang="fr-FR" sz="1300" strike="noStrike" spc="-1" dirty="0">
                           <a:solidFill>
-                            <a:srgbClr val="FFFFFF"/>
+                            <a:schemeClr val="bg1"/>
                           </a:solidFill>
-                          <a:latin typeface="Arial"/>
                         </a:rPr>
                         <a:t>(Go)</a:t>
                       </a:r>
+                      <a:endParaRPr lang="fr-FR" sz="1300" b="0" strike="noStrike" spc="-1" dirty="0">
+                        <a:solidFill>
+                          <a:schemeClr val="bg1"/>
+                        </a:solidFill>
+                        <a:latin typeface="Arial"/>
+                      </a:endParaRPr>
                     </a:p>
                   </a:txBody>
                   <a:tcPr marL="36000" marR="36000">
-                    <a:lnL w="720">
-                      <a:solidFill>
-                        <a:srgbClr val="FFFFFF"/>
-                      </a:solidFill>
-                    </a:lnL>
-                    <a:lnR w="720">
-                      <a:solidFill>
-                        <a:srgbClr val="FFFFFF"/>
-                      </a:solidFill>
-                    </a:lnR>
                     <a:solidFill>
-                      <a:srgbClr val="666666"/>
+                      <a:schemeClr val="tx1">
+                        <a:lumMod val="65000"/>
+                        <a:lumOff val="35000"/>
+                      </a:schemeClr>
                     </a:solidFill>
                   </a:tcPr>
                 </a:tc>
@@ -39395,29 +39911,27 @@
                     <a:p>
                       <a:pPr algn="ctr"/>
                       <a:r>
-                        <a:rPr lang="fr-FR" sz="1300" b="0" strike="noStrike" spc="-1">
+                        <a:rPr lang="fr-FR" sz="1300" strike="noStrike" spc="-1" dirty="0">
                           <a:solidFill>
-                            <a:srgbClr val="FFFFFF"/>
+                            <a:schemeClr val="bg1"/>
                           </a:solidFill>
-                          <a:latin typeface="Arial"/>
                         </a:rPr>
                         <a:t>Bande passante (Go/s)</a:t>
                       </a:r>
+                      <a:endParaRPr lang="fr-FR" sz="1300" b="0" strike="noStrike" spc="-1" dirty="0">
+                        <a:solidFill>
+                          <a:schemeClr val="bg1"/>
+                        </a:solidFill>
+                        <a:latin typeface="Arial"/>
+                      </a:endParaRPr>
                     </a:p>
                   </a:txBody>
                   <a:tcPr marL="36000" marR="36000">
-                    <a:lnL w="720">
-                      <a:solidFill>
-                        <a:srgbClr val="FFFFFF"/>
-                      </a:solidFill>
-                    </a:lnL>
-                    <a:lnR w="720">
-                      <a:solidFill>
-                        <a:srgbClr val="FFFFFF"/>
-                      </a:solidFill>
-                    </a:lnR>
                     <a:solidFill>
-                      <a:srgbClr val="666666"/>
+                      <a:schemeClr val="tx1">
+                        <a:lumMod val="65000"/>
+                        <a:lumOff val="35000"/>
+                      </a:schemeClr>
                     </a:solidFill>
                   </a:tcPr>
                 </a:tc>
@@ -39428,29 +39942,27 @@
                     <a:p>
                       <a:pPr algn="ctr"/>
                       <a:r>
-                        <a:rPr lang="fr-FR" sz="1300" b="0" strike="noStrike" spc="-1">
+                        <a:rPr lang="fr-FR" sz="1300" strike="noStrike" spc="-1" dirty="0">
                           <a:solidFill>
-                            <a:srgbClr val="FFFFFF"/>
+                            <a:schemeClr val="bg1"/>
                           </a:solidFill>
-                          <a:latin typeface="Arial"/>
                         </a:rPr>
                         <a:t>Moteur de copie</a:t>
                       </a:r>
+                      <a:endParaRPr lang="fr-FR" sz="1300" b="0" strike="noStrike" spc="-1" dirty="0">
+                        <a:solidFill>
+                          <a:schemeClr val="bg1"/>
+                        </a:solidFill>
+                        <a:latin typeface="Arial"/>
+                      </a:endParaRPr>
                     </a:p>
                   </a:txBody>
                   <a:tcPr marL="36000" marR="36000">
-                    <a:lnL w="720">
-                      <a:solidFill>
-                        <a:srgbClr val="FFFFFF"/>
-                      </a:solidFill>
-                    </a:lnL>
-                    <a:lnR w="720">
-                      <a:solidFill>
-                        <a:srgbClr val="FFFFFF"/>
-                      </a:solidFill>
-                    </a:lnR>
                     <a:solidFill>
-                      <a:srgbClr val="666666"/>
+                      <a:schemeClr val="tx1">
+                        <a:lumMod val="65000"/>
+                        <a:lumOff val="35000"/>
+                      </a:schemeClr>
                     </a:solidFill>
                   </a:tcPr>
                 </a:tc>
@@ -39461,42 +39973,50 @@
                     <a:p>
                       <a:pPr algn="ctr"/>
                       <a:r>
-                        <a:rPr lang="fr-FR" sz="1300" b="0" strike="noStrike" spc="-1">
+                        <a:rPr lang="fr-FR" sz="1300" strike="noStrike" spc="-1" dirty="0" err="1">
                           <a:solidFill>
-                            <a:srgbClr val="FFFFFF"/>
+                            <a:schemeClr val="bg1"/>
                           </a:solidFill>
-                          <a:latin typeface="Arial"/>
                         </a:rPr>
                         <a:t>GFLOPs</a:t>
                       </a:r>
                       <a:r>
+                        <a:rPr dirty="0">
+                          <a:solidFill>
+                            <a:schemeClr val="bg1"/>
+                          </a:solidFill>
+                        </a:rPr>
                         <a:t/>
                       </a:r>
-                      <a:br/>
+                      <a:br>
+                        <a:rPr dirty="0">
+                          <a:solidFill>
+                            <a:schemeClr val="bg1"/>
+                          </a:solidFill>
+                        </a:rPr>
+                      </a:br>
                       <a:r>
-                        <a:rPr lang="fr-FR" sz="1300" b="0" strike="noStrike" spc="-1">
+                        <a:rPr lang="fr-FR" sz="1300" strike="noStrike" spc="-1" dirty="0">
                           <a:solidFill>
-                            <a:srgbClr val="FFFFFF"/>
+                            <a:schemeClr val="bg1"/>
                           </a:solidFill>
-                          <a:latin typeface="Arial"/>
                         </a:rPr>
                         <a:t>(SP)</a:t>
                       </a:r>
+                      <a:endParaRPr lang="fr-FR" sz="1300" b="0" strike="noStrike" spc="-1" dirty="0">
+                        <a:solidFill>
+                          <a:schemeClr val="bg1"/>
+                        </a:solidFill>
+                        <a:latin typeface="Arial"/>
+                      </a:endParaRPr>
                     </a:p>
                   </a:txBody>
                   <a:tcPr marL="36000" marR="36000">
-                    <a:lnL w="720">
-                      <a:solidFill>
-                        <a:srgbClr val="FFFFFF"/>
-                      </a:solidFill>
-                    </a:lnL>
-                    <a:lnR w="720">
-                      <a:solidFill>
-                        <a:srgbClr val="FFFFFF"/>
-                      </a:solidFill>
-                    </a:lnR>
                     <a:solidFill>
-                      <a:srgbClr val="666666"/>
+                      <a:schemeClr val="tx1">
+                        <a:lumMod val="65000"/>
+                        <a:lumOff val="35000"/>
+                      </a:schemeClr>
                     </a:solidFill>
                   </a:tcPr>
                 </a:tc>
@@ -39507,45 +40027,50 @@
                     <a:p>
                       <a:pPr algn="ctr"/>
                       <a:r>
-                        <a:rPr lang="fr-FR" sz="1300" b="0" strike="noStrike" spc="-1">
+                        <a:rPr lang="fr-FR" sz="1300" strike="noStrike" spc="-1" dirty="0" err="1">
                           <a:solidFill>
-                            <a:srgbClr val="FFFFFF"/>
+                            <a:schemeClr val="bg1"/>
                           </a:solidFill>
-                          <a:latin typeface="Arial"/>
                         </a:rPr>
                         <a:t>GFLOPs</a:t>
                       </a:r>
                       <a:r>
+                        <a:rPr dirty="0">
+                          <a:solidFill>
+                            <a:schemeClr val="bg1"/>
+                          </a:solidFill>
+                        </a:rPr>
                         <a:t/>
                       </a:r>
-                      <a:br/>
+                      <a:br>
+                        <a:rPr dirty="0">
+                          <a:solidFill>
+                            <a:schemeClr val="bg1"/>
+                          </a:solidFill>
+                        </a:rPr>
+                      </a:br>
                       <a:r>
-                        <a:rPr lang="fr-FR" sz="1300" b="0" strike="noStrike" spc="-1">
+                        <a:rPr lang="fr-FR" sz="1300" strike="noStrike" spc="-1" dirty="0">
                           <a:solidFill>
-                            <a:srgbClr val="FFFFFF"/>
+                            <a:schemeClr val="bg1"/>
                           </a:solidFill>
-                          <a:latin typeface="Arial"/>
                         </a:rPr>
                         <a:t>(DP)</a:t>
                       </a:r>
-                      <a:endParaRPr lang="fr-FR" sz="1300" b="0" strike="noStrike" spc="-1">
+                      <a:endParaRPr lang="fr-FR" sz="1300" b="0" strike="noStrike" spc="-1" dirty="0">
+                        <a:solidFill>
+                          <a:schemeClr val="bg1"/>
+                        </a:solidFill>
                         <a:latin typeface="Arial"/>
                       </a:endParaRPr>
                     </a:p>
                   </a:txBody>
                   <a:tcPr marL="36000" marR="36000">
-                    <a:lnL w="720">
-                      <a:solidFill>
-                        <a:srgbClr val="FFFFFF"/>
-                      </a:solidFill>
-                    </a:lnL>
-                    <a:lnR w="720">
-                      <a:solidFill>
-                        <a:srgbClr val="FFFFFF"/>
-                      </a:solidFill>
-                    </a:lnR>
                     <a:solidFill>
-                      <a:srgbClr val="666666"/>
+                      <a:schemeClr val="tx1">
+                        <a:lumMod val="65000"/>
+                        <a:lumOff val="35000"/>
+                      </a:schemeClr>
                     </a:solidFill>
                   </a:tcPr>
                 </a:tc>
@@ -39556,42 +40081,38 @@
                     <a:p>
                       <a:pPr algn="ctr"/>
                       <a:r>
-                        <a:rPr lang="fr-FR" sz="1300" b="0" strike="noStrike" spc="-1">
+                        <a:rPr lang="fr-FR" sz="1300" strike="noStrike" spc="-1" dirty="0">
                           <a:solidFill>
-                            <a:srgbClr val="FFFFFF"/>
+                            <a:schemeClr val="bg1"/>
                           </a:solidFill>
-                          <a:latin typeface="Arial"/>
                         </a:rPr>
                         <a:t>Prix</a:t>
                       </a:r>
-                      <a:endParaRPr lang="fr-FR" sz="1300" b="0" strike="noStrike" spc="-1">
-                        <a:latin typeface="Arial"/>
-                      </a:endParaRPr>
                     </a:p>
                     <a:p>
                       <a:pPr algn="ctr"/>
                       <a:r>
-                        <a:rPr lang="fr-FR" sz="1300" b="0" strike="noStrike" spc="-1">
+                        <a:rPr lang="fr-FR" sz="1300" strike="noStrike" spc="-1" dirty="0">
                           <a:solidFill>
-                            <a:srgbClr val="FFFFFF"/>
+                            <a:schemeClr val="bg1"/>
                           </a:solidFill>
-                          <a:latin typeface="Arial"/>
                         </a:rPr>
                         <a:t>(€)</a:t>
                       </a:r>
-                      <a:endParaRPr lang="fr-FR" sz="1300" b="0" strike="noStrike" spc="-1">
+                      <a:endParaRPr lang="fr-FR" sz="1300" b="0" strike="noStrike" spc="-1" dirty="0">
+                        <a:solidFill>
+                          <a:schemeClr val="bg1"/>
+                        </a:solidFill>
                         <a:latin typeface="Arial"/>
                       </a:endParaRPr>
                     </a:p>
                   </a:txBody>
                   <a:tcPr marL="36000" marR="36000">
-                    <a:lnL w="720">
-                      <a:solidFill>
-                        <a:srgbClr val="FFFFFF"/>
-                      </a:solidFill>
-                    </a:lnL>
                     <a:solidFill>
-                      <a:srgbClr val="666666"/>
+                      <a:schemeClr val="tx1">
+                        <a:lumMod val="65000"/>
+                        <a:lumOff val="35000"/>
+                      </a:schemeClr>
                     </a:solidFill>
                   </a:tcPr>
                 </a:tc>
@@ -39609,21 +40130,19 @@
                     <a:p>
                       <a:pPr algn="ctr"/>
                       <a:r>
-                        <a:rPr lang="fr-FR" sz="1300" b="0" strike="noStrike" spc="-1">
-                          <a:latin typeface="Arial"/>
-                        </a:rPr>
+                        <a:rPr lang="fr-FR" sz="1300" strike="noStrike" spc="-1" dirty="0"/>
                         <a:t>GeForce GTX 580</a:t>
                       </a:r>
+                      <a:endParaRPr lang="fr-FR" sz="1300" b="0" strike="noStrike" spc="-1" dirty="0">
+                        <a:latin typeface="Arial"/>
+                      </a:endParaRPr>
                     </a:p>
                   </a:txBody>
                   <a:tcPr marL="36000" marR="36000">
-                    <a:lnR w="720">
-                      <a:solidFill>
-                        <a:srgbClr val="FFFFFF"/>
-                      </a:solidFill>
-                    </a:lnR>
                     <a:solidFill>
-                      <a:srgbClr val="E6E6E6"/>
+                      <a:schemeClr val="bg1">
+                        <a:lumMod val="85000"/>
+                      </a:schemeClr>
                     </a:solidFill>
                   </a:tcPr>
                 </a:tc>
@@ -39634,26 +40153,19 @@
                     <a:p>
                       <a:pPr algn="ctr"/>
                       <a:r>
-                        <a:rPr lang="fr-FR" sz="1300" b="0" strike="noStrike" spc="-1">
-                          <a:latin typeface="Arial"/>
-                        </a:rPr>
+                        <a:rPr lang="fr-FR" sz="1300" strike="noStrike" spc="-1" dirty="0"/>
                         <a:t>2.0</a:t>
                       </a:r>
+                      <a:endParaRPr lang="fr-FR" sz="1300" b="0" strike="noStrike" spc="-1" dirty="0">
+                        <a:latin typeface="Arial"/>
+                      </a:endParaRPr>
                     </a:p>
                   </a:txBody>
                   <a:tcPr marL="36000" marR="36000">
-                    <a:lnL w="720">
-                      <a:solidFill>
-                        <a:srgbClr val="FFFFFF"/>
-                      </a:solidFill>
-                    </a:lnL>
-                    <a:lnR w="720">
-                      <a:solidFill>
-                        <a:srgbClr val="FFFFFF"/>
-                      </a:solidFill>
-                    </a:lnR>
                     <a:solidFill>
-                      <a:srgbClr val="E6E6E6"/>
+                      <a:schemeClr val="bg1">
+                        <a:lumMod val="85000"/>
+                      </a:schemeClr>
                     </a:solidFill>
                   </a:tcPr>
                 </a:tc>
@@ -39664,26 +40176,19 @@
                     <a:p>
                       <a:pPr algn="ctr"/>
                       <a:r>
-                        <a:rPr lang="fr-FR" sz="1300" b="0" strike="noStrike" spc="-1">
-                          <a:latin typeface="Arial"/>
-                        </a:rPr>
+                        <a:rPr lang="fr-FR" sz="1300" strike="noStrike" spc="-1" dirty="0"/>
                         <a:t>512</a:t>
                       </a:r>
+                      <a:endParaRPr lang="fr-FR" sz="1300" b="0" strike="noStrike" spc="-1" dirty="0">
+                        <a:latin typeface="Arial"/>
+                      </a:endParaRPr>
                     </a:p>
                   </a:txBody>
                   <a:tcPr marL="36000" marR="36000">
-                    <a:lnL w="720">
-                      <a:solidFill>
-                        <a:srgbClr val="FFFFFF"/>
-                      </a:solidFill>
-                    </a:lnL>
-                    <a:lnR w="720">
-                      <a:solidFill>
-                        <a:srgbClr val="FFFFFF"/>
-                      </a:solidFill>
-                    </a:lnR>
                     <a:solidFill>
-                      <a:srgbClr val="E6E6E6"/>
+                      <a:schemeClr val="bg1">
+                        <a:lumMod val="85000"/>
+                      </a:schemeClr>
                     </a:solidFill>
                   </a:tcPr>
                 </a:tc>
@@ -39694,26 +40199,19 @@
                     <a:p>
                       <a:pPr algn="ctr"/>
                       <a:r>
-                        <a:rPr lang="fr-FR" sz="1300" b="0" strike="noStrike" spc="-1">
-                          <a:latin typeface="Arial"/>
-                        </a:rPr>
+                        <a:rPr lang="fr-FR" sz="1300" strike="noStrike" spc="-1" dirty="0"/>
                         <a:t>772</a:t>
                       </a:r>
+                      <a:endParaRPr lang="fr-FR" sz="1300" b="0" strike="noStrike" spc="-1" dirty="0">
+                        <a:latin typeface="Arial"/>
+                      </a:endParaRPr>
                     </a:p>
                   </a:txBody>
                   <a:tcPr marL="36000" marR="36000">
-                    <a:lnL w="720">
-                      <a:solidFill>
-                        <a:srgbClr val="FFFFFF"/>
-                      </a:solidFill>
-                    </a:lnL>
-                    <a:lnR w="720">
-                      <a:solidFill>
-                        <a:srgbClr val="FFFFFF"/>
-                      </a:solidFill>
-                    </a:lnR>
                     <a:solidFill>
-                      <a:srgbClr val="E6E6E6"/>
+                      <a:schemeClr val="bg1">
+                        <a:lumMod val="85000"/>
+                      </a:schemeClr>
                     </a:solidFill>
                   </a:tcPr>
                 </a:tc>
@@ -39724,29 +40222,26 @@
                     <a:p>
                       <a:pPr algn="ctr"/>
                       <a:r>
-                        <a:rPr lang="fr-FR" sz="1300" b="1" strike="noStrike" spc="-1">
+                        <a:rPr lang="fr-FR" sz="1300" strike="noStrike" spc="-1" dirty="0">
                           <a:solidFill>
-                            <a:srgbClr val="FF0000"/>
+                            <a:srgbClr val="C00000"/>
                           </a:solidFill>
-                          <a:latin typeface="Arial"/>
                         </a:rPr>
                         <a:t>3</a:t>
                       </a:r>
+                      <a:endParaRPr lang="fr-FR" sz="1300" b="1" strike="noStrike" spc="-1" dirty="0">
+                        <a:solidFill>
+                          <a:srgbClr val="C00000"/>
+                        </a:solidFill>
+                        <a:latin typeface="Arial"/>
+                      </a:endParaRPr>
                     </a:p>
                   </a:txBody>
                   <a:tcPr marL="36000" marR="36000">
-                    <a:lnL w="720">
-                      <a:solidFill>
-                        <a:srgbClr val="FFFFFF"/>
-                      </a:solidFill>
-                    </a:lnL>
-                    <a:lnR w="720">
-                      <a:solidFill>
-                        <a:srgbClr val="FFFFFF"/>
-                      </a:solidFill>
-                    </a:lnR>
                     <a:solidFill>
-                      <a:srgbClr val="E6E6E6"/>
+                      <a:schemeClr val="bg1">
+                        <a:lumMod val="85000"/>
+                      </a:schemeClr>
                     </a:solidFill>
                   </a:tcPr>
                 </a:tc>
@@ -39757,21 +40252,19 @@
                     <a:p>
                       <a:pPr algn="ctr"/>
                       <a:r>
-                        <a:rPr lang="fr-FR" sz="1300" b="0" strike="noStrike" spc="-1">
-                          <a:latin typeface="Arial"/>
-                        </a:rPr>
+                        <a:rPr lang="fr-FR" sz="1300" strike="noStrike" spc="-1"/>
                         <a:t>192</a:t>
                       </a:r>
+                      <a:endParaRPr lang="fr-FR" sz="1300" b="0" strike="noStrike" spc="-1">
+                        <a:latin typeface="Arial"/>
+                      </a:endParaRPr>
                     </a:p>
                   </a:txBody>
                   <a:tcPr marL="36000" marR="36000">
-                    <a:lnL w="720">
-                      <a:solidFill>
-                        <a:srgbClr val="FFFFFF"/>
-                      </a:solidFill>
-                    </a:lnL>
                     <a:solidFill>
-                      <a:srgbClr val="E6E6E6"/>
+                      <a:schemeClr val="bg1">
+                        <a:lumMod val="85000"/>
+                      </a:schemeClr>
                     </a:solidFill>
                   </a:tcPr>
                 </a:tc>
@@ -39782,24 +40275,22 @@
                     <a:p>
                       <a:pPr algn="ctr"/>
                       <a:r>
-                        <a:rPr lang="fr-FR" sz="1300" b="1" strike="noStrike" spc="-1">
-                          <a:solidFill>
-                            <a:srgbClr val="FF0000"/>
-                          </a:solidFill>
-                          <a:latin typeface="Arial"/>
-                        </a:rPr>
+                        <a:rPr lang="fr-FR" sz="1300" strike="noStrike" spc="-1"/>
                         <a:t>1</a:t>
                       </a:r>
+                      <a:endParaRPr lang="fr-FR" sz="1300" b="1" strike="noStrike" spc="-1">
+                        <a:solidFill>
+                          <a:srgbClr val="FF0000"/>
+                        </a:solidFill>
+                        <a:latin typeface="Arial"/>
+                      </a:endParaRPr>
                     </a:p>
                   </a:txBody>
                   <a:tcPr marL="36000" marR="36000">
-                    <a:lnR w="720">
-                      <a:solidFill>
-                        <a:srgbClr val="FFFFFF"/>
-                      </a:solidFill>
-                    </a:lnR>
                     <a:solidFill>
-                      <a:srgbClr val="E6E6E6"/>
+                      <a:schemeClr val="bg1">
+                        <a:lumMod val="85000"/>
+                      </a:schemeClr>
                     </a:solidFill>
                   </a:tcPr>
                 </a:tc>
@@ -39810,30 +40301,19 @@
                     <a:p>
                       <a:pPr algn="ctr"/>
                       <a:r>
-                        <a:rPr lang="fr-FR" sz="1300" b="0" strike="noStrike" spc="-1">
-                          <a:latin typeface="Arial"/>
-                        </a:rPr>
+                        <a:rPr lang="fr-FR" sz="1300" strike="noStrike" spc="-1" dirty="0"/>
                         <a:t>1581</a:t>
                       </a:r>
+                      <a:endParaRPr lang="fr-FR" sz="1300" b="0" strike="noStrike" spc="-1" dirty="0">
+                        <a:latin typeface="Arial"/>
+                      </a:endParaRPr>
                     </a:p>
                   </a:txBody>
                   <a:tcPr marL="36000" marR="36000">
-                    <a:lnL w="720" cap="flat" cmpd="sng" algn="ctr">
-                      <a:solidFill>
-                        <a:srgbClr val="FFFFFF"/>
-                      </a:solidFill>
-                      <a:prstDash val="solid"/>
-                      <a:round/>
-                      <a:headEnd type="none" w="med" len="med"/>
-                      <a:tailEnd type="none" w="med" len="med"/>
-                    </a:lnL>
-                    <a:lnR w="720">
-                      <a:solidFill>
-                        <a:srgbClr val="FFFFFF"/>
-                      </a:solidFill>
-                    </a:lnR>
                     <a:solidFill>
-                      <a:srgbClr val="E6E6E6"/>
+                      <a:schemeClr val="bg1">
+                        <a:lumMod val="85000"/>
+                      </a:schemeClr>
                     </a:solidFill>
                   </a:tcPr>
                 </a:tc>
@@ -39844,29 +40324,26 @@
                     <a:p>
                       <a:pPr algn="ctr"/>
                       <a:r>
-                        <a:rPr lang="fr-FR" sz="1300" b="1" strike="noStrike" spc="-1">
+                        <a:rPr lang="fr-FR" sz="1300" strike="noStrike" spc="-1" dirty="0" smtClean="0">
                           <a:solidFill>
-                            <a:srgbClr val="FF0000"/>
+                            <a:srgbClr val="C00000"/>
                           </a:solidFill>
-                          <a:latin typeface="Arial"/>
                         </a:rPr>
-                        <a:t>196 ?</a:t>
+                        <a:t>196</a:t>
                       </a:r>
+                      <a:endParaRPr lang="fr-FR" sz="1300" b="1" strike="noStrike" spc="-1" dirty="0">
+                        <a:solidFill>
+                          <a:srgbClr val="C00000"/>
+                        </a:solidFill>
+                        <a:latin typeface="Arial"/>
+                      </a:endParaRPr>
                     </a:p>
                   </a:txBody>
                   <a:tcPr marL="36000" marR="36000">
-                    <a:lnL w="720">
-                      <a:solidFill>
-                        <a:srgbClr val="FFFFFF"/>
-                      </a:solidFill>
-                    </a:lnL>
-                    <a:lnR w="720">
-                      <a:solidFill>
-                        <a:srgbClr val="FFFFFF"/>
-                      </a:solidFill>
-                    </a:lnR>
                     <a:solidFill>
-                      <a:srgbClr val="E6E6E6"/>
+                      <a:schemeClr val="bg1">
+                        <a:lumMod val="85000"/>
+                      </a:schemeClr>
                     </a:solidFill>
                   </a:tcPr>
                 </a:tc>
@@ -39877,21 +40354,19 @@
                     <a:p>
                       <a:pPr algn="ctr"/>
                       <a:r>
-                        <a:rPr lang="fr-FR" sz="1300" b="0" strike="noStrike" spc="-1">
-                          <a:latin typeface="Arial"/>
-                        </a:rPr>
+                        <a:rPr lang="fr-FR" sz="1300" strike="noStrike" spc="-1"/>
                         <a:t>400</a:t>
                       </a:r>
+                      <a:endParaRPr lang="fr-FR" sz="1300" b="0" strike="noStrike" spc="-1">
+                        <a:latin typeface="Arial"/>
+                      </a:endParaRPr>
                     </a:p>
                   </a:txBody>
                   <a:tcPr marL="36000" marR="36000">
-                    <a:lnL w="720">
-                      <a:solidFill>
-                        <a:srgbClr val="FFFFFF"/>
-                      </a:solidFill>
-                    </a:lnL>
                     <a:solidFill>
-                      <a:srgbClr val="E6E6E6"/>
+                      <a:schemeClr val="bg1">
+                        <a:lumMod val="85000"/>
+                      </a:schemeClr>
                     </a:solidFill>
                   </a:tcPr>
                 </a:tc>
@@ -39909,21 +40384,19 @@
                     <a:p>
                       <a:pPr algn="ctr"/>
                       <a:r>
-                        <a:rPr lang="fr-FR" sz="1300" b="0" strike="noStrike" spc="-1">
-                          <a:latin typeface="Arial"/>
-                        </a:rPr>
+                        <a:rPr lang="fr-FR" sz="1300" strike="noStrike" spc="-1"/>
                         <a:t>Quadro 6000</a:t>
                       </a:r>
+                      <a:endParaRPr lang="fr-FR" sz="1300" b="0" strike="noStrike" spc="-1">
+                        <a:latin typeface="Arial"/>
+                      </a:endParaRPr>
                     </a:p>
                   </a:txBody>
                   <a:tcPr marL="36000" marR="36000">
-                    <a:lnR w="720">
-                      <a:solidFill>
-                        <a:srgbClr val="FFFFFF"/>
-                      </a:solidFill>
-                    </a:lnR>
                     <a:solidFill>
-                      <a:srgbClr val="CCCCCC"/>
+                      <a:schemeClr val="bg1">
+                        <a:lumMod val="85000"/>
+                      </a:schemeClr>
                     </a:solidFill>
                   </a:tcPr>
                 </a:tc>
@@ -39934,26 +40407,19 @@
                     <a:p>
                       <a:pPr algn="ctr"/>
                       <a:r>
-                        <a:rPr lang="fr-FR" sz="1300" b="0" strike="noStrike" spc="-1">
-                          <a:latin typeface="Arial"/>
-                        </a:rPr>
+                        <a:rPr lang="fr-FR" sz="1300" strike="noStrike" spc="-1"/>
                         <a:t>2.0</a:t>
                       </a:r>
+                      <a:endParaRPr lang="fr-FR" sz="1300" b="0" strike="noStrike" spc="-1">
+                        <a:latin typeface="Arial"/>
+                      </a:endParaRPr>
                     </a:p>
                   </a:txBody>
                   <a:tcPr marL="36000" marR="36000">
-                    <a:lnL w="720">
-                      <a:solidFill>
-                        <a:srgbClr val="FFFFFF"/>
-                      </a:solidFill>
-                    </a:lnL>
-                    <a:lnR w="720">
-                      <a:solidFill>
-                        <a:srgbClr val="FFFFFF"/>
-                      </a:solidFill>
-                    </a:lnR>
                     <a:solidFill>
-                      <a:srgbClr val="CCCCCC"/>
+                      <a:schemeClr val="bg1">
+                        <a:lumMod val="85000"/>
+                      </a:schemeClr>
                     </a:solidFill>
                   </a:tcPr>
                 </a:tc>
@@ -39964,26 +40430,19 @@
                     <a:p>
                       <a:pPr algn="ctr"/>
                       <a:r>
-                        <a:rPr lang="fr-FR" sz="1300" b="0" strike="noStrike" spc="-1">
-                          <a:latin typeface="Arial"/>
-                        </a:rPr>
+                        <a:rPr lang="fr-FR" sz="1300" strike="noStrike" spc="-1"/>
                         <a:t>448</a:t>
                       </a:r>
+                      <a:endParaRPr lang="fr-FR" sz="1300" b="0" strike="noStrike" spc="-1">
+                        <a:latin typeface="Arial"/>
+                      </a:endParaRPr>
                     </a:p>
                   </a:txBody>
                   <a:tcPr marL="36000" marR="36000">
-                    <a:lnL w="720">
-                      <a:solidFill>
-                        <a:srgbClr val="FFFFFF"/>
-                      </a:solidFill>
-                    </a:lnL>
-                    <a:lnR w="720">
-                      <a:solidFill>
-                        <a:srgbClr val="FFFFFF"/>
-                      </a:solidFill>
-                    </a:lnR>
                     <a:solidFill>
-                      <a:srgbClr val="CCCCCC"/>
+                      <a:schemeClr val="bg1">
+                        <a:lumMod val="85000"/>
+                      </a:schemeClr>
                     </a:solidFill>
                   </a:tcPr>
                 </a:tc>
@@ -39994,26 +40453,19 @@
                     <a:p>
                       <a:pPr algn="ctr"/>
                       <a:r>
-                        <a:rPr lang="fr-FR" sz="1300" b="0" strike="noStrike" spc="-1">
-                          <a:latin typeface="Arial"/>
-                        </a:rPr>
+                        <a:rPr lang="fr-FR" sz="1300" strike="noStrike" spc="-1" dirty="0"/>
                         <a:t>574</a:t>
                       </a:r>
+                      <a:endParaRPr lang="fr-FR" sz="1300" b="0" strike="noStrike" spc="-1" dirty="0">
+                        <a:latin typeface="Arial"/>
+                      </a:endParaRPr>
                     </a:p>
                   </a:txBody>
                   <a:tcPr marL="36000" marR="36000">
-                    <a:lnL w="720">
-                      <a:solidFill>
-                        <a:srgbClr val="FFFFFF"/>
-                      </a:solidFill>
-                    </a:lnL>
-                    <a:lnR w="720">
-                      <a:solidFill>
-                        <a:srgbClr val="FFFFFF"/>
-                      </a:solidFill>
-                    </a:lnR>
                     <a:solidFill>
-                      <a:srgbClr val="CCCCCC"/>
+                      <a:schemeClr val="bg1">
+                        <a:lumMod val="85000"/>
+                      </a:schemeClr>
                     </a:solidFill>
                   </a:tcPr>
                 </a:tc>
@@ -40024,26 +40476,19 @@
                     <a:p>
                       <a:pPr algn="ctr"/>
                       <a:r>
-                        <a:rPr lang="fr-FR" sz="1300" b="0" strike="noStrike" spc="-1">
-                          <a:latin typeface="Arial"/>
-                        </a:rPr>
+                        <a:rPr lang="fr-FR" sz="1300" strike="noStrike" spc="-1" dirty="0"/>
                         <a:t>6</a:t>
                       </a:r>
+                      <a:endParaRPr lang="fr-FR" sz="1300" b="0" strike="noStrike" spc="-1" dirty="0">
+                        <a:latin typeface="Arial"/>
+                      </a:endParaRPr>
                     </a:p>
                   </a:txBody>
                   <a:tcPr marL="36000" marR="36000">
-                    <a:lnL w="720">
-                      <a:solidFill>
-                        <a:srgbClr val="FFFFFF"/>
-                      </a:solidFill>
-                    </a:lnL>
-                    <a:lnR w="720">
-                      <a:solidFill>
-                        <a:srgbClr val="FFFFFF"/>
-                      </a:solidFill>
-                    </a:lnR>
                     <a:solidFill>
-                      <a:srgbClr val="CCCCCC"/>
+                      <a:schemeClr val="bg1">
+                        <a:lumMod val="85000"/>
+                      </a:schemeClr>
                     </a:solidFill>
                   </a:tcPr>
                 </a:tc>
@@ -40054,21 +40499,19 @@
                     <a:p>
                       <a:pPr algn="ctr"/>
                       <a:r>
-                        <a:rPr lang="fr-FR" sz="1300" b="0" strike="noStrike" spc="-1">
-                          <a:latin typeface="Arial"/>
-                        </a:rPr>
+                        <a:rPr lang="fr-FR" sz="1300" strike="noStrike" spc="-1" dirty="0"/>
                         <a:t>144</a:t>
                       </a:r>
+                      <a:endParaRPr lang="fr-FR" sz="1300" b="0" strike="noStrike" spc="-1" dirty="0">
+                        <a:latin typeface="Arial"/>
+                      </a:endParaRPr>
                     </a:p>
                   </a:txBody>
                   <a:tcPr marL="36000" marR="36000">
-                    <a:lnL w="720">
-                      <a:solidFill>
-                        <a:srgbClr val="FFFFFF"/>
-                      </a:solidFill>
-                    </a:lnL>
                     <a:solidFill>
-                      <a:srgbClr val="CCCCCC"/>
+                      <a:schemeClr val="bg1">
+                        <a:lumMod val="85000"/>
+                      </a:schemeClr>
                     </a:solidFill>
                   </a:tcPr>
                 </a:tc>
@@ -40079,21 +40522,19 @@
                     <a:p>
                       <a:pPr algn="ctr"/>
                       <a:r>
-                        <a:rPr lang="fr-FR" sz="1300" b="0" strike="noStrike" spc="-1">
-                          <a:latin typeface="Arial"/>
-                        </a:rPr>
+                        <a:rPr lang="fr-FR" sz="1300" strike="noStrike" spc="-1" dirty="0"/>
                         <a:t>2</a:t>
                       </a:r>
+                      <a:endParaRPr lang="fr-FR" sz="1300" b="0" strike="noStrike" spc="-1" dirty="0">
+                        <a:latin typeface="Arial"/>
+                      </a:endParaRPr>
                     </a:p>
                   </a:txBody>
                   <a:tcPr marL="36000" marR="36000">
-                    <a:lnR w="720">
-                      <a:solidFill>
-                        <a:srgbClr val="FFFFFF"/>
-                      </a:solidFill>
-                    </a:lnR>
                     <a:solidFill>
-                      <a:srgbClr val="CCCCCC"/>
+                      <a:schemeClr val="bg1">
+                        <a:lumMod val="85000"/>
+                      </a:schemeClr>
                     </a:solidFill>
                   </a:tcPr>
                 </a:tc>
@@ -40104,30 +40545,19 @@
                     <a:p>
                       <a:pPr algn="ctr"/>
                       <a:r>
-                        <a:rPr lang="fr-FR" sz="1300" b="0" strike="noStrike" spc="-1">
-                          <a:latin typeface="Arial"/>
-                        </a:rPr>
+                        <a:rPr lang="fr-FR" sz="1300" strike="noStrike" spc="-1" dirty="0"/>
                         <a:t>1028</a:t>
                       </a:r>
+                      <a:endParaRPr lang="fr-FR" sz="1300" b="0" strike="noStrike" spc="-1" dirty="0">
+                        <a:latin typeface="Arial"/>
+                      </a:endParaRPr>
                     </a:p>
                   </a:txBody>
                   <a:tcPr marL="36000" marR="36000">
-                    <a:lnL w="720" cap="flat" cmpd="sng" algn="ctr">
-                      <a:solidFill>
-                        <a:srgbClr val="FFFFFF"/>
-                      </a:solidFill>
-                      <a:prstDash val="solid"/>
-                      <a:round/>
-                      <a:headEnd type="none" w="med" len="med"/>
-                      <a:tailEnd type="none" w="med" len="med"/>
-                    </a:lnL>
-                    <a:lnR w="720">
-                      <a:solidFill>
-                        <a:srgbClr val="FFFFFF"/>
-                      </a:solidFill>
-                    </a:lnR>
                     <a:solidFill>
-                      <a:srgbClr val="CCCCCC"/>
+                      <a:schemeClr val="bg1">
+                        <a:lumMod val="85000"/>
+                      </a:schemeClr>
                     </a:solidFill>
                   </a:tcPr>
                 </a:tc>
@@ -40138,26 +40568,19 @@
                     <a:p>
                       <a:pPr algn="ctr"/>
                       <a:r>
-                        <a:rPr lang="fr-FR" sz="1300" b="0" strike="noStrike" spc="-1">
-                          <a:latin typeface="Arial"/>
-                        </a:rPr>
+                        <a:rPr lang="fr-FR" sz="1300" strike="noStrike" spc="-1" dirty="0"/>
                         <a:t>515</a:t>
                       </a:r>
+                      <a:endParaRPr lang="fr-FR" sz="1300" b="0" strike="noStrike" spc="-1" dirty="0">
+                        <a:latin typeface="Arial"/>
+                      </a:endParaRPr>
                     </a:p>
                   </a:txBody>
                   <a:tcPr marL="36000" marR="36000">
-                    <a:lnL w="720">
-                      <a:solidFill>
-                        <a:srgbClr val="FFFFFF"/>
-                      </a:solidFill>
-                    </a:lnL>
-                    <a:lnR w="720">
-                      <a:solidFill>
-                        <a:srgbClr val="FFFFFF"/>
-                      </a:solidFill>
-                    </a:lnR>
                     <a:solidFill>
-                      <a:srgbClr val="CCCCCC"/>
+                      <a:schemeClr val="bg1">
+                        <a:lumMod val="85000"/>
+                      </a:schemeClr>
                     </a:solidFill>
                   </a:tcPr>
                 </a:tc>
@@ -40168,21 +40591,19 @@
                     <a:p>
                       <a:pPr algn="ctr"/>
                       <a:r>
-                        <a:rPr lang="fr-FR" sz="1300" b="0" strike="noStrike" spc="-1">
-                          <a:latin typeface="Arial"/>
-                        </a:rPr>
+                        <a:rPr lang="fr-FR" sz="1300" strike="noStrike" spc="-1" dirty="0"/>
                         <a:t>4000</a:t>
                       </a:r>
+                      <a:endParaRPr lang="fr-FR" sz="1300" b="0" strike="noStrike" spc="-1" dirty="0">
+                        <a:latin typeface="Arial"/>
+                      </a:endParaRPr>
                     </a:p>
                   </a:txBody>
                   <a:tcPr marL="36000" marR="36000">
-                    <a:lnL w="720">
-                      <a:solidFill>
-                        <a:srgbClr val="FFFFFF"/>
-                      </a:solidFill>
-                    </a:lnL>
                     <a:solidFill>
-                      <a:srgbClr val="CCCCCC"/>
+                      <a:schemeClr val="bg1">
+                        <a:lumMod val="85000"/>
+                      </a:schemeClr>
                     </a:solidFill>
                   </a:tcPr>
                 </a:tc>
@@ -40200,21 +40621,19 @@
                     <a:p>
                       <a:pPr algn="ctr"/>
                       <a:r>
-                        <a:rPr lang="fr-FR" sz="1300" b="0" strike="noStrike" spc="-1">
-                          <a:latin typeface="Arial"/>
-                        </a:rPr>
+                        <a:rPr lang="fr-FR" sz="1300" strike="noStrike" spc="-1"/>
                         <a:t>Tesla M2090</a:t>
                       </a:r>
+                      <a:endParaRPr lang="fr-FR" sz="1300" b="0" strike="noStrike" spc="-1">
+                        <a:latin typeface="Arial"/>
+                      </a:endParaRPr>
                     </a:p>
                   </a:txBody>
                   <a:tcPr marL="36000" marR="36000">
-                    <a:lnR w="720">
-                      <a:solidFill>
-                        <a:srgbClr val="FFFFFF"/>
-                      </a:solidFill>
-                    </a:lnR>
                     <a:solidFill>
-                      <a:srgbClr val="E6E6E6"/>
+                      <a:schemeClr val="bg1">
+                        <a:lumMod val="85000"/>
+                      </a:schemeClr>
                     </a:solidFill>
                   </a:tcPr>
                 </a:tc>
@@ -40225,26 +40644,19 @@
                     <a:p>
                       <a:pPr algn="ctr"/>
                       <a:r>
-                        <a:rPr lang="fr-FR" sz="1300" b="0" strike="noStrike" spc="-1">
-                          <a:latin typeface="Arial"/>
-                        </a:rPr>
+                        <a:rPr lang="fr-FR" sz="1300" strike="noStrike" spc="-1"/>
                         <a:t>2.0</a:t>
                       </a:r>
+                      <a:endParaRPr lang="fr-FR" sz="1300" b="0" strike="noStrike" spc="-1">
+                        <a:latin typeface="Arial"/>
+                      </a:endParaRPr>
                     </a:p>
                   </a:txBody>
                   <a:tcPr marL="36000" marR="36000">
-                    <a:lnL w="720">
-                      <a:solidFill>
-                        <a:srgbClr val="FFFFFF"/>
-                      </a:solidFill>
-                    </a:lnL>
-                    <a:lnR w="720">
-                      <a:solidFill>
-                        <a:srgbClr val="FFFFFF"/>
-                      </a:solidFill>
-                    </a:lnR>
                     <a:solidFill>
-                      <a:srgbClr val="E6E6E6"/>
+                      <a:schemeClr val="bg1">
+                        <a:lumMod val="85000"/>
+                      </a:schemeClr>
                     </a:solidFill>
                   </a:tcPr>
                 </a:tc>
@@ -40255,26 +40667,19 @@
                     <a:p>
                       <a:pPr algn="ctr"/>
                       <a:r>
-                        <a:rPr lang="fr-FR" sz="1300" b="0" strike="noStrike" spc="-1">
-                          <a:latin typeface="Arial"/>
-                        </a:rPr>
+                        <a:rPr lang="fr-FR" sz="1300" strike="noStrike" spc="-1"/>
                         <a:t>512</a:t>
                       </a:r>
+                      <a:endParaRPr lang="fr-FR" sz="1300" b="0" strike="noStrike" spc="-1">
+                        <a:latin typeface="Arial"/>
+                      </a:endParaRPr>
                     </a:p>
                   </a:txBody>
                   <a:tcPr marL="36000" marR="36000">
-                    <a:lnL w="720">
-                      <a:solidFill>
-                        <a:srgbClr val="FFFFFF"/>
-                      </a:solidFill>
-                    </a:lnL>
-                    <a:lnR w="720">
-                      <a:solidFill>
-                        <a:srgbClr val="FFFFFF"/>
-                      </a:solidFill>
-                    </a:lnR>
                     <a:solidFill>
-                      <a:srgbClr val="E6E6E6"/>
+                      <a:schemeClr val="bg1">
+                        <a:lumMod val="85000"/>
+                      </a:schemeClr>
                     </a:solidFill>
                   </a:tcPr>
                 </a:tc>
@@ -40285,26 +40690,19 @@
                     <a:p>
                       <a:pPr algn="ctr"/>
                       <a:r>
-                        <a:rPr lang="fr-FR" sz="1300" b="0" strike="noStrike" spc="-1">
-                          <a:latin typeface="Arial"/>
-                        </a:rPr>
+                        <a:rPr lang="fr-FR" sz="1300" strike="noStrike" spc="-1"/>
                         <a:t>1301</a:t>
                       </a:r>
+                      <a:endParaRPr lang="fr-FR" sz="1300" b="0" strike="noStrike" spc="-1">
+                        <a:latin typeface="Arial"/>
+                      </a:endParaRPr>
                     </a:p>
                   </a:txBody>
                   <a:tcPr marL="36000" marR="36000">
-                    <a:lnL w="720">
-                      <a:solidFill>
-                        <a:srgbClr val="FFFFFF"/>
-                      </a:solidFill>
-                    </a:lnL>
-                    <a:lnR w="720">
-                      <a:solidFill>
-                        <a:srgbClr val="FFFFFF"/>
-                      </a:solidFill>
-                    </a:lnR>
                     <a:solidFill>
-                      <a:srgbClr val="E6E6E6"/>
+                      <a:schemeClr val="bg1">
+                        <a:lumMod val="85000"/>
+                      </a:schemeClr>
                     </a:solidFill>
                   </a:tcPr>
                 </a:tc>
@@ -40315,26 +40713,19 @@
                     <a:p>
                       <a:pPr algn="ctr"/>
                       <a:r>
-                        <a:rPr lang="fr-FR" sz="1300" b="0" strike="noStrike" spc="-1">
-                          <a:latin typeface="Arial"/>
-                        </a:rPr>
+                        <a:rPr lang="fr-FR" sz="1300" strike="noStrike" spc="-1"/>
                         <a:t>6</a:t>
                       </a:r>
+                      <a:endParaRPr lang="fr-FR" sz="1300" b="0" strike="noStrike" spc="-1">
+                        <a:latin typeface="Arial"/>
+                      </a:endParaRPr>
                     </a:p>
                   </a:txBody>
                   <a:tcPr marL="36000" marR="36000">
-                    <a:lnL w="720">
-                      <a:solidFill>
-                        <a:srgbClr val="FFFFFF"/>
-                      </a:solidFill>
-                    </a:lnL>
-                    <a:lnR w="720">
-                      <a:solidFill>
-                        <a:srgbClr val="FFFFFF"/>
-                      </a:solidFill>
-                    </a:lnR>
                     <a:solidFill>
-                      <a:srgbClr val="E6E6E6"/>
+                      <a:schemeClr val="bg1">
+                        <a:lumMod val="85000"/>
+                      </a:schemeClr>
                     </a:solidFill>
                   </a:tcPr>
                 </a:tc>
@@ -40345,21 +40736,19 @@
                     <a:p>
                       <a:pPr algn="ctr"/>
                       <a:r>
-                        <a:rPr lang="fr-FR" sz="1300" b="0" strike="noStrike" spc="-1">
-                          <a:latin typeface="Arial"/>
-                        </a:rPr>
+                        <a:rPr lang="fr-FR" sz="1300" strike="noStrike" spc="-1"/>
                         <a:t>177</a:t>
                       </a:r>
+                      <a:endParaRPr lang="fr-FR" sz="1300" b="0" strike="noStrike" spc="-1">
+                        <a:latin typeface="Arial"/>
+                      </a:endParaRPr>
                     </a:p>
                   </a:txBody>
                   <a:tcPr marL="36000" marR="36000">
-                    <a:lnL w="720">
-                      <a:solidFill>
-                        <a:srgbClr val="FFFFFF"/>
-                      </a:solidFill>
-                    </a:lnL>
                     <a:solidFill>
-                      <a:srgbClr val="E6E6E6"/>
+                      <a:schemeClr val="bg1">
+                        <a:lumMod val="85000"/>
+                      </a:schemeClr>
                     </a:solidFill>
                   </a:tcPr>
                 </a:tc>
@@ -40370,21 +40759,19 @@
                     <a:p>
                       <a:pPr algn="ctr"/>
                       <a:r>
-                        <a:rPr lang="fr-FR" sz="1300" b="0" strike="noStrike" spc="-1">
-                          <a:latin typeface="Arial"/>
-                        </a:rPr>
+                        <a:rPr lang="fr-FR" sz="1300" strike="noStrike" spc="-1"/>
                         <a:t>2</a:t>
                       </a:r>
+                      <a:endParaRPr lang="fr-FR" sz="1300" b="0" strike="noStrike" spc="-1">
+                        <a:latin typeface="Arial"/>
+                      </a:endParaRPr>
                     </a:p>
                   </a:txBody>
                   <a:tcPr marL="36000" marR="36000">
-                    <a:lnR w="720">
-                      <a:solidFill>
-                        <a:srgbClr val="FFFFFF"/>
-                      </a:solidFill>
-                    </a:lnR>
                     <a:solidFill>
-                      <a:srgbClr val="E6E6E6"/>
+                      <a:schemeClr val="bg1">
+                        <a:lumMod val="85000"/>
+                      </a:schemeClr>
                     </a:solidFill>
                   </a:tcPr>
                 </a:tc>
@@ -40395,30 +40782,19 @@
                     <a:p>
                       <a:pPr algn="ctr"/>
                       <a:r>
-                        <a:rPr lang="fr-FR" sz="1300" b="0" strike="noStrike" spc="-1">
-                          <a:latin typeface="Arial"/>
-                        </a:rPr>
+                        <a:rPr lang="fr-FR" sz="1300" strike="noStrike" spc="-1"/>
                         <a:t>1332</a:t>
                       </a:r>
+                      <a:endParaRPr lang="fr-FR" sz="1300" b="0" strike="noStrike" spc="-1">
+                        <a:latin typeface="Arial"/>
+                      </a:endParaRPr>
                     </a:p>
                   </a:txBody>
                   <a:tcPr marL="36000" marR="36000">
-                    <a:lnL w="720" cap="flat" cmpd="sng" algn="ctr">
-                      <a:solidFill>
-                        <a:srgbClr val="FFFFFF"/>
-                      </a:solidFill>
-                      <a:prstDash val="solid"/>
-                      <a:round/>
-                      <a:headEnd type="none" w="med" len="med"/>
-                      <a:tailEnd type="none" w="med" len="med"/>
-                    </a:lnL>
-                    <a:lnR w="720">
-                      <a:solidFill>
-                        <a:srgbClr val="FFFFFF"/>
-                      </a:solidFill>
-                    </a:lnR>
                     <a:solidFill>
-                      <a:srgbClr val="E6E6E6"/>
+                      <a:schemeClr val="bg1">
+                        <a:lumMod val="85000"/>
+                      </a:schemeClr>
                     </a:solidFill>
                   </a:tcPr>
                 </a:tc>
@@ -40429,26 +40805,19 @@
                     <a:p>
                       <a:pPr algn="ctr"/>
                       <a:r>
-                        <a:rPr lang="fr-FR" sz="1300" b="0" strike="noStrike" spc="-1">
-                          <a:latin typeface="Arial"/>
-                        </a:rPr>
+                        <a:rPr lang="fr-FR" sz="1300" strike="noStrike" spc="-1" dirty="0"/>
                         <a:t>666</a:t>
                       </a:r>
+                      <a:endParaRPr lang="fr-FR" sz="1300" b="0" strike="noStrike" spc="-1" dirty="0">
+                        <a:latin typeface="Arial"/>
+                      </a:endParaRPr>
                     </a:p>
                   </a:txBody>
                   <a:tcPr marL="36000" marR="36000">
-                    <a:lnL w="720">
-                      <a:solidFill>
-                        <a:srgbClr val="FFFFFF"/>
-                      </a:solidFill>
-                    </a:lnL>
-                    <a:lnR w="720">
-                      <a:solidFill>
-                        <a:srgbClr val="FFFFFF"/>
-                      </a:solidFill>
-                    </a:lnR>
                     <a:solidFill>
-                      <a:srgbClr val="E6E6E6"/>
+                      <a:schemeClr val="bg1">
+                        <a:lumMod val="85000"/>
+                      </a:schemeClr>
                     </a:solidFill>
                   </a:tcPr>
                 </a:tc>
@@ -40459,21 +40828,19 @@
                     <a:p>
                       <a:pPr algn="ctr"/>
                       <a:r>
-                        <a:rPr lang="fr-FR" sz="1300" b="0" strike="noStrike" spc="-1">
-                          <a:latin typeface="Arial"/>
-                        </a:rPr>
+                        <a:rPr lang="fr-FR" sz="1300" strike="noStrike" spc="-1" dirty="0"/>
                         <a:t>3000</a:t>
                       </a:r>
+                      <a:endParaRPr lang="fr-FR" sz="1300" b="0" strike="noStrike" spc="-1" dirty="0">
+                        <a:latin typeface="Arial"/>
+                      </a:endParaRPr>
                     </a:p>
                   </a:txBody>
                   <a:tcPr marL="36000" marR="36000">
-                    <a:lnL w="720">
-                      <a:solidFill>
-                        <a:srgbClr val="FFFFFF"/>
-                      </a:solidFill>
-                    </a:lnL>
                     <a:solidFill>
-                      <a:srgbClr val="E6E6E6"/>
+                      <a:schemeClr val="bg1">
+                        <a:lumMod val="85000"/>
+                      </a:schemeClr>
                     </a:solidFill>
                   </a:tcPr>
                 </a:tc>
@@ -40491,21 +40858,20 @@
                     <a:p>
                       <a:pPr algn="ctr"/>
                       <a:r>
-                        <a:rPr lang="fr-FR" sz="1300" b="0" strike="noStrike" spc="-1">
-                          <a:latin typeface="Arial"/>
-                        </a:rPr>
-                        <a:t>GeForce GTX 770</a:t>
+                        <a:rPr lang="fr-FR" sz="1300" strike="noStrike" spc="-1" dirty="0"/>
+                        <a:t>GeForce GTX 780 TI</a:t>
                       </a:r>
+                      <a:endParaRPr lang="fr-FR" sz="1300" b="0" strike="noStrike" spc="-1" dirty="0">
+                        <a:latin typeface="Arial"/>
+                      </a:endParaRPr>
                     </a:p>
                   </a:txBody>
                   <a:tcPr marL="36000" marR="36000">
-                    <a:lnR w="720">
-                      <a:solidFill>
-                        <a:srgbClr val="FFFFFF"/>
-                      </a:solidFill>
-                    </a:lnR>
                     <a:solidFill>
-                      <a:srgbClr val="E6E6E6"/>
+                      <a:schemeClr val="accent2">
+                        <a:lumMod val="40000"/>
+                        <a:lumOff val="60000"/>
+                      </a:schemeClr>
                     </a:solidFill>
                   </a:tcPr>
                 </a:tc>
@@ -40516,26 +40882,20 @@
                     <a:p>
                       <a:pPr algn="ctr"/>
                       <a:r>
-                        <a:rPr lang="fr-FR" sz="1300" b="0" strike="noStrike" spc="-1">
-                          <a:latin typeface="Arial"/>
-                        </a:rPr>
-                        <a:t>3.0</a:t>
+                        <a:rPr lang="fr-FR" sz="1300" strike="noStrike" spc="-1" dirty="0"/>
+                        <a:t>3.5</a:t>
                       </a:r>
+                      <a:endParaRPr lang="fr-FR" sz="1300" b="0" strike="noStrike" spc="-1" dirty="0">
+                        <a:latin typeface="Arial"/>
+                      </a:endParaRPr>
                     </a:p>
                   </a:txBody>
                   <a:tcPr marL="36000" marR="36000">
-                    <a:lnL w="720">
-                      <a:solidFill>
-                        <a:srgbClr val="FFFFFF"/>
-                      </a:solidFill>
-                    </a:lnL>
-                    <a:lnR w="720">
-                      <a:solidFill>
-                        <a:srgbClr val="FFFFFF"/>
-                      </a:solidFill>
-                    </a:lnR>
                     <a:solidFill>
-                      <a:srgbClr val="E6E6E6"/>
+                      <a:schemeClr val="accent2">
+                        <a:lumMod val="40000"/>
+                        <a:lumOff val="60000"/>
+                      </a:schemeClr>
                     </a:solidFill>
                   </a:tcPr>
                 </a:tc>
@@ -40546,26 +40906,20 @@
                     <a:p>
                       <a:pPr algn="ctr"/>
                       <a:r>
-                        <a:rPr lang="fr-FR" sz="1300" b="0" strike="noStrike" spc="-1">
-                          <a:latin typeface="Arial"/>
-                        </a:rPr>
-                        <a:t>1536</a:t>
+                        <a:rPr lang="fr-FR" sz="1300" strike="noStrike" spc="-1" dirty="0"/>
+                        <a:t>2880</a:t>
                       </a:r>
+                      <a:endParaRPr lang="fr-FR" sz="1300" b="0" strike="noStrike" spc="-1" dirty="0">
+                        <a:latin typeface="Arial"/>
+                      </a:endParaRPr>
                     </a:p>
                   </a:txBody>
                   <a:tcPr marL="36000" marR="36000">
-                    <a:lnL w="720">
-                      <a:solidFill>
-                        <a:srgbClr val="FFFFFF"/>
-                      </a:solidFill>
-                    </a:lnL>
-                    <a:lnR w="720">
-                      <a:solidFill>
-                        <a:srgbClr val="FFFFFF"/>
-                      </a:solidFill>
-                    </a:lnR>
                     <a:solidFill>
-                      <a:srgbClr val="E6E6E6"/>
+                      <a:schemeClr val="accent2">
+                        <a:lumMod val="40000"/>
+                        <a:lumOff val="60000"/>
+                      </a:schemeClr>
                     </a:solidFill>
                   </a:tcPr>
                 </a:tc>
@@ -40576,26 +40930,20 @@
                     <a:p>
                       <a:pPr algn="ctr"/>
                       <a:r>
-                        <a:rPr lang="fr-FR" sz="1300" b="0" strike="noStrike" spc="-1">
-                          <a:latin typeface="Arial"/>
-                        </a:rPr>
-                        <a:t>1046</a:t>
+                        <a:rPr lang="fr-FR" sz="1300" strike="noStrike" spc="-1" dirty="0"/>
+                        <a:t>876</a:t>
                       </a:r>
+                      <a:endParaRPr lang="fr-FR" sz="1300" b="0" strike="noStrike" spc="-1" dirty="0">
+                        <a:latin typeface="Arial"/>
+                      </a:endParaRPr>
                     </a:p>
                   </a:txBody>
                   <a:tcPr marL="36000" marR="36000">
-                    <a:lnL w="720">
-                      <a:solidFill>
-                        <a:srgbClr val="FFFFFF"/>
-                      </a:solidFill>
-                    </a:lnL>
-                    <a:lnR w="720">
-                      <a:solidFill>
-                        <a:srgbClr val="FFFFFF"/>
-                      </a:solidFill>
-                    </a:lnR>
                     <a:solidFill>
-                      <a:srgbClr val="E6E6E6"/>
+                      <a:schemeClr val="accent2">
+                        <a:lumMod val="40000"/>
+                        <a:lumOff val="60000"/>
+                      </a:schemeClr>
                     </a:solidFill>
                   </a:tcPr>
                 </a:tc>
@@ -40606,26 +40954,27 @@
                     <a:p>
                       <a:pPr algn="ctr"/>
                       <a:r>
-                        <a:rPr lang="fr-FR" sz="1300" b="0" strike="noStrike" spc="-1">
-                          <a:latin typeface="Arial"/>
+                        <a:rPr lang="fr-FR" sz="1300" strike="noStrike" spc="-1" dirty="0">
+                          <a:solidFill>
+                            <a:srgbClr val="C00000"/>
+                          </a:solidFill>
                         </a:rPr>
-                        <a:t>4</a:t>
+                        <a:t>3</a:t>
                       </a:r>
+                      <a:endParaRPr lang="fr-FR" sz="1300" b="1" strike="noStrike" spc="-1" dirty="0">
+                        <a:solidFill>
+                          <a:srgbClr val="C00000"/>
+                        </a:solidFill>
+                        <a:latin typeface="Arial"/>
+                      </a:endParaRPr>
                     </a:p>
                   </a:txBody>
                   <a:tcPr marL="36000" marR="36000">
-                    <a:lnL w="720">
-                      <a:solidFill>
-                        <a:srgbClr val="FFFFFF"/>
-                      </a:solidFill>
-                    </a:lnL>
-                    <a:lnR w="720">
-                      <a:solidFill>
-                        <a:srgbClr val="FFFFFF"/>
-                      </a:solidFill>
-                    </a:lnR>
                     <a:solidFill>
-                      <a:srgbClr val="E6E6E6"/>
+                      <a:schemeClr val="accent2">
+                        <a:lumMod val="40000"/>
+                        <a:lumOff val="60000"/>
+                      </a:schemeClr>
                     </a:solidFill>
                   </a:tcPr>
                 </a:tc>
@@ -40636,21 +40985,20 @@
                     <a:p>
                       <a:pPr algn="ctr"/>
                       <a:r>
-                        <a:rPr lang="fr-FR" sz="1300" b="0" strike="noStrike" spc="-1">
-                          <a:latin typeface="Arial"/>
-                        </a:rPr>
-                        <a:t>224</a:t>
+                        <a:rPr lang="fr-FR" sz="1300" strike="noStrike" spc="-1"/>
+                        <a:t>336</a:t>
                       </a:r>
+                      <a:endParaRPr lang="fr-FR" sz="1300" b="0" strike="noStrike" spc="-1">
+                        <a:latin typeface="Arial"/>
+                      </a:endParaRPr>
                     </a:p>
                   </a:txBody>
                   <a:tcPr marL="36000" marR="36000">
-                    <a:lnL w="720">
-                      <a:solidFill>
-                        <a:srgbClr val="FFFFFF"/>
-                      </a:solidFill>
-                    </a:lnL>
                     <a:solidFill>
-                      <a:srgbClr val="E6E6E6"/>
+                      <a:schemeClr val="accent2">
+                        <a:lumMod val="40000"/>
+                        <a:lumOff val="60000"/>
+                      </a:schemeClr>
                     </a:solidFill>
                   </a:tcPr>
                 </a:tc>
@@ -40661,12 +41009,7 @@
                     <a:p>
                       <a:pPr algn="ctr"/>
                       <a:r>
-                        <a:rPr lang="fr-FR" sz="1300" b="1" strike="noStrike" spc="-1">
-                          <a:solidFill>
-                            <a:srgbClr val="FF0000"/>
-                          </a:solidFill>
-                          <a:latin typeface="Arial"/>
-                        </a:rPr>
+                        <a:rPr lang="fr-FR" sz="1300" strike="noStrike" spc="-1"/>
                         <a:t>1</a:t>
                       </a:r>
                       <a:endParaRPr lang="fr-FR" sz="1300" b="0" strike="noStrike" spc="-1">
@@ -40674,14 +41017,12 @@
                       </a:endParaRPr>
                     </a:p>
                   </a:txBody>
-                  <a:tcPr marL="90000" marR="90000">
-                    <a:lnR w="720">
-                      <a:solidFill>
-                        <a:srgbClr val="FFFFFF"/>
-                      </a:solidFill>
-                    </a:lnR>
+                  <a:tcPr marL="36000" marR="36000">
                     <a:solidFill>
-                      <a:srgbClr val="E6E6E6"/>
+                      <a:schemeClr val="accent2">
+                        <a:lumMod val="40000"/>
+                        <a:lumOff val="60000"/>
+                      </a:schemeClr>
                     </a:solidFill>
                   </a:tcPr>
                 </a:tc>
@@ -40692,30 +41033,20 @@
                     <a:p>
                       <a:pPr algn="ctr"/>
                       <a:r>
-                        <a:rPr lang="fr-FR" sz="1300" b="0" strike="noStrike" spc="-1">
-                          <a:latin typeface="Arial"/>
-                        </a:rPr>
-                        <a:t>3213</a:t>
+                        <a:rPr lang="fr-FR" sz="1300" strike="noStrike" spc="-1"/>
+                        <a:t>5048</a:t>
                       </a:r>
+                      <a:endParaRPr lang="fr-FR" sz="1300" b="0" strike="noStrike" spc="-1">
+                        <a:latin typeface="Arial"/>
+                      </a:endParaRPr>
                     </a:p>
                   </a:txBody>
                   <a:tcPr marL="36000" marR="36000">
-                    <a:lnL w="720" cap="flat" cmpd="sng" algn="ctr">
-                      <a:solidFill>
-                        <a:srgbClr val="FFFFFF"/>
-                      </a:solidFill>
-                      <a:prstDash val="solid"/>
-                      <a:round/>
-                      <a:headEnd type="none" w="med" len="med"/>
-                      <a:tailEnd type="none" w="med" len="med"/>
-                    </a:lnL>
-                    <a:lnR w="720">
-                      <a:solidFill>
-                        <a:srgbClr val="FFFFFF"/>
-                      </a:solidFill>
-                    </a:lnR>
                     <a:solidFill>
-                      <a:srgbClr val="E6E6E6"/>
+                      <a:schemeClr val="accent2">
+                        <a:lumMod val="40000"/>
+                        <a:lumOff val="60000"/>
+                      </a:schemeClr>
                     </a:solidFill>
                   </a:tcPr>
                 </a:tc>
@@ -40726,29 +41057,27 @@
                     <a:p>
                       <a:pPr algn="ctr"/>
                       <a:r>
-                        <a:rPr lang="fr-FR" sz="1300" b="1" strike="noStrike" spc="-1">
+                        <a:rPr lang="fr-FR" sz="1300" strike="noStrike" spc="-1" dirty="0">
                           <a:solidFill>
-                            <a:srgbClr val="FF0000"/>
+                            <a:srgbClr val="C00000"/>
                           </a:solidFill>
-                          <a:latin typeface="Arial"/>
                         </a:rPr>
-                        <a:t>134</a:t>
+                        <a:t>210</a:t>
                       </a:r>
+                      <a:endParaRPr lang="fr-FR" sz="1300" b="1" strike="noStrike" spc="-1" dirty="0">
+                        <a:solidFill>
+                          <a:srgbClr val="C00000"/>
+                        </a:solidFill>
+                        <a:latin typeface="Arial"/>
+                      </a:endParaRPr>
                     </a:p>
                   </a:txBody>
                   <a:tcPr marL="36000" marR="36000">
-                    <a:lnL w="720">
-                      <a:solidFill>
-                        <a:srgbClr val="FFFFFF"/>
-                      </a:solidFill>
-                    </a:lnL>
-                    <a:lnR w="720">
-                      <a:solidFill>
-                        <a:srgbClr val="FFFFFF"/>
-                      </a:solidFill>
-                    </a:lnR>
                     <a:solidFill>
-                      <a:srgbClr val="E6E6E6"/>
+                      <a:schemeClr val="accent2">
+                        <a:lumMod val="40000"/>
+                        <a:lumOff val="60000"/>
+                      </a:schemeClr>
                     </a:solidFill>
                   </a:tcPr>
                 </a:tc>
@@ -40759,806 +41088,8 @@
                     <a:p>
                       <a:pPr algn="ctr"/>
                       <a:r>
-                        <a:rPr lang="fr-FR" sz="1300" b="0" strike="noStrike" spc="-1">
-                          <a:latin typeface="Arial"/>
-                        </a:rPr>
-                        <a:t>250</a:t>
-                      </a:r>
-                    </a:p>
-                  </a:txBody>
-                  <a:tcPr marL="36000" marR="36000">
-                    <a:lnL w="720">
-                      <a:solidFill>
-                        <a:srgbClr val="FFFFFF"/>
-                      </a:solidFill>
-                    </a:lnL>
-                    <a:solidFill>
-                      <a:srgbClr val="E6E6E6"/>
-                    </a:solidFill>
-                  </a:tcPr>
-                </a:tc>
-                <a:extLst>
-                  <a:ext uri="{0D108BD9-81ED-4DB2-BD59-A6C34878D82A}">
-                    <a16:rowId xmlns:a16="http://schemas.microsoft.com/office/drawing/2014/main" val="10004"/>
-                  </a:ext>
-                </a:extLst>
-              </a:tr>
-              <a:tr h="295254">
-                <a:tc>
-                  <a:txBody>
-                    <a:bodyPr/>
-                    <a:lstStyle/>
-                    <a:p>
-                      <a:pPr algn="ctr"/>
-                      <a:r>
-                        <a:rPr lang="fr-FR" sz="1300" b="0" strike="noStrike" spc="-1">
-                          <a:latin typeface="Arial"/>
-                        </a:rPr>
-                        <a:t>Quadro K5000</a:t>
-                      </a:r>
-                    </a:p>
-                  </a:txBody>
-                  <a:tcPr marL="36000" marR="36000">
-                    <a:lnR w="720">
-                      <a:solidFill>
-                        <a:srgbClr val="FFFFFF"/>
-                      </a:solidFill>
-                    </a:lnR>
-                    <a:solidFill>
-                      <a:srgbClr val="CCCCCC"/>
-                    </a:solidFill>
-                  </a:tcPr>
-                </a:tc>
-                <a:tc>
-                  <a:txBody>
-                    <a:bodyPr/>
-                    <a:lstStyle/>
-                    <a:p>
-                      <a:pPr algn="ctr"/>
-                      <a:r>
-                        <a:rPr lang="fr-FR" sz="1300" b="0" strike="noStrike" spc="-1">
-                          <a:latin typeface="Arial"/>
-                        </a:rPr>
-                        <a:t>3.0</a:t>
-                      </a:r>
-                    </a:p>
-                  </a:txBody>
-                  <a:tcPr marL="36000" marR="36000">
-                    <a:lnL w="720">
-                      <a:solidFill>
-                        <a:srgbClr val="FFFFFF"/>
-                      </a:solidFill>
-                    </a:lnL>
-                    <a:lnR w="720">
-                      <a:solidFill>
-                        <a:srgbClr val="FFFFFF"/>
-                      </a:solidFill>
-                    </a:lnR>
-                    <a:solidFill>
-                      <a:srgbClr val="CCCCCC"/>
-                    </a:solidFill>
-                  </a:tcPr>
-                </a:tc>
-                <a:tc>
-                  <a:txBody>
-                    <a:bodyPr/>
-                    <a:lstStyle/>
-                    <a:p>
-                      <a:pPr algn="ctr"/>
-                      <a:r>
-                        <a:rPr lang="fr-FR" sz="1300" b="0" strike="noStrike" spc="-1">
-                          <a:latin typeface="Arial"/>
-                        </a:rPr>
-                        <a:t>1536</a:t>
-                      </a:r>
-                    </a:p>
-                  </a:txBody>
-                  <a:tcPr marL="36000" marR="36000">
-                    <a:lnL w="720">
-                      <a:solidFill>
-                        <a:srgbClr val="FFFFFF"/>
-                      </a:solidFill>
-                    </a:lnL>
-                    <a:lnR w="720">
-                      <a:solidFill>
-                        <a:srgbClr val="FFFFFF"/>
-                      </a:solidFill>
-                    </a:lnR>
-                    <a:solidFill>
-                      <a:srgbClr val="CCCCCC"/>
-                    </a:solidFill>
-                  </a:tcPr>
-                </a:tc>
-                <a:tc>
-                  <a:txBody>
-                    <a:bodyPr/>
-                    <a:lstStyle/>
-                    <a:p>
-                      <a:pPr algn="ctr"/>
-                      <a:r>
-                        <a:rPr lang="fr-FR" sz="1300" b="0" strike="noStrike" spc="-1">
-                          <a:latin typeface="Arial"/>
-                        </a:rPr>
-                        <a:t>706</a:t>
-                      </a:r>
-                    </a:p>
-                  </a:txBody>
-                  <a:tcPr marL="36000" marR="36000">
-                    <a:lnL w="720">
-                      <a:solidFill>
-                        <a:srgbClr val="FFFFFF"/>
-                      </a:solidFill>
-                    </a:lnL>
-                    <a:lnR w="720">
-                      <a:solidFill>
-                        <a:srgbClr val="FFFFFF"/>
-                      </a:solidFill>
-                    </a:lnR>
-                    <a:solidFill>
-                      <a:srgbClr val="CCCCCC"/>
-                    </a:solidFill>
-                  </a:tcPr>
-                </a:tc>
-                <a:tc>
-                  <a:txBody>
-                    <a:bodyPr/>
-                    <a:lstStyle/>
-                    <a:p>
-                      <a:pPr algn="ctr"/>
-                      <a:r>
-                        <a:rPr lang="fr-FR" sz="1300" b="0" strike="noStrike" spc="-1">
-                          <a:latin typeface="Arial"/>
-                        </a:rPr>
-                        <a:t>4</a:t>
-                      </a:r>
-                    </a:p>
-                  </a:txBody>
-                  <a:tcPr marL="36000" marR="36000">
-                    <a:lnL w="720">
-                      <a:solidFill>
-                        <a:srgbClr val="FFFFFF"/>
-                      </a:solidFill>
-                    </a:lnL>
-                    <a:lnR w="720">
-                      <a:solidFill>
-                        <a:srgbClr val="FFFFFF"/>
-                      </a:solidFill>
-                    </a:lnR>
-                    <a:solidFill>
-                      <a:srgbClr val="CCCCCC"/>
-                    </a:solidFill>
-                  </a:tcPr>
-                </a:tc>
-                <a:tc>
-                  <a:txBody>
-                    <a:bodyPr/>
-                    <a:lstStyle/>
-                    <a:p>
-                      <a:pPr algn="ctr"/>
-                      <a:r>
-                        <a:rPr lang="fr-FR" sz="1300" b="0" strike="noStrike" spc="-1">
-                          <a:latin typeface="Arial"/>
-                        </a:rPr>
-                        <a:t>172</a:t>
-                      </a:r>
-                    </a:p>
-                  </a:txBody>
-                  <a:tcPr marL="36000" marR="36000">
-                    <a:lnL w="720">
-                      <a:solidFill>
-                        <a:srgbClr val="FFFFFF"/>
-                      </a:solidFill>
-                    </a:lnL>
-                    <a:solidFill>
-                      <a:srgbClr val="CCCCCC"/>
-                    </a:solidFill>
-                  </a:tcPr>
-                </a:tc>
-                <a:tc>
-                  <a:txBody>
-                    <a:bodyPr/>
-                    <a:lstStyle/>
-                    <a:p>
-                      <a:pPr algn="ctr"/>
-                      <a:r>
-                        <a:rPr lang="fr-FR" sz="1300" b="0" strike="noStrike" spc="-1">
-                          <a:latin typeface="Arial"/>
-                        </a:rPr>
-                        <a:t>2</a:t>
-                      </a:r>
-                    </a:p>
-                  </a:txBody>
-                  <a:tcPr marL="90000" marR="90000">
-                    <a:lnR w="720">
-                      <a:solidFill>
-                        <a:srgbClr val="FFFFFF"/>
-                      </a:solidFill>
-                    </a:lnR>
-                    <a:solidFill>
-                      <a:srgbClr val="CCCCCC"/>
-                    </a:solidFill>
-                  </a:tcPr>
-                </a:tc>
-                <a:tc>
-                  <a:txBody>
-                    <a:bodyPr/>
-                    <a:lstStyle/>
-                    <a:p>
-                      <a:pPr algn="ctr"/>
-                      <a:r>
-                        <a:rPr lang="fr-FR" sz="1300" b="0" strike="noStrike" spc="-1">
-                          <a:latin typeface="Arial"/>
-                        </a:rPr>
-                        <a:t>2168</a:t>
-                      </a:r>
-                    </a:p>
-                  </a:txBody>
-                  <a:tcPr marL="36000" marR="36000">
-                    <a:lnL w="720" cap="flat" cmpd="sng" algn="ctr">
-                      <a:solidFill>
-                        <a:srgbClr val="FFFFFF"/>
-                      </a:solidFill>
-                      <a:prstDash val="solid"/>
-                      <a:round/>
-                      <a:headEnd type="none" w="med" len="med"/>
-                      <a:tailEnd type="none" w="med" len="med"/>
-                    </a:lnL>
-                    <a:lnR w="720">
-                      <a:solidFill>
-                        <a:srgbClr val="FFFFFF"/>
-                      </a:solidFill>
-                    </a:lnR>
-                    <a:solidFill>
-                      <a:srgbClr val="CCCCCC"/>
-                    </a:solidFill>
-                  </a:tcPr>
-                </a:tc>
-                <a:tc>
-                  <a:txBody>
-                    <a:bodyPr/>
-                    <a:lstStyle/>
-                    <a:p>
-                      <a:pPr algn="ctr"/>
-                      <a:r>
-                        <a:rPr lang="fr-FR" sz="1300" b="1" strike="noStrike" spc="-1">
-                          <a:solidFill>
-                            <a:srgbClr val="FF0000"/>
-                          </a:solidFill>
-                          <a:latin typeface="Arial"/>
-                        </a:rPr>
-                        <a:t>90</a:t>
-                      </a:r>
-                    </a:p>
-                  </a:txBody>
-                  <a:tcPr marL="36000" marR="36000">
-                    <a:lnL w="720">
-                      <a:solidFill>
-                        <a:srgbClr val="FFFFFF"/>
-                      </a:solidFill>
-                    </a:lnL>
-                    <a:lnR w="720">
-                      <a:solidFill>
-                        <a:srgbClr val="FFFFFF"/>
-                      </a:solidFill>
-                    </a:lnR>
-                    <a:solidFill>
-                      <a:srgbClr val="CCCCCC"/>
-                    </a:solidFill>
-                  </a:tcPr>
-                </a:tc>
-                <a:tc>
-                  <a:txBody>
-                    <a:bodyPr/>
-                    <a:lstStyle/>
-                    <a:p>
-                      <a:pPr algn="ctr"/>
-                      <a:r>
-                        <a:rPr lang="fr-FR" sz="1300" b="0" strike="noStrike" spc="-1">
-                          <a:latin typeface="Arial"/>
-                        </a:rPr>
-                        <a:t>2000</a:t>
-                      </a:r>
-                    </a:p>
-                  </a:txBody>
-                  <a:tcPr marL="36000" marR="36000">
-                    <a:lnL w="720">
-                      <a:solidFill>
-                        <a:srgbClr val="FFFFFF"/>
-                      </a:solidFill>
-                    </a:lnL>
-                    <a:solidFill>
-                      <a:srgbClr val="CCCCCC"/>
-                    </a:solidFill>
-                  </a:tcPr>
-                </a:tc>
-                <a:extLst>
-                  <a:ext uri="{0D108BD9-81ED-4DB2-BD59-A6C34878D82A}">
-                    <a16:rowId xmlns:a16="http://schemas.microsoft.com/office/drawing/2014/main" val="10005"/>
-                  </a:ext>
-                </a:extLst>
-              </a:tr>
-              <a:tr h="295254">
-                <a:tc>
-                  <a:txBody>
-                    <a:bodyPr/>
-                    <a:lstStyle/>
-                    <a:p>
-                      <a:pPr algn="ctr"/>
-                      <a:r>
-                        <a:rPr lang="fr-FR" sz="1300" b="0" strike="noStrike" spc="-1">
-                          <a:latin typeface="Arial"/>
-                        </a:rPr>
-                        <a:t>Tesla K10</a:t>
-                      </a:r>
-                    </a:p>
-                  </a:txBody>
-                  <a:tcPr marL="36000" marR="36000">
-                    <a:lnR w="720">
-                      <a:solidFill>
-                        <a:srgbClr val="FFFFFF"/>
-                      </a:solidFill>
-                    </a:lnR>
-                    <a:solidFill>
-                      <a:srgbClr val="E6E6E6"/>
-                    </a:solidFill>
-                  </a:tcPr>
-                </a:tc>
-                <a:tc>
-                  <a:txBody>
-                    <a:bodyPr/>
-                    <a:lstStyle/>
-                    <a:p>
-                      <a:pPr algn="ctr"/>
-                      <a:r>
-                        <a:rPr lang="fr-FR" sz="1300" b="0" strike="noStrike" spc="-1">
-                          <a:latin typeface="Arial"/>
-                        </a:rPr>
-                        <a:t>3.0</a:t>
-                      </a:r>
-                    </a:p>
-                  </a:txBody>
-                  <a:tcPr marL="36000" marR="36000">
-                    <a:lnL w="720">
-                      <a:solidFill>
-                        <a:srgbClr val="FFFFFF"/>
-                      </a:solidFill>
-                    </a:lnL>
-                    <a:lnR w="720">
-                      <a:solidFill>
-                        <a:srgbClr val="FFFFFF"/>
-                      </a:solidFill>
-                    </a:lnR>
-                    <a:solidFill>
-                      <a:srgbClr val="E6E6E6"/>
-                    </a:solidFill>
-                  </a:tcPr>
-                </a:tc>
-                <a:tc>
-                  <a:txBody>
-                    <a:bodyPr/>
-                    <a:lstStyle/>
-                    <a:p>
-                      <a:pPr algn="ctr"/>
-                      <a:r>
-                        <a:rPr lang="fr-FR" sz="1300" b="0" strike="noStrike" spc="-1">
-                          <a:latin typeface="Arial"/>
-                        </a:rPr>
-                        <a:t>2 * 1536</a:t>
-                      </a:r>
-                    </a:p>
-                  </a:txBody>
-                  <a:tcPr marL="36000" marR="36000">
-                    <a:lnL w="720">
-                      <a:solidFill>
-                        <a:srgbClr val="FFFFFF"/>
-                      </a:solidFill>
-                    </a:lnL>
-                    <a:lnR w="720">
-                      <a:solidFill>
-                        <a:srgbClr val="FFFFFF"/>
-                      </a:solidFill>
-                    </a:lnR>
-                    <a:solidFill>
-                      <a:srgbClr val="E6E6E6"/>
-                    </a:solidFill>
-                  </a:tcPr>
-                </a:tc>
-                <a:tc>
-                  <a:txBody>
-                    <a:bodyPr/>
-                    <a:lstStyle/>
-                    <a:p>
-                      <a:pPr algn="ctr"/>
-                      <a:r>
-                        <a:rPr lang="fr-FR" sz="1300" b="0" strike="noStrike" spc="-1">
-                          <a:latin typeface="Arial"/>
-                        </a:rPr>
-                        <a:t>745</a:t>
-                      </a:r>
-                    </a:p>
-                  </a:txBody>
-                  <a:tcPr marL="36000" marR="36000">
-                    <a:lnL w="720">
-                      <a:solidFill>
-                        <a:srgbClr val="FFFFFF"/>
-                      </a:solidFill>
-                    </a:lnL>
-                    <a:lnR w="720">
-                      <a:solidFill>
-                        <a:srgbClr val="FFFFFF"/>
-                      </a:solidFill>
-                    </a:lnR>
-                    <a:solidFill>
-                      <a:srgbClr val="E6E6E6"/>
-                    </a:solidFill>
-                  </a:tcPr>
-                </a:tc>
-                <a:tc>
-                  <a:txBody>
-                    <a:bodyPr/>
-                    <a:lstStyle/>
-                    <a:p>
-                      <a:pPr algn="ctr"/>
-                      <a:r>
-                        <a:rPr lang="fr-FR" sz="1300" b="0" strike="noStrike" spc="-1">
-                          <a:latin typeface="Arial"/>
-                        </a:rPr>
-                        <a:t>2 * 4</a:t>
-                      </a:r>
-                    </a:p>
-                  </a:txBody>
-                  <a:tcPr marL="36000" marR="36000">
-                    <a:lnL w="720">
-                      <a:solidFill>
-                        <a:srgbClr val="FFFFFF"/>
-                      </a:solidFill>
-                    </a:lnL>
-                    <a:lnR w="720">
-                      <a:solidFill>
-                        <a:srgbClr val="FFFFFF"/>
-                      </a:solidFill>
-                    </a:lnR>
-                    <a:solidFill>
-                      <a:srgbClr val="E6E6E6"/>
-                    </a:solidFill>
-                  </a:tcPr>
-                </a:tc>
-                <a:tc>
-                  <a:txBody>
-                    <a:bodyPr/>
-                    <a:lstStyle/>
-                    <a:p>
-                      <a:pPr algn="ctr"/>
-                      <a:r>
-                        <a:rPr lang="fr-FR" sz="1300" b="0" strike="noStrike" spc="-1">
-                          <a:latin typeface="Arial"/>
-                        </a:rPr>
-                        <a:t>160</a:t>
-                      </a:r>
-                    </a:p>
-                  </a:txBody>
-                  <a:tcPr marL="36000" marR="36000">
-                    <a:lnL w="720">
-                      <a:solidFill>
-                        <a:srgbClr val="FFFFFF"/>
-                      </a:solidFill>
-                    </a:lnL>
-                    <a:solidFill>
-                      <a:srgbClr val="E6E6E6"/>
-                    </a:solidFill>
-                  </a:tcPr>
-                </a:tc>
-                <a:tc>
-                  <a:txBody>
-                    <a:bodyPr/>
-                    <a:lstStyle/>
-                    <a:p>
-                      <a:pPr algn="ctr"/>
-                      <a:r>
-                        <a:rPr lang="fr-FR" sz="1300" b="0" strike="noStrike" spc="-1">
-                          <a:latin typeface="Arial"/>
-                        </a:rPr>
-                        <a:t>2</a:t>
-                      </a:r>
-                    </a:p>
-                  </a:txBody>
-                  <a:tcPr marL="90000" marR="90000">
-                    <a:lnR w="720">
-                      <a:solidFill>
-                        <a:srgbClr val="FFFFFF"/>
-                      </a:solidFill>
-                    </a:lnR>
-                    <a:solidFill>
-                      <a:srgbClr val="E6E6E6"/>
-                    </a:solidFill>
-                  </a:tcPr>
-                </a:tc>
-                <a:tc>
-                  <a:txBody>
-                    <a:bodyPr/>
-                    <a:lstStyle/>
-                    <a:p>
-                      <a:pPr algn="ctr"/>
-                      <a:r>
-                        <a:rPr lang="fr-FR" sz="1300" b="0" strike="noStrike" spc="-1">
-                          <a:latin typeface="Arial"/>
-                        </a:rPr>
-                        <a:t>2 * 2288</a:t>
-                      </a:r>
-                    </a:p>
-                  </a:txBody>
-                  <a:tcPr marL="36000" marR="36000">
-                    <a:lnL w="720" cap="flat" cmpd="sng" algn="ctr">
-                      <a:solidFill>
-                        <a:srgbClr val="FFFFFF"/>
-                      </a:solidFill>
-                      <a:prstDash val="solid"/>
-                      <a:round/>
-                      <a:headEnd type="none" w="med" len="med"/>
-                      <a:tailEnd type="none" w="med" len="med"/>
-                    </a:lnL>
-                    <a:lnR w="720">
-                      <a:solidFill>
-                        <a:srgbClr val="FFFFFF"/>
-                      </a:solidFill>
-                    </a:lnR>
-                    <a:solidFill>
-                      <a:srgbClr val="E6E6E6"/>
-                    </a:solidFill>
-                  </a:tcPr>
-                </a:tc>
-                <a:tc>
-                  <a:txBody>
-                    <a:bodyPr/>
-                    <a:lstStyle/>
-                    <a:p>
-                      <a:pPr algn="ctr"/>
-                      <a:r>
-                        <a:rPr lang="fr-FR" sz="1300" b="1" strike="noStrike" spc="-1">
-                          <a:solidFill>
-                            <a:srgbClr val="FF0000"/>
-                          </a:solidFill>
-                          <a:latin typeface="Arial"/>
-                        </a:rPr>
-                        <a:t>2 * 95</a:t>
-                      </a:r>
-                    </a:p>
-                  </a:txBody>
-                  <a:tcPr marL="36000" marR="36000">
-                    <a:lnL w="720">
-                      <a:solidFill>
-                        <a:srgbClr val="FFFFFF"/>
-                      </a:solidFill>
-                    </a:lnL>
-                    <a:lnR w="720">
-                      <a:solidFill>
-                        <a:srgbClr val="FFFFFF"/>
-                      </a:solidFill>
-                    </a:lnR>
-                    <a:solidFill>
-                      <a:srgbClr val="E6E6E6"/>
-                    </a:solidFill>
-                  </a:tcPr>
-                </a:tc>
-                <a:tc>
-                  <a:txBody>
-                    <a:bodyPr/>
-                    <a:lstStyle/>
-                    <a:p>
-                      <a:pPr algn="ctr"/>
-                      <a:r>
-                        <a:rPr lang="fr-FR" sz="1300" b="0" strike="noStrike" spc="-1">
-                          <a:latin typeface="Arial"/>
-                        </a:rPr>
-                        <a:t>5000</a:t>
-                      </a:r>
-                    </a:p>
-                  </a:txBody>
-                  <a:tcPr marL="36000" marR="36000">
-                    <a:lnL w="720">
-                      <a:solidFill>
-                        <a:srgbClr val="FFFFFF"/>
-                      </a:solidFill>
-                    </a:lnL>
-                    <a:solidFill>
-                      <a:srgbClr val="E6E6E6"/>
-                    </a:solidFill>
-                  </a:tcPr>
-                </a:tc>
-                <a:extLst>
-                  <a:ext uri="{0D108BD9-81ED-4DB2-BD59-A6C34878D82A}">
-                    <a16:rowId xmlns:a16="http://schemas.microsoft.com/office/drawing/2014/main" val="10006"/>
-                  </a:ext>
-                </a:extLst>
-              </a:tr>
-              <a:tr h="295254">
-                <a:tc>
-                  <a:txBody>
-                    <a:bodyPr/>
-                    <a:lstStyle/>
-                    <a:p>
-                      <a:pPr algn="ctr"/>
-                      <a:r>
-                        <a:rPr lang="fr-FR" sz="1300" b="0" strike="noStrike" spc="-1">
-                          <a:latin typeface="Arial"/>
-                        </a:rPr>
-                        <a:t>GeForce GTX 780 TI</a:t>
-                      </a:r>
-                    </a:p>
-                  </a:txBody>
-                  <a:tcPr marL="36000" marR="36000">
-                    <a:lnR w="720">
-                      <a:solidFill>
-                        <a:srgbClr val="FFFFFF"/>
-                      </a:solidFill>
-                    </a:lnR>
-                    <a:solidFill>
-                      <a:srgbClr val="E6E6E6"/>
-                    </a:solidFill>
-                  </a:tcPr>
-                </a:tc>
-                <a:tc>
-                  <a:txBody>
-                    <a:bodyPr/>
-                    <a:lstStyle/>
-                    <a:p>
-                      <a:pPr algn="ctr"/>
-                      <a:r>
-                        <a:rPr lang="fr-FR" sz="1300" b="0" strike="noStrike" spc="-1">
-                          <a:latin typeface="Arial"/>
-                        </a:rPr>
-                        <a:t>3.5</a:t>
-                      </a:r>
-                    </a:p>
-                  </a:txBody>
-                  <a:tcPr marL="36000" marR="36000">
-                    <a:lnL w="720">
-                      <a:solidFill>
-                        <a:srgbClr val="FFFFFF"/>
-                      </a:solidFill>
-                    </a:lnL>
-                    <a:lnR w="720">
-                      <a:solidFill>
-                        <a:srgbClr val="FFFFFF"/>
-                      </a:solidFill>
-                    </a:lnR>
-                    <a:solidFill>
-                      <a:srgbClr val="E6E6E6"/>
-                    </a:solidFill>
-                  </a:tcPr>
-                </a:tc>
-                <a:tc>
-                  <a:txBody>
-                    <a:bodyPr/>
-                    <a:lstStyle/>
-                    <a:p>
-                      <a:pPr algn="ctr"/>
-                      <a:r>
-                        <a:rPr lang="fr-FR" sz="1300" b="0" strike="noStrike" spc="-1">
-                          <a:latin typeface="Arial"/>
-                        </a:rPr>
-                        <a:t>2880</a:t>
-                      </a:r>
-                    </a:p>
-                  </a:txBody>
-                  <a:tcPr marL="36000" marR="36000">
-                    <a:lnL w="720">
-                      <a:solidFill>
-                        <a:srgbClr val="FFFFFF"/>
-                      </a:solidFill>
-                    </a:lnL>
-                    <a:lnR w="720">
-                      <a:solidFill>
-                        <a:srgbClr val="FFFFFF"/>
-                      </a:solidFill>
-                    </a:lnR>
-                    <a:solidFill>
-                      <a:srgbClr val="E6E6E6"/>
-                    </a:solidFill>
-                  </a:tcPr>
-                </a:tc>
-                <a:tc>
-                  <a:txBody>
-                    <a:bodyPr/>
-                    <a:lstStyle/>
-                    <a:p>
-                      <a:pPr algn="ctr"/>
-                      <a:r>
-                        <a:rPr lang="fr-FR" sz="1300" b="0" strike="noStrike" spc="-1">
-                          <a:latin typeface="Arial"/>
-                        </a:rPr>
-                        <a:t>876</a:t>
-                      </a:r>
-                    </a:p>
-                  </a:txBody>
-                  <a:tcPr marL="36000" marR="36000">
-                    <a:lnL w="720">
-                      <a:solidFill>
-                        <a:srgbClr val="FFFFFF"/>
-                      </a:solidFill>
-                    </a:lnL>
-                    <a:lnR w="720">
-                      <a:solidFill>
-                        <a:srgbClr val="FFFFFF"/>
-                      </a:solidFill>
-                    </a:lnR>
-                    <a:solidFill>
-                      <a:srgbClr val="E6E6E6"/>
-                    </a:solidFill>
-                  </a:tcPr>
-                </a:tc>
-                <a:tc>
-                  <a:txBody>
-                    <a:bodyPr/>
-                    <a:lstStyle/>
-                    <a:p>
-                      <a:pPr algn="ctr"/>
-                      <a:r>
-                        <a:rPr lang="fr-FR" sz="1300" b="1" strike="noStrike" spc="-1">
-                          <a:solidFill>
-                            <a:srgbClr val="FF0000"/>
-                          </a:solidFill>
-                          <a:latin typeface="Arial"/>
-                        </a:rPr>
-                        <a:t>3</a:t>
-                      </a:r>
-                    </a:p>
-                  </a:txBody>
-                  <a:tcPr marL="36000" marR="36000">
-                    <a:lnL w="720">
-                      <a:solidFill>
-                        <a:srgbClr val="FFFFFF"/>
-                      </a:solidFill>
-                    </a:lnL>
-                    <a:lnR w="720">
-                      <a:solidFill>
-                        <a:srgbClr val="FFFFFF"/>
-                      </a:solidFill>
-                    </a:lnR>
-                    <a:solidFill>
-                      <a:srgbClr val="E6E6E6"/>
-                    </a:solidFill>
-                  </a:tcPr>
-                </a:tc>
-                <a:tc>
-                  <a:txBody>
-                    <a:bodyPr/>
-                    <a:lstStyle/>
-                    <a:p>
-                      <a:pPr algn="ctr"/>
-                      <a:r>
-                        <a:rPr lang="fr-FR" sz="1300" b="0" strike="noStrike" spc="-1">
-                          <a:latin typeface="Arial"/>
-                        </a:rPr>
-                        <a:t>336</a:t>
-                      </a:r>
-                    </a:p>
-                  </a:txBody>
-                  <a:tcPr marL="36000" marR="36000">
-                    <a:lnL w="720">
-                      <a:solidFill>
-                        <a:srgbClr val="FFFFFF"/>
-                      </a:solidFill>
-                    </a:lnL>
-                    <a:solidFill>
-                      <a:srgbClr val="E6E6E6"/>
-                    </a:solidFill>
-                  </a:tcPr>
-                </a:tc>
-                <a:tc>
-                  <a:txBody>
-                    <a:bodyPr/>
-                    <a:lstStyle/>
-                    <a:p>
-                      <a:pPr algn="ctr"/>
-                      <a:r>
-                        <a:rPr lang="fr-FR" sz="1300" b="1" strike="noStrike" spc="-1">
-                          <a:solidFill>
-                            <a:srgbClr val="FF0000"/>
-                          </a:solidFill>
-                          <a:latin typeface="Arial"/>
-                        </a:rPr>
-                        <a:t>1</a:t>
+                        <a:rPr lang="fr-FR" sz="1300" strike="noStrike" spc="-1"/>
+                        <a:t>600</a:t>
                       </a:r>
                       <a:endParaRPr lang="fr-FR" sz="1300" b="0" strike="noStrike" spc="-1">
                         <a:latin typeface="Arial"/>
@@ -41566,105 +41097,11 @@
                     </a:p>
                   </a:txBody>
                   <a:tcPr marL="36000" marR="36000">
-                    <a:lnR w="720">
-                      <a:solidFill>
-                        <a:srgbClr val="FFFFFF"/>
-                      </a:solidFill>
-                    </a:lnR>
                     <a:solidFill>
-                      <a:srgbClr val="E6E6E6"/>
-                    </a:solidFill>
-                  </a:tcPr>
-                </a:tc>
-                <a:tc>
-                  <a:txBody>
-                    <a:bodyPr/>
-                    <a:lstStyle/>
-                    <a:p>
-                      <a:pPr algn="ctr"/>
-                      <a:r>
-                        <a:rPr lang="fr-FR" sz="1300" b="0" strike="noStrike" spc="-1">
-                          <a:latin typeface="Arial"/>
-                        </a:rPr>
-                        <a:t>5048</a:t>
-                      </a:r>
-                    </a:p>
-                  </a:txBody>
-                  <a:tcPr marL="36000" marR="36000">
-                    <a:lnL w="720" cap="flat" cmpd="sng" algn="ctr">
-                      <a:solidFill>
-                        <a:srgbClr val="FFFFFF"/>
-                      </a:solidFill>
-                      <a:prstDash val="solid"/>
-                      <a:round/>
-                      <a:headEnd type="none" w="med" len="med"/>
-                      <a:tailEnd type="none" w="med" len="med"/>
-                    </a:lnL>
-                    <a:lnR w="720">
-                      <a:solidFill>
-                        <a:srgbClr val="FFFFFF"/>
-                      </a:solidFill>
-                    </a:lnR>
-                    <a:solidFill>
-                      <a:srgbClr val="E6E6E6"/>
-                    </a:solidFill>
-                  </a:tcPr>
-                </a:tc>
-                <a:tc>
-                  <a:txBody>
-                    <a:bodyPr/>
-                    <a:lstStyle/>
-                    <a:p>
-                      <a:pPr algn="ctr"/>
-                      <a:r>
-                        <a:rPr lang="fr-FR" sz="1300" b="1" strike="noStrike" spc="-1">
-                          <a:solidFill>
-                            <a:srgbClr val="FF0000"/>
-                          </a:solidFill>
-                          <a:latin typeface="Arial"/>
-                        </a:rPr>
-                        <a:t>210</a:t>
-                      </a:r>
-                    </a:p>
-                  </a:txBody>
-                  <a:tcPr marL="36000" marR="36000">
-                    <a:lnL w="720">
-                      <a:solidFill>
-                        <a:srgbClr val="FFFFFF"/>
-                      </a:solidFill>
-                    </a:lnL>
-                    <a:lnR w="720">
-                      <a:solidFill>
-                        <a:srgbClr val="FFFFFF"/>
-                      </a:solidFill>
-                    </a:lnR>
-                    <a:solidFill>
-                      <a:srgbClr val="E6E6E6"/>
-                    </a:solidFill>
-                  </a:tcPr>
-                </a:tc>
-                <a:tc>
-                  <a:txBody>
-                    <a:bodyPr/>
-                    <a:lstStyle/>
-                    <a:p>
-                      <a:pPr algn="ctr"/>
-                      <a:r>
-                        <a:rPr lang="fr-FR" sz="1300" b="0" strike="noStrike" spc="-1">
-                          <a:latin typeface="Arial"/>
-                        </a:rPr>
-                        <a:t>600</a:t>
-                      </a:r>
-                    </a:p>
-                  </a:txBody>
-                  <a:tcPr marL="36000" marR="36000">
-                    <a:lnL w="720">
-                      <a:solidFill>
-                        <a:srgbClr val="FFFFFF"/>
-                      </a:solidFill>
-                    </a:lnL>
-                    <a:solidFill>
-                      <a:srgbClr val="E6E6E6"/>
+                      <a:schemeClr val="accent2">
+                        <a:lumMod val="40000"/>
+                        <a:lumOff val="60000"/>
+                      </a:schemeClr>
                     </a:solidFill>
                   </a:tcPr>
                 </a:tc>
@@ -41682,21 +41119,20 @@
                     <a:p>
                       <a:pPr algn="ctr"/>
                       <a:r>
-                        <a:rPr lang="fr-FR" sz="1300" b="0" strike="noStrike" spc="-1">
-                          <a:latin typeface="Arial"/>
-                        </a:rPr>
+                        <a:rPr lang="fr-FR" sz="1300" strike="noStrike" spc="-1"/>
                         <a:t>Quadro K6000</a:t>
                       </a:r>
+                      <a:endParaRPr lang="fr-FR" sz="1300" b="0" strike="noStrike" spc="-1">
+                        <a:latin typeface="Arial"/>
+                      </a:endParaRPr>
                     </a:p>
                   </a:txBody>
                   <a:tcPr marL="36000" marR="36000">
-                    <a:lnR w="720">
-                      <a:solidFill>
-                        <a:srgbClr val="FFFFFF"/>
-                      </a:solidFill>
-                    </a:lnR>
                     <a:solidFill>
-                      <a:srgbClr val="CCCCCC"/>
+                      <a:schemeClr val="accent2">
+                        <a:lumMod val="40000"/>
+                        <a:lumOff val="60000"/>
+                      </a:schemeClr>
                     </a:solidFill>
                   </a:tcPr>
                 </a:tc>
@@ -41707,26 +41143,20 @@
                     <a:p>
                       <a:pPr algn="ctr"/>
                       <a:r>
-                        <a:rPr lang="fr-FR" sz="1300" b="0" strike="noStrike" spc="-1">
-                          <a:latin typeface="Arial"/>
-                        </a:rPr>
+                        <a:rPr lang="fr-FR" sz="1300" strike="noStrike" spc="-1"/>
                         <a:t>3.5</a:t>
                       </a:r>
+                      <a:endParaRPr lang="fr-FR" sz="1300" b="0" strike="noStrike" spc="-1">
+                        <a:latin typeface="Arial"/>
+                      </a:endParaRPr>
                     </a:p>
                   </a:txBody>
                   <a:tcPr marL="36000" marR="36000">
-                    <a:lnL w="720">
-                      <a:solidFill>
-                        <a:srgbClr val="FFFFFF"/>
-                      </a:solidFill>
-                    </a:lnL>
-                    <a:lnR w="720">
-                      <a:solidFill>
-                        <a:srgbClr val="FFFFFF"/>
-                      </a:solidFill>
-                    </a:lnR>
                     <a:solidFill>
-                      <a:srgbClr val="CCCCCC"/>
+                      <a:schemeClr val="accent2">
+                        <a:lumMod val="40000"/>
+                        <a:lumOff val="60000"/>
+                      </a:schemeClr>
                     </a:solidFill>
                   </a:tcPr>
                 </a:tc>
@@ -41737,26 +41167,20 @@
                     <a:p>
                       <a:pPr algn="ctr"/>
                       <a:r>
-                        <a:rPr lang="fr-FR" sz="1300" b="0" strike="noStrike" spc="-1">
-                          <a:latin typeface="Arial"/>
-                        </a:rPr>
+                        <a:rPr lang="fr-FR" sz="1300" strike="noStrike" spc="-1"/>
                         <a:t>2880</a:t>
                       </a:r>
+                      <a:endParaRPr lang="fr-FR" sz="1300" b="0" strike="noStrike" spc="-1">
+                        <a:latin typeface="Arial"/>
+                      </a:endParaRPr>
                     </a:p>
                   </a:txBody>
                   <a:tcPr marL="36000" marR="36000">
-                    <a:lnL w="720">
-                      <a:solidFill>
-                        <a:srgbClr val="FFFFFF"/>
-                      </a:solidFill>
-                    </a:lnL>
-                    <a:lnR w="720">
-                      <a:solidFill>
-                        <a:srgbClr val="FFFFFF"/>
-                      </a:solidFill>
-                    </a:lnR>
                     <a:solidFill>
-                      <a:srgbClr val="CCCCCC"/>
+                      <a:schemeClr val="accent2">
+                        <a:lumMod val="40000"/>
+                        <a:lumOff val="60000"/>
+                      </a:schemeClr>
                     </a:solidFill>
                   </a:tcPr>
                 </a:tc>
@@ -41767,26 +41191,20 @@
                     <a:p>
                       <a:pPr algn="ctr"/>
                       <a:r>
-                        <a:rPr lang="fr-FR" sz="1300" b="0" strike="noStrike" spc="-1">
-                          <a:latin typeface="Arial"/>
-                        </a:rPr>
+                        <a:rPr lang="fr-FR" sz="1300" strike="noStrike" spc="-1"/>
                         <a:t>900</a:t>
                       </a:r>
+                      <a:endParaRPr lang="fr-FR" sz="1300" b="0" strike="noStrike" spc="-1">
+                        <a:latin typeface="Arial"/>
+                      </a:endParaRPr>
                     </a:p>
                   </a:txBody>
                   <a:tcPr marL="36000" marR="36000">
-                    <a:lnL w="720">
-                      <a:solidFill>
-                        <a:srgbClr val="FFFFFF"/>
-                      </a:solidFill>
-                    </a:lnL>
-                    <a:lnR w="720">
-                      <a:solidFill>
-                        <a:srgbClr val="FFFFFF"/>
-                      </a:solidFill>
-                    </a:lnR>
                     <a:solidFill>
-                      <a:srgbClr val="CCCCCC"/>
+                      <a:schemeClr val="accent2">
+                        <a:lumMod val="40000"/>
+                        <a:lumOff val="60000"/>
+                      </a:schemeClr>
                     </a:solidFill>
                   </a:tcPr>
                 </a:tc>
@@ -41797,26 +41215,20 @@
                     <a:p>
                       <a:pPr algn="ctr"/>
                       <a:r>
-                        <a:rPr lang="fr-FR" sz="1300" b="0" strike="noStrike" spc="-1">
-                          <a:latin typeface="Arial"/>
-                        </a:rPr>
+                        <a:rPr lang="fr-FR" sz="1300" strike="noStrike" spc="-1" dirty="0"/>
                         <a:t>12</a:t>
                       </a:r>
+                      <a:endParaRPr lang="fr-FR" sz="1300" b="0" strike="noStrike" spc="-1" dirty="0">
+                        <a:latin typeface="Arial"/>
+                      </a:endParaRPr>
                     </a:p>
                   </a:txBody>
                   <a:tcPr marL="36000" marR="36000">
-                    <a:lnL w="720">
-                      <a:solidFill>
-                        <a:srgbClr val="FFFFFF"/>
-                      </a:solidFill>
-                    </a:lnL>
-                    <a:lnR w="720">
-                      <a:solidFill>
-                        <a:srgbClr val="FFFFFF"/>
-                      </a:solidFill>
-                    </a:lnR>
                     <a:solidFill>
-                      <a:srgbClr val="CCCCCC"/>
+                      <a:schemeClr val="accent2">
+                        <a:lumMod val="40000"/>
+                        <a:lumOff val="60000"/>
+                      </a:schemeClr>
                     </a:solidFill>
                   </a:tcPr>
                 </a:tc>
@@ -41827,21 +41239,20 @@
                     <a:p>
                       <a:pPr algn="ctr"/>
                       <a:r>
-                        <a:rPr lang="fr-FR" sz="1300" b="0" strike="noStrike" spc="-1">
-                          <a:latin typeface="Arial"/>
-                        </a:rPr>
+                        <a:rPr lang="fr-FR" sz="1300" strike="noStrike" spc="-1" dirty="0"/>
                         <a:t>288</a:t>
                       </a:r>
+                      <a:endParaRPr lang="fr-FR" sz="1300" b="0" strike="noStrike" spc="-1" dirty="0">
+                        <a:latin typeface="Arial"/>
+                      </a:endParaRPr>
                     </a:p>
                   </a:txBody>
                   <a:tcPr marL="36000" marR="36000">
-                    <a:lnL w="720">
-                      <a:solidFill>
-                        <a:srgbClr val="FFFFFF"/>
-                      </a:solidFill>
-                    </a:lnL>
                     <a:solidFill>
-                      <a:srgbClr val="CCCCCC"/>
+                      <a:schemeClr val="accent2">
+                        <a:lumMod val="40000"/>
+                        <a:lumOff val="60000"/>
+                      </a:schemeClr>
                     </a:solidFill>
                   </a:tcPr>
                 </a:tc>
@@ -41852,21 +41263,20 @@
                     <a:p>
                       <a:pPr algn="ctr"/>
                       <a:r>
-                        <a:rPr lang="fr-FR" sz="1300" b="0" strike="noStrike" spc="-1">
-                          <a:latin typeface="Arial"/>
-                        </a:rPr>
+                        <a:rPr lang="fr-FR" sz="1300" strike="noStrike" spc="-1" dirty="0"/>
                         <a:t>2</a:t>
                       </a:r>
+                      <a:endParaRPr lang="fr-FR" sz="1300" b="0" strike="noStrike" spc="-1" dirty="0">
+                        <a:latin typeface="Arial"/>
+                      </a:endParaRPr>
                     </a:p>
                   </a:txBody>
                   <a:tcPr marL="36000" marR="36000">
-                    <a:lnR w="720">
-                      <a:solidFill>
-                        <a:srgbClr val="FFFFFF"/>
-                      </a:solidFill>
-                    </a:lnR>
                     <a:solidFill>
-                      <a:srgbClr val="CCCCCC"/>
+                      <a:schemeClr val="accent2">
+                        <a:lumMod val="40000"/>
+                        <a:lumOff val="60000"/>
+                      </a:schemeClr>
                     </a:solidFill>
                   </a:tcPr>
                 </a:tc>
@@ -41877,30 +41287,20 @@
                     <a:p>
                       <a:pPr algn="ctr"/>
                       <a:r>
-                        <a:rPr lang="fr-FR" sz="1300" b="0" strike="noStrike" spc="-1">
-                          <a:latin typeface="Arial"/>
-                        </a:rPr>
+                        <a:rPr lang="fr-FR" sz="1300" strike="noStrike" spc="-1" dirty="0"/>
                         <a:t>5196</a:t>
                       </a:r>
+                      <a:endParaRPr lang="fr-FR" sz="1300" b="0" strike="noStrike" spc="-1" dirty="0">
+                        <a:latin typeface="Arial"/>
+                      </a:endParaRPr>
                     </a:p>
                   </a:txBody>
                   <a:tcPr marL="36000" marR="36000">
-                    <a:lnL w="720" cap="flat" cmpd="sng" algn="ctr">
-                      <a:solidFill>
-                        <a:srgbClr val="FFFFFF"/>
-                      </a:solidFill>
-                      <a:prstDash val="solid"/>
-                      <a:round/>
-                      <a:headEnd type="none" w="med" len="med"/>
-                      <a:tailEnd type="none" w="med" len="med"/>
-                    </a:lnL>
-                    <a:lnR w="720">
-                      <a:solidFill>
-                        <a:srgbClr val="FFFFFF"/>
-                      </a:solidFill>
-                    </a:lnR>
                     <a:solidFill>
-                      <a:srgbClr val="CCCCCC"/>
+                      <a:schemeClr val="accent2">
+                        <a:lumMod val="40000"/>
+                        <a:lumOff val="60000"/>
+                      </a:schemeClr>
                     </a:solidFill>
                   </a:tcPr>
                 </a:tc>
@@ -41911,26 +41311,20 @@
                     <a:p>
                       <a:pPr algn="ctr"/>
                       <a:r>
-                        <a:rPr lang="fr-FR" sz="1300" b="0" strike="noStrike" spc="-1">
-                          <a:latin typeface="Arial"/>
-                        </a:rPr>
+                        <a:rPr lang="fr-FR" sz="1300" strike="noStrike" spc="-1"/>
                         <a:t>1732</a:t>
                       </a:r>
+                      <a:endParaRPr lang="fr-FR" sz="1300" b="0" strike="noStrike" spc="-1">
+                        <a:latin typeface="Arial"/>
+                      </a:endParaRPr>
                     </a:p>
                   </a:txBody>
                   <a:tcPr marL="36000" marR="36000">
-                    <a:lnL w="720">
-                      <a:solidFill>
-                        <a:srgbClr val="FFFFFF"/>
-                      </a:solidFill>
-                    </a:lnL>
-                    <a:lnR w="720">
-                      <a:solidFill>
-                        <a:srgbClr val="FFFFFF"/>
-                      </a:solidFill>
-                    </a:lnR>
                     <a:solidFill>
-                      <a:srgbClr val="CCCCCC"/>
+                      <a:schemeClr val="accent2">
+                        <a:lumMod val="40000"/>
+                        <a:lumOff val="60000"/>
+                      </a:schemeClr>
                     </a:solidFill>
                   </a:tcPr>
                 </a:tc>
@@ -41941,21 +41335,20 @@
                     <a:p>
                       <a:pPr algn="ctr"/>
                       <a:r>
-                        <a:rPr lang="fr-FR" sz="1300" b="0" strike="noStrike" spc="-1">
-                          <a:latin typeface="Arial"/>
-                        </a:rPr>
+                        <a:rPr lang="fr-FR" sz="1300" strike="noStrike" spc="-1"/>
                         <a:t>6000</a:t>
                       </a:r>
+                      <a:endParaRPr lang="fr-FR" sz="1300" b="0" strike="noStrike" spc="-1">
+                        <a:latin typeface="Arial"/>
+                      </a:endParaRPr>
                     </a:p>
                   </a:txBody>
                   <a:tcPr marL="36000" marR="36000">
-                    <a:lnL w="720">
-                      <a:solidFill>
-                        <a:srgbClr val="FFFFFF"/>
-                      </a:solidFill>
-                    </a:lnL>
                     <a:solidFill>
-                      <a:srgbClr val="CCCCCC"/>
+                      <a:schemeClr val="accent2">
+                        <a:lumMod val="40000"/>
+                        <a:lumOff val="60000"/>
+                      </a:schemeClr>
                     </a:solidFill>
                   </a:tcPr>
                 </a:tc>
@@ -41973,26 +41366,20 @@
                     <a:p>
                       <a:pPr algn="ctr"/>
                       <a:r>
-                        <a:rPr lang="fr-FR" sz="1300" b="0" strike="noStrike" spc="-1">
-                          <a:latin typeface="Arial"/>
-                        </a:rPr>
+                        <a:rPr lang="fr-FR" sz="1300" strike="noStrike" spc="-1"/>
                         <a:t>Tesla K20</a:t>
                       </a:r>
+                      <a:endParaRPr lang="fr-FR" sz="1300" b="0" strike="noStrike" spc="-1">
+                        <a:latin typeface="Arial"/>
+                      </a:endParaRPr>
                     </a:p>
                   </a:txBody>
                   <a:tcPr marL="36000" marR="36000">
-                    <a:lnR w="720">
-                      <a:solidFill>
-                        <a:srgbClr val="FFFFFF"/>
-                      </a:solidFill>
-                    </a:lnR>
-                    <a:lnB w="28800">
-                      <a:solidFill>
-                        <a:srgbClr val="FFFFFF"/>
-                      </a:solidFill>
-                    </a:lnB>
                     <a:solidFill>
-                      <a:srgbClr val="E6E6E6"/>
+                      <a:schemeClr val="accent2">
+                        <a:lumMod val="40000"/>
+                        <a:lumOff val="60000"/>
+                      </a:schemeClr>
                     </a:solidFill>
                   </a:tcPr>
                 </a:tc>
@@ -42003,31 +41390,20 @@
                     <a:p>
                       <a:pPr algn="ctr"/>
                       <a:r>
-                        <a:rPr lang="fr-FR" sz="1300" b="0" strike="noStrike" spc="-1">
-                          <a:latin typeface="Arial"/>
-                        </a:rPr>
+                        <a:rPr lang="fr-FR" sz="1300" strike="noStrike" spc="-1"/>
                         <a:t>3.5</a:t>
                       </a:r>
+                      <a:endParaRPr lang="fr-FR" sz="1300" b="0" strike="noStrike" spc="-1">
+                        <a:latin typeface="Arial"/>
+                      </a:endParaRPr>
                     </a:p>
                   </a:txBody>
                   <a:tcPr marL="36000" marR="36000">
-                    <a:lnL w="720">
-                      <a:solidFill>
-                        <a:srgbClr val="FFFFFF"/>
-                      </a:solidFill>
-                    </a:lnL>
-                    <a:lnR w="720">
-                      <a:solidFill>
-                        <a:srgbClr val="FFFFFF"/>
-                      </a:solidFill>
-                    </a:lnR>
-                    <a:lnB w="28800">
-                      <a:solidFill>
-                        <a:srgbClr val="FFFFFF"/>
-                      </a:solidFill>
-                    </a:lnB>
                     <a:solidFill>
-                      <a:srgbClr val="E6E6E6"/>
+                      <a:schemeClr val="accent2">
+                        <a:lumMod val="40000"/>
+                        <a:lumOff val="60000"/>
+                      </a:schemeClr>
                     </a:solidFill>
                   </a:tcPr>
                 </a:tc>
@@ -42038,31 +41414,20 @@
                     <a:p>
                       <a:pPr algn="ctr"/>
                       <a:r>
-                        <a:rPr lang="fr-FR" sz="1300" b="0" strike="noStrike" spc="-1">
-                          <a:latin typeface="Arial"/>
-                        </a:rPr>
+                        <a:rPr lang="fr-FR" sz="1300" strike="noStrike" spc="-1"/>
                         <a:t>2496</a:t>
                       </a:r>
+                      <a:endParaRPr lang="fr-FR" sz="1300" b="0" strike="noStrike" spc="-1">
+                        <a:latin typeface="Arial"/>
+                      </a:endParaRPr>
                     </a:p>
                   </a:txBody>
                   <a:tcPr marL="36000" marR="36000">
-                    <a:lnL w="720">
-                      <a:solidFill>
-                        <a:srgbClr val="FFFFFF"/>
-                      </a:solidFill>
-                    </a:lnL>
-                    <a:lnR w="720">
-                      <a:solidFill>
-                        <a:srgbClr val="FFFFFF"/>
-                      </a:solidFill>
-                    </a:lnR>
-                    <a:lnB w="28800">
-                      <a:solidFill>
-                        <a:srgbClr val="FFFFFF"/>
-                      </a:solidFill>
-                    </a:lnB>
                     <a:solidFill>
-                      <a:srgbClr val="E6E6E6"/>
+                      <a:schemeClr val="accent2">
+                        <a:lumMod val="40000"/>
+                        <a:lumOff val="60000"/>
+                      </a:schemeClr>
                     </a:solidFill>
                   </a:tcPr>
                 </a:tc>
@@ -42073,31 +41438,20 @@
                     <a:p>
                       <a:pPr algn="ctr"/>
                       <a:r>
-                        <a:rPr lang="fr-FR" sz="1300" b="0" strike="noStrike" spc="-1">
-                          <a:latin typeface="Arial"/>
-                        </a:rPr>
+                        <a:rPr lang="fr-FR" sz="1300" strike="noStrike" spc="-1" dirty="0"/>
                         <a:t>706</a:t>
                       </a:r>
+                      <a:endParaRPr lang="fr-FR" sz="1300" b="0" strike="noStrike" spc="-1" dirty="0">
+                        <a:latin typeface="Arial"/>
+                      </a:endParaRPr>
                     </a:p>
                   </a:txBody>
                   <a:tcPr marL="36000" marR="36000">
-                    <a:lnL w="720">
-                      <a:solidFill>
-                        <a:srgbClr val="FFFFFF"/>
-                      </a:solidFill>
-                    </a:lnL>
-                    <a:lnR w="720">
-                      <a:solidFill>
-                        <a:srgbClr val="FFFFFF"/>
-                      </a:solidFill>
-                    </a:lnR>
-                    <a:lnB w="28800">
-                      <a:solidFill>
-                        <a:srgbClr val="FFFFFF"/>
-                      </a:solidFill>
-                    </a:lnB>
                     <a:solidFill>
-                      <a:srgbClr val="E6E6E6"/>
+                      <a:schemeClr val="accent2">
+                        <a:lumMod val="40000"/>
+                        <a:lumOff val="60000"/>
+                      </a:schemeClr>
                     </a:solidFill>
                   </a:tcPr>
                 </a:tc>
@@ -42108,31 +41462,20 @@
                     <a:p>
                       <a:pPr algn="ctr"/>
                       <a:r>
-                        <a:rPr lang="fr-FR" sz="1300" b="0" strike="noStrike" spc="-1">
-                          <a:latin typeface="Arial"/>
-                        </a:rPr>
+                        <a:rPr lang="fr-FR" sz="1300" strike="noStrike" spc="-1"/>
                         <a:t>5</a:t>
                       </a:r>
+                      <a:endParaRPr lang="fr-FR" sz="1300" b="0" strike="noStrike" spc="-1">
+                        <a:latin typeface="Arial"/>
+                      </a:endParaRPr>
                     </a:p>
                   </a:txBody>
                   <a:tcPr marL="36000" marR="36000">
-                    <a:lnL w="720">
-                      <a:solidFill>
-                        <a:srgbClr val="FFFFFF"/>
-                      </a:solidFill>
-                    </a:lnL>
-                    <a:lnR w="720">
-                      <a:solidFill>
-                        <a:srgbClr val="FFFFFF"/>
-                      </a:solidFill>
-                    </a:lnR>
-                    <a:lnB w="28800">
-                      <a:solidFill>
-                        <a:srgbClr val="FFFFFF"/>
-                      </a:solidFill>
-                    </a:lnB>
                     <a:solidFill>
-                      <a:srgbClr val="E6E6E6"/>
+                      <a:schemeClr val="accent2">
+                        <a:lumMod val="40000"/>
+                        <a:lumOff val="60000"/>
+                      </a:schemeClr>
                     </a:solidFill>
                   </a:tcPr>
                 </a:tc>
@@ -42143,26 +41486,20 @@
                     <a:p>
                       <a:pPr algn="ctr"/>
                       <a:r>
-                        <a:rPr lang="fr-FR" sz="1300" b="0" strike="noStrike" spc="-1">
-                          <a:latin typeface="Arial"/>
-                        </a:rPr>
+                        <a:rPr lang="fr-FR" sz="1300" strike="noStrike" spc="-1"/>
                         <a:t>208</a:t>
                       </a:r>
+                      <a:endParaRPr lang="fr-FR" sz="1300" b="0" strike="noStrike" spc="-1">
+                        <a:latin typeface="Arial"/>
+                      </a:endParaRPr>
                     </a:p>
                   </a:txBody>
                   <a:tcPr marL="36000" marR="36000">
-                    <a:lnL w="720">
-                      <a:solidFill>
-                        <a:srgbClr val="FFFFFF"/>
-                      </a:solidFill>
-                    </a:lnL>
-                    <a:lnB w="28800">
-                      <a:solidFill>
-                        <a:srgbClr val="FFFFFF"/>
-                      </a:solidFill>
-                    </a:lnB>
                     <a:solidFill>
-                      <a:srgbClr val="E6E6E6"/>
+                      <a:schemeClr val="accent2">
+                        <a:lumMod val="40000"/>
+                        <a:lumOff val="60000"/>
+                      </a:schemeClr>
                     </a:solidFill>
                   </a:tcPr>
                 </a:tc>
@@ -42173,26 +41510,20 @@
                     <a:p>
                       <a:pPr algn="ctr"/>
                       <a:r>
-                        <a:rPr lang="fr-FR" sz="1300" b="0" strike="noStrike" spc="-1">
-                          <a:latin typeface="Arial"/>
-                        </a:rPr>
+                        <a:rPr lang="fr-FR" sz="1300" strike="noStrike" spc="-1"/>
                         <a:t>2</a:t>
                       </a:r>
+                      <a:endParaRPr lang="fr-FR" sz="1300" b="0" strike="noStrike" spc="-1">
+                        <a:latin typeface="Arial"/>
+                      </a:endParaRPr>
                     </a:p>
                   </a:txBody>
                   <a:tcPr marL="36000" marR="36000">
-                    <a:lnR w="720">
-                      <a:solidFill>
-                        <a:srgbClr val="FFFFFF"/>
-                      </a:solidFill>
-                    </a:lnR>
-                    <a:lnB w="28800">
-                      <a:solidFill>
-                        <a:srgbClr val="FFFFFF"/>
-                      </a:solidFill>
-                    </a:lnB>
                     <a:solidFill>
-                      <a:srgbClr val="E6E6E6"/>
+                      <a:schemeClr val="accent2">
+                        <a:lumMod val="40000"/>
+                        <a:lumOff val="60000"/>
+                      </a:schemeClr>
                     </a:solidFill>
                   </a:tcPr>
                 </a:tc>
@@ -42203,35 +41534,20 @@
                     <a:p>
                       <a:pPr algn="ctr"/>
                       <a:r>
-                        <a:rPr lang="fr-FR" sz="1300" b="0" strike="noStrike" spc="-1">
-                          <a:latin typeface="Arial"/>
-                        </a:rPr>
+                        <a:rPr lang="fr-FR" sz="1300" strike="noStrike" spc="-1"/>
                         <a:t>3520</a:t>
                       </a:r>
+                      <a:endParaRPr lang="fr-FR" sz="1300" b="0" strike="noStrike" spc="-1">
+                        <a:latin typeface="Arial"/>
+                      </a:endParaRPr>
                     </a:p>
                   </a:txBody>
                   <a:tcPr marL="36000" marR="36000">
-                    <a:lnL w="720" cap="flat" cmpd="sng" algn="ctr">
-                      <a:solidFill>
-                        <a:srgbClr val="FFFFFF"/>
-                      </a:solidFill>
-                      <a:prstDash val="solid"/>
-                      <a:round/>
-                      <a:headEnd type="none" w="med" len="med"/>
-                      <a:tailEnd type="none" w="med" len="med"/>
-                    </a:lnL>
-                    <a:lnR w="720">
-                      <a:solidFill>
-                        <a:srgbClr val="FFFFFF"/>
-                      </a:solidFill>
-                    </a:lnR>
-                    <a:lnB w="28800">
-                      <a:solidFill>
-                        <a:srgbClr val="FFFFFF"/>
-                      </a:solidFill>
-                    </a:lnB>
                     <a:solidFill>
-                      <a:srgbClr val="E6E6E6"/>
+                      <a:schemeClr val="accent2">
+                        <a:lumMod val="40000"/>
+                        <a:lumOff val="60000"/>
+                      </a:schemeClr>
                     </a:solidFill>
                   </a:tcPr>
                 </a:tc>
@@ -42242,31 +41558,20 @@
                     <a:p>
                       <a:pPr algn="ctr"/>
                       <a:r>
-                        <a:rPr lang="fr-FR" sz="1300" b="0" strike="noStrike" spc="-1">
-                          <a:latin typeface="Arial"/>
-                        </a:rPr>
+                        <a:rPr lang="fr-FR" sz="1300" strike="noStrike" spc="-1" dirty="0"/>
                         <a:t>1170</a:t>
                       </a:r>
+                      <a:endParaRPr lang="fr-FR" sz="1300" b="0" strike="noStrike" spc="-1" dirty="0">
+                        <a:latin typeface="Arial"/>
+                      </a:endParaRPr>
                     </a:p>
                   </a:txBody>
                   <a:tcPr marL="36000" marR="36000">
-                    <a:lnL w="720">
-                      <a:solidFill>
-                        <a:srgbClr val="FFFFFF"/>
-                      </a:solidFill>
-                    </a:lnL>
-                    <a:lnR w="720">
-                      <a:solidFill>
-                        <a:srgbClr val="FFFFFF"/>
-                      </a:solidFill>
-                    </a:lnR>
-                    <a:lnB w="28800">
-                      <a:solidFill>
-                        <a:srgbClr val="FFFFFF"/>
-                      </a:solidFill>
-                    </a:lnB>
                     <a:solidFill>
-                      <a:srgbClr val="E6E6E6"/>
+                      <a:schemeClr val="accent2">
+                        <a:lumMod val="40000"/>
+                        <a:lumOff val="60000"/>
+                      </a:schemeClr>
                     </a:solidFill>
                   </a:tcPr>
                 </a:tc>
@@ -42277,439 +41582,26 @@
                     <a:p>
                       <a:pPr algn="ctr"/>
                       <a:r>
-                        <a:rPr lang="fr-FR" sz="1300" b="0" strike="noStrike" spc="-1">
-                          <a:latin typeface="Arial"/>
-                        </a:rPr>
+                        <a:rPr lang="fr-FR" sz="1300" strike="noStrike" spc="-1" dirty="0"/>
                         <a:t>4000</a:t>
                       </a:r>
+                      <a:endParaRPr lang="fr-FR" sz="1300" b="0" strike="noStrike" spc="-1" dirty="0">
+                        <a:latin typeface="Arial"/>
+                      </a:endParaRPr>
                     </a:p>
                   </a:txBody>
                   <a:tcPr marL="36000" marR="36000">
-                    <a:lnL w="720">
-                      <a:solidFill>
-                        <a:srgbClr val="FFFFFF"/>
-                      </a:solidFill>
-                    </a:lnL>
-                    <a:lnB w="28800">
-                      <a:solidFill>
-                        <a:srgbClr val="FFFFFF"/>
-                      </a:solidFill>
-                    </a:lnB>
                     <a:solidFill>
-                      <a:srgbClr val="E6E6E6"/>
+                      <a:schemeClr val="accent2">
+                        <a:lumMod val="40000"/>
+                        <a:lumOff val="60000"/>
+                      </a:schemeClr>
                     </a:solidFill>
                   </a:tcPr>
                 </a:tc>
                 <a:extLst>
                   <a:ext uri="{0D108BD9-81ED-4DB2-BD59-A6C34878D82A}">
                     <a16:rowId xmlns:a16="http://schemas.microsoft.com/office/drawing/2014/main" val="10009"/>
-                  </a:ext>
-                </a:extLst>
-              </a:tr>
-              <a:tr h="292079">
-                <a:tc>
-                  <a:txBody>
-                    <a:bodyPr/>
-                    <a:lstStyle/>
-                    <a:p>
-                      <a:pPr algn="ctr"/>
-                      <a:r>
-                        <a:rPr lang="fr-FR" sz="1300" b="0" strike="noStrike" spc="-1">
-                          <a:latin typeface="Arial"/>
-                        </a:rPr>
-                        <a:t>GeForce GTX 750</a:t>
-                      </a:r>
-                    </a:p>
-                  </a:txBody>
-                  <a:tcPr marL="36000" marR="36000">
-                    <a:lnR w="720">
-                      <a:solidFill>
-                        <a:srgbClr val="FFFFFF"/>
-                      </a:solidFill>
-                    </a:lnR>
-                    <a:lnT w="28800" cap="flat" cmpd="sng" algn="ctr">
-                      <a:solidFill>
-                        <a:srgbClr val="FFFFFF"/>
-                      </a:solidFill>
-                      <a:prstDash val="solid"/>
-                      <a:round/>
-                      <a:headEnd type="none" w="med" len="med"/>
-                      <a:tailEnd type="none" w="med" len="med"/>
-                    </a:lnT>
-                    <a:solidFill>
-                      <a:srgbClr val="CCCCCC"/>
-                    </a:solidFill>
-                  </a:tcPr>
-                </a:tc>
-                <a:tc>
-                  <a:txBody>
-                    <a:bodyPr/>
-                    <a:lstStyle/>
-                    <a:p>
-                      <a:pPr algn="ctr"/>
-                      <a:r>
-                        <a:rPr lang="fr-FR" sz="1300" b="0" strike="noStrike" spc="-1">
-                          <a:latin typeface="Arial"/>
-                        </a:rPr>
-                        <a:t>5.0</a:t>
-                      </a:r>
-                    </a:p>
-                  </a:txBody>
-                  <a:tcPr marL="36000" marR="36000">
-                    <a:lnL w="720">
-                      <a:solidFill>
-                        <a:srgbClr val="FFFFFF"/>
-                      </a:solidFill>
-                    </a:lnL>
-                    <a:lnR w="720">
-                      <a:solidFill>
-                        <a:srgbClr val="FFFFFF"/>
-                      </a:solidFill>
-                    </a:lnR>
-                    <a:lnT w="28800" cap="flat" cmpd="sng" algn="ctr">
-                      <a:solidFill>
-                        <a:srgbClr val="FFFFFF"/>
-                      </a:solidFill>
-                      <a:prstDash val="solid"/>
-                      <a:round/>
-                      <a:headEnd type="none" w="med" len="med"/>
-                      <a:tailEnd type="none" w="med" len="med"/>
-                    </a:lnT>
-                    <a:solidFill>
-                      <a:srgbClr val="CCCCCC"/>
-                    </a:solidFill>
-                  </a:tcPr>
-                </a:tc>
-                <a:tc>
-                  <a:txBody>
-                    <a:bodyPr/>
-                    <a:lstStyle/>
-                    <a:p>
-                      <a:pPr algn="ctr"/>
-                      <a:r>
-                        <a:rPr lang="fr-FR" sz="1300" b="0" strike="noStrike" spc="-1">
-                          <a:latin typeface="Arial"/>
-                        </a:rPr>
-                        <a:t>512</a:t>
-                      </a:r>
-                    </a:p>
-                  </a:txBody>
-                  <a:tcPr marL="36000" marR="36000">
-                    <a:lnL w="720">
-                      <a:solidFill>
-                        <a:srgbClr val="FFFFFF"/>
-                      </a:solidFill>
-                    </a:lnL>
-                    <a:lnR w="720">
-                      <a:solidFill>
-                        <a:srgbClr val="FFFFFF"/>
-                      </a:solidFill>
-                    </a:lnR>
-                    <a:lnT w="28800" cap="flat" cmpd="sng" algn="ctr">
-                      <a:solidFill>
-                        <a:srgbClr val="FFFFFF"/>
-                      </a:solidFill>
-                      <a:prstDash val="solid"/>
-                      <a:round/>
-                      <a:headEnd type="none" w="med" len="med"/>
-                      <a:tailEnd type="none" w="med" len="med"/>
-                    </a:lnT>
-                    <a:solidFill>
-                      <a:srgbClr val="CCCCCC"/>
-                    </a:solidFill>
-                  </a:tcPr>
-                </a:tc>
-                <a:tc>
-                  <a:txBody>
-                    <a:bodyPr/>
-                    <a:lstStyle/>
-                    <a:p>
-                      <a:pPr algn="ctr"/>
-                      <a:r>
-                        <a:rPr lang="fr-FR" sz="1300" b="0" strike="noStrike" spc="-1">
-                          <a:latin typeface="Arial"/>
-                        </a:rPr>
-                        <a:t>1020</a:t>
-                      </a:r>
-                    </a:p>
-                  </a:txBody>
-                  <a:tcPr marL="36000" marR="36000">
-                    <a:lnL w="720">
-                      <a:solidFill>
-                        <a:srgbClr val="FFFFFF"/>
-                      </a:solidFill>
-                    </a:lnL>
-                    <a:lnR w="720">
-                      <a:solidFill>
-                        <a:srgbClr val="FFFFFF"/>
-                      </a:solidFill>
-                    </a:lnR>
-                    <a:lnT w="28800" cap="flat" cmpd="sng" algn="ctr">
-                      <a:solidFill>
-                        <a:srgbClr val="FFFFFF"/>
-                      </a:solidFill>
-                      <a:prstDash val="solid"/>
-                      <a:round/>
-                      <a:headEnd type="none" w="med" len="med"/>
-                      <a:tailEnd type="none" w="med" len="med"/>
-                    </a:lnT>
-                    <a:solidFill>
-                      <a:srgbClr val="CCCCCC"/>
-                    </a:solidFill>
-                  </a:tcPr>
-                </a:tc>
-                <a:tc>
-                  <a:txBody>
-                    <a:bodyPr/>
-                    <a:lstStyle/>
-                    <a:p>
-                      <a:pPr algn="ctr"/>
-                      <a:r>
-                        <a:rPr lang="fr-FR" sz="1300" b="1" strike="noStrike" spc="-1">
-                          <a:solidFill>
-                            <a:srgbClr val="FF0000"/>
-                          </a:solidFill>
-                          <a:latin typeface="Arial"/>
-                        </a:rPr>
-                        <a:t>1</a:t>
-                      </a:r>
-                    </a:p>
-                  </a:txBody>
-                  <a:tcPr marL="36000" marR="36000">
-                    <a:lnL w="720">
-                      <a:solidFill>
-                        <a:srgbClr val="FFFFFF"/>
-                      </a:solidFill>
-                    </a:lnL>
-                    <a:lnR w="720">
-                      <a:solidFill>
-                        <a:srgbClr val="FFFFFF"/>
-                      </a:solidFill>
-                    </a:lnR>
-                    <a:lnT w="28800" cap="flat" cmpd="sng" algn="ctr">
-                      <a:solidFill>
-                        <a:srgbClr val="FFFFFF"/>
-                      </a:solidFill>
-                      <a:prstDash val="solid"/>
-                      <a:round/>
-                      <a:headEnd type="none" w="med" len="med"/>
-                      <a:tailEnd type="none" w="med" len="med"/>
-                    </a:lnT>
-                    <a:solidFill>
-                      <a:srgbClr val="CCCCCC"/>
-                    </a:solidFill>
-                  </a:tcPr>
-                </a:tc>
-                <a:tc>
-                  <a:txBody>
-                    <a:bodyPr/>
-                    <a:lstStyle/>
-                    <a:p>
-                      <a:pPr algn="ctr"/>
-                      <a:r>
-                        <a:rPr lang="fr-FR" sz="1300" b="1" strike="noStrike" spc="-1" dirty="0">
-                          <a:solidFill>
-                            <a:srgbClr val="FF0000"/>
-                          </a:solidFill>
-                          <a:latin typeface="Arial"/>
-                        </a:rPr>
-                        <a:t>80</a:t>
-                      </a:r>
-                    </a:p>
-                  </a:txBody>
-                  <a:tcPr marL="36000" marR="36000">
-                    <a:lnL w="720">
-                      <a:solidFill>
-                        <a:srgbClr val="FFFFFF"/>
-                      </a:solidFill>
-                    </a:lnL>
-                    <a:lnR w="720">
-                      <a:solidFill>
-                        <a:srgbClr val="FFFFFF"/>
-                      </a:solidFill>
-                    </a:lnR>
-                    <a:lnT w="28800" cap="flat" cmpd="sng" algn="ctr">
-                      <a:solidFill>
-                        <a:srgbClr val="FFFFFF"/>
-                      </a:solidFill>
-                      <a:prstDash val="solid"/>
-                      <a:round/>
-                      <a:headEnd type="none" w="med" len="med"/>
-                      <a:tailEnd type="none" w="med" len="med"/>
-                    </a:lnT>
-                    <a:solidFill>
-                      <a:srgbClr val="CCCCCC"/>
-                    </a:solidFill>
-                  </a:tcPr>
-                </a:tc>
-                <a:tc>
-                  <a:txBody>
-                    <a:bodyPr/>
-                    <a:lstStyle/>
-                    <a:p>
-                      <a:pPr algn="ctr"/>
-                      <a:r>
-                        <a:rPr lang="fr-FR" sz="1300" b="1" strike="noStrike" spc="-1">
-                          <a:solidFill>
-                            <a:srgbClr val="FF0000"/>
-                          </a:solidFill>
-                          <a:latin typeface="Arial"/>
-                        </a:rPr>
-                        <a:t>1</a:t>
-                      </a:r>
-                      <a:endParaRPr lang="fr-FR" sz="1300" b="0" strike="noStrike" spc="-1">
-                        <a:latin typeface="Arial"/>
-                      </a:endParaRPr>
-                    </a:p>
-                  </a:txBody>
-                  <a:tcPr marL="36000" marR="36000">
-                    <a:lnL w="720">
-                      <a:solidFill>
-                        <a:srgbClr val="FFFFFF"/>
-                      </a:solidFill>
-                    </a:lnL>
-                    <a:lnR w="720">
-                      <a:solidFill>
-                        <a:srgbClr val="FFFFFF"/>
-                      </a:solidFill>
-                    </a:lnR>
-                    <a:lnT w="28800" cap="flat" cmpd="sng" algn="ctr">
-                      <a:solidFill>
-                        <a:srgbClr val="FFFFFF"/>
-                      </a:solidFill>
-                      <a:prstDash val="solid"/>
-                      <a:round/>
-                      <a:headEnd type="none" w="med" len="med"/>
-                      <a:tailEnd type="none" w="med" len="med"/>
-                    </a:lnT>
-                    <a:lnB w="720">
-                      <a:solidFill>
-                        <a:srgbClr val="FFFFFF"/>
-                      </a:solidFill>
-                    </a:lnB>
-                    <a:solidFill>
-                      <a:srgbClr val="CCCCCC"/>
-                    </a:solidFill>
-                  </a:tcPr>
-                </a:tc>
-                <a:tc>
-                  <a:txBody>
-                    <a:bodyPr/>
-                    <a:lstStyle/>
-                    <a:p>
-                      <a:pPr algn="ctr"/>
-                      <a:r>
-                        <a:rPr lang="fr-FR" sz="1300" b="0" strike="noStrike" spc="-1">
-                          <a:latin typeface="Arial"/>
-                        </a:rPr>
-                        <a:t>1044</a:t>
-                      </a:r>
-                    </a:p>
-                  </a:txBody>
-                  <a:tcPr marL="36000" marR="36000">
-                    <a:lnL w="720">
-                      <a:solidFill>
-                        <a:srgbClr val="FFFFFF"/>
-                      </a:solidFill>
-                    </a:lnL>
-                    <a:lnR w="720">
-                      <a:solidFill>
-                        <a:srgbClr val="FFFFFF"/>
-                      </a:solidFill>
-                    </a:lnR>
-                    <a:lnT w="28800" cap="flat" cmpd="sng" algn="ctr">
-                      <a:solidFill>
-                        <a:srgbClr val="FFFFFF"/>
-                      </a:solidFill>
-                      <a:prstDash val="solid"/>
-                      <a:round/>
-                      <a:headEnd type="none" w="med" len="med"/>
-                      <a:tailEnd type="none" w="med" len="med"/>
-                    </a:lnT>
-                    <a:solidFill>
-                      <a:srgbClr val="CCCCCC"/>
-                    </a:solidFill>
-                  </a:tcPr>
-                </a:tc>
-                <a:tc>
-                  <a:txBody>
-                    <a:bodyPr/>
-                    <a:lstStyle/>
-                    <a:p>
-                      <a:pPr algn="ctr"/>
-                      <a:r>
-                        <a:rPr lang="fr-FR" sz="1300" b="1" strike="noStrike" spc="-1">
-                          <a:solidFill>
-                            <a:srgbClr val="FF0000"/>
-                          </a:solidFill>
-                          <a:latin typeface="Arial"/>
-                        </a:rPr>
-                        <a:t>32</a:t>
-                      </a:r>
-                    </a:p>
-                  </a:txBody>
-                  <a:tcPr marL="36000" marR="36000">
-                    <a:lnL w="720">
-                      <a:solidFill>
-                        <a:srgbClr val="FFFFFF"/>
-                      </a:solidFill>
-                    </a:lnL>
-                    <a:lnR w="720">
-                      <a:solidFill>
-                        <a:srgbClr val="FFFFFF"/>
-                      </a:solidFill>
-                    </a:lnR>
-                    <a:lnT w="28800" cap="flat" cmpd="sng" algn="ctr">
-                      <a:solidFill>
-                        <a:srgbClr val="FFFFFF"/>
-                      </a:solidFill>
-                      <a:prstDash val="solid"/>
-                      <a:round/>
-                      <a:headEnd type="none" w="med" len="med"/>
-                      <a:tailEnd type="none" w="med" len="med"/>
-                    </a:lnT>
-                    <a:solidFill>
-                      <a:srgbClr val="CCCCCC"/>
-                    </a:solidFill>
-                  </a:tcPr>
-                </a:tc>
-                <a:tc>
-                  <a:txBody>
-                    <a:bodyPr/>
-                    <a:lstStyle/>
-                    <a:p>
-                      <a:pPr algn="ctr"/>
-                      <a:r>
-                        <a:rPr lang="fr-FR" sz="1300" b="0" strike="noStrike" spc="-1" dirty="0">
-                          <a:latin typeface="Arial"/>
-                        </a:rPr>
-                        <a:t>120</a:t>
-                      </a:r>
-                    </a:p>
-                  </a:txBody>
-                  <a:tcPr marL="36000" marR="36000">
-                    <a:lnL w="720">
-                      <a:solidFill>
-                        <a:srgbClr val="FFFFFF"/>
-                      </a:solidFill>
-                    </a:lnL>
-                    <a:lnT w="28800" cap="flat" cmpd="sng" algn="ctr">
-                      <a:solidFill>
-                        <a:srgbClr val="FFFFFF"/>
-                      </a:solidFill>
-                      <a:prstDash val="solid"/>
-                      <a:round/>
-                      <a:headEnd type="none" w="med" len="med"/>
-                      <a:tailEnd type="none" w="med" len="med"/>
-                    </a:lnT>
-                    <a:solidFill>
-                      <a:srgbClr val="CCCCCC"/>
-                    </a:solidFill>
-                  </a:tcPr>
-                </a:tc>
-                <a:extLst>
-                  <a:ext uri="{0D108BD9-81ED-4DB2-BD59-A6C34878D82A}">
-                    <a16:rowId xmlns:a16="http://schemas.microsoft.com/office/drawing/2014/main" val="10010"/>
                   </a:ext>
                 </a:extLst>
               </a:tr>
@@ -50029,7 +48921,11 @@
             </a:r>
             <a:r>
               <a:rPr lang="fr-FR" dirty="0" smtClean="0"/>
-              <a:t> memory</a:t>
+              <a:t> </a:t>
+            </a:r>
+            <a:r>
+              <a:rPr lang="fr-FR" dirty="0" smtClean="0"/>
+              <a:t>memory : un exemple</a:t>
             </a:r>
             <a:endParaRPr lang="fr-FR" dirty="0"/>
           </a:p>
@@ -50514,7 +49410,33 @@
                 <a:effectLst/>
                 <a:latin typeface="Arial Unicode MS"/>
               </a:rPr>
-              <a:t>s[t] = d[t]; </a:t>
+              <a:t>s[t] = </a:t>
+            </a:r>
+            <a:r>
+              <a:rPr kumimoji="0" lang="fr-FR" altLang="fr-FR" sz="1600" b="0" i="0" u="none" strike="noStrike" cap="none" normalizeH="0" baseline="0" dirty="0" smtClean="0">
+                <a:ln>
+                  <a:noFill/>
+                </a:ln>
+                <a:solidFill>
+                  <a:schemeClr val="tx1"/>
+                </a:solidFill>
+                <a:effectLst/>
+                <a:latin typeface="Arial Unicode MS"/>
+              </a:rPr>
+              <a:t>d[t]; </a:t>
+            </a:r>
+            <a:r>
+              <a:rPr kumimoji="0" lang="fr-FR" altLang="fr-FR" sz="1600" b="0" i="0" u="none" strike="noStrike" cap="none" normalizeH="0" baseline="0" dirty="0" smtClean="0">
+                <a:ln>
+                  <a:noFill/>
+                </a:ln>
+                <a:solidFill>
+                  <a:schemeClr val="tx1"/>
+                </a:solidFill>
+                <a:effectLst/>
+                <a:latin typeface="Arial Unicode MS"/>
+              </a:rPr>
+              <a:t/>
             </a:r>
             <a:br>
               <a:rPr kumimoji="0" lang="fr-FR" altLang="fr-FR" sz="1600" b="0" i="0" u="none" strike="noStrike" cap="none" normalizeH="0" baseline="0" dirty="0" smtClean="0">
@@ -50648,7 +49570,33 @@
                 <a:effectLst/>
                 <a:latin typeface="Arial Unicode MS"/>
               </a:rPr>
-              <a:t>d[t] = s[tr]; </a:t>
+              <a:t>d[t] = </a:t>
+            </a:r>
+            <a:r>
+              <a:rPr kumimoji="0" lang="fr-FR" altLang="fr-FR" sz="1600" b="0" i="0" u="none" strike="noStrike" cap="none" normalizeH="0" baseline="0" dirty="0" smtClean="0">
+                <a:ln>
+                  <a:noFill/>
+                </a:ln>
+                <a:solidFill>
+                  <a:schemeClr val="tx1"/>
+                </a:solidFill>
+                <a:effectLst/>
+                <a:latin typeface="Arial Unicode MS"/>
+              </a:rPr>
+              <a:t>s[tr]; </a:t>
+            </a:r>
+            <a:r>
+              <a:rPr kumimoji="0" lang="fr-FR" altLang="fr-FR" sz="1600" b="0" i="0" u="none" strike="noStrike" cap="none" normalizeH="0" baseline="0" dirty="0" smtClean="0">
+                <a:ln>
+                  <a:noFill/>
+                </a:ln>
+                <a:solidFill>
+                  <a:schemeClr val="tx1"/>
+                </a:solidFill>
+                <a:effectLst/>
+                <a:latin typeface="Arial Unicode MS"/>
+              </a:rPr>
+              <a:t/>
             </a:r>
             <a:br>
               <a:rPr kumimoji="0" lang="fr-FR" altLang="fr-FR" sz="1600" b="0" i="0" u="none" strike="noStrike" cap="none" normalizeH="0" baseline="0" dirty="0" smtClean="0">
@@ -51094,6 +50042,2192 @@
       </p:grpSpPr>
       <p:sp>
         <p:nvSpPr>
+          <p:cNvPr id="8" name="Titre 7"/>
+          <p:cNvSpPr>
+            <a:spLocks noGrp="1"/>
+          </p:cNvSpPr>
+          <p:nvPr>
+            <p:ph type="title"/>
+          </p:nvPr>
+        </p:nvSpPr>
+        <p:spPr/>
+        <p:txBody>
+          <a:bodyPr/>
+          <a:lstStyle/>
+          <a:p>
+            <a:r>
+              <a:rPr lang="fr-FR" dirty="0" smtClean="0"/>
+              <a:t>En Résumé</a:t>
+            </a:r>
+            <a:endParaRPr lang="fr-FR" dirty="0"/>
+          </a:p>
+        </p:txBody>
+      </p:sp>
+      <p:sp>
+        <p:nvSpPr>
+          <p:cNvPr id="9" name="Espace réservé du texte 8"/>
+          <p:cNvSpPr>
+            <a:spLocks noGrp="1"/>
+          </p:cNvSpPr>
+          <p:nvPr>
+            <p:ph type="body" idx="1"/>
+          </p:nvPr>
+        </p:nvSpPr>
+        <p:spPr>
+          <a:xfrm>
+            <a:off x="2892420" y="1629271"/>
+            <a:ext cx="3815306" cy="446671"/>
+          </a:xfrm>
+        </p:spPr>
+        <p:txBody>
+          <a:bodyPr/>
+          <a:lstStyle/>
+          <a:p>
+            <a:r>
+              <a:rPr lang="fr-FR" sz="2400" dirty="0" smtClean="0"/>
+              <a:t>Vous savez maintenant</a:t>
+            </a:r>
+            <a:endParaRPr lang="fr-FR" sz="2400" dirty="0"/>
+          </a:p>
+        </p:txBody>
+      </p:sp>
+      <p:sp>
+        <p:nvSpPr>
+          <p:cNvPr id="10" name="Espace réservé du contenu 9"/>
+          <p:cNvSpPr>
+            <a:spLocks noGrp="1"/>
+          </p:cNvSpPr>
+          <p:nvPr>
+            <p:ph sz="half" idx="2"/>
+          </p:nvPr>
+        </p:nvSpPr>
+        <p:spPr>
+          <a:xfrm>
+            <a:off x="1800292" y="2281637"/>
+            <a:ext cx="5543416" cy="3154247"/>
+          </a:xfrm>
+        </p:spPr>
+        <p:txBody>
+          <a:bodyPr>
+            <a:noAutofit/>
+          </a:bodyPr>
+          <a:lstStyle/>
+          <a:p>
+            <a:r>
+              <a:rPr lang="fr-FR" sz="1600" dirty="0" smtClean="0"/>
+              <a:t>Évaluer si un algorithme doit être porté en GPU et si l’on peut obtenir un gain de performance notable</a:t>
+            </a:r>
+          </a:p>
+          <a:p>
+            <a:r>
+              <a:rPr lang="fr-FR" sz="1600" dirty="0" smtClean="0"/>
+              <a:t>Gérer les échanges mémoires entre CPU et GPU</a:t>
+            </a:r>
+          </a:p>
+          <a:p>
+            <a:r>
+              <a:rPr lang="fr-FR" sz="1600" dirty="0" smtClean="0"/>
+              <a:t>Allouer le nombre de blocks nécessaire à la résolution de votre problème</a:t>
+            </a:r>
+          </a:p>
+          <a:p>
+            <a:r>
+              <a:rPr lang="fr-FR" sz="1600" dirty="0" smtClean="0"/>
+              <a:t>Résoudre des problèmes 1D, 2D ou 3D en vous repérant correctement dans l’architecture logicielle et hardware</a:t>
+            </a:r>
+          </a:p>
+          <a:p>
+            <a:r>
+              <a:rPr lang="fr-FR" sz="1600" dirty="0" smtClean="0"/>
+              <a:t>Optimiser un code CUDA en utilisant la mémoire partagée</a:t>
+            </a:r>
+            <a:endParaRPr lang="fr-FR" sz="1600" dirty="0"/>
+          </a:p>
+          <a:p>
+            <a:pPr marL="0" indent="0">
+              <a:buNone/>
+            </a:pPr>
+            <a:endParaRPr lang="fr-FR" sz="1600" dirty="0" smtClean="0"/>
+          </a:p>
+        </p:txBody>
+      </p:sp>
+      <p:sp>
+        <p:nvSpPr>
+          <p:cNvPr id="4" name="Espace réservé du numéro de diapositive 3"/>
+          <p:cNvSpPr>
+            <a:spLocks noGrp="1"/>
+          </p:cNvSpPr>
+          <p:nvPr>
+            <p:ph type="sldNum" sz="quarter" idx="12"/>
+          </p:nvPr>
+        </p:nvSpPr>
+        <p:spPr>
+          <a:xfrm>
+            <a:off x="7918724" y="5131613"/>
+            <a:ext cx="789383" cy="304271"/>
+          </a:xfrm>
+        </p:spPr>
+        <p:txBody>
+          <a:bodyPr/>
+          <a:lstStyle/>
+          <a:p>
+            <a:fld id="{D57F1E4F-1CFF-5643-939E-217C01CDF565}" type="slidenum">
+              <a:rPr lang="fr-FR" sz="1600" smtClean="0"/>
+              <a:pPr/>
+              <a:t>38</a:t>
+            </a:fld>
+            <a:endParaRPr lang="fr-FR" sz="1600"/>
+          </a:p>
+        </p:txBody>
+      </p:sp>
+    </p:spTree>
+    <p:extLst>
+      <p:ext uri="{BB962C8B-B14F-4D97-AF65-F5344CB8AC3E}">
+        <p14:creationId xmlns:p14="http://schemas.microsoft.com/office/powerpoint/2010/main" val="1248372335"/>
+      </p:ext>
+    </p:extLst>
+  </p:cSld>
+  <p:clrMapOvr>
+    <a:masterClrMapping/>
+  </p:clrMapOvr>
+  <p:timing>
+    <p:tnLst>
+      <p:par>
+        <p:cTn id="1" dur="indefinite" restart="never" nodeType="tmRoot"/>
+      </p:par>
+    </p:tnLst>
+  </p:timing>
+</p:sld>
+</file>
+
+<file path=ppt/slides/slide39.xml><?xml version="1.0" encoding="utf-8"?>
+<p:sld xmlns:a="http://schemas.openxmlformats.org/drawingml/2006/main" xmlns:r="http://schemas.openxmlformats.org/officeDocument/2006/relationships" xmlns:p="http://schemas.openxmlformats.org/presentationml/2006/main">
+  <p:cSld>
+    <p:spTree>
+      <p:nvGrpSpPr>
+        <p:cNvPr id="1" name=""/>
+        <p:cNvGrpSpPr/>
+        <p:nvPr/>
+      </p:nvGrpSpPr>
+      <p:grpSpPr>
+        <a:xfrm>
+          <a:off x="0" y="0"/>
+          <a:ext cx="0" cy="0"/>
+          <a:chOff x="0" y="0"/>
+          <a:chExt cx="0" cy="0"/>
+        </a:xfrm>
+      </p:grpSpPr>
+      <p:sp>
+        <p:nvSpPr>
+          <p:cNvPr id="2" name="Titre 1"/>
+          <p:cNvSpPr>
+            <a:spLocks noGrp="1"/>
+          </p:cNvSpPr>
+          <p:nvPr>
+            <p:ph type="title"/>
+          </p:nvPr>
+        </p:nvSpPr>
+        <p:spPr/>
+        <p:txBody>
+          <a:bodyPr/>
+          <a:lstStyle/>
+          <a:p>
+            <a:r>
+              <a:rPr lang="fr-FR" dirty="0" smtClean="0"/>
+              <a:t>Utiliser </a:t>
+            </a:r>
+            <a:r>
+              <a:rPr lang="fr-FR" dirty="0" err="1" smtClean="0"/>
+              <a:t>Nsight</a:t>
+            </a:r>
+            <a:endParaRPr lang="fr-FR" dirty="0"/>
+          </a:p>
+        </p:txBody>
+      </p:sp>
+      <p:sp>
+        <p:nvSpPr>
+          <p:cNvPr id="3" name="Espace réservé du contenu 2"/>
+          <p:cNvSpPr>
+            <a:spLocks noGrp="1"/>
+          </p:cNvSpPr>
+          <p:nvPr>
+            <p:ph idx="1"/>
+          </p:nvPr>
+        </p:nvSpPr>
+        <p:spPr>
+          <a:xfrm>
+            <a:off x="588295" y="2196324"/>
+            <a:ext cx="8272211" cy="3744132"/>
+          </a:xfrm>
+        </p:spPr>
+        <p:txBody>
+          <a:bodyPr>
+            <a:normAutofit/>
+          </a:bodyPr>
+          <a:lstStyle/>
+          <a:p>
+            <a:r>
+              <a:rPr lang="fr-FR" sz="1600" dirty="0" err="1" smtClean="0"/>
+              <a:t>Nsight</a:t>
+            </a:r>
+            <a:r>
+              <a:rPr lang="fr-FR" sz="1600" dirty="0" smtClean="0"/>
+              <a:t> est le </a:t>
+            </a:r>
+            <a:r>
+              <a:rPr lang="fr-FR" sz="1600" dirty="0" err="1" smtClean="0"/>
+              <a:t>debbuger</a:t>
+            </a:r>
+            <a:r>
+              <a:rPr lang="fr-FR" sz="1600" dirty="0" smtClean="0"/>
+              <a:t> fourni par </a:t>
+            </a:r>
+            <a:r>
+              <a:rPr lang="fr-FR" sz="1600" dirty="0" err="1" smtClean="0"/>
+              <a:t>Nvidia</a:t>
+            </a:r>
+            <a:r>
+              <a:rPr lang="fr-FR" sz="1600" dirty="0" smtClean="0"/>
+              <a:t> pour inspecter les </a:t>
+            </a:r>
+            <a:r>
+              <a:rPr lang="fr-FR" sz="1600" dirty="0" err="1" smtClean="0"/>
+              <a:t>kernels</a:t>
+            </a:r>
+            <a:r>
+              <a:rPr lang="fr-FR" sz="1600" dirty="0" smtClean="0"/>
+              <a:t> sous </a:t>
+            </a:r>
+            <a:r>
+              <a:rPr lang="fr-FR" sz="1600" dirty="0" err="1" smtClean="0"/>
+              <a:t>windows</a:t>
+            </a:r>
+            <a:endParaRPr lang="fr-FR" sz="1600" dirty="0" smtClean="0"/>
+          </a:p>
+          <a:p>
+            <a:r>
+              <a:rPr lang="fr-FR" sz="1600" dirty="0" smtClean="0"/>
+              <a:t>Sous Linux : CUDA-GDB</a:t>
+            </a:r>
+          </a:p>
+          <a:p>
+            <a:r>
+              <a:rPr lang="fr-FR" sz="1600" dirty="0" smtClean="0"/>
+              <a:t>Lors de l’installation de CUDA, </a:t>
+            </a:r>
+            <a:r>
+              <a:rPr lang="fr-FR" sz="1600" dirty="0" err="1" smtClean="0"/>
+              <a:t>Nsight</a:t>
+            </a:r>
+            <a:r>
+              <a:rPr lang="fr-FR" sz="1600" dirty="0" smtClean="0"/>
+              <a:t> est intégré à Visual Studio</a:t>
+            </a:r>
+          </a:p>
+          <a:p>
+            <a:r>
+              <a:rPr lang="fr-FR" sz="1600" dirty="0" smtClean="0"/>
+              <a:t>Pour lancer un </a:t>
+            </a:r>
+            <a:r>
+              <a:rPr lang="fr-FR" sz="1600" dirty="0" err="1" smtClean="0"/>
+              <a:t>run</a:t>
+            </a:r>
+            <a:r>
+              <a:rPr lang="fr-FR" sz="1600" dirty="0" smtClean="0"/>
+              <a:t> </a:t>
+            </a:r>
+            <a:r>
+              <a:rPr lang="fr-FR" sz="1600" dirty="0" err="1" smtClean="0"/>
+              <a:t>Nsight</a:t>
+            </a:r>
+            <a:r>
+              <a:rPr lang="fr-FR" sz="1600" dirty="0" smtClean="0"/>
+              <a:t> : </a:t>
+            </a:r>
+          </a:p>
+          <a:p>
+            <a:pPr lvl="1"/>
+            <a:r>
+              <a:rPr lang="fr-FR" sz="1600" dirty="0" smtClean="0"/>
+              <a:t>Onglet </a:t>
+            </a:r>
+            <a:r>
+              <a:rPr lang="fr-FR" sz="1600" dirty="0" err="1" smtClean="0"/>
+              <a:t>Nsight</a:t>
+            </a:r>
+            <a:r>
+              <a:rPr lang="fr-FR" sz="1600" dirty="0" smtClean="0"/>
+              <a:t> de </a:t>
+            </a:r>
+            <a:r>
+              <a:rPr lang="fr-FR" sz="1600" dirty="0" err="1" smtClean="0"/>
+              <a:t>visual</a:t>
+            </a:r>
+            <a:endParaRPr lang="fr-FR" sz="1600" dirty="0" smtClean="0"/>
+          </a:p>
+          <a:p>
+            <a:pPr lvl="1"/>
+            <a:r>
+              <a:rPr lang="fr-FR" sz="1600" dirty="0"/>
+              <a:t>« Start CUDA </a:t>
+            </a:r>
+            <a:r>
+              <a:rPr lang="fr-FR" sz="1600" dirty="0" err="1"/>
+              <a:t>debugging</a:t>
+            </a:r>
+            <a:r>
+              <a:rPr lang="fr-FR" sz="1600" dirty="0"/>
+              <a:t> </a:t>
+            </a:r>
+            <a:r>
+              <a:rPr lang="fr-FR" sz="1600" dirty="0" smtClean="0"/>
+              <a:t>(</a:t>
+            </a:r>
+            <a:r>
+              <a:rPr lang="fr-FR" sz="1600" dirty="0" err="1" smtClean="0"/>
+              <a:t>Legacy</a:t>
+            </a:r>
+            <a:r>
+              <a:rPr lang="fr-FR" sz="1600" dirty="0" smtClean="0"/>
+              <a:t>)</a:t>
+            </a:r>
+            <a:r>
+              <a:rPr lang="fr-FR" sz="1600" dirty="0"/>
+              <a:t> » : supporte les points d’arrêt </a:t>
+            </a:r>
+            <a:r>
+              <a:rPr lang="fr-FR" sz="1600" dirty="0" smtClean="0"/>
+              <a:t>GPU </a:t>
+            </a:r>
+            <a:r>
+              <a:rPr lang="fr-FR" sz="1600" dirty="0" smtClean="0">
+                <a:sym typeface="Wingdings" panose="05000000000000000000" pitchFamily="2" charset="2"/>
+              </a:rPr>
+              <a:t>uniquement</a:t>
+            </a:r>
+            <a:endParaRPr lang="fr-FR" sz="1600" dirty="0" smtClean="0"/>
+          </a:p>
+          <a:p>
+            <a:pPr lvl="1"/>
+            <a:r>
+              <a:rPr lang="fr-FR" sz="1600" dirty="0" smtClean="0"/>
+              <a:t>« Start CUDA </a:t>
+            </a:r>
+            <a:r>
+              <a:rPr lang="fr-FR" sz="1600" dirty="0" err="1" smtClean="0"/>
+              <a:t>debugging</a:t>
+            </a:r>
+            <a:r>
+              <a:rPr lang="fr-FR" sz="1600" dirty="0" smtClean="0"/>
+              <a:t> (</a:t>
+            </a:r>
+            <a:r>
+              <a:rPr lang="fr-FR" sz="1600" dirty="0" err="1" smtClean="0"/>
+              <a:t>Next-Gen</a:t>
+            </a:r>
+            <a:r>
+              <a:rPr lang="fr-FR" sz="1600" dirty="0" smtClean="0"/>
+              <a:t>) » : supporte les points d’arrêt CPU et GPU </a:t>
+            </a:r>
+            <a:r>
+              <a:rPr lang="fr-FR" sz="1600" dirty="0" smtClean="0">
+                <a:sym typeface="Wingdings" panose="05000000000000000000" pitchFamily="2" charset="2"/>
+              </a:rPr>
+              <a:t> (quand ça marche)</a:t>
+            </a:r>
+            <a:endParaRPr lang="fr-FR" sz="1600" dirty="0"/>
+          </a:p>
+        </p:txBody>
+      </p:sp>
+      <p:sp>
+        <p:nvSpPr>
+          <p:cNvPr id="4" name="Espace réservé du numéro de diapositive 3"/>
+          <p:cNvSpPr>
+            <a:spLocks noGrp="1"/>
+          </p:cNvSpPr>
+          <p:nvPr>
+            <p:ph type="sldNum" sz="quarter" idx="12"/>
+          </p:nvPr>
+        </p:nvSpPr>
+        <p:spPr/>
+        <p:txBody>
+          <a:bodyPr/>
+          <a:lstStyle/>
+          <a:p>
+            <a:fld id="{D57F1E4F-1CFF-5643-939E-217C01CDF565}" type="slidenum">
+              <a:rPr lang="fr-FR" smtClean="0"/>
+              <a:pPr/>
+              <a:t>39</a:t>
+            </a:fld>
+            <a:endParaRPr lang="fr-FR" dirty="0"/>
+          </a:p>
+        </p:txBody>
+      </p:sp>
+      <p:pic>
+        <p:nvPicPr>
+          <p:cNvPr id="5" name="Image 4"/>
+          <p:cNvPicPr>
+            <a:picLocks noChangeAspect="1"/>
+          </p:cNvPicPr>
+          <p:nvPr/>
+        </p:nvPicPr>
+        <p:blipFill>
+          <a:blip r:embed="rId2">
+            <a:extLst>
+              <a:ext uri="{BEBA8EAE-BF5A-486C-A8C5-ECC9F3942E4B}">
+                <a14:imgProps xmlns:a14="http://schemas.microsoft.com/office/drawing/2010/main">
+                  <a14:imgLayer r:embed="rId3">
+                    <a14:imgEffect>
+                      <a14:backgroundRemoval t="10000" b="90000" l="10000" r="90000">
+                        <a14:foregroundMark x1="59143" y1="49104" x2="59143" y2="49104"/>
+                        <a14:foregroundMark x1="47714" y1="49462" x2="47714" y2="49462"/>
+                        <a14:foregroundMark x1="52429" y1="51254" x2="52429" y2="51254"/>
+                        <a14:foregroundMark x1="56571" y1="50896" x2="56571" y2="50896"/>
+                        <a14:foregroundMark x1="56429" y1="43728" x2="56429" y2="43728"/>
+                        <a14:foregroundMark x1="64571" y1="49104" x2="64571" y2="49104"/>
+                        <a14:foregroundMark x1="70571" y1="48746" x2="70571" y2="48746"/>
+                        <a14:foregroundMark x1="44857" y1="30466" x2="44857" y2="30466"/>
+                        <a14:foregroundMark x1="48286" y1="32616" x2="48286" y2="32616"/>
+                        <a14:foregroundMark x1="49857" y1="32616" x2="49857" y2="32616"/>
+                        <a14:foregroundMark x1="48000" y1="30824" x2="48000" y2="30824"/>
+                        <a14:foregroundMark x1="51143" y1="32258" x2="51143" y2="32258"/>
+                        <a14:foregroundMark x1="53000" y1="30108" x2="53000" y2="30108"/>
+                        <a14:foregroundMark x1="54000" y1="30824" x2="54000" y2="30824"/>
+                        <a14:foregroundMark x1="54714" y1="32616" x2="54714" y2="32616"/>
+                        <a14:foregroundMark x1="55857" y1="32616" x2="55857" y2="32616"/>
+                        <a14:foregroundMark x1="57286" y1="32975" x2="57286" y2="32975"/>
+                        <a14:foregroundMark x1="56857" y1="36918" x2="56857" y2="36918"/>
+                      </a14:backgroundRemoval>
+                    </a14:imgEffect>
+                  </a14:imgLayer>
+                </a14:imgProps>
+              </a:ext>
+              <a:ext uri="{28A0092B-C50C-407E-A947-70E740481C1C}">
+                <a14:useLocalDpi xmlns:a14="http://schemas.microsoft.com/office/drawing/2010/main" val="0"/>
+              </a:ext>
+            </a:extLst>
+          </a:blip>
+          <a:stretch>
+            <a:fillRect/>
+          </a:stretch>
+        </p:blipFill>
+        <p:spPr>
+          <a:xfrm>
+            <a:off x="4854361" y="1277216"/>
+            <a:ext cx="3064364" cy="1221368"/>
+          </a:xfrm>
+          <a:prstGeom prst="rect">
+            <a:avLst/>
+          </a:prstGeom>
+        </p:spPr>
+      </p:pic>
+      <p:sp>
+        <p:nvSpPr>
+          <p:cNvPr id="6" name="ZoneTexte 5"/>
+          <p:cNvSpPr txBox="1"/>
+          <p:nvPr/>
+        </p:nvSpPr>
+        <p:spPr>
+          <a:xfrm>
+            <a:off x="906780" y="1657068"/>
+            <a:ext cx="3331810" cy="461665"/>
+          </a:xfrm>
+          <a:prstGeom prst="rect">
+            <a:avLst/>
+          </a:prstGeom>
+          <a:noFill/>
+        </p:spPr>
+        <p:txBody>
+          <a:bodyPr wrap="none" rtlCol="0">
+            <a:spAutoFit/>
+          </a:bodyPr>
+          <a:lstStyle/>
+          <a:p>
+            <a:r>
+              <a:rPr lang="fr-FR" sz="2400" dirty="0" smtClean="0"/>
+              <a:t>Mettre des points d’arrêt</a:t>
+            </a:r>
+            <a:endParaRPr lang="fr-FR" sz="2400" dirty="0"/>
+          </a:p>
+        </p:txBody>
+      </p:sp>
+    </p:spTree>
+    <p:extLst>
+      <p:ext uri="{BB962C8B-B14F-4D97-AF65-F5344CB8AC3E}">
+        <p14:creationId xmlns:p14="http://schemas.microsoft.com/office/powerpoint/2010/main" val="2204498662"/>
+      </p:ext>
+    </p:extLst>
+  </p:cSld>
+  <p:clrMapOvr>
+    <a:masterClrMapping/>
+  </p:clrMapOvr>
+</p:sld>
+</file>
+
+<file path=ppt/slides/slide4.xml><?xml version="1.0" encoding="utf-8"?>
+<p:sld xmlns:a="http://schemas.openxmlformats.org/drawingml/2006/main" xmlns:r="http://schemas.openxmlformats.org/officeDocument/2006/relationships" xmlns:p="http://schemas.openxmlformats.org/presentationml/2006/main">
+  <p:cSld>
+    <p:spTree>
+      <p:nvGrpSpPr>
+        <p:cNvPr id="1" name=""/>
+        <p:cNvGrpSpPr/>
+        <p:nvPr/>
+      </p:nvGrpSpPr>
+      <p:grpSpPr>
+        <a:xfrm>
+          <a:off x="0" y="0"/>
+          <a:ext cx="0" cy="0"/>
+          <a:chOff x="0" y="0"/>
+          <a:chExt cx="0" cy="0"/>
+        </a:xfrm>
+      </p:grpSpPr>
+      <p:sp>
+        <p:nvSpPr>
+          <p:cNvPr id="2" name="Titre 1"/>
+          <p:cNvSpPr>
+            <a:spLocks noGrp="1"/>
+          </p:cNvSpPr>
+          <p:nvPr>
+            <p:ph type="title"/>
+          </p:nvPr>
+        </p:nvSpPr>
+        <p:spPr/>
+        <p:txBody>
+          <a:bodyPr/>
+          <a:lstStyle/>
+          <a:p>
+            <a:r>
+              <a:rPr lang="fr-FR" dirty="0" smtClean="0"/>
+              <a:t>Quand utiliser CUDA ?</a:t>
+            </a:r>
+            <a:endParaRPr lang="fr-FR" dirty="0"/>
+          </a:p>
+        </p:txBody>
+      </p:sp>
+      <p:sp>
+        <p:nvSpPr>
+          <p:cNvPr id="4" name="Espace réservé du numéro de diapositive 3"/>
+          <p:cNvSpPr>
+            <a:spLocks noGrp="1"/>
+          </p:cNvSpPr>
+          <p:nvPr>
+            <p:ph type="sldNum" sz="quarter" idx="12"/>
+          </p:nvPr>
+        </p:nvSpPr>
+        <p:spPr/>
+        <p:txBody>
+          <a:bodyPr/>
+          <a:lstStyle/>
+          <a:p>
+            <a:fld id="{D57F1E4F-1CFF-5643-939E-217C01CDF565}" type="slidenum">
+              <a:rPr lang="fr-FR" smtClean="0"/>
+              <a:pPr/>
+              <a:t>4</a:t>
+            </a:fld>
+            <a:endParaRPr lang="fr-FR" dirty="0"/>
+          </a:p>
+        </p:txBody>
+      </p:sp>
+      <p:sp>
+        <p:nvSpPr>
+          <p:cNvPr id="5" name="Rectangle 4"/>
+          <p:cNvSpPr/>
+          <p:nvPr/>
+        </p:nvSpPr>
+        <p:spPr>
+          <a:xfrm>
+            <a:off x="1623060" y="1827673"/>
+            <a:ext cx="6134100" cy="2585323"/>
+          </a:xfrm>
+          <a:prstGeom prst="rect">
+            <a:avLst/>
+          </a:prstGeom>
+        </p:spPr>
+        <p:txBody>
+          <a:bodyPr wrap="square">
+            <a:spAutoFit/>
+          </a:bodyPr>
+          <a:lstStyle/>
+          <a:p>
+            <a:endParaRPr lang="en-US" dirty="0"/>
+          </a:p>
+          <a:p>
+            <a:endParaRPr lang="en-US" dirty="0"/>
+          </a:p>
+          <a:p>
+            <a:r>
+              <a:rPr lang="en-US" b="1" dirty="0">
+                <a:solidFill>
+                  <a:schemeClr val="accent6">
+                    <a:lumMod val="75000"/>
+                  </a:schemeClr>
+                </a:solidFill>
+              </a:rPr>
+              <a:t>SIMT philosophy:</a:t>
+            </a:r>
+            <a:r>
+              <a:rPr lang="en-US" dirty="0"/>
+              <a:t>      Single Instruction Multiple Thread</a:t>
+            </a:r>
+          </a:p>
+          <a:p>
+            <a:endParaRPr lang="en-US" dirty="0"/>
+          </a:p>
+          <a:p>
+            <a:r>
+              <a:rPr lang="en-US" b="1" dirty="0" err="1" smtClean="0"/>
+              <a:t>Calcul</a:t>
+            </a:r>
+            <a:r>
+              <a:rPr lang="en-US" b="1" dirty="0" smtClean="0"/>
+              <a:t> </a:t>
+            </a:r>
+            <a:r>
+              <a:rPr lang="en-US" b="1" dirty="0" err="1" smtClean="0"/>
+              <a:t>intensif</a:t>
+            </a:r>
+            <a:r>
+              <a:rPr lang="en-US" b="1" dirty="0" smtClean="0"/>
+              <a:t> : </a:t>
+            </a:r>
+            <a:r>
+              <a:rPr lang="en-US" dirty="0"/>
+              <a:t>Le temps passé </a:t>
+            </a:r>
+            <a:r>
+              <a:rPr lang="en-US" dirty="0" err="1"/>
+              <a:t>en</a:t>
+            </a:r>
+            <a:r>
+              <a:rPr lang="en-US" dirty="0"/>
+              <a:t> </a:t>
+            </a:r>
+            <a:r>
+              <a:rPr lang="en-US" dirty="0" err="1"/>
+              <a:t>calcul</a:t>
+            </a:r>
+            <a:r>
+              <a:rPr lang="en-US" dirty="0"/>
+              <a:t> </a:t>
+            </a:r>
+            <a:r>
+              <a:rPr lang="en-US" dirty="0" err="1"/>
+              <a:t>est</a:t>
+            </a:r>
+            <a:r>
+              <a:rPr lang="en-US" dirty="0"/>
+              <a:t> </a:t>
+            </a:r>
+            <a:r>
+              <a:rPr lang="en-US" dirty="0" err="1"/>
+              <a:t>très</a:t>
+            </a:r>
+            <a:r>
+              <a:rPr lang="en-US" dirty="0"/>
+              <a:t> </a:t>
+            </a:r>
+            <a:r>
+              <a:rPr lang="en-US" dirty="0" err="1"/>
+              <a:t>majoritaire</a:t>
+            </a:r>
+            <a:r>
+              <a:rPr lang="en-US" dirty="0"/>
+              <a:t> </a:t>
+            </a:r>
+            <a:r>
+              <a:rPr lang="en-US" dirty="0" err="1"/>
+              <a:t>comparé</a:t>
+            </a:r>
+            <a:r>
+              <a:rPr lang="en-US" dirty="0"/>
+              <a:t> au temps passé aux </a:t>
+            </a:r>
+            <a:r>
+              <a:rPr lang="en-US" dirty="0" err="1"/>
+              <a:t>échanges</a:t>
+            </a:r>
+            <a:r>
+              <a:rPr lang="en-US" dirty="0"/>
+              <a:t> </a:t>
+            </a:r>
+            <a:r>
+              <a:rPr lang="en-US" dirty="0" err="1" smtClean="0"/>
+              <a:t>mémoires</a:t>
+            </a:r>
+            <a:r>
+              <a:rPr lang="en-US" dirty="0" smtClean="0"/>
+              <a:t>.</a:t>
+            </a:r>
+          </a:p>
+          <a:p>
+            <a:endParaRPr lang="en-US" dirty="0"/>
+          </a:p>
+          <a:p>
+            <a:r>
+              <a:rPr lang="en-US" b="1" dirty="0" err="1" smtClean="0"/>
+              <a:t>Massivement</a:t>
+            </a:r>
+            <a:r>
+              <a:rPr lang="en-US" b="1" dirty="0" smtClean="0"/>
+              <a:t> </a:t>
+            </a:r>
+            <a:r>
+              <a:rPr lang="en-US" b="1" dirty="0" err="1" smtClean="0"/>
+              <a:t>parallèle</a:t>
+            </a:r>
+            <a:r>
+              <a:rPr lang="en-US" b="1" dirty="0"/>
+              <a:t> </a:t>
+            </a:r>
+            <a:r>
+              <a:rPr lang="en-US" b="1" dirty="0" smtClean="0"/>
+              <a:t>: </a:t>
+            </a:r>
+            <a:r>
+              <a:rPr lang="en-US" dirty="0"/>
+              <a:t>Les </a:t>
+            </a:r>
+            <a:r>
+              <a:rPr lang="en-US" dirty="0" err="1"/>
+              <a:t>calculs</a:t>
+            </a:r>
+            <a:r>
+              <a:rPr lang="en-US" dirty="0"/>
+              <a:t> </a:t>
+            </a:r>
+            <a:r>
+              <a:rPr lang="en-US" dirty="0" err="1"/>
+              <a:t>peuvent</a:t>
+            </a:r>
+            <a:r>
+              <a:rPr lang="en-US" dirty="0"/>
+              <a:t> </a:t>
+            </a:r>
+            <a:r>
+              <a:rPr lang="en-US" dirty="0" err="1"/>
+              <a:t>être</a:t>
+            </a:r>
+            <a:r>
+              <a:rPr lang="en-US" dirty="0"/>
+              <a:t> </a:t>
+            </a:r>
+            <a:r>
+              <a:rPr lang="en-US" dirty="0" err="1"/>
+              <a:t>vus</a:t>
+            </a:r>
+            <a:r>
+              <a:rPr lang="en-US" dirty="0"/>
+              <a:t> </a:t>
+            </a:r>
+            <a:r>
+              <a:rPr lang="en-US" dirty="0" err="1"/>
+              <a:t>comme</a:t>
+            </a:r>
+            <a:r>
+              <a:rPr lang="en-US" dirty="0"/>
+              <a:t> un ensemble </a:t>
+            </a:r>
+            <a:r>
+              <a:rPr lang="en-US" dirty="0" err="1"/>
+              <a:t>d’opérations</a:t>
+            </a:r>
+            <a:r>
+              <a:rPr lang="en-US" dirty="0"/>
+              <a:t> </a:t>
+            </a:r>
+            <a:r>
+              <a:rPr lang="en-US" dirty="0" err="1"/>
+              <a:t>unitaires</a:t>
+            </a:r>
+            <a:r>
+              <a:rPr lang="en-US" dirty="0"/>
+              <a:t> </a:t>
+            </a:r>
+            <a:r>
+              <a:rPr lang="en-US" dirty="0" err="1"/>
+              <a:t>indépendantes</a:t>
+            </a:r>
+            <a:endParaRPr lang="en-US" dirty="0"/>
+          </a:p>
+        </p:txBody>
+      </p:sp>
+    </p:spTree>
+    <p:extLst>
+      <p:ext uri="{BB962C8B-B14F-4D97-AF65-F5344CB8AC3E}">
+        <p14:creationId xmlns:p14="http://schemas.microsoft.com/office/powerpoint/2010/main" val="1875411298"/>
+      </p:ext>
+    </p:extLst>
+  </p:cSld>
+  <p:clrMapOvr>
+    <a:masterClrMapping/>
+  </p:clrMapOvr>
+  <p:timing>
+    <p:tnLst>
+      <p:par>
+        <p:cTn id="1" dur="indefinite" restart="never" nodeType="tmRoot"/>
+      </p:par>
+    </p:tnLst>
+  </p:timing>
+</p:sld>
+</file>
+
+<file path=ppt/slides/slide40.xml><?xml version="1.0" encoding="utf-8"?>
+<p:sld xmlns:a="http://schemas.openxmlformats.org/drawingml/2006/main" xmlns:r="http://schemas.openxmlformats.org/officeDocument/2006/relationships" xmlns:p="http://schemas.openxmlformats.org/presentationml/2006/main">
+  <p:cSld>
+    <p:spTree>
+      <p:nvGrpSpPr>
+        <p:cNvPr id="1" name=""/>
+        <p:cNvGrpSpPr/>
+        <p:nvPr/>
+      </p:nvGrpSpPr>
+      <p:grpSpPr>
+        <a:xfrm>
+          <a:off x="0" y="0"/>
+          <a:ext cx="0" cy="0"/>
+          <a:chOff x="0" y="0"/>
+          <a:chExt cx="0" cy="0"/>
+        </a:xfrm>
+      </p:grpSpPr>
+      <p:sp>
+        <p:nvSpPr>
+          <p:cNvPr id="2" name="Titre 1"/>
+          <p:cNvSpPr>
+            <a:spLocks noGrp="1"/>
+          </p:cNvSpPr>
+          <p:nvPr>
+            <p:ph type="title"/>
+          </p:nvPr>
+        </p:nvSpPr>
+        <p:spPr/>
+        <p:txBody>
+          <a:bodyPr/>
+          <a:lstStyle/>
+          <a:p>
+            <a:r>
+              <a:rPr lang="fr-FR" dirty="0" smtClean="0"/>
+              <a:t>Utiliser </a:t>
+            </a:r>
+            <a:r>
+              <a:rPr lang="fr-FR" dirty="0" err="1" smtClean="0"/>
+              <a:t>Nsight</a:t>
+            </a:r>
+            <a:endParaRPr lang="fr-FR" dirty="0"/>
+          </a:p>
+        </p:txBody>
+      </p:sp>
+      <p:sp>
+        <p:nvSpPr>
+          <p:cNvPr id="3" name="Espace réservé du contenu 2"/>
+          <p:cNvSpPr>
+            <a:spLocks noGrp="1"/>
+          </p:cNvSpPr>
+          <p:nvPr>
+            <p:ph idx="1"/>
+          </p:nvPr>
+        </p:nvSpPr>
+        <p:spPr>
+          <a:xfrm>
+            <a:off x="580675" y="2312397"/>
+            <a:ext cx="8272211" cy="418333"/>
+          </a:xfrm>
+        </p:spPr>
+        <p:txBody>
+          <a:bodyPr>
+            <a:normAutofit/>
+          </a:bodyPr>
+          <a:lstStyle/>
+          <a:p>
+            <a:r>
+              <a:rPr lang="fr-FR" sz="1600" dirty="0" smtClean="0"/>
+              <a:t>Fenêtre « </a:t>
+            </a:r>
+            <a:r>
+              <a:rPr lang="fr-FR" sz="1600" dirty="0" err="1" smtClean="0"/>
+              <a:t>warp</a:t>
+            </a:r>
+            <a:r>
+              <a:rPr lang="fr-FR" sz="1600" dirty="0" smtClean="0"/>
+              <a:t> » : </a:t>
+            </a:r>
+            <a:r>
+              <a:rPr lang="fr-FR" sz="1600" dirty="0" err="1" smtClean="0"/>
+              <a:t>Nsight</a:t>
+            </a:r>
+            <a:r>
+              <a:rPr lang="fr-FR" sz="1600" dirty="0" smtClean="0"/>
+              <a:t> -&gt; </a:t>
+            </a:r>
+            <a:r>
+              <a:rPr lang="fr-FR" sz="1600" dirty="0" err="1" smtClean="0"/>
+              <a:t>windows</a:t>
+            </a:r>
+            <a:r>
+              <a:rPr lang="fr-FR" sz="1600" dirty="0" smtClean="0"/>
+              <a:t> -&gt; </a:t>
+            </a:r>
+            <a:r>
+              <a:rPr lang="fr-FR" sz="1600" dirty="0" err="1" smtClean="0"/>
+              <a:t>WarpInfo</a:t>
+            </a:r>
+            <a:endParaRPr lang="fr-FR" sz="1600" dirty="0" smtClean="0"/>
+          </a:p>
+          <a:p>
+            <a:endParaRPr lang="fr-FR" sz="1600" dirty="0"/>
+          </a:p>
+        </p:txBody>
+      </p:sp>
+      <p:sp>
+        <p:nvSpPr>
+          <p:cNvPr id="4" name="Espace réservé du numéro de diapositive 3"/>
+          <p:cNvSpPr>
+            <a:spLocks noGrp="1"/>
+          </p:cNvSpPr>
+          <p:nvPr>
+            <p:ph type="sldNum" sz="quarter" idx="12"/>
+          </p:nvPr>
+        </p:nvSpPr>
+        <p:spPr/>
+        <p:txBody>
+          <a:bodyPr/>
+          <a:lstStyle/>
+          <a:p>
+            <a:fld id="{D57F1E4F-1CFF-5643-939E-217C01CDF565}" type="slidenum">
+              <a:rPr lang="fr-FR" smtClean="0"/>
+              <a:pPr/>
+              <a:t>40</a:t>
+            </a:fld>
+            <a:endParaRPr lang="fr-FR" dirty="0"/>
+          </a:p>
+        </p:txBody>
+      </p:sp>
+      <p:pic>
+        <p:nvPicPr>
+          <p:cNvPr id="5" name="Image 4"/>
+          <p:cNvPicPr>
+            <a:picLocks noChangeAspect="1"/>
+          </p:cNvPicPr>
+          <p:nvPr/>
+        </p:nvPicPr>
+        <p:blipFill>
+          <a:blip r:embed="rId2">
+            <a:extLst>
+              <a:ext uri="{BEBA8EAE-BF5A-486C-A8C5-ECC9F3942E4B}">
+                <a14:imgProps xmlns:a14="http://schemas.microsoft.com/office/drawing/2010/main">
+                  <a14:imgLayer r:embed="rId3">
+                    <a14:imgEffect>
+                      <a14:backgroundRemoval t="10000" b="90000" l="10000" r="90000">
+                        <a14:foregroundMark x1="59143" y1="49104" x2="59143" y2="49104"/>
+                        <a14:foregroundMark x1="47714" y1="49462" x2="47714" y2="49462"/>
+                        <a14:foregroundMark x1="52429" y1="51254" x2="52429" y2="51254"/>
+                        <a14:foregroundMark x1="56571" y1="50896" x2="56571" y2="50896"/>
+                        <a14:foregroundMark x1="56429" y1="43728" x2="56429" y2="43728"/>
+                        <a14:foregroundMark x1="64571" y1="49104" x2="64571" y2="49104"/>
+                        <a14:foregroundMark x1="70571" y1="48746" x2="70571" y2="48746"/>
+                        <a14:foregroundMark x1="44857" y1="30466" x2="44857" y2="30466"/>
+                        <a14:foregroundMark x1="48286" y1="32616" x2="48286" y2="32616"/>
+                        <a14:foregroundMark x1="49857" y1="32616" x2="49857" y2="32616"/>
+                        <a14:foregroundMark x1="48000" y1="30824" x2="48000" y2="30824"/>
+                        <a14:foregroundMark x1="51143" y1="32258" x2="51143" y2="32258"/>
+                        <a14:foregroundMark x1="53000" y1="30108" x2="53000" y2="30108"/>
+                        <a14:foregroundMark x1="54000" y1="30824" x2="54000" y2="30824"/>
+                        <a14:foregroundMark x1="54714" y1="32616" x2="54714" y2="32616"/>
+                        <a14:foregroundMark x1="55857" y1="32616" x2="55857" y2="32616"/>
+                        <a14:foregroundMark x1="57286" y1="32975" x2="57286" y2="32975"/>
+                        <a14:foregroundMark x1="56857" y1="36918" x2="56857" y2="36918"/>
+                      </a14:backgroundRemoval>
+                    </a14:imgEffect>
+                  </a14:imgLayer>
+                </a14:imgProps>
+              </a:ext>
+              <a:ext uri="{28A0092B-C50C-407E-A947-70E740481C1C}">
+                <a14:useLocalDpi xmlns:a14="http://schemas.microsoft.com/office/drawing/2010/main" val="0"/>
+              </a:ext>
+            </a:extLst>
+          </a:blip>
+          <a:stretch>
+            <a:fillRect/>
+          </a:stretch>
+        </p:blipFill>
+        <p:spPr>
+          <a:xfrm>
+            <a:off x="5788521" y="1428030"/>
+            <a:ext cx="3064364" cy="1221368"/>
+          </a:xfrm>
+          <a:prstGeom prst="rect">
+            <a:avLst/>
+          </a:prstGeom>
+        </p:spPr>
+      </p:pic>
+      <p:sp>
+        <p:nvSpPr>
+          <p:cNvPr id="6" name="ZoneTexte 5"/>
+          <p:cNvSpPr txBox="1"/>
+          <p:nvPr/>
+        </p:nvSpPr>
+        <p:spPr>
+          <a:xfrm>
+            <a:off x="906780" y="1657068"/>
+            <a:ext cx="2580002" cy="461665"/>
+          </a:xfrm>
+          <a:prstGeom prst="rect">
+            <a:avLst/>
+          </a:prstGeom>
+          <a:noFill/>
+        </p:spPr>
+        <p:txBody>
+          <a:bodyPr wrap="none" rtlCol="0">
+            <a:spAutoFit/>
+          </a:bodyPr>
+          <a:lstStyle/>
+          <a:p>
+            <a:r>
+              <a:rPr lang="fr-FR" sz="2400" dirty="0" smtClean="0"/>
+              <a:t>Récupérer les infos</a:t>
+            </a:r>
+            <a:endParaRPr lang="fr-FR" sz="2400" dirty="0"/>
+          </a:p>
+        </p:txBody>
+      </p:sp>
+      <p:pic>
+        <p:nvPicPr>
+          <p:cNvPr id="7" name="Image 6"/>
+          <p:cNvPicPr>
+            <a:picLocks noChangeAspect="1"/>
+          </p:cNvPicPr>
+          <p:nvPr/>
+        </p:nvPicPr>
+        <p:blipFill>
+          <a:blip r:embed="rId4"/>
+          <a:stretch>
+            <a:fillRect/>
+          </a:stretch>
+        </p:blipFill>
+        <p:spPr>
+          <a:xfrm>
+            <a:off x="1775460" y="2760434"/>
+            <a:ext cx="4869180" cy="1793625"/>
+          </a:xfrm>
+          <a:prstGeom prst="rect">
+            <a:avLst/>
+          </a:prstGeom>
+        </p:spPr>
+      </p:pic>
+      <p:sp>
+        <p:nvSpPr>
+          <p:cNvPr id="8" name="Rectangle 7"/>
+          <p:cNvSpPr/>
+          <p:nvPr/>
+        </p:nvSpPr>
+        <p:spPr>
+          <a:xfrm>
+            <a:off x="1050295" y="4818270"/>
+            <a:ext cx="184731" cy="369332"/>
+          </a:xfrm>
+          <a:prstGeom prst="rect">
+            <a:avLst/>
+          </a:prstGeom>
+        </p:spPr>
+        <p:txBody>
+          <a:bodyPr wrap="none">
+            <a:spAutoFit/>
+          </a:bodyPr>
+          <a:lstStyle/>
+          <a:p>
+            <a:endParaRPr lang="fr-FR" dirty="0"/>
+          </a:p>
+        </p:txBody>
+      </p:sp>
+      <p:sp>
+        <p:nvSpPr>
+          <p:cNvPr id="9" name="Espace réservé du contenu 2"/>
+          <p:cNvSpPr txBox="1">
+            <a:spLocks/>
+          </p:cNvSpPr>
+          <p:nvPr/>
+        </p:nvSpPr>
+        <p:spPr>
+          <a:xfrm>
+            <a:off x="580674" y="4847974"/>
+            <a:ext cx="8272211" cy="418333"/>
+          </a:xfrm>
+          <a:prstGeom prst="rect">
+            <a:avLst/>
+          </a:prstGeom>
+        </p:spPr>
+        <p:txBody>
+          <a:bodyPr vert="horz" lIns="91440" tIns="45720" rIns="91440" bIns="45720" rtlCol="0" anchor="ctr">
+            <a:normAutofit/>
+          </a:bodyPr>
+          <a:lstStyle>
+            <a:lvl1pPr marL="229500" indent="-229500" algn="l" defTabSz="342900" rtl="0" eaLnBrk="1" latinLnBrk="0" hangingPunct="1">
+              <a:spcBef>
+                <a:spcPct val="20000"/>
+              </a:spcBef>
+              <a:spcAft>
+                <a:spcPts val="450"/>
+              </a:spcAft>
+              <a:buClr>
+                <a:schemeClr val="accent2"/>
+              </a:buClr>
+              <a:buSzPct val="92000"/>
+              <a:buFont typeface="Wingdings 2" panose="05020102010507070707" pitchFamily="18" charset="2"/>
+              <a:buChar char=""/>
+              <a:defRPr sz="1350" kern="1200">
+                <a:solidFill>
+                  <a:schemeClr val="tx2"/>
+                </a:solidFill>
+                <a:latin typeface="+mn-lt"/>
+                <a:ea typeface="+mn-ea"/>
+                <a:cs typeface="+mn-cs"/>
+              </a:defRPr>
+            </a:lvl1pPr>
+            <a:lvl2pPr marL="472500" indent="-229500" algn="l" defTabSz="342900" rtl="0" eaLnBrk="1" latinLnBrk="0" hangingPunct="1">
+              <a:spcBef>
+                <a:spcPct val="20000"/>
+              </a:spcBef>
+              <a:spcAft>
+                <a:spcPts val="450"/>
+              </a:spcAft>
+              <a:buClr>
+                <a:schemeClr val="accent2"/>
+              </a:buClr>
+              <a:buSzPct val="92000"/>
+              <a:buFont typeface="Wingdings 2" panose="05020102010507070707" pitchFamily="18" charset="2"/>
+              <a:buChar char=""/>
+              <a:defRPr sz="1200" kern="1200">
+                <a:solidFill>
+                  <a:schemeClr val="tx2"/>
+                </a:solidFill>
+                <a:latin typeface="+mn-lt"/>
+                <a:ea typeface="+mn-ea"/>
+                <a:cs typeface="+mn-cs"/>
+              </a:defRPr>
+            </a:lvl2pPr>
+            <a:lvl3pPr marL="675000" indent="-202500" algn="l" defTabSz="342900" rtl="0" eaLnBrk="1" latinLnBrk="0" hangingPunct="1">
+              <a:spcBef>
+                <a:spcPct val="20000"/>
+              </a:spcBef>
+              <a:spcAft>
+                <a:spcPts val="450"/>
+              </a:spcAft>
+              <a:buClr>
+                <a:schemeClr val="accent2"/>
+              </a:buClr>
+              <a:buSzPct val="92000"/>
+              <a:buFont typeface="Wingdings 2" panose="05020102010507070707" pitchFamily="18" charset="2"/>
+              <a:buChar char=""/>
+              <a:defRPr sz="1050" kern="1200">
+                <a:solidFill>
+                  <a:schemeClr val="tx2"/>
+                </a:solidFill>
+                <a:latin typeface="+mn-lt"/>
+                <a:ea typeface="+mn-ea"/>
+                <a:cs typeface="+mn-cs"/>
+              </a:defRPr>
+            </a:lvl3pPr>
+            <a:lvl4pPr marL="931500" indent="-175500" algn="l" defTabSz="342900" rtl="0" eaLnBrk="1" latinLnBrk="0" hangingPunct="1">
+              <a:spcBef>
+                <a:spcPct val="20000"/>
+              </a:spcBef>
+              <a:spcAft>
+                <a:spcPts val="450"/>
+              </a:spcAft>
+              <a:buClr>
+                <a:schemeClr val="accent2"/>
+              </a:buClr>
+              <a:buSzPct val="92000"/>
+              <a:buFont typeface="Wingdings 2" panose="05020102010507070707" pitchFamily="18" charset="2"/>
+              <a:buChar char=""/>
+              <a:defRPr sz="900" kern="1200">
+                <a:solidFill>
+                  <a:schemeClr val="tx2"/>
+                </a:solidFill>
+                <a:latin typeface="+mn-lt"/>
+                <a:ea typeface="+mn-ea"/>
+                <a:cs typeface="+mn-cs"/>
+              </a:defRPr>
+            </a:lvl4pPr>
+            <a:lvl5pPr marL="1201500" indent="-175500" algn="l" defTabSz="342900" rtl="0" eaLnBrk="1" latinLnBrk="0" hangingPunct="1">
+              <a:spcBef>
+                <a:spcPct val="20000"/>
+              </a:spcBef>
+              <a:spcAft>
+                <a:spcPts val="450"/>
+              </a:spcAft>
+              <a:buClr>
+                <a:schemeClr val="accent2"/>
+              </a:buClr>
+              <a:buSzPct val="92000"/>
+              <a:buFont typeface="Wingdings 2" panose="05020102010507070707" pitchFamily="18" charset="2"/>
+              <a:buChar char=""/>
+              <a:defRPr sz="900" kern="1200">
+                <a:solidFill>
+                  <a:schemeClr val="tx2"/>
+                </a:solidFill>
+                <a:latin typeface="+mn-lt"/>
+                <a:ea typeface="+mn-ea"/>
+                <a:cs typeface="+mn-cs"/>
+              </a:defRPr>
+            </a:lvl5pPr>
+            <a:lvl6pPr marL="1425000" indent="-171450" algn="l" defTabSz="342900" rtl="0" eaLnBrk="1" latinLnBrk="0" hangingPunct="1">
+              <a:spcBef>
+                <a:spcPct val="20000"/>
+              </a:spcBef>
+              <a:spcAft>
+                <a:spcPts val="450"/>
+              </a:spcAft>
+              <a:buClr>
+                <a:schemeClr val="accent2"/>
+              </a:buClr>
+              <a:buSzPct val="92000"/>
+              <a:buFont typeface="Wingdings 2" panose="05020102010507070707" pitchFamily="18" charset="2"/>
+              <a:buChar char=""/>
+              <a:defRPr sz="900" kern="1200">
+                <a:solidFill>
+                  <a:schemeClr val="tx2"/>
+                </a:solidFill>
+                <a:latin typeface="+mn-lt"/>
+                <a:ea typeface="+mn-ea"/>
+                <a:cs typeface="+mn-cs"/>
+              </a:defRPr>
+            </a:lvl6pPr>
+            <a:lvl7pPr marL="1650000" indent="-171450" algn="l" defTabSz="342900" rtl="0" eaLnBrk="1" latinLnBrk="0" hangingPunct="1">
+              <a:spcBef>
+                <a:spcPct val="20000"/>
+              </a:spcBef>
+              <a:spcAft>
+                <a:spcPts val="450"/>
+              </a:spcAft>
+              <a:buClr>
+                <a:schemeClr val="accent2"/>
+              </a:buClr>
+              <a:buSzPct val="92000"/>
+              <a:buFont typeface="Wingdings 2" panose="05020102010507070707" pitchFamily="18" charset="2"/>
+              <a:buChar char=""/>
+              <a:defRPr sz="900" kern="1200">
+                <a:solidFill>
+                  <a:schemeClr val="tx2"/>
+                </a:solidFill>
+                <a:latin typeface="+mn-lt"/>
+                <a:ea typeface="+mn-ea"/>
+                <a:cs typeface="+mn-cs"/>
+              </a:defRPr>
+            </a:lvl7pPr>
+            <a:lvl8pPr marL="1875000" indent="-171450" algn="l" defTabSz="342900" rtl="0" eaLnBrk="1" latinLnBrk="0" hangingPunct="1">
+              <a:spcBef>
+                <a:spcPct val="20000"/>
+              </a:spcBef>
+              <a:spcAft>
+                <a:spcPts val="450"/>
+              </a:spcAft>
+              <a:buClr>
+                <a:schemeClr val="accent2"/>
+              </a:buClr>
+              <a:buSzPct val="92000"/>
+              <a:buFont typeface="Wingdings 2" panose="05020102010507070707" pitchFamily="18" charset="2"/>
+              <a:buChar char=""/>
+              <a:defRPr sz="900" kern="1200">
+                <a:solidFill>
+                  <a:schemeClr val="tx2"/>
+                </a:solidFill>
+                <a:latin typeface="+mn-lt"/>
+                <a:ea typeface="+mn-ea"/>
+                <a:cs typeface="+mn-cs"/>
+              </a:defRPr>
+            </a:lvl8pPr>
+            <a:lvl9pPr marL="2100000" indent="-171450" algn="l" defTabSz="342900" rtl="0" eaLnBrk="1" latinLnBrk="0" hangingPunct="1">
+              <a:spcBef>
+                <a:spcPct val="20000"/>
+              </a:spcBef>
+              <a:spcAft>
+                <a:spcPts val="450"/>
+              </a:spcAft>
+              <a:buClr>
+                <a:schemeClr val="accent2"/>
+              </a:buClr>
+              <a:buSzPct val="92000"/>
+              <a:buFont typeface="Wingdings 2" panose="05020102010507070707" pitchFamily="18" charset="2"/>
+              <a:buChar char=""/>
+              <a:defRPr sz="900" kern="1200">
+                <a:solidFill>
+                  <a:schemeClr val="tx2"/>
+                </a:solidFill>
+                <a:latin typeface="+mn-lt"/>
+                <a:ea typeface="+mn-ea"/>
+                <a:cs typeface="+mn-cs"/>
+              </a:defRPr>
+            </a:lvl9pPr>
+          </a:lstStyle>
+          <a:p>
+            <a:r>
+              <a:rPr lang="fr-FR" sz="1600" dirty="0"/>
+              <a:t>Puis regarder les variables </a:t>
+            </a:r>
+            <a:r>
+              <a:rPr lang="fr-FR" sz="1600" dirty="0" smtClean="0"/>
+              <a:t>locales </a:t>
+            </a:r>
+            <a:r>
+              <a:rPr lang="fr-FR" sz="1600" dirty="0"/>
+              <a:t>-&gt; magique !</a:t>
+            </a:r>
+          </a:p>
+          <a:p>
+            <a:endParaRPr lang="fr-FR" sz="1600" dirty="0"/>
+          </a:p>
+        </p:txBody>
+      </p:sp>
+    </p:spTree>
+    <p:extLst>
+      <p:ext uri="{BB962C8B-B14F-4D97-AF65-F5344CB8AC3E}">
+        <p14:creationId xmlns:p14="http://schemas.microsoft.com/office/powerpoint/2010/main" val="1158366973"/>
+      </p:ext>
+    </p:extLst>
+  </p:cSld>
+  <p:clrMapOvr>
+    <a:masterClrMapping/>
+  </p:clrMapOvr>
+</p:sld>
+</file>
+
+<file path=ppt/slides/slide41.xml><?xml version="1.0" encoding="utf-8"?>
+<p:sld xmlns:a="http://schemas.openxmlformats.org/drawingml/2006/main" xmlns:r="http://schemas.openxmlformats.org/officeDocument/2006/relationships" xmlns:p="http://schemas.openxmlformats.org/presentationml/2006/main">
+  <p:cSld>
+    <p:spTree>
+      <p:nvGrpSpPr>
+        <p:cNvPr id="1" name=""/>
+        <p:cNvGrpSpPr/>
+        <p:nvPr/>
+      </p:nvGrpSpPr>
+      <p:grpSpPr>
+        <a:xfrm>
+          <a:off x="0" y="0"/>
+          <a:ext cx="0" cy="0"/>
+          <a:chOff x="0" y="0"/>
+          <a:chExt cx="0" cy="0"/>
+        </a:xfrm>
+      </p:grpSpPr>
+      <p:sp>
+        <p:nvSpPr>
+          <p:cNvPr id="2" name="Titre 1">
+            <a:extLst>
+              <a:ext uri="{FF2B5EF4-FFF2-40B4-BE49-F238E27FC236}">
+                <a16:creationId xmlns:a16="http://schemas.microsoft.com/office/drawing/2014/main" id="{C02C5318-1A1E-49D0-B2E2-A4B0FA9E8A40}"/>
+              </a:ext>
+            </a:extLst>
+          </p:cNvPr>
+          <p:cNvSpPr>
+            <a:spLocks noGrp="1"/>
+          </p:cNvSpPr>
+          <p:nvPr>
+            <p:ph type="ctrTitle"/>
+          </p:nvPr>
+        </p:nvSpPr>
+        <p:spPr>
+          <a:xfrm>
+            <a:off x="330791" y="4545068"/>
+            <a:ext cx="8245162" cy="671433"/>
+          </a:xfrm>
+        </p:spPr>
+        <p:txBody>
+          <a:bodyPr rtlCol="0">
+            <a:noAutofit/>
+          </a:bodyPr>
+          <a:lstStyle/>
+          <a:p>
+            <a:pPr algn="r" rtl="0"/>
+            <a:r>
+              <a:rPr lang="fr-FR" sz="3150" dirty="0" smtClean="0">
+                <a:solidFill>
+                  <a:schemeClr val="bg1"/>
+                </a:solidFill>
+              </a:rPr>
+              <a:t>Et ensuite ?</a:t>
+            </a:r>
+            <a:endParaRPr lang="fr-FR" sz="3150" dirty="0">
+              <a:solidFill>
+                <a:schemeClr val="bg1"/>
+              </a:solidFill>
+            </a:endParaRPr>
+          </a:p>
+        </p:txBody>
+      </p:sp>
+      <p:sp>
+        <p:nvSpPr>
+          <p:cNvPr id="6" name="ZoneTexte 5"/>
+          <p:cNvSpPr txBox="1"/>
+          <p:nvPr/>
+        </p:nvSpPr>
+        <p:spPr>
+          <a:xfrm>
+            <a:off x="330791" y="588580"/>
+            <a:ext cx="3757733" cy="1862048"/>
+          </a:xfrm>
+          <a:prstGeom prst="rect">
+            <a:avLst/>
+          </a:prstGeom>
+          <a:noFill/>
+        </p:spPr>
+        <p:txBody>
+          <a:bodyPr wrap="square" rtlCol="0">
+            <a:spAutoFit/>
+          </a:bodyPr>
+          <a:lstStyle/>
+          <a:p>
+            <a:r>
+              <a:rPr lang="fr-FR" sz="11500" b="1" spc="50" dirty="0" smtClean="0">
+                <a:ln w="9525" cmpd="sng">
+                  <a:solidFill>
+                    <a:schemeClr val="accent1"/>
+                  </a:solidFill>
+                  <a:prstDash val="solid"/>
+                </a:ln>
+                <a:solidFill>
+                  <a:srgbClr val="70AD47">
+                    <a:tint val="1000"/>
+                  </a:srgbClr>
+                </a:solidFill>
+                <a:effectLst>
+                  <a:glow rad="38100">
+                    <a:schemeClr val="accent1">
+                      <a:alpha val="40000"/>
+                    </a:schemeClr>
+                  </a:glow>
+                </a:effectLst>
+              </a:rPr>
+              <a:t>06</a:t>
+            </a:r>
+            <a:endParaRPr lang="fr-FR" sz="11500" dirty="0">
+              <a:ln w="0"/>
+              <a:solidFill>
+                <a:schemeClr val="accent1"/>
+              </a:solidFill>
+              <a:effectLst>
+                <a:outerShdw blurRad="38100" dist="25400" dir="5400000" algn="ctr" rotWithShape="0">
+                  <a:srgbClr val="6E747A">
+                    <a:alpha val="43000"/>
+                  </a:srgbClr>
+                </a:outerShdw>
+              </a:effectLst>
+            </a:endParaRPr>
+          </a:p>
+        </p:txBody>
+      </p:sp>
+      <p:sp>
+        <p:nvSpPr>
+          <p:cNvPr id="3" name="Espace réservé du numéro de diapositive 2"/>
+          <p:cNvSpPr>
+            <a:spLocks noGrp="1"/>
+          </p:cNvSpPr>
+          <p:nvPr>
+            <p:ph type="sldNum" sz="quarter" idx="12"/>
+          </p:nvPr>
+        </p:nvSpPr>
+        <p:spPr/>
+        <p:txBody>
+          <a:bodyPr/>
+          <a:lstStyle/>
+          <a:p>
+            <a:pPr rtl="0"/>
+            <a:fld id="{D57F1E4F-1CFF-5643-939E-217C01CDF565}" type="slidenum">
+              <a:rPr lang="fr-FR" noProof="0" smtClean="0"/>
+              <a:pPr rtl="0"/>
+              <a:t>41</a:t>
+            </a:fld>
+            <a:endParaRPr lang="fr-FR" noProof="0"/>
+          </a:p>
+        </p:txBody>
+      </p:sp>
+    </p:spTree>
+    <p:extLst>
+      <p:ext uri="{BB962C8B-B14F-4D97-AF65-F5344CB8AC3E}">
+        <p14:creationId xmlns:p14="http://schemas.microsoft.com/office/powerpoint/2010/main" val="3254369112"/>
+      </p:ext>
+    </p:extLst>
+  </p:cSld>
+  <p:clrMapOvr>
+    <a:masterClrMapping/>
+  </p:clrMapOvr>
+  <p:timing>
+    <p:tnLst>
+      <p:par>
+        <p:cTn id="1" dur="indefinite" restart="never" nodeType="tmRoot"/>
+      </p:par>
+    </p:tnLst>
+  </p:timing>
+</p:sld>
+</file>
+
+<file path=ppt/slides/slide42.xml><?xml version="1.0" encoding="utf-8"?>
+<p:sld xmlns:a="http://schemas.openxmlformats.org/drawingml/2006/main" xmlns:r="http://schemas.openxmlformats.org/officeDocument/2006/relationships" xmlns:p="http://schemas.openxmlformats.org/presentationml/2006/main">
+  <p:cSld>
+    <p:spTree>
+      <p:nvGrpSpPr>
+        <p:cNvPr id="1" name=""/>
+        <p:cNvGrpSpPr/>
+        <p:nvPr/>
+      </p:nvGrpSpPr>
+      <p:grpSpPr>
+        <a:xfrm>
+          <a:off x="0" y="0"/>
+          <a:ext cx="0" cy="0"/>
+          <a:chOff x="0" y="0"/>
+          <a:chExt cx="0" cy="0"/>
+        </a:xfrm>
+      </p:grpSpPr>
+      <p:sp>
+        <p:nvSpPr>
+          <p:cNvPr id="2" name="Titre 1"/>
+          <p:cNvSpPr>
+            <a:spLocks noGrp="1"/>
+          </p:cNvSpPr>
+          <p:nvPr>
+            <p:ph type="title"/>
+          </p:nvPr>
+        </p:nvSpPr>
+        <p:spPr/>
+        <p:txBody>
+          <a:bodyPr/>
+          <a:lstStyle/>
+          <a:p>
+            <a:r>
+              <a:rPr lang="fr-FR" dirty="0" err="1" smtClean="0"/>
+              <a:t>Herb</a:t>
+            </a:r>
+            <a:r>
+              <a:rPr lang="fr-FR" dirty="0" smtClean="0"/>
+              <a:t> </a:t>
+            </a:r>
+            <a:r>
+              <a:rPr lang="fr-FR" dirty="0" err="1" smtClean="0"/>
+              <a:t>sutter</a:t>
+            </a:r>
+            <a:r>
+              <a:rPr lang="fr-FR" dirty="0" smtClean="0"/>
+              <a:t> : le retour !</a:t>
+            </a:r>
+            <a:endParaRPr lang="fr-FR" dirty="0"/>
+          </a:p>
+        </p:txBody>
+      </p:sp>
+      <p:sp>
+        <p:nvSpPr>
+          <p:cNvPr id="4" name="Espace réservé du numéro de diapositive 3"/>
+          <p:cNvSpPr>
+            <a:spLocks noGrp="1"/>
+          </p:cNvSpPr>
+          <p:nvPr>
+            <p:ph type="sldNum" sz="quarter" idx="12"/>
+          </p:nvPr>
+        </p:nvSpPr>
+        <p:spPr/>
+        <p:txBody>
+          <a:bodyPr/>
+          <a:lstStyle/>
+          <a:p>
+            <a:fld id="{D57F1E4F-1CFF-5643-939E-217C01CDF565}" type="slidenum">
+              <a:rPr lang="fr-FR" smtClean="0"/>
+              <a:pPr/>
+              <a:t>42</a:t>
+            </a:fld>
+            <a:endParaRPr lang="fr-FR" dirty="0"/>
+          </a:p>
+        </p:txBody>
+      </p:sp>
+      <p:sp>
+        <p:nvSpPr>
+          <p:cNvPr id="9" name="Espace réservé du contenu 8"/>
+          <p:cNvSpPr>
+            <a:spLocks noGrp="1"/>
+          </p:cNvSpPr>
+          <p:nvPr>
+            <p:ph idx="1"/>
+          </p:nvPr>
+        </p:nvSpPr>
+        <p:spPr>
+          <a:xfrm>
+            <a:off x="871789" y="2071766"/>
+            <a:ext cx="8272211" cy="2765322"/>
+          </a:xfrm>
+        </p:spPr>
+        <p:txBody>
+          <a:bodyPr>
+            <a:normAutofit/>
+          </a:bodyPr>
+          <a:lstStyle/>
+          <a:p>
+            <a:r>
+              <a:rPr lang="fr-FR" sz="1600" dirty="0" smtClean="0"/>
+              <a:t>On s’oriente vers de plateforme avec des processeurs hétérogènes</a:t>
+            </a:r>
+          </a:p>
+          <a:p>
+            <a:pPr lvl="1"/>
+            <a:r>
+              <a:rPr lang="fr-FR" sz="1600" dirty="0" smtClean="0"/>
+              <a:t>CPU</a:t>
+            </a:r>
+          </a:p>
+          <a:p>
+            <a:pPr lvl="1"/>
+            <a:r>
+              <a:rPr lang="fr-FR" sz="1600" dirty="0" smtClean="0"/>
+              <a:t>GPU</a:t>
+            </a:r>
+          </a:p>
+          <a:p>
+            <a:pPr lvl="1"/>
+            <a:r>
+              <a:rPr lang="fr-FR" sz="1600" dirty="0" smtClean="0"/>
+              <a:t>FPGA</a:t>
+            </a:r>
+          </a:p>
+          <a:p>
+            <a:pPr lvl="1"/>
+            <a:r>
+              <a:rPr lang="fr-FR" sz="1600" dirty="0" smtClean="0"/>
+              <a:t>…</a:t>
+            </a:r>
+          </a:p>
+          <a:p>
+            <a:r>
+              <a:rPr lang="fr-FR" sz="1600" dirty="0" smtClean="0"/>
+              <a:t>Et vers du cloud computing, étant souvent également hétérogène.</a:t>
+            </a:r>
+          </a:p>
+          <a:p>
+            <a:r>
+              <a:rPr lang="fr-FR" sz="1600" dirty="0"/>
+              <a:t>https://herbsutter.com/welcome-to-the-jungle/</a:t>
+            </a:r>
+          </a:p>
+          <a:p>
+            <a:endParaRPr lang="fr-FR" sz="1600" dirty="0" smtClean="0"/>
+          </a:p>
+        </p:txBody>
+      </p:sp>
+      <p:sp>
+        <p:nvSpPr>
+          <p:cNvPr id="10" name="Espace réservé du texte 8"/>
+          <p:cNvSpPr txBox="1">
+            <a:spLocks/>
+          </p:cNvSpPr>
+          <p:nvPr/>
+        </p:nvSpPr>
+        <p:spPr>
+          <a:xfrm>
+            <a:off x="535467" y="1347046"/>
+            <a:ext cx="6875597" cy="815261"/>
+          </a:xfrm>
+          <a:prstGeom prst="rect">
+            <a:avLst/>
+          </a:prstGeom>
+        </p:spPr>
+        <p:txBody>
+          <a:bodyPr vert="horz" lIns="91440" tIns="45720" rIns="91440" bIns="45720" rtlCol="0" anchor="ctr">
+            <a:normAutofit/>
+          </a:bodyPr>
+          <a:lstStyle>
+            <a:lvl1pPr marL="229500" indent="-229500" algn="l" defTabSz="342900" rtl="0" eaLnBrk="1" latinLnBrk="0" hangingPunct="1">
+              <a:spcBef>
+                <a:spcPct val="20000"/>
+              </a:spcBef>
+              <a:spcAft>
+                <a:spcPts val="450"/>
+              </a:spcAft>
+              <a:buClr>
+                <a:schemeClr val="accent2"/>
+              </a:buClr>
+              <a:buSzPct val="92000"/>
+              <a:buFont typeface="Wingdings 2" panose="05020102010507070707" pitchFamily="18" charset="2"/>
+              <a:buChar char=""/>
+              <a:defRPr sz="1350" kern="1200">
+                <a:solidFill>
+                  <a:schemeClr val="tx2"/>
+                </a:solidFill>
+                <a:latin typeface="+mn-lt"/>
+                <a:ea typeface="+mn-ea"/>
+                <a:cs typeface="+mn-cs"/>
+              </a:defRPr>
+            </a:lvl1pPr>
+            <a:lvl2pPr marL="472500" indent="-229500" algn="l" defTabSz="342900" rtl="0" eaLnBrk="1" latinLnBrk="0" hangingPunct="1">
+              <a:spcBef>
+                <a:spcPct val="20000"/>
+              </a:spcBef>
+              <a:spcAft>
+                <a:spcPts val="450"/>
+              </a:spcAft>
+              <a:buClr>
+                <a:schemeClr val="accent2"/>
+              </a:buClr>
+              <a:buSzPct val="92000"/>
+              <a:buFont typeface="Wingdings 2" panose="05020102010507070707" pitchFamily="18" charset="2"/>
+              <a:buChar char=""/>
+              <a:defRPr sz="1200" kern="1200">
+                <a:solidFill>
+                  <a:schemeClr val="tx2"/>
+                </a:solidFill>
+                <a:latin typeface="+mn-lt"/>
+                <a:ea typeface="+mn-ea"/>
+                <a:cs typeface="+mn-cs"/>
+              </a:defRPr>
+            </a:lvl2pPr>
+            <a:lvl3pPr marL="675000" indent="-202500" algn="l" defTabSz="342900" rtl="0" eaLnBrk="1" latinLnBrk="0" hangingPunct="1">
+              <a:spcBef>
+                <a:spcPct val="20000"/>
+              </a:spcBef>
+              <a:spcAft>
+                <a:spcPts val="450"/>
+              </a:spcAft>
+              <a:buClr>
+                <a:schemeClr val="accent2"/>
+              </a:buClr>
+              <a:buSzPct val="92000"/>
+              <a:buFont typeface="Wingdings 2" panose="05020102010507070707" pitchFamily="18" charset="2"/>
+              <a:buChar char=""/>
+              <a:defRPr sz="1050" kern="1200">
+                <a:solidFill>
+                  <a:schemeClr val="tx2"/>
+                </a:solidFill>
+                <a:latin typeface="+mn-lt"/>
+                <a:ea typeface="+mn-ea"/>
+                <a:cs typeface="+mn-cs"/>
+              </a:defRPr>
+            </a:lvl3pPr>
+            <a:lvl4pPr marL="931500" indent="-175500" algn="l" defTabSz="342900" rtl="0" eaLnBrk="1" latinLnBrk="0" hangingPunct="1">
+              <a:spcBef>
+                <a:spcPct val="20000"/>
+              </a:spcBef>
+              <a:spcAft>
+                <a:spcPts val="450"/>
+              </a:spcAft>
+              <a:buClr>
+                <a:schemeClr val="accent2"/>
+              </a:buClr>
+              <a:buSzPct val="92000"/>
+              <a:buFont typeface="Wingdings 2" panose="05020102010507070707" pitchFamily="18" charset="2"/>
+              <a:buChar char=""/>
+              <a:defRPr sz="900" kern="1200">
+                <a:solidFill>
+                  <a:schemeClr val="tx2"/>
+                </a:solidFill>
+                <a:latin typeface="+mn-lt"/>
+                <a:ea typeface="+mn-ea"/>
+                <a:cs typeface="+mn-cs"/>
+              </a:defRPr>
+            </a:lvl4pPr>
+            <a:lvl5pPr marL="1201500" indent="-175500" algn="l" defTabSz="342900" rtl="0" eaLnBrk="1" latinLnBrk="0" hangingPunct="1">
+              <a:spcBef>
+                <a:spcPct val="20000"/>
+              </a:spcBef>
+              <a:spcAft>
+                <a:spcPts val="450"/>
+              </a:spcAft>
+              <a:buClr>
+                <a:schemeClr val="accent2"/>
+              </a:buClr>
+              <a:buSzPct val="92000"/>
+              <a:buFont typeface="Wingdings 2" panose="05020102010507070707" pitchFamily="18" charset="2"/>
+              <a:buChar char=""/>
+              <a:defRPr sz="900" kern="1200">
+                <a:solidFill>
+                  <a:schemeClr val="tx2"/>
+                </a:solidFill>
+                <a:latin typeface="+mn-lt"/>
+                <a:ea typeface="+mn-ea"/>
+                <a:cs typeface="+mn-cs"/>
+              </a:defRPr>
+            </a:lvl5pPr>
+            <a:lvl6pPr marL="1425000" indent="-171450" algn="l" defTabSz="342900" rtl="0" eaLnBrk="1" latinLnBrk="0" hangingPunct="1">
+              <a:spcBef>
+                <a:spcPct val="20000"/>
+              </a:spcBef>
+              <a:spcAft>
+                <a:spcPts val="450"/>
+              </a:spcAft>
+              <a:buClr>
+                <a:schemeClr val="accent2"/>
+              </a:buClr>
+              <a:buSzPct val="92000"/>
+              <a:buFont typeface="Wingdings 2" panose="05020102010507070707" pitchFamily="18" charset="2"/>
+              <a:buChar char=""/>
+              <a:defRPr sz="900" kern="1200">
+                <a:solidFill>
+                  <a:schemeClr val="tx2"/>
+                </a:solidFill>
+                <a:latin typeface="+mn-lt"/>
+                <a:ea typeface="+mn-ea"/>
+                <a:cs typeface="+mn-cs"/>
+              </a:defRPr>
+            </a:lvl6pPr>
+            <a:lvl7pPr marL="1650000" indent="-171450" algn="l" defTabSz="342900" rtl="0" eaLnBrk="1" latinLnBrk="0" hangingPunct="1">
+              <a:spcBef>
+                <a:spcPct val="20000"/>
+              </a:spcBef>
+              <a:spcAft>
+                <a:spcPts val="450"/>
+              </a:spcAft>
+              <a:buClr>
+                <a:schemeClr val="accent2"/>
+              </a:buClr>
+              <a:buSzPct val="92000"/>
+              <a:buFont typeface="Wingdings 2" panose="05020102010507070707" pitchFamily="18" charset="2"/>
+              <a:buChar char=""/>
+              <a:defRPr sz="900" kern="1200">
+                <a:solidFill>
+                  <a:schemeClr val="tx2"/>
+                </a:solidFill>
+                <a:latin typeface="+mn-lt"/>
+                <a:ea typeface="+mn-ea"/>
+                <a:cs typeface="+mn-cs"/>
+              </a:defRPr>
+            </a:lvl7pPr>
+            <a:lvl8pPr marL="1875000" indent="-171450" algn="l" defTabSz="342900" rtl="0" eaLnBrk="1" latinLnBrk="0" hangingPunct="1">
+              <a:spcBef>
+                <a:spcPct val="20000"/>
+              </a:spcBef>
+              <a:spcAft>
+                <a:spcPts val="450"/>
+              </a:spcAft>
+              <a:buClr>
+                <a:schemeClr val="accent2"/>
+              </a:buClr>
+              <a:buSzPct val="92000"/>
+              <a:buFont typeface="Wingdings 2" panose="05020102010507070707" pitchFamily="18" charset="2"/>
+              <a:buChar char=""/>
+              <a:defRPr sz="900" kern="1200">
+                <a:solidFill>
+                  <a:schemeClr val="tx2"/>
+                </a:solidFill>
+                <a:latin typeface="+mn-lt"/>
+                <a:ea typeface="+mn-ea"/>
+                <a:cs typeface="+mn-cs"/>
+              </a:defRPr>
+            </a:lvl8pPr>
+            <a:lvl9pPr marL="2100000" indent="-171450" algn="l" defTabSz="342900" rtl="0" eaLnBrk="1" latinLnBrk="0" hangingPunct="1">
+              <a:spcBef>
+                <a:spcPct val="20000"/>
+              </a:spcBef>
+              <a:spcAft>
+                <a:spcPts val="450"/>
+              </a:spcAft>
+              <a:buClr>
+                <a:schemeClr val="accent2"/>
+              </a:buClr>
+              <a:buSzPct val="92000"/>
+              <a:buFont typeface="Wingdings 2" panose="05020102010507070707" pitchFamily="18" charset="2"/>
+              <a:buChar char=""/>
+              <a:defRPr sz="900" kern="1200">
+                <a:solidFill>
+                  <a:schemeClr val="tx2"/>
+                </a:solidFill>
+                <a:latin typeface="+mn-lt"/>
+                <a:ea typeface="+mn-ea"/>
+                <a:cs typeface="+mn-cs"/>
+              </a:defRPr>
+            </a:lvl9pPr>
+          </a:lstStyle>
+          <a:p>
+            <a:pPr marL="0" indent="0">
+              <a:buNone/>
+            </a:pPr>
+            <a:r>
+              <a:rPr lang="fr-FR" sz="2400" dirty="0" smtClean="0"/>
+              <a:t>The free lunch </a:t>
+            </a:r>
+            <a:r>
+              <a:rPr lang="fr-FR" sz="2400" dirty="0" err="1" smtClean="0"/>
+              <a:t>is</a:t>
+            </a:r>
+            <a:r>
+              <a:rPr lang="fr-FR" sz="2400" dirty="0" smtClean="0"/>
+              <a:t> over…</a:t>
+            </a:r>
+            <a:endParaRPr lang="fr-FR" sz="2400" dirty="0"/>
+          </a:p>
+        </p:txBody>
+      </p:sp>
+      <p:sp>
+        <p:nvSpPr>
+          <p:cNvPr id="11" name="Espace réservé du texte 8"/>
+          <p:cNvSpPr txBox="1">
+            <a:spLocks/>
+          </p:cNvSpPr>
+          <p:nvPr/>
+        </p:nvSpPr>
+        <p:spPr>
+          <a:xfrm>
+            <a:off x="4279100" y="4429457"/>
+            <a:ext cx="3732686" cy="815261"/>
+          </a:xfrm>
+          <a:prstGeom prst="rect">
+            <a:avLst/>
+          </a:prstGeom>
+        </p:spPr>
+        <p:txBody>
+          <a:bodyPr vert="horz" lIns="91440" tIns="45720" rIns="91440" bIns="45720" rtlCol="0" anchor="ctr">
+            <a:normAutofit/>
+          </a:bodyPr>
+          <a:lstStyle>
+            <a:lvl1pPr marL="229500" indent="-229500" algn="l" defTabSz="342900" rtl="0" eaLnBrk="1" latinLnBrk="0" hangingPunct="1">
+              <a:spcBef>
+                <a:spcPct val="20000"/>
+              </a:spcBef>
+              <a:spcAft>
+                <a:spcPts val="450"/>
+              </a:spcAft>
+              <a:buClr>
+                <a:schemeClr val="accent2"/>
+              </a:buClr>
+              <a:buSzPct val="92000"/>
+              <a:buFont typeface="Wingdings 2" panose="05020102010507070707" pitchFamily="18" charset="2"/>
+              <a:buChar char=""/>
+              <a:defRPr sz="1350" kern="1200">
+                <a:solidFill>
+                  <a:schemeClr val="tx2"/>
+                </a:solidFill>
+                <a:latin typeface="+mn-lt"/>
+                <a:ea typeface="+mn-ea"/>
+                <a:cs typeface="+mn-cs"/>
+              </a:defRPr>
+            </a:lvl1pPr>
+            <a:lvl2pPr marL="472500" indent="-229500" algn="l" defTabSz="342900" rtl="0" eaLnBrk="1" latinLnBrk="0" hangingPunct="1">
+              <a:spcBef>
+                <a:spcPct val="20000"/>
+              </a:spcBef>
+              <a:spcAft>
+                <a:spcPts val="450"/>
+              </a:spcAft>
+              <a:buClr>
+                <a:schemeClr val="accent2"/>
+              </a:buClr>
+              <a:buSzPct val="92000"/>
+              <a:buFont typeface="Wingdings 2" panose="05020102010507070707" pitchFamily="18" charset="2"/>
+              <a:buChar char=""/>
+              <a:defRPr sz="1200" kern="1200">
+                <a:solidFill>
+                  <a:schemeClr val="tx2"/>
+                </a:solidFill>
+                <a:latin typeface="+mn-lt"/>
+                <a:ea typeface="+mn-ea"/>
+                <a:cs typeface="+mn-cs"/>
+              </a:defRPr>
+            </a:lvl2pPr>
+            <a:lvl3pPr marL="675000" indent="-202500" algn="l" defTabSz="342900" rtl="0" eaLnBrk="1" latinLnBrk="0" hangingPunct="1">
+              <a:spcBef>
+                <a:spcPct val="20000"/>
+              </a:spcBef>
+              <a:spcAft>
+                <a:spcPts val="450"/>
+              </a:spcAft>
+              <a:buClr>
+                <a:schemeClr val="accent2"/>
+              </a:buClr>
+              <a:buSzPct val="92000"/>
+              <a:buFont typeface="Wingdings 2" panose="05020102010507070707" pitchFamily="18" charset="2"/>
+              <a:buChar char=""/>
+              <a:defRPr sz="1050" kern="1200">
+                <a:solidFill>
+                  <a:schemeClr val="tx2"/>
+                </a:solidFill>
+                <a:latin typeface="+mn-lt"/>
+                <a:ea typeface="+mn-ea"/>
+                <a:cs typeface="+mn-cs"/>
+              </a:defRPr>
+            </a:lvl3pPr>
+            <a:lvl4pPr marL="931500" indent="-175500" algn="l" defTabSz="342900" rtl="0" eaLnBrk="1" latinLnBrk="0" hangingPunct="1">
+              <a:spcBef>
+                <a:spcPct val="20000"/>
+              </a:spcBef>
+              <a:spcAft>
+                <a:spcPts val="450"/>
+              </a:spcAft>
+              <a:buClr>
+                <a:schemeClr val="accent2"/>
+              </a:buClr>
+              <a:buSzPct val="92000"/>
+              <a:buFont typeface="Wingdings 2" panose="05020102010507070707" pitchFamily="18" charset="2"/>
+              <a:buChar char=""/>
+              <a:defRPr sz="900" kern="1200">
+                <a:solidFill>
+                  <a:schemeClr val="tx2"/>
+                </a:solidFill>
+                <a:latin typeface="+mn-lt"/>
+                <a:ea typeface="+mn-ea"/>
+                <a:cs typeface="+mn-cs"/>
+              </a:defRPr>
+            </a:lvl4pPr>
+            <a:lvl5pPr marL="1201500" indent="-175500" algn="l" defTabSz="342900" rtl="0" eaLnBrk="1" latinLnBrk="0" hangingPunct="1">
+              <a:spcBef>
+                <a:spcPct val="20000"/>
+              </a:spcBef>
+              <a:spcAft>
+                <a:spcPts val="450"/>
+              </a:spcAft>
+              <a:buClr>
+                <a:schemeClr val="accent2"/>
+              </a:buClr>
+              <a:buSzPct val="92000"/>
+              <a:buFont typeface="Wingdings 2" panose="05020102010507070707" pitchFamily="18" charset="2"/>
+              <a:buChar char=""/>
+              <a:defRPr sz="900" kern="1200">
+                <a:solidFill>
+                  <a:schemeClr val="tx2"/>
+                </a:solidFill>
+                <a:latin typeface="+mn-lt"/>
+                <a:ea typeface="+mn-ea"/>
+                <a:cs typeface="+mn-cs"/>
+              </a:defRPr>
+            </a:lvl5pPr>
+            <a:lvl6pPr marL="1425000" indent="-171450" algn="l" defTabSz="342900" rtl="0" eaLnBrk="1" latinLnBrk="0" hangingPunct="1">
+              <a:spcBef>
+                <a:spcPct val="20000"/>
+              </a:spcBef>
+              <a:spcAft>
+                <a:spcPts val="450"/>
+              </a:spcAft>
+              <a:buClr>
+                <a:schemeClr val="accent2"/>
+              </a:buClr>
+              <a:buSzPct val="92000"/>
+              <a:buFont typeface="Wingdings 2" panose="05020102010507070707" pitchFamily="18" charset="2"/>
+              <a:buChar char=""/>
+              <a:defRPr sz="900" kern="1200">
+                <a:solidFill>
+                  <a:schemeClr val="tx2"/>
+                </a:solidFill>
+                <a:latin typeface="+mn-lt"/>
+                <a:ea typeface="+mn-ea"/>
+                <a:cs typeface="+mn-cs"/>
+              </a:defRPr>
+            </a:lvl6pPr>
+            <a:lvl7pPr marL="1650000" indent="-171450" algn="l" defTabSz="342900" rtl="0" eaLnBrk="1" latinLnBrk="0" hangingPunct="1">
+              <a:spcBef>
+                <a:spcPct val="20000"/>
+              </a:spcBef>
+              <a:spcAft>
+                <a:spcPts val="450"/>
+              </a:spcAft>
+              <a:buClr>
+                <a:schemeClr val="accent2"/>
+              </a:buClr>
+              <a:buSzPct val="92000"/>
+              <a:buFont typeface="Wingdings 2" panose="05020102010507070707" pitchFamily="18" charset="2"/>
+              <a:buChar char=""/>
+              <a:defRPr sz="900" kern="1200">
+                <a:solidFill>
+                  <a:schemeClr val="tx2"/>
+                </a:solidFill>
+                <a:latin typeface="+mn-lt"/>
+                <a:ea typeface="+mn-ea"/>
+                <a:cs typeface="+mn-cs"/>
+              </a:defRPr>
+            </a:lvl7pPr>
+            <a:lvl8pPr marL="1875000" indent="-171450" algn="l" defTabSz="342900" rtl="0" eaLnBrk="1" latinLnBrk="0" hangingPunct="1">
+              <a:spcBef>
+                <a:spcPct val="20000"/>
+              </a:spcBef>
+              <a:spcAft>
+                <a:spcPts val="450"/>
+              </a:spcAft>
+              <a:buClr>
+                <a:schemeClr val="accent2"/>
+              </a:buClr>
+              <a:buSzPct val="92000"/>
+              <a:buFont typeface="Wingdings 2" panose="05020102010507070707" pitchFamily="18" charset="2"/>
+              <a:buChar char=""/>
+              <a:defRPr sz="900" kern="1200">
+                <a:solidFill>
+                  <a:schemeClr val="tx2"/>
+                </a:solidFill>
+                <a:latin typeface="+mn-lt"/>
+                <a:ea typeface="+mn-ea"/>
+                <a:cs typeface="+mn-cs"/>
+              </a:defRPr>
+            </a:lvl8pPr>
+            <a:lvl9pPr marL="2100000" indent="-171450" algn="l" defTabSz="342900" rtl="0" eaLnBrk="1" latinLnBrk="0" hangingPunct="1">
+              <a:spcBef>
+                <a:spcPct val="20000"/>
+              </a:spcBef>
+              <a:spcAft>
+                <a:spcPts val="450"/>
+              </a:spcAft>
+              <a:buClr>
+                <a:schemeClr val="accent2"/>
+              </a:buClr>
+              <a:buSzPct val="92000"/>
+              <a:buFont typeface="Wingdings 2" panose="05020102010507070707" pitchFamily="18" charset="2"/>
+              <a:buChar char=""/>
+              <a:defRPr sz="900" kern="1200">
+                <a:solidFill>
+                  <a:schemeClr val="tx2"/>
+                </a:solidFill>
+                <a:latin typeface="+mn-lt"/>
+                <a:ea typeface="+mn-ea"/>
+                <a:cs typeface="+mn-cs"/>
+              </a:defRPr>
+            </a:lvl9pPr>
+          </a:lstStyle>
+          <a:p>
+            <a:pPr marL="0" indent="0">
+              <a:buNone/>
+            </a:pPr>
+            <a:r>
+              <a:rPr lang="fr-FR" sz="2400" dirty="0" smtClean="0"/>
+              <a:t>…</a:t>
+            </a:r>
+            <a:r>
+              <a:rPr lang="fr-FR" sz="2400" dirty="0" err="1" smtClean="0"/>
+              <a:t>Welcome</a:t>
+            </a:r>
+            <a:r>
+              <a:rPr lang="fr-FR" sz="2400" dirty="0" smtClean="0"/>
+              <a:t> to the jungle !</a:t>
+            </a:r>
+            <a:endParaRPr lang="fr-FR" sz="2400" dirty="0"/>
+          </a:p>
+        </p:txBody>
+      </p:sp>
+    </p:spTree>
+    <p:extLst>
+      <p:ext uri="{BB962C8B-B14F-4D97-AF65-F5344CB8AC3E}">
+        <p14:creationId xmlns:p14="http://schemas.microsoft.com/office/powerpoint/2010/main" val="720956407"/>
+      </p:ext>
+    </p:extLst>
+  </p:cSld>
+  <p:clrMapOvr>
+    <a:masterClrMapping/>
+  </p:clrMapOvr>
+  <p:timing>
+    <p:tnLst>
+      <p:par>
+        <p:cTn id="1" dur="indefinite" restart="never" nodeType="tmRoot"/>
+      </p:par>
+    </p:tnLst>
+  </p:timing>
+</p:sld>
+</file>
+
+<file path=ppt/slides/slide43.xml><?xml version="1.0" encoding="utf-8"?>
+<p:sld xmlns:a="http://schemas.openxmlformats.org/drawingml/2006/main" xmlns:r="http://schemas.openxmlformats.org/officeDocument/2006/relationships" xmlns:p="http://schemas.openxmlformats.org/presentationml/2006/main">
+  <p:cSld>
+    <p:spTree>
+      <p:nvGrpSpPr>
+        <p:cNvPr id="1" name=""/>
+        <p:cNvGrpSpPr/>
+        <p:nvPr/>
+      </p:nvGrpSpPr>
+      <p:grpSpPr>
+        <a:xfrm>
+          <a:off x="0" y="0"/>
+          <a:ext cx="0" cy="0"/>
+          <a:chOff x="0" y="0"/>
+          <a:chExt cx="0" cy="0"/>
+        </a:xfrm>
+      </p:grpSpPr>
+      <p:sp>
+        <p:nvSpPr>
           <p:cNvPr id="2" name="Titre 1"/>
           <p:cNvSpPr>
             <a:spLocks noGrp="1"/>
@@ -51206,33 +52340,13 @@
           <a:p>
             <a:r>
               <a:rPr lang="fr-FR" dirty="0" smtClean="0"/>
-              <a:t>LLNL : </a:t>
-            </a:r>
+              <a:t>LLNL : Raja (OpenMP + CUDA)</a:t>
+            </a:r>
+          </a:p>
+          <a:p>
             <a:r>
               <a:rPr lang="fr-FR" dirty="0" smtClean="0"/>
-              <a:t>Raja </a:t>
-            </a:r>
-            <a:r>
-              <a:rPr lang="fr-FR" dirty="0" smtClean="0"/>
-              <a:t>(OpenMP + CUDA)</a:t>
-            </a:r>
-          </a:p>
-          <a:p>
-            <a:r>
-              <a:rPr lang="fr-FR" dirty="0" smtClean="0"/>
-              <a:t>AMD </a:t>
-            </a:r>
-            <a:r>
-              <a:rPr lang="fr-FR" dirty="0" smtClean="0"/>
-              <a:t>: HIP (HCC et NVCC), </a:t>
-            </a:r>
-            <a:r>
-              <a:rPr lang="fr-FR" dirty="0" smtClean="0"/>
-              <a:t>même API que CUDA, outils de portages </a:t>
-            </a:r>
-            <a:r>
-              <a:rPr lang="fr-FR" dirty="0" smtClean="0"/>
-              <a:t>fournis</a:t>
+              <a:t>AMD : HIP (HCC et NVCC), même API que CUDA, outils de portages fournis</a:t>
             </a:r>
           </a:p>
           <a:p>
@@ -51244,7 +52358,6 @@
               <a:rPr lang="fr-FR" dirty="0" smtClean="0"/>
               <a:t>: C++ AMP </a:t>
             </a:r>
-            <a:endParaRPr lang="fr-FR" dirty="0" smtClean="0"/>
           </a:p>
           <a:p>
             <a:r>
@@ -51257,11 +52370,7 @@
             </a:r>
             <a:r>
               <a:rPr lang="fr-FR" dirty="0" smtClean="0"/>
-              <a:t> </a:t>
-            </a:r>
-            <a:r>
-              <a:rPr lang="fr-FR" dirty="0" smtClean="0"/>
-              <a:t>(CPU / CUDA / </a:t>
+              <a:t> (CPU / CUDA / </a:t>
             </a:r>
             <a:r>
               <a:rPr lang="fr-FR" dirty="0" err="1" smtClean="0"/>
@@ -51293,7 +52402,7 @@
             <a:fld id="{D57F1E4F-1CFF-5643-939E-217C01CDF565}" type="slidenum">
               <a:rPr lang="fr-FR" smtClean="0"/>
               <a:pPr/>
-              <a:t>38</a:t>
+              <a:t>43</a:t>
             </a:fld>
             <a:endParaRPr lang="fr-FR" dirty="0"/>
           </a:p>
@@ -51422,7 +52531,7 @@
     </p:spTree>
     <p:extLst>
       <p:ext uri="{BB962C8B-B14F-4D97-AF65-F5344CB8AC3E}">
-        <p14:creationId xmlns:p14="http://schemas.microsoft.com/office/powerpoint/2010/main" val="720956407"/>
+        <p14:creationId xmlns:p14="http://schemas.microsoft.com/office/powerpoint/2010/main" val="186384522"/>
       </p:ext>
     </p:extLst>
   </p:cSld>
@@ -51436,1071 +52545,6 @@
       </p:par>
     </p:tnLst>
   </p:timing>
-</p:sld>
-</file>
-
-<file path=ppt/slides/slide39.xml><?xml version="1.0" encoding="utf-8"?>
-<p:sld xmlns:a="http://schemas.openxmlformats.org/drawingml/2006/main" xmlns:r="http://schemas.openxmlformats.org/officeDocument/2006/relationships" xmlns:p="http://schemas.openxmlformats.org/presentationml/2006/main">
-  <p:cSld>
-    <p:spTree>
-      <p:nvGrpSpPr>
-        <p:cNvPr id="1" name=""/>
-        <p:cNvGrpSpPr/>
-        <p:nvPr/>
-      </p:nvGrpSpPr>
-      <p:grpSpPr>
-        <a:xfrm>
-          <a:off x="0" y="0"/>
-          <a:ext cx="0" cy="0"/>
-          <a:chOff x="0" y="0"/>
-          <a:chExt cx="0" cy="0"/>
-        </a:xfrm>
-      </p:grpSpPr>
-      <p:sp>
-        <p:nvSpPr>
-          <p:cNvPr id="2" name="Titre 1"/>
-          <p:cNvSpPr>
-            <a:spLocks noGrp="1"/>
-          </p:cNvSpPr>
-          <p:nvPr>
-            <p:ph type="title"/>
-          </p:nvPr>
-        </p:nvSpPr>
-        <p:spPr/>
-        <p:txBody>
-          <a:bodyPr/>
-          <a:lstStyle/>
-          <a:p>
-            <a:r>
-              <a:rPr lang="fr-FR" dirty="0" smtClean="0"/>
-              <a:t>Utiliser </a:t>
-            </a:r>
-            <a:r>
-              <a:rPr lang="fr-FR" dirty="0" err="1" smtClean="0"/>
-              <a:t>Nsight</a:t>
-            </a:r>
-            <a:endParaRPr lang="fr-FR" dirty="0"/>
-          </a:p>
-        </p:txBody>
-      </p:sp>
-      <p:sp>
-        <p:nvSpPr>
-          <p:cNvPr id="3" name="Espace réservé du contenu 2"/>
-          <p:cNvSpPr>
-            <a:spLocks noGrp="1"/>
-          </p:cNvSpPr>
-          <p:nvPr>
-            <p:ph idx="1"/>
-          </p:nvPr>
-        </p:nvSpPr>
-        <p:spPr>
-          <a:xfrm>
-            <a:off x="588295" y="2196324"/>
-            <a:ext cx="8272211" cy="3744132"/>
-          </a:xfrm>
-        </p:spPr>
-        <p:txBody>
-          <a:bodyPr>
-            <a:normAutofit/>
-          </a:bodyPr>
-          <a:lstStyle/>
-          <a:p>
-            <a:r>
-              <a:rPr lang="fr-FR" sz="1600" dirty="0" err="1" smtClean="0"/>
-              <a:t>Nsight</a:t>
-            </a:r>
-            <a:r>
-              <a:rPr lang="fr-FR" sz="1600" dirty="0" smtClean="0"/>
-              <a:t> est le </a:t>
-            </a:r>
-            <a:r>
-              <a:rPr lang="fr-FR" sz="1600" dirty="0" err="1" smtClean="0"/>
-              <a:t>debbuger</a:t>
-            </a:r>
-            <a:r>
-              <a:rPr lang="fr-FR" sz="1600" dirty="0" smtClean="0"/>
-              <a:t> fourni par </a:t>
-            </a:r>
-            <a:r>
-              <a:rPr lang="fr-FR" sz="1600" dirty="0" err="1" smtClean="0"/>
-              <a:t>Nvidia</a:t>
-            </a:r>
-            <a:r>
-              <a:rPr lang="fr-FR" sz="1600" dirty="0" smtClean="0"/>
-              <a:t> pour inspecter les </a:t>
-            </a:r>
-            <a:r>
-              <a:rPr lang="fr-FR" sz="1600" dirty="0" err="1" smtClean="0"/>
-              <a:t>kernels</a:t>
-            </a:r>
-            <a:r>
-              <a:rPr lang="fr-FR" sz="1600" dirty="0" smtClean="0"/>
-              <a:t> sous </a:t>
-            </a:r>
-            <a:r>
-              <a:rPr lang="fr-FR" sz="1600" dirty="0" err="1" smtClean="0"/>
-              <a:t>windows</a:t>
-            </a:r>
-            <a:endParaRPr lang="fr-FR" sz="1600" dirty="0" smtClean="0"/>
-          </a:p>
-          <a:p>
-            <a:r>
-              <a:rPr lang="fr-FR" sz="1600" dirty="0" smtClean="0"/>
-              <a:t>Sous Linux : CUDA-GDB</a:t>
-            </a:r>
-          </a:p>
-          <a:p>
-            <a:r>
-              <a:rPr lang="fr-FR" sz="1600" dirty="0" smtClean="0"/>
-              <a:t>Lors de l’installation de CUDA, </a:t>
-            </a:r>
-            <a:r>
-              <a:rPr lang="fr-FR" sz="1600" dirty="0" err="1" smtClean="0"/>
-              <a:t>Nsight</a:t>
-            </a:r>
-            <a:r>
-              <a:rPr lang="fr-FR" sz="1600" dirty="0" smtClean="0"/>
-              <a:t> est intégré à Visual Studio</a:t>
-            </a:r>
-          </a:p>
-          <a:p>
-            <a:r>
-              <a:rPr lang="fr-FR" sz="1600" dirty="0" smtClean="0"/>
-              <a:t>Pour lancer un </a:t>
-            </a:r>
-            <a:r>
-              <a:rPr lang="fr-FR" sz="1600" dirty="0" err="1" smtClean="0"/>
-              <a:t>run</a:t>
-            </a:r>
-            <a:r>
-              <a:rPr lang="fr-FR" sz="1600" dirty="0" smtClean="0"/>
-              <a:t> </a:t>
-            </a:r>
-            <a:r>
-              <a:rPr lang="fr-FR" sz="1600" dirty="0" err="1" smtClean="0"/>
-              <a:t>Nsight</a:t>
-            </a:r>
-            <a:r>
-              <a:rPr lang="fr-FR" sz="1600" dirty="0" smtClean="0"/>
-              <a:t> : </a:t>
-            </a:r>
-          </a:p>
-          <a:p>
-            <a:pPr lvl="1"/>
-            <a:r>
-              <a:rPr lang="fr-FR" sz="1600" dirty="0" smtClean="0"/>
-              <a:t>Onglet </a:t>
-            </a:r>
-            <a:r>
-              <a:rPr lang="fr-FR" sz="1600" dirty="0" err="1" smtClean="0"/>
-              <a:t>Nsight</a:t>
-            </a:r>
-            <a:r>
-              <a:rPr lang="fr-FR" sz="1600" dirty="0" smtClean="0"/>
-              <a:t> de </a:t>
-            </a:r>
-            <a:r>
-              <a:rPr lang="fr-FR" sz="1600" dirty="0" err="1" smtClean="0"/>
-              <a:t>visual</a:t>
-            </a:r>
-            <a:endParaRPr lang="fr-FR" sz="1600" dirty="0" smtClean="0"/>
-          </a:p>
-          <a:p>
-            <a:pPr lvl="1"/>
-            <a:r>
-              <a:rPr lang="fr-FR" sz="1600" dirty="0"/>
-              <a:t>« Start CUDA </a:t>
-            </a:r>
-            <a:r>
-              <a:rPr lang="fr-FR" sz="1600" dirty="0" err="1"/>
-              <a:t>debugging</a:t>
-            </a:r>
-            <a:r>
-              <a:rPr lang="fr-FR" sz="1600" dirty="0"/>
-              <a:t> </a:t>
-            </a:r>
-            <a:r>
-              <a:rPr lang="fr-FR" sz="1600" dirty="0" smtClean="0"/>
-              <a:t>(</a:t>
-            </a:r>
-            <a:r>
-              <a:rPr lang="fr-FR" sz="1600" dirty="0" err="1" smtClean="0"/>
-              <a:t>Legacy</a:t>
-            </a:r>
-            <a:r>
-              <a:rPr lang="fr-FR" sz="1600" dirty="0" smtClean="0"/>
-              <a:t>)</a:t>
-            </a:r>
-            <a:r>
-              <a:rPr lang="fr-FR" sz="1600" dirty="0"/>
-              <a:t> » : supporte les points d’arrêt </a:t>
-            </a:r>
-            <a:r>
-              <a:rPr lang="fr-FR" sz="1600" dirty="0" smtClean="0"/>
-              <a:t>GPU </a:t>
-            </a:r>
-            <a:r>
-              <a:rPr lang="fr-FR" sz="1600" dirty="0" smtClean="0">
-                <a:sym typeface="Wingdings" panose="05000000000000000000" pitchFamily="2" charset="2"/>
-              </a:rPr>
-              <a:t>uniquement</a:t>
-            </a:r>
-            <a:endParaRPr lang="fr-FR" sz="1600" dirty="0" smtClean="0"/>
-          </a:p>
-          <a:p>
-            <a:pPr lvl="1"/>
-            <a:r>
-              <a:rPr lang="fr-FR" sz="1600" dirty="0" smtClean="0"/>
-              <a:t>« Start CUDA </a:t>
-            </a:r>
-            <a:r>
-              <a:rPr lang="fr-FR" sz="1600" dirty="0" err="1" smtClean="0"/>
-              <a:t>debugging</a:t>
-            </a:r>
-            <a:r>
-              <a:rPr lang="fr-FR" sz="1600" dirty="0" smtClean="0"/>
-              <a:t> (</a:t>
-            </a:r>
-            <a:r>
-              <a:rPr lang="fr-FR" sz="1600" dirty="0" err="1" smtClean="0"/>
-              <a:t>Next-Gen</a:t>
-            </a:r>
-            <a:r>
-              <a:rPr lang="fr-FR" sz="1600" dirty="0" smtClean="0"/>
-              <a:t>) » : supporte les points d’arrêt CPU et GPU </a:t>
-            </a:r>
-            <a:r>
-              <a:rPr lang="fr-FR" sz="1600" dirty="0" smtClean="0">
-                <a:sym typeface="Wingdings" panose="05000000000000000000" pitchFamily="2" charset="2"/>
-              </a:rPr>
-              <a:t> (quand ça marche)</a:t>
-            </a:r>
-            <a:endParaRPr lang="fr-FR" sz="1600" dirty="0"/>
-          </a:p>
-        </p:txBody>
-      </p:sp>
-      <p:sp>
-        <p:nvSpPr>
-          <p:cNvPr id="4" name="Espace réservé du numéro de diapositive 3"/>
-          <p:cNvSpPr>
-            <a:spLocks noGrp="1"/>
-          </p:cNvSpPr>
-          <p:nvPr>
-            <p:ph type="sldNum" sz="quarter" idx="12"/>
-          </p:nvPr>
-        </p:nvSpPr>
-        <p:spPr/>
-        <p:txBody>
-          <a:bodyPr/>
-          <a:lstStyle/>
-          <a:p>
-            <a:fld id="{D57F1E4F-1CFF-5643-939E-217C01CDF565}" type="slidenum">
-              <a:rPr lang="fr-FR" smtClean="0"/>
-              <a:pPr/>
-              <a:t>39</a:t>
-            </a:fld>
-            <a:endParaRPr lang="fr-FR" dirty="0"/>
-          </a:p>
-        </p:txBody>
-      </p:sp>
-      <p:pic>
-        <p:nvPicPr>
-          <p:cNvPr id="5" name="Image 4"/>
-          <p:cNvPicPr>
-            <a:picLocks noChangeAspect="1"/>
-          </p:cNvPicPr>
-          <p:nvPr/>
-        </p:nvPicPr>
-        <p:blipFill>
-          <a:blip r:embed="rId2">
-            <a:extLst>
-              <a:ext uri="{BEBA8EAE-BF5A-486C-A8C5-ECC9F3942E4B}">
-                <a14:imgProps xmlns:a14="http://schemas.microsoft.com/office/drawing/2010/main">
-                  <a14:imgLayer r:embed="rId3">
-                    <a14:imgEffect>
-                      <a14:backgroundRemoval t="10000" b="90000" l="10000" r="90000">
-                        <a14:foregroundMark x1="59143" y1="49104" x2="59143" y2="49104"/>
-                        <a14:foregroundMark x1="47714" y1="49462" x2="47714" y2="49462"/>
-                        <a14:foregroundMark x1="52429" y1="51254" x2="52429" y2="51254"/>
-                        <a14:foregroundMark x1="56571" y1="50896" x2="56571" y2="50896"/>
-                        <a14:foregroundMark x1="56429" y1="43728" x2="56429" y2="43728"/>
-                        <a14:foregroundMark x1="64571" y1="49104" x2="64571" y2="49104"/>
-                        <a14:foregroundMark x1="70571" y1="48746" x2="70571" y2="48746"/>
-                        <a14:foregroundMark x1="44857" y1="30466" x2="44857" y2="30466"/>
-                        <a14:foregroundMark x1="48286" y1="32616" x2="48286" y2="32616"/>
-                        <a14:foregroundMark x1="49857" y1="32616" x2="49857" y2="32616"/>
-                        <a14:foregroundMark x1="48000" y1="30824" x2="48000" y2="30824"/>
-                        <a14:foregroundMark x1="51143" y1="32258" x2="51143" y2="32258"/>
-                        <a14:foregroundMark x1="53000" y1="30108" x2="53000" y2="30108"/>
-                        <a14:foregroundMark x1="54000" y1="30824" x2="54000" y2="30824"/>
-                        <a14:foregroundMark x1="54714" y1="32616" x2="54714" y2="32616"/>
-                        <a14:foregroundMark x1="55857" y1="32616" x2="55857" y2="32616"/>
-                        <a14:foregroundMark x1="57286" y1="32975" x2="57286" y2="32975"/>
-                        <a14:foregroundMark x1="56857" y1="36918" x2="56857" y2="36918"/>
-                      </a14:backgroundRemoval>
-                    </a14:imgEffect>
-                  </a14:imgLayer>
-                </a14:imgProps>
-              </a:ext>
-              <a:ext uri="{28A0092B-C50C-407E-A947-70E740481C1C}">
-                <a14:useLocalDpi xmlns:a14="http://schemas.microsoft.com/office/drawing/2010/main" val="0"/>
-              </a:ext>
-            </a:extLst>
-          </a:blip>
-          <a:stretch>
-            <a:fillRect/>
-          </a:stretch>
-        </p:blipFill>
-        <p:spPr>
-          <a:xfrm>
-            <a:off x="4854361" y="1277216"/>
-            <a:ext cx="3064364" cy="1221368"/>
-          </a:xfrm>
-          <a:prstGeom prst="rect">
-            <a:avLst/>
-          </a:prstGeom>
-        </p:spPr>
-      </p:pic>
-      <p:sp>
-        <p:nvSpPr>
-          <p:cNvPr id="6" name="ZoneTexte 5"/>
-          <p:cNvSpPr txBox="1"/>
-          <p:nvPr/>
-        </p:nvSpPr>
-        <p:spPr>
-          <a:xfrm>
-            <a:off x="906780" y="1657068"/>
-            <a:ext cx="3331810" cy="461665"/>
-          </a:xfrm>
-          <a:prstGeom prst="rect">
-            <a:avLst/>
-          </a:prstGeom>
-          <a:noFill/>
-        </p:spPr>
-        <p:txBody>
-          <a:bodyPr wrap="none" rtlCol="0">
-            <a:spAutoFit/>
-          </a:bodyPr>
-          <a:lstStyle/>
-          <a:p>
-            <a:r>
-              <a:rPr lang="fr-FR" sz="2400" dirty="0" smtClean="0"/>
-              <a:t>Mettre des points d’arrêt</a:t>
-            </a:r>
-            <a:endParaRPr lang="fr-FR" sz="2400" dirty="0"/>
-          </a:p>
-        </p:txBody>
-      </p:sp>
-    </p:spTree>
-    <p:extLst>
-      <p:ext uri="{BB962C8B-B14F-4D97-AF65-F5344CB8AC3E}">
-        <p14:creationId xmlns:p14="http://schemas.microsoft.com/office/powerpoint/2010/main" val="2204498662"/>
-      </p:ext>
-    </p:extLst>
-  </p:cSld>
-  <p:clrMapOvr>
-    <a:masterClrMapping/>
-  </p:clrMapOvr>
-</p:sld>
-</file>
-
-<file path=ppt/slides/slide4.xml><?xml version="1.0" encoding="utf-8"?>
-<p:sld xmlns:a="http://schemas.openxmlformats.org/drawingml/2006/main" xmlns:r="http://schemas.openxmlformats.org/officeDocument/2006/relationships" xmlns:p="http://schemas.openxmlformats.org/presentationml/2006/main">
-  <p:cSld>
-    <p:spTree>
-      <p:nvGrpSpPr>
-        <p:cNvPr id="1" name=""/>
-        <p:cNvGrpSpPr/>
-        <p:nvPr/>
-      </p:nvGrpSpPr>
-      <p:grpSpPr>
-        <a:xfrm>
-          <a:off x="0" y="0"/>
-          <a:ext cx="0" cy="0"/>
-          <a:chOff x="0" y="0"/>
-          <a:chExt cx="0" cy="0"/>
-        </a:xfrm>
-      </p:grpSpPr>
-      <p:sp>
-        <p:nvSpPr>
-          <p:cNvPr id="2" name="Titre 1"/>
-          <p:cNvSpPr>
-            <a:spLocks noGrp="1"/>
-          </p:cNvSpPr>
-          <p:nvPr>
-            <p:ph type="title"/>
-          </p:nvPr>
-        </p:nvSpPr>
-        <p:spPr/>
-        <p:txBody>
-          <a:bodyPr/>
-          <a:lstStyle/>
-          <a:p>
-            <a:r>
-              <a:rPr lang="fr-FR" dirty="0" smtClean="0"/>
-              <a:t>Quand utiliser CUDA ?</a:t>
-            </a:r>
-            <a:endParaRPr lang="fr-FR" dirty="0"/>
-          </a:p>
-        </p:txBody>
-      </p:sp>
-      <p:sp>
-        <p:nvSpPr>
-          <p:cNvPr id="4" name="Espace réservé du numéro de diapositive 3"/>
-          <p:cNvSpPr>
-            <a:spLocks noGrp="1"/>
-          </p:cNvSpPr>
-          <p:nvPr>
-            <p:ph type="sldNum" sz="quarter" idx="12"/>
-          </p:nvPr>
-        </p:nvSpPr>
-        <p:spPr/>
-        <p:txBody>
-          <a:bodyPr/>
-          <a:lstStyle/>
-          <a:p>
-            <a:fld id="{D57F1E4F-1CFF-5643-939E-217C01CDF565}" type="slidenum">
-              <a:rPr lang="fr-FR" smtClean="0"/>
-              <a:pPr/>
-              <a:t>4</a:t>
-            </a:fld>
-            <a:endParaRPr lang="fr-FR" dirty="0"/>
-          </a:p>
-        </p:txBody>
-      </p:sp>
-      <p:sp>
-        <p:nvSpPr>
-          <p:cNvPr id="5" name="Rectangle 4"/>
-          <p:cNvSpPr/>
-          <p:nvPr/>
-        </p:nvSpPr>
-        <p:spPr>
-          <a:xfrm>
-            <a:off x="1623060" y="1827673"/>
-            <a:ext cx="6134100" cy="2862322"/>
-          </a:xfrm>
-          <a:prstGeom prst="rect">
-            <a:avLst/>
-          </a:prstGeom>
-        </p:spPr>
-        <p:txBody>
-          <a:bodyPr wrap="square">
-            <a:spAutoFit/>
-          </a:bodyPr>
-          <a:lstStyle/>
-          <a:p>
-            <a:endParaRPr lang="en-US" dirty="0"/>
-          </a:p>
-          <a:p>
-            <a:endParaRPr lang="en-US" dirty="0"/>
-          </a:p>
-          <a:p>
-            <a:r>
-              <a:rPr lang="en-US" b="1" dirty="0">
-                <a:solidFill>
-                  <a:schemeClr val="accent6">
-                    <a:lumMod val="75000"/>
-                  </a:schemeClr>
-                </a:solidFill>
-              </a:rPr>
-              <a:t>SIMT philosophy:</a:t>
-            </a:r>
-            <a:r>
-              <a:rPr lang="en-US" dirty="0"/>
-              <a:t>      Single Instruction Multiple Thread</a:t>
-            </a:r>
-          </a:p>
-          <a:p>
-            <a:endParaRPr lang="en-US" dirty="0"/>
-          </a:p>
-          <a:p>
-            <a:r>
-              <a:rPr lang="en-US" b="1" dirty="0"/>
-              <a:t>Computationally intensive</a:t>
-            </a:r>
-            <a:r>
-              <a:rPr lang="en-US" dirty="0"/>
-              <a:t>—The time spent </a:t>
-            </a:r>
-            <a:r>
-              <a:rPr lang="en-US" dirty="0" smtClean="0"/>
-              <a:t>on computation </a:t>
-            </a:r>
-            <a:r>
-              <a:rPr lang="en-US" dirty="0"/>
-              <a:t>significantly </a:t>
-            </a:r>
-            <a:r>
-              <a:rPr lang="en-US" dirty="0" smtClean="0"/>
-              <a:t>exceeds </a:t>
-            </a:r>
-            <a:r>
-              <a:rPr lang="en-US" dirty="0"/>
-              <a:t>the time spent on transferring data to and from GPU memory. </a:t>
-            </a:r>
-          </a:p>
-          <a:p>
-            <a:r>
-              <a:rPr lang="en-US" dirty="0"/>
-              <a:t> </a:t>
-            </a:r>
-          </a:p>
-          <a:p>
-            <a:r>
-              <a:rPr lang="en-US" b="1" dirty="0"/>
-              <a:t>Massively parallel</a:t>
-            </a:r>
-            <a:r>
-              <a:rPr lang="en-US" dirty="0"/>
-              <a:t>—The computations can be broken </a:t>
-            </a:r>
-            <a:r>
-              <a:rPr lang="en-US" dirty="0" smtClean="0"/>
-              <a:t>down into hundreds </a:t>
-            </a:r>
-            <a:r>
-              <a:rPr lang="en-US" dirty="0"/>
-              <a:t>or thousands of independent units of work. </a:t>
-            </a:r>
-          </a:p>
-        </p:txBody>
-      </p:sp>
-    </p:spTree>
-    <p:extLst>
-      <p:ext uri="{BB962C8B-B14F-4D97-AF65-F5344CB8AC3E}">
-        <p14:creationId xmlns:p14="http://schemas.microsoft.com/office/powerpoint/2010/main" val="1875411298"/>
-      </p:ext>
-    </p:extLst>
-  </p:cSld>
-  <p:clrMapOvr>
-    <a:masterClrMapping/>
-  </p:clrMapOvr>
-  <p:timing>
-    <p:tnLst>
-      <p:par>
-        <p:cTn id="1" dur="indefinite" restart="never" nodeType="tmRoot"/>
-      </p:par>
-    </p:tnLst>
-  </p:timing>
-</p:sld>
-</file>
-
-<file path=ppt/slides/slide40.xml><?xml version="1.0" encoding="utf-8"?>
-<p:sld xmlns:a="http://schemas.openxmlformats.org/drawingml/2006/main" xmlns:r="http://schemas.openxmlformats.org/officeDocument/2006/relationships" xmlns:p="http://schemas.openxmlformats.org/presentationml/2006/main">
-  <p:cSld>
-    <p:spTree>
-      <p:nvGrpSpPr>
-        <p:cNvPr id="1" name=""/>
-        <p:cNvGrpSpPr/>
-        <p:nvPr/>
-      </p:nvGrpSpPr>
-      <p:grpSpPr>
-        <a:xfrm>
-          <a:off x="0" y="0"/>
-          <a:ext cx="0" cy="0"/>
-          <a:chOff x="0" y="0"/>
-          <a:chExt cx="0" cy="0"/>
-        </a:xfrm>
-      </p:grpSpPr>
-      <p:sp>
-        <p:nvSpPr>
-          <p:cNvPr id="2" name="Titre 1"/>
-          <p:cNvSpPr>
-            <a:spLocks noGrp="1"/>
-          </p:cNvSpPr>
-          <p:nvPr>
-            <p:ph type="title"/>
-          </p:nvPr>
-        </p:nvSpPr>
-        <p:spPr/>
-        <p:txBody>
-          <a:bodyPr/>
-          <a:lstStyle/>
-          <a:p>
-            <a:r>
-              <a:rPr lang="fr-FR" dirty="0" smtClean="0"/>
-              <a:t>Utiliser </a:t>
-            </a:r>
-            <a:r>
-              <a:rPr lang="fr-FR" dirty="0" err="1" smtClean="0"/>
-              <a:t>Nsight</a:t>
-            </a:r>
-            <a:endParaRPr lang="fr-FR" dirty="0"/>
-          </a:p>
-        </p:txBody>
-      </p:sp>
-      <p:sp>
-        <p:nvSpPr>
-          <p:cNvPr id="3" name="Espace réservé du contenu 2"/>
-          <p:cNvSpPr>
-            <a:spLocks noGrp="1"/>
-          </p:cNvSpPr>
-          <p:nvPr>
-            <p:ph idx="1"/>
-          </p:nvPr>
-        </p:nvSpPr>
-        <p:spPr>
-          <a:xfrm>
-            <a:off x="580675" y="2312397"/>
-            <a:ext cx="8272211" cy="418333"/>
-          </a:xfrm>
-        </p:spPr>
-        <p:txBody>
-          <a:bodyPr>
-            <a:normAutofit/>
-          </a:bodyPr>
-          <a:lstStyle/>
-          <a:p>
-            <a:r>
-              <a:rPr lang="fr-FR" sz="1600" dirty="0" smtClean="0"/>
-              <a:t>Fenêtre « </a:t>
-            </a:r>
-            <a:r>
-              <a:rPr lang="fr-FR" sz="1600" dirty="0" err="1" smtClean="0"/>
-              <a:t>warp</a:t>
-            </a:r>
-            <a:r>
-              <a:rPr lang="fr-FR" sz="1600" dirty="0" smtClean="0"/>
-              <a:t> » : </a:t>
-            </a:r>
-            <a:r>
-              <a:rPr lang="fr-FR" sz="1600" dirty="0" err="1" smtClean="0"/>
-              <a:t>Nsight</a:t>
-            </a:r>
-            <a:r>
-              <a:rPr lang="fr-FR" sz="1600" dirty="0" smtClean="0"/>
-              <a:t> -&gt; </a:t>
-            </a:r>
-            <a:r>
-              <a:rPr lang="fr-FR" sz="1600" dirty="0" err="1" smtClean="0"/>
-              <a:t>windows</a:t>
-            </a:r>
-            <a:r>
-              <a:rPr lang="fr-FR" sz="1600" dirty="0" smtClean="0"/>
-              <a:t> -&gt; </a:t>
-            </a:r>
-            <a:r>
-              <a:rPr lang="fr-FR" sz="1600" dirty="0" err="1" smtClean="0"/>
-              <a:t>WarpInfo</a:t>
-            </a:r>
-            <a:endParaRPr lang="fr-FR" sz="1600" dirty="0" smtClean="0"/>
-          </a:p>
-          <a:p>
-            <a:endParaRPr lang="fr-FR" sz="1600" dirty="0"/>
-          </a:p>
-        </p:txBody>
-      </p:sp>
-      <p:sp>
-        <p:nvSpPr>
-          <p:cNvPr id="4" name="Espace réservé du numéro de diapositive 3"/>
-          <p:cNvSpPr>
-            <a:spLocks noGrp="1"/>
-          </p:cNvSpPr>
-          <p:nvPr>
-            <p:ph type="sldNum" sz="quarter" idx="12"/>
-          </p:nvPr>
-        </p:nvSpPr>
-        <p:spPr/>
-        <p:txBody>
-          <a:bodyPr/>
-          <a:lstStyle/>
-          <a:p>
-            <a:fld id="{D57F1E4F-1CFF-5643-939E-217C01CDF565}" type="slidenum">
-              <a:rPr lang="fr-FR" smtClean="0"/>
-              <a:pPr/>
-              <a:t>40</a:t>
-            </a:fld>
-            <a:endParaRPr lang="fr-FR" dirty="0"/>
-          </a:p>
-        </p:txBody>
-      </p:sp>
-      <p:pic>
-        <p:nvPicPr>
-          <p:cNvPr id="5" name="Image 4"/>
-          <p:cNvPicPr>
-            <a:picLocks noChangeAspect="1"/>
-          </p:cNvPicPr>
-          <p:nvPr/>
-        </p:nvPicPr>
-        <p:blipFill>
-          <a:blip r:embed="rId2">
-            <a:extLst>
-              <a:ext uri="{BEBA8EAE-BF5A-486C-A8C5-ECC9F3942E4B}">
-                <a14:imgProps xmlns:a14="http://schemas.microsoft.com/office/drawing/2010/main">
-                  <a14:imgLayer r:embed="rId3">
-                    <a14:imgEffect>
-                      <a14:backgroundRemoval t="10000" b="90000" l="10000" r="90000">
-                        <a14:foregroundMark x1="59143" y1="49104" x2="59143" y2="49104"/>
-                        <a14:foregroundMark x1="47714" y1="49462" x2="47714" y2="49462"/>
-                        <a14:foregroundMark x1="52429" y1="51254" x2="52429" y2="51254"/>
-                        <a14:foregroundMark x1="56571" y1="50896" x2="56571" y2="50896"/>
-                        <a14:foregroundMark x1="56429" y1="43728" x2="56429" y2="43728"/>
-                        <a14:foregroundMark x1="64571" y1="49104" x2="64571" y2="49104"/>
-                        <a14:foregroundMark x1="70571" y1="48746" x2="70571" y2="48746"/>
-                        <a14:foregroundMark x1="44857" y1="30466" x2="44857" y2="30466"/>
-                        <a14:foregroundMark x1="48286" y1="32616" x2="48286" y2="32616"/>
-                        <a14:foregroundMark x1="49857" y1="32616" x2="49857" y2="32616"/>
-                        <a14:foregroundMark x1="48000" y1="30824" x2="48000" y2="30824"/>
-                        <a14:foregroundMark x1="51143" y1="32258" x2="51143" y2="32258"/>
-                        <a14:foregroundMark x1="53000" y1="30108" x2="53000" y2="30108"/>
-                        <a14:foregroundMark x1="54000" y1="30824" x2="54000" y2="30824"/>
-                        <a14:foregroundMark x1="54714" y1="32616" x2="54714" y2="32616"/>
-                        <a14:foregroundMark x1="55857" y1="32616" x2="55857" y2="32616"/>
-                        <a14:foregroundMark x1="57286" y1="32975" x2="57286" y2="32975"/>
-                        <a14:foregroundMark x1="56857" y1="36918" x2="56857" y2="36918"/>
-                      </a14:backgroundRemoval>
-                    </a14:imgEffect>
-                  </a14:imgLayer>
-                </a14:imgProps>
-              </a:ext>
-              <a:ext uri="{28A0092B-C50C-407E-A947-70E740481C1C}">
-                <a14:useLocalDpi xmlns:a14="http://schemas.microsoft.com/office/drawing/2010/main" val="0"/>
-              </a:ext>
-            </a:extLst>
-          </a:blip>
-          <a:stretch>
-            <a:fillRect/>
-          </a:stretch>
-        </p:blipFill>
-        <p:spPr>
-          <a:xfrm>
-            <a:off x="5788521" y="1428030"/>
-            <a:ext cx="3064364" cy="1221368"/>
-          </a:xfrm>
-          <a:prstGeom prst="rect">
-            <a:avLst/>
-          </a:prstGeom>
-        </p:spPr>
-      </p:pic>
-      <p:sp>
-        <p:nvSpPr>
-          <p:cNvPr id="6" name="ZoneTexte 5"/>
-          <p:cNvSpPr txBox="1"/>
-          <p:nvPr/>
-        </p:nvSpPr>
-        <p:spPr>
-          <a:xfrm>
-            <a:off x="906780" y="1657068"/>
-            <a:ext cx="2580002" cy="461665"/>
-          </a:xfrm>
-          <a:prstGeom prst="rect">
-            <a:avLst/>
-          </a:prstGeom>
-          <a:noFill/>
-        </p:spPr>
-        <p:txBody>
-          <a:bodyPr wrap="none" rtlCol="0">
-            <a:spAutoFit/>
-          </a:bodyPr>
-          <a:lstStyle/>
-          <a:p>
-            <a:r>
-              <a:rPr lang="fr-FR" sz="2400" dirty="0" smtClean="0"/>
-              <a:t>Récupérer les infos</a:t>
-            </a:r>
-            <a:endParaRPr lang="fr-FR" sz="2400" dirty="0"/>
-          </a:p>
-        </p:txBody>
-      </p:sp>
-      <p:pic>
-        <p:nvPicPr>
-          <p:cNvPr id="7" name="Image 6"/>
-          <p:cNvPicPr>
-            <a:picLocks noChangeAspect="1"/>
-          </p:cNvPicPr>
-          <p:nvPr/>
-        </p:nvPicPr>
-        <p:blipFill>
-          <a:blip r:embed="rId4"/>
-          <a:stretch>
-            <a:fillRect/>
-          </a:stretch>
-        </p:blipFill>
-        <p:spPr>
-          <a:xfrm>
-            <a:off x="1775460" y="2760434"/>
-            <a:ext cx="4869180" cy="1793625"/>
-          </a:xfrm>
-          <a:prstGeom prst="rect">
-            <a:avLst/>
-          </a:prstGeom>
-        </p:spPr>
-      </p:pic>
-      <p:sp>
-        <p:nvSpPr>
-          <p:cNvPr id="8" name="Rectangle 7"/>
-          <p:cNvSpPr/>
-          <p:nvPr/>
-        </p:nvSpPr>
-        <p:spPr>
-          <a:xfrm>
-            <a:off x="1050295" y="4818270"/>
-            <a:ext cx="184731" cy="369332"/>
-          </a:xfrm>
-          <a:prstGeom prst="rect">
-            <a:avLst/>
-          </a:prstGeom>
-        </p:spPr>
-        <p:txBody>
-          <a:bodyPr wrap="none">
-            <a:spAutoFit/>
-          </a:bodyPr>
-          <a:lstStyle/>
-          <a:p>
-            <a:endParaRPr lang="fr-FR" dirty="0"/>
-          </a:p>
-        </p:txBody>
-      </p:sp>
-      <p:sp>
-        <p:nvSpPr>
-          <p:cNvPr id="9" name="Espace réservé du contenu 2"/>
-          <p:cNvSpPr txBox="1">
-            <a:spLocks/>
-          </p:cNvSpPr>
-          <p:nvPr/>
-        </p:nvSpPr>
-        <p:spPr>
-          <a:xfrm>
-            <a:off x="580674" y="4847974"/>
-            <a:ext cx="8272211" cy="418333"/>
-          </a:xfrm>
-          <a:prstGeom prst="rect">
-            <a:avLst/>
-          </a:prstGeom>
-        </p:spPr>
-        <p:txBody>
-          <a:bodyPr vert="horz" lIns="91440" tIns="45720" rIns="91440" bIns="45720" rtlCol="0" anchor="ctr">
-            <a:normAutofit/>
-          </a:bodyPr>
-          <a:lstStyle>
-            <a:lvl1pPr marL="229500" indent="-229500" algn="l" defTabSz="342900" rtl="0" eaLnBrk="1" latinLnBrk="0" hangingPunct="1">
-              <a:spcBef>
-                <a:spcPct val="20000"/>
-              </a:spcBef>
-              <a:spcAft>
-                <a:spcPts val="450"/>
-              </a:spcAft>
-              <a:buClr>
-                <a:schemeClr val="accent2"/>
-              </a:buClr>
-              <a:buSzPct val="92000"/>
-              <a:buFont typeface="Wingdings 2" panose="05020102010507070707" pitchFamily="18" charset="2"/>
-              <a:buChar char=""/>
-              <a:defRPr sz="1350" kern="1200">
-                <a:solidFill>
-                  <a:schemeClr val="tx2"/>
-                </a:solidFill>
-                <a:latin typeface="+mn-lt"/>
-                <a:ea typeface="+mn-ea"/>
-                <a:cs typeface="+mn-cs"/>
-              </a:defRPr>
-            </a:lvl1pPr>
-            <a:lvl2pPr marL="472500" indent="-229500" algn="l" defTabSz="342900" rtl="0" eaLnBrk="1" latinLnBrk="0" hangingPunct="1">
-              <a:spcBef>
-                <a:spcPct val="20000"/>
-              </a:spcBef>
-              <a:spcAft>
-                <a:spcPts val="450"/>
-              </a:spcAft>
-              <a:buClr>
-                <a:schemeClr val="accent2"/>
-              </a:buClr>
-              <a:buSzPct val="92000"/>
-              <a:buFont typeface="Wingdings 2" panose="05020102010507070707" pitchFamily="18" charset="2"/>
-              <a:buChar char=""/>
-              <a:defRPr sz="1200" kern="1200">
-                <a:solidFill>
-                  <a:schemeClr val="tx2"/>
-                </a:solidFill>
-                <a:latin typeface="+mn-lt"/>
-                <a:ea typeface="+mn-ea"/>
-                <a:cs typeface="+mn-cs"/>
-              </a:defRPr>
-            </a:lvl2pPr>
-            <a:lvl3pPr marL="675000" indent="-202500" algn="l" defTabSz="342900" rtl="0" eaLnBrk="1" latinLnBrk="0" hangingPunct="1">
-              <a:spcBef>
-                <a:spcPct val="20000"/>
-              </a:spcBef>
-              <a:spcAft>
-                <a:spcPts val="450"/>
-              </a:spcAft>
-              <a:buClr>
-                <a:schemeClr val="accent2"/>
-              </a:buClr>
-              <a:buSzPct val="92000"/>
-              <a:buFont typeface="Wingdings 2" panose="05020102010507070707" pitchFamily="18" charset="2"/>
-              <a:buChar char=""/>
-              <a:defRPr sz="1050" kern="1200">
-                <a:solidFill>
-                  <a:schemeClr val="tx2"/>
-                </a:solidFill>
-                <a:latin typeface="+mn-lt"/>
-                <a:ea typeface="+mn-ea"/>
-                <a:cs typeface="+mn-cs"/>
-              </a:defRPr>
-            </a:lvl3pPr>
-            <a:lvl4pPr marL="931500" indent="-175500" algn="l" defTabSz="342900" rtl="0" eaLnBrk="1" latinLnBrk="0" hangingPunct="1">
-              <a:spcBef>
-                <a:spcPct val="20000"/>
-              </a:spcBef>
-              <a:spcAft>
-                <a:spcPts val="450"/>
-              </a:spcAft>
-              <a:buClr>
-                <a:schemeClr val="accent2"/>
-              </a:buClr>
-              <a:buSzPct val="92000"/>
-              <a:buFont typeface="Wingdings 2" panose="05020102010507070707" pitchFamily="18" charset="2"/>
-              <a:buChar char=""/>
-              <a:defRPr sz="900" kern="1200">
-                <a:solidFill>
-                  <a:schemeClr val="tx2"/>
-                </a:solidFill>
-                <a:latin typeface="+mn-lt"/>
-                <a:ea typeface="+mn-ea"/>
-                <a:cs typeface="+mn-cs"/>
-              </a:defRPr>
-            </a:lvl4pPr>
-            <a:lvl5pPr marL="1201500" indent="-175500" algn="l" defTabSz="342900" rtl="0" eaLnBrk="1" latinLnBrk="0" hangingPunct="1">
-              <a:spcBef>
-                <a:spcPct val="20000"/>
-              </a:spcBef>
-              <a:spcAft>
-                <a:spcPts val="450"/>
-              </a:spcAft>
-              <a:buClr>
-                <a:schemeClr val="accent2"/>
-              </a:buClr>
-              <a:buSzPct val="92000"/>
-              <a:buFont typeface="Wingdings 2" panose="05020102010507070707" pitchFamily="18" charset="2"/>
-              <a:buChar char=""/>
-              <a:defRPr sz="900" kern="1200">
-                <a:solidFill>
-                  <a:schemeClr val="tx2"/>
-                </a:solidFill>
-                <a:latin typeface="+mn-lt"/>
-                <a:ea typeface="+mn-ea"/>
-                <a:cs typeface="+mn-cs"/>
-              </a:defRPr>
-            </a:lvl5pPr>
-            <a:lvl6pPr marL="1425000" indent="-171450" algn="l" defTabSz="342900" rtl="0" eaLnBrk="1" latinLnBrk="0" hangingPunct="1">
-              <a:spcBef>
-                <a:spcPct val="20000"/>
-              </a:spcBef>
-              <a:spcAft>
-                <a:spcPts val="450"/>
-              </a:spcAft>
-              <a:buClr>
-                <a:schemeClr val="accent2"/>
-              </a:buClr>
-              <a:buSzPct val="92000"/>
-              <a:buFont typeface="Wingdings 2" panose="05020102010507070707" pitchFamily="18" charset="2"/>
-              <a:buChar char=""/>
-              <a:defRPr sz="900" kern="1200">
-                <a:solidFill>
-                  <a:schemeClr val="tx2"/>
-                </a:solidFill>
-                <a:latin typeface="+mn-lt"/>
-                <a:ea typeface="+mn-ea"/>
-                <a:cs typeface="+mn-cs"/>
-              </a:defRPr>
-            </a:lvl6pPr>
-            <a:lvl7pPr marL="1650000" indent="-171450" algn="l" defTabSz="342900" rtl="0" eaLnBrk="1" latinLnBrk="0" hangingPunct="1">
-              <a:spcBef>
-                <a:spcPct val="20000"/>
-              </a:spcBef>
-              <a:spcAft>
-                <a:spcPts val="450"/>
-              </a:spcAft>
-              <a:buClr>
-                <a:schemeClr val="accent2"/>
-              </a:buClr>
-              <a:buSzPct val="92000"/>
-              <a:buFont typeface="Wingdings 2" panose="05020102010507070707" pitchFamily="18" charset="2"/>
-              <a:buChar char=""/>
-              <a:defRPr sz="900" kern="1200">
-                <a:solidFill>
-                  <a:schemeClr val="tx2"/>
-                </a:solidFill>
-                <a:latin typeface="+mn-lt"/>
-                <a:ea typeface="+mn-ea"/>
-                <a:cs typeface="+mn-cs"/>
-              </a:defRPr>
-            </a:lvl7pPr>
-            <a:lvl8pPr marL="1875000" indent="-171450" algn="l" defTabSz="342900" rtl="0" eaLnBrk="1" latinLnBrk="0" hangingPunct="1">
-              <a:spcBef>
-                <a:spcPct val="20000"/>
-              </a:spcBef>
-              <a:spcAft>
-                <a:spcPts val="450"/>
-              </a:spcAft>
-              <a:buClr>
-                <a:schemeClr val="accent2"/>
-              </a:buClr>
-              <a:buSzPct val="92000"/>
-              <a:buFont typeface="Wingdings 2" panose="05020102010507070707" pitchFamily="18" charset="2"/>
-              <a:buChar char=""/>
-              <a:defRPr sz="900" kern="1200">
-                <a:solidFill>
-                  <a:schemeClr val="tx2"/>
-                </a:solidFill>
-                <a:latin typeface="+mn-lt"/>
-                <a:ea typeface="+mn-ea"/>
-                <a:cs typeface="+mn-cs"/>
-              </a:defRPr>
-            </a:lvl8pPr>
-            <a:lvl9pPr marL="2100000" indent="-171450" algn="l" defTabSz="342900" rtl="0" eaLnBrk="1" latinLnBrk="0" hangingPunct="1">
-              <a:spcBef>
-                <a:spcPct val="20000"/>
-              </a:spcBef>
-              <a:spcAft>
-                <a:spcPts val="450"/>
-              </a:spcAft>
-              <a:buClr>
-                <a:schemeClr val="accent2"/>
-              </a:buClr>
-              <a:buSzPct val="92000"/>
-              <a:buFont typeface="Wingdings 2" panose="05020102010507070707" pitchFamily="18" charset="2"/>
-              <a:buChar char=""/>
-              <a:defRPr sz="900" kern="1200">
-                <a:solidFill>
-                  <a:schemeClr val="tx2"/>
-                </a:solidFill>
-                <a:latin typeface="+mn-lt"/>
-                <a:ea typeface="+mn-ea"/>
-                <a:cs typeface="+mn-cs"/>
-              </a:defRPr>
-            </a:lvl9pPr>
-          </a:lstStyle>
-          <a:p>
-            <a:r>
-              <a:rPr lang="fr-FR" sz="1600" dirty="0"/>
-              <a:t>Puis regarder les variables </a:t>
-            </a:r>
-            <a:r>
-              <a:rPr lang="fr-FR" sz="1600" dirty="0" smtClean="0"/>
-              <a:t>locales </a:t>
-            </a:r>
-            <a:r>
-              <a:rPr lang="fr-FR" sz="1600" dirty="0"/>
-              <a:t>-&gt; magique !</a:t>
-            </a:r>
-          </a:p>
-          <a:p>
-            <a:endParaRPr lang="fr-FR" sz="1600" dirty="0"/>
-          </a:p>
-        </p:txBody>
-      </p:sp>
-    </p:spTree>
-    <p:extLst>
-      <p:ext uri="{BB962C8B-B14F-4D97-AF65-F5344CB8AC3E}">
-        <p14:creationId xmlns:p14="http://schemas.microsoft.com/office/powerpoint/2010/main" val="1158366973"/>
-      </p:ext>
-    </p:extLst>
-  </p:cSld>
-  <p:clrMapOvr>
-    <a:masterClrMapping/>
-  </p:clrMapOvr>
 </p:sld>
 </file>
 
@@ -52615,11 +52659,7 @@
             </a:solidFill>
             <a:round/>
           </a:ln>
-          <a:effectLst>
-            <a:outerShdw dist="101823" dir="2700000">
-              <a:srgbClr val="808080"/>
-            </a:outerShdw>
-          </a:effectLst>
+          <a:effectLst/>
         </p:spPr>
         <p:style>
           <a:lnRef idx="0">
@@ -55417,7 +55457,11 @@
           <a:p>
             <a:r>
               <a:rPr lang="fr-FR" dirty="0" smtClean="0"/>
-              <a:t>Créer le projet en dehors du repo git pour ne pas mélanger</a:t>
+              <a:t>Créer le projet en dehors du repo git pour ne pas </a:t>
+            </a:r>
+            <a:r>
+              <a:rPr lang="fr-FR" dirty="0" smtClean="0"/>
+              <a:t>tout mélanger</a:t>
             </a:r>
             <a:endParaRPr lang="fr-FR" dirty="0"/>
           </a:p>
@@ -56996,14 +57040,6 @@
 </file>
 
 <file path=customXml/item1.xml><?xml version="1.0" encoding="utf-8"?>
-<p:properties xmlns:p="http://schemas.microsoft.com/office/2006/metadata/properties" xmlns:xsi="http://www.w3.org/2001/XMLSchema-instance" xmlns:pc="http://schemas.microsoft.com/office/infopath/2007/PartnerControls">
-  <documentManagement>
-    <MediaServiceKeyPoints xmlns="71af3243-3dd4-4a8d-8c0d-dd76da1f02a5" xsi:nil="true"/>
-  </documentManagement>
-</p:properties>
-</file>
-
-<file path=customXml/item2.xml><?xml version="1.0" encoding="utf-8"?>
 <ct:contentTypeSchema xmlns:ct="http://schemas.microsoft.com/office/2006/metadata/contentType" xmlns:ma="http://schemas.microsoft.com/office/2006/metadata/properties/metaAttributes" ct:_="" ma:_="" ma:contentTypeName="Document" ma:contentTypeID="0x01010079F111ED35F8CC479449609E8A0923A6" ma:contentTypeVersion="11" ma:contentTypeDescription="Create a new document." ma:contentTypeScope="" ma:versionID="9677210f24a1be23c92c90fd886aa0aa">
   <xsd:schema xmlns:xsd="http://www.w3.org/2001/XMLSchema" xmlns:xs="http://www.w3.org/2001/XMLSchema" xmlns:p="http://schemas.microsoft.com/office/2006/metadata/properties" xmlns:ns2="71af3243-3dd4-4a8d-8c0d-dd76da1f02a5" xmlns:ns3="16c05727-aa75-4e4a-9b5f-8a80a1165891" targetNamespace="http://schemas.microsoft.com/office/2006/metadata/properties" ma:root="true" ma:fieldsID="60e05723c5c1908df1a1a4ebf11d344e" ns2:_="" ns3:_="">
     <xsd:import namespace="71af3243-3dd4-4a8d-8c0d-dd76da1f02a5"/>
@@ -57214,7 +57250,7 @@
 </ct:contentTypeSchema>
 </file>
 
-<file path=customXml/item3.xml><?xml version="1.0" encoding="utf-8"?>
+<file path=customXml/item2.xml><?xml version="1.0" encoding="utf-8"?>
 <?mso-contentType ?>
 <FormTemplates xmlns="http://schemas.microsoft.com/sharepoint/v3/contenttype/forms">
   <Display>DocumentLibraryForm</Display>
@@ -57223,24 +57259,15 @@
 </FormTemplates>
 </file>
 
-<file path=customXml/itemProps1.xml><?xml version="1.0" encoding="utf-8"?>
-<ds:datastoreItem xmlns:ds="http://schemas.openxmlformats.org/officeDocument/2006/customXml" ds:itemID="{F651EF32-6551-47EB-8BA9-22EF81F3DDAC}">
-  <ds:schemaRefs>
-    <ds:schemaRef ds:uri="http://purl.org/dc/terms/"/>
-    <ds:schemaRef ds:uri="http://purl.org/dc/elements/1.1/"/>
-    <ds:schemaRef ds:uri="http://schemas.microsoft.com/office/infopath/2007/PartnerControls"/>
-    <ds:schemaRef ds:uri="http://purl.org/dc/dcmitype/"/>
-    <ds:schemaRef ds:uri="http://schemas.microsoft.com/office/2006/metadata/properties"/>
-    <ds:schemaRef ds:uri="71af3243-3dd4-4a8d-8c0d-dd76da1f02a5"/>
-    <ds:schemaRef ds:uri="http://schemas.microsoft.com/office/2006/documentManagement/types"/>
-    <ds:schemaRef ds:uri="http://schemas.openxmlformats.org/package/2006/metadata/core-properties"/>
-    <ds:schemaRef ds:uri="16c05727-aa75-4e4a-9b5f-8a80a1165891"/>
-    <ds:schemaRef ds:uri="http://www.w3.org/XML/1998/namespace"/>
-  </ds:schemaRefs>
-</ds:datastoreItem>
+<file path=customXml/item3.xml><?xml version="1.0" encoding="utf-8"?>
+<p:properties xmlns:p="http://schemas.microsoft.com/office/2006/metadata/properties" xmlns:xsi="http://www.w3.org/2001/XMLSchema-instance" xmlns:pc="http://schemas.microsoft.com/office/infopath/2007/PartnerControls">
+  <documentManagement>
+    <MediaServiceKeyPoints xmlns="71af3243-3dd4-4a8d-8c0d-dd76da1f02a5" xsi:nil="true"/>
+  </documentManagement>
+</p:properties>
 </file>
 
-<file path=customXml/itemProps2.xml><?xml version="1.0" encoding="utf-8"?>
+<file path=customXml/itemProps1.xml><?xml version="1.0" encoding="utf-8"?>
 <ds:datastoreItem xmlns:ds="http://schemas.openxmlformats.org/officeDocument/2006/customXml" ds:itemID="{1EED214C-B51A-4B75-8B08-0E0DBD2305BE}">
   <ds:schemaRefs>
     <ds:schemaRef ds:uri="http://schemas.microsoft.com/office/2006/metadata/contentType"/>
@@ -57259,10 +57286,27 @@
 </ds:datastoreItem>
 </file>
 
-<file path=customXml/itemProps3.xml><?xml version="1.0" encoding="utf-8"?>
+<file path=customXml/itemProps2.xml><?xml version="1.0" encoding="utf-8"?>
 <ds:datastoreItem xmlns:ds="http://schemas.openxmlformats.org/officeDocument/2006/customXml" ds:itemID="{2B21BF1A-59D3-4E19-9B95-2FD4309AC3AF}">
   <ds:schemaRefs>
     <ds:schemaRef ds:uri="http://schemas.microsoft.com/sharepoint/v3/contenttype/forms"/>
   </ds:schemaRefs>
 </ds:datastoreItem>
+</file>
+
+<file path=customXml/itemProps3.xml><?xml version="1.0" encoding="utf-8"?>
+<ds:datastoreItem xmlns:ds="http://schemas.openxmlformats.org/officeDocument/2006/customXml" ds:itemID="{F651EF32-6551-47EB-8BA9-22EF81F3DDAC}">
+  <ds:schemaRefs>
+    <ds:schemaRef ds:uri="http://purl.org/dc/terms/"/>
+    <ds:schemaRef ds:uri="http://purl.org/dc/elements/1.1/"/>
+    <ds:schemaRef ds:uri="http://schemas.microsoft.com/office/infopath/2007/PartnerControls"/>
+    <ds:schemaRef ds:uri="http://purl.org/dc/dcmitype/"/>
+    <ds:schemaRef ds:uri="http://schemas.microsoft.com/office/2006/metadata/properties"/>
+    <ds:schemaRef ds:uri="71af3243-3dd4-4a8d-8c0d-dd76da1f02a5"/>
+    <ds:schemaRef ds:uri="http://schemas.microsoft.com/office/2006/documentManagement/types"/>
+    <ds:schemaRef ds:uri="http://schemas.openxmlformats.org/package/2006/metadata/core-properties"/>
+    <ds:schemaRef ds:uri="16c05727-aa75-4e4a-9b5f-8a80a1165891"/>
+    <ds:schemaRef ds:uri="http://www.w3.org/XML/1998/namespace"/>
+  </ds:schemaRefs>
+</ds:datastoreItem>
 </file>
--- a/Diapos/HPC_CUDA.pptx
+++ b/Diapos/HPC_CUDA.pptx
@@ -267,7 +267,7 @@
             <a:pPr rtl="0"/>
             <a:fld id="{44067F72-4B43-4EB2-81AF-1356A084F97D}" type="datetime1">
               <a:rPr lang="fr-FR" smtClean="0"/>
-              <a:t>10/02/2021</a:t>
+              <a:t>11/02/2021</a:t>
             </a:fld>
             <a:endParaRPr lang="fr-FR"/>
           </a:p>
@@ -449,7 +449,7 @@
             <a:pPr rtl="0"/>
             <a:fld id="{18E2C9A5-1936-47C6-ADD2-56E91A3B7AD6}" type="datetime1">
               <a:rPr lang="fr-FR" noProof="0" smtClean="0"/>
-              <a:t>10/02/2021</a:t>
+              <a:t>11/02/2021</a:t>
             </a:fld>
             <a:endParaRPr lang="fr-FR" noProof="0"/>
           </a:p>
@@ -2123,7 +2123,7 @@
             <a:pPr rtl="0"/>
             <a:fld id="{0403CD74-91A7-4B71-B298-50645341EDD4}" type="datetime1">
               <a:rPr lang="fr-FR" noProof="0" smtClean="0"/>
-              <a:t>10/02/2021</a:t>
+              <a:t>11/02/2021</a:t>
             </a:fld>
             <a:endParaRPr lang="fr-FR" noProof="0"/>
           </a:p>
@@ -2389,7 +2389,7 @@
             <a:pPr rtl="0"/>
             <a:fld id="{77B509D1-F8C0-4CA0-858B-2AEDA726DA78}" type="datetime1">
               <a:rPr lang="fr-FR" noProof="0" smtClean="0"/>
-              <a:t>10/02/2021</a:t>
+              <a:t>11/02/2021</a:t>
             </a:fld>
             <a:endParaRPr lang="fr-FR" noProof="0"/>
           </a:p>
@@ -2628,7 +2628,7 @@
             <a:pPr rtl="0"/>
             <a:fld id="{BFAD2B5B-47C2-4EBB-964D-B5C3690B6DFC}" type="datetime1">
               <a:rPr lang="fr-FR" noProof="0" smtClean="0"/>
-              <a:t>10/02/2021</a:t>
+              <a:t>11/02/2021</a:t>
             </a:fld>
             <a:endParaRPr lang="fr-FR" noProof="0"/>
           </a:p>
@@ -2877,7 +2877,7 @@
             <a:pPr rtl="0"/>
             <a:fld id="{4284DE75-DF3C-46A1-8E6B-C01542896712}" type="datetime1">
               <a:rPr lang="fr-FR" noProof="0" smtClean="0"/>
-              <a:t>10/02/2021</a:t>
+              <a:t>11/02/2021</a:t>
             </a:fld>
             <a:endParaRPr lang="fr-FR" noProof="0" dirty="0"/>
           </a:p>
@@ -3196,7 +3196,7 @@
             <a:pPr rtl="0"/>
             <a:fld id="{80CB3D2D-45DD-496C-AA6C-A93FD66473E3}" type="datetime1">
               <a:rPr lang="fr-FR" noProof="0" smtClean="0"/>
-              <a:t>10/02/2021</a:t>
+              <a:t>11/02/2021</a:t>
             </a:fld>
             <a:endParaRPr lang="fr-FR" noProof="0"/>
           </a:p>
@@ -3507,7 +3507,7 @@
             <a:pPr rtl="0"/>
             <a:fld id="{EFB18253-55B0-414F-8F02-5F24D4FE0C41}" type="datetime1">
               <a:rPr lang="fr-FR" noProof="0" smtClean="0"/>
-              <a:t>10/02/2021</a:t>
+              <a:t>11/02/2021</a:t>
             </a:fld>
             <a:endParaRPr lang="fr-FR" noProof="0"/>
           </a:p>
@@ -3948,7 +3948,7 @@
             <a:pPr rtl="0"/>
             <a:fld id="{A3DF8B3A-A2CC-4133-9F37-93D6DD187088}" type="datetime1">
               <a:rPr lang="fr-FR" noProof="0" smtClean="0"/>
-              <a:t>10/02/2021</a:t>
+              <a:t>11/02/2021</a:t>
             </a:fld>
             <a:endParaRPr lang="fr-FR" noProof="0"/>
           </a:p>
@@ -4060,7 +4060,7 @@
             <a:pPr rtl="0"/>
             <a:fld id="{3A376707-662B-440F-A345-984A712059E4}" type="datetime1">
               <a:rPr lang="fr-FR" noProof="0" smtClean="0"/>
-              <a:t>10/02/2021</a:t>
+              <a:t>11/02/2021</a:t>
             </a:fld>
             <a:endParaRPr lang="fr-FR" noProof="0"/>
           </a:p>
@@ -4226,7 +4226,7 @@
             <a:pPr rtl="0"/>
             <a:fld id="{8467424E-3337-4E92-BEE1-F720AC49DD1E}" type="datetime1">
               <a:rPr lang="fr-FR" noProof="0" smtClean="0"/>
-              <a:t>10/02/2021</a:t>
+              <a:t>11/02/2021</a:t>
             </a:fld>
             <a:endParaRPr lang="fr-FR" noProof="0"/>
           </a:p>
@@ -4608,7 +4608,7 @@
             <a:pPr rtl="0"/>
             <a:fld id="{D6D64502-6BA4-4CC8-8A3D-2A27850A7A08}" type="datetime1">
               <a:rPr lang="fr-FR" noProof="0" smtClean="0"/>
-              <a:t>10/02/2021</a:t>
+              <a:t>11/02/2021</a:t>
             </a:fld>
             <a:endParaRPr lang="fr-FR" noProof="0"/>
           </a:p>
@@ -4901,7 +4901,7 @@
             <a:pPr rtl="0"/>
             <a:fld id="{01C10578-73C0-4732-A884-D24ACCC97C87}" type="datetime1">
               <a:rPr lang="fr-FR" noProof="0" smtClean="0"/>
-              <a:t>10/02/2021</a:t>
+              <a:t>11/02/2021</a:t>
             </a:fld>
             <a:endParaRPr lang="fr-FR" noProof="0"/>
           </a:p>
@@ -5116,7 +5116,7 @@
             <a:pPr rtl="0"/>
             <a:fld id="{A4C732EE-BF7E-4015-ABFF-6CDED879EEBC}" type="datetime1">
               <a:rPr lang="fr-FR" noProof="0" smtClean="0"/>
-              <a:t>10/02/2021</a:t>
+              <a:t>11/02/2021</a:t>
             </a:fld>
             <a:endParaRPr lang="fr-FR" noProof="0"/>
           </a:p>
@@ -5876,15 +5876,7 @@
                   <a:srgbClr val="7CEBFF"/>
                 </a:solidFill>
               </a:rPr>
-              <a:t>Formation interne </a:t>
-            </a:r>
-            <a:r>
-              <a:rPr lang="fr-FR" dirty="0" smtClean="0">
-                <a:solidFill>
-                  <a:srgbClr val="7CEBFF"/>
-                </a:solidFill>
-              </a:rPr>
-              <a:t>scalian</a:t>
+              <a:t>Formation interne scalian</a:t>
             </a:r>
             <a:endParaRPr lang="fr-FR" dirty="0">
               <a:solidFill>
@@ -48921,11 +48913,7 @@
             </a:r>
             <a:r>
               <a:rPr lang="fr-FR" dirty="0" smtClean="0"/>
-              <a:t> </a:t>
-            </a:r>
-            <a:r>
-              <a:rPr lang="fr-FR" dirty="0" smtClean="0"/>
-              <a:t>memory : un exemple</a:t>
+              <a:t> memory : un exemple</a:t>
             </a:r>
             <a:endParaRPr lang="fr-FR" dirty="0"/>
           </a:p>
@@ -49410,33 +49398,7 @@
                 <a:effectLst/>
                 <a:latin typeface="Arial Unicode MS"/>
               </a:rPr>
-              <a:t>s[t] = </a:t>
-            </a:r>
-            <a:r>
-              <a:rPr kumimoji="0" lang="fr-FR" altLang="fr-FR" sz="1600" b="0" i="0" u="none" strike="noStrike" cap="none" normalizeH="0" baseline="0" dirty="0" smtClean="0">
-                <a:ln>
-                  <a:noFill/>
-                </a:ln>
-                <a:solidFill>
-                  <a:schemeClr val="tx1"/>
-                </a:solidFill>
-                <a:effectLst/>
-                <a:latin typeface="Arial Unicode MS"/>
-              </a:rPr>
-              <a:t>d[t]; </a:t>
-            </a:r>
-            <a:r>
-              <a:rPr kumimoji="0" lang="fr-FR" altLang="fr-FR" sz="1600" b="0" i="0" u="none" strike="noStrike" cap="none" normalizeH="0" baseline="0" dirty="0" smtClean="0">
-                <a:ln>
-                  <a:noFill/>
-                </a:ln>
-                <a:solidFill>
-                  <a:schemeClr val="tx1"/>
-                </a:solidFill>
-                <a:effectLst/>
-                <a:latin typeface="Arial Unicode MS"/>
-              </a:rPr>
-              <a:t/>
+              <a:t>s[t] = d[t]; </a:t>
             </a:r>
             <a:br>
               <a:rPr kumimoji="0" lang="fr-FR" altLang="fr-FR" sz="1600" b="0" i="0" u="none" strike="noStrike" cap="none" normalizeH="0" baseline="0" dirty="0" smtClean="0">
@@ -49570,33 +49532,7 @@
                 <a:effectLst/>
                 <a:latin typeface="Arial Unicode MS"/>
               </a:rPr>
-              <a:t>d[t] = </a:t>
-            </a:r>
-            <a:r>
-              <a:rPr kumimoji="0" lang="fr-FR" altLang="fr-FR" sz="1600" b="0" i="0" u="none" strike="noStrike" cap="none" normalizeH="0" baseline="0" dirty="0" smtClean="0">
-                <a:ln>
-                  <a:noFill/>
-                </a:ln>
-                <a:solidFill>
-                  <a:schemeClr val="tx1"/>
-                </a:solidFill>
-                <a:effectLst/>
-                <a:latin typeface="Arial Unicode MS"/>
-              </a:rPr>
-              <a:t>s[tr]; </a:t>
-            </a:r>
-            <a:r>
-              <a:rPr kumimoji="0" lang="fr-FR" altLang="fr-FR" sz="1600" b="0" i="0" u="none" strike="noStrike" cap="none" normalizeH="0" baseline="0" dirty="0" smtClean="0">
-                <a:ln>
-                  <a:noFill/>
-                </a:ln>
-                <a:solidFill>
-                  <a:schemeClr val="tx1"/>
-                </a:solidFill>
-                <a:effectLst/>
-                <a:latin typeface="Arial Unicode MS"/>
-              </a:rPr>
-              <a:t/>
+              <a:t>d[t] = s[tr]; </a:t>
             </a:r>
             <a:br>
               <a:rPr kumimoji="0" lang="fr-FR" altLang="fr-FR" sz="1600" b="0" i="0" u="none" strike="noStrike" cap="none" normalizeH="0" baseline="0" dirty="0" smtClean="0">
@@ -50562,6 +50498,13 @@
   <p:clrMapOvr>
     <a:masterClrMapping/>
   </p:clrMapOvr>
+  <p:timing>
+    <p:tnLst>
+      <p:par>
+        <p:cTn id="1" dur="indefinite" restart="never" nodeType="tmRoot"/>
+      </p:par>
+    </p:tnLst>
+  </p:timing>
 </p:sld>
 </file>
 
@@ -50741,7 +50684,19 @@
             </a:r>
             <a:r>
               <a:rPr lang="en-US" dirty="0"/>
-              <a:t> au temps passé aux </a:t>
+              <a:t> au temps passé </a:t>
+            </a:r>
+            <a:r>
+              <a:rPr lang="en-US" dirty="0" err="1" smtClean="0"/>
+              <a:t>dans</a:t>
+            </a:r>
+            <a:r>
+              <a:rPr lang="en-US" dirty="0" smtClean="0"/>
+              <a:t> les</a:t>
+            </a:r>
+            <a:r>
+              <a:rPr lang="en-US" dirty="0" smtClean="0"/>
+              <a:t> </a:t>
             </a:r>
             <a:r>
               <a:rPr lang="en-US" dirty="0" err="1"/>
@@ -51388,6 +51343,13 @@
   <p:clrMapOvr>
     <a:masterClrMapping/>
   </p:clrMapOvr>
+  <p:timing>
+    <p:tnLst>
+      <p:par>
+        <p:cTn id="1" dur="indefinite" restart="never" nodeType="tmRoot"/>
+      </p:par>
+    </p:tnLst>
+  </p:timing>
 </p:sld>
 </file>
 
@@ -52358,6 +52320,14 @@
               <a:rPr lang="fr-FR" dirty="0" smtClean="0"/>
               <a:t>: C++ AMP </a:t>
             </a:r>
+            <a:endParaRPr lang="fr-FR" dirty="0" smtClean="0"/>
+          </a:p>
+          <a:p>
+            <a:r>
+              <a:rPr lang="fr-FR" dirty="0" err="1" smtClean="0"/>
+              <a:t>OpenACC</a:t>
+            </a:r>
+            <a:endParaRPr lang="fr-FR" dirty="0" smtClean="0"/>
           </a:p>
           <a:p>
             <a:r>
@@ -55457,11 +55427,7 @@
           <a:p>
             <a:r>
               <a:rPr lang="fr-FR" dirty="0" smtClean="0"/>
-              <a:t>Créer le projet en dehors du repo git pour ne pas </a:t>
-            </a:r>
-            <a:r>
-              <a:rPr lang="fr-FR" dirty="0" smtClean="0"/>
-              <a:t>tout mélanger</a:t>
+              <a:t>Créer le projet en dehors du repo git pour ne pas tout mélanger</a:t>
             </a:r>
             <a:endParaRPr lang="fr-FR" dirty="0"/>
           </a:p>
@@ -57040,6 +57006,23 @@
 </file>
 
 <file path=customXml/item1.xml><?xml version="1.0" encoding="utf-8"?>
+<?mso-contentType ?>
+<FormTemplates xmlns="http://schemas.microsoft.com/sharepoint/v3/contenttype/forms">
+  <Display>DocumentLibraryForm</Display>
+  <Edit>DocumentLibraryForm</Edit>
+  <New>DocumentLibraryForm</New>
+</FormTemplates>
+</file>
+
+<file path=customXml/item2.xml><?xml version="1.0" encoding="utf-8"?>
+<p:properties xmlns:p="http://schemas.microsoft.com/office/2006/metadata/properties" xmlns:xsi="http://www.w3.org/2001/XMLSchema-instance" xmlns:pc="http://schemas.microsoft.com/office/infopath/2007/PartnerControls">
+  <documentManagement>
+    <MediaServiceKeyPoints xmlns="71af3243-3dd4-4a8d-8c0d-dd76da1f02a5" xsi:nil="true"/>
+  </documentManagement>
+</p:properties>
+</file>
+
+<file path=customXml/item3.xml><?xml version="1.0" encoding="utf-8"?>
 <ct:contentTypeSchema xmlns:ct="http://schemas.microsoft.com/office/2006/metadata/contentType" xmlns:ma="http://schemas.microsoft.com/office/2006/metadata/properties/metaAttributes" ct:_="" ma:_="" ma:contentTypeName="Document" ma:contentTypeID="0x01010079F111ED35F8CC479449609E8A0923A6" ma:contentTypeVersion="11" ma:contentTypeDescription="Create a new document." ma:contentTypeScope="" ma:versionID="9677210f24a1be23c92c90fd886aa0aa">
   <xsd:schema xmlns:xsd="http://www.w3.org/2001/XMLSchema" xmlns:xs="http://www.w3.org/2001/XMLSchema" xmlns:p="http://schemas.microsoft.com/office/2006/metadata/properties" xmlns:ns2="71af3243-3dd4-4a8d-8c0d-dd76da1f02a5" xmlns:ns3="16c05727-aa75-4e4a-9b5f-8a80a1165891" targetNamespace="http://schemas.microsoft.com/office/2006/metadata/properties" ma:root="true" ma:fieldsID="60e05723c5c1908df1a1a4ebf11d344e" ns2:_="" ns3:_="">
     <xsd:import namespace="71af3243-3dd4-4a8d-8c0d-dd76da1f02a5"/>
@@ -57250,24 +57233,32 @@
 </ct:contentTypeSchema>
 </file>
 
-<file path=customXml/item2.xml><?xml version="1.0" encoding="utf-8"?>
-<?mso-contentType ?>
-<FormTemplates xmlns="http://schemas.microsoft.com/sharepoint/v3/contenttype/forms">
-  <Display>DocumentLibraryForm</Display>
-  <Edit>DocumentLibraryForm</Edit>
-  <New>DocumentLibraryForm</New>
-</FormTemplates>
+<file path=customXml/itemProps1.xml><?xml version="1.0" encoding="utf-8"?>
+<ds:datastoreItem xmlns:ds="http://schemas.openxmlformats.org/officeDocument/2006/customXml" ds:itemID="{2B21BF1A-59D3-4E19-9B95-2FD4309AC3AF}">
+  <ds:schemaRefs>
+    <ds:schemaRef ds:uri="http://schemas.microsoft.com/sharepoint/v3/contenttype/forms"/>
+  </ds:schemaRefs>
+</ds:datastoreItem>
 </file>
 
-<file path=customXml/item3.xml><?xml version="1.0" encoding="utf-8"?>
-<p:properties xmlns:p="http://schemas.microsoft.com/office/2006/metadata/properties" xmlns:xsi="http://www.w3.org/2001/XMLSchema-instance" xmlns:pc="http://schemas.microsoft.com/office/infopath/2007/PartnerControls">
-  <documentManagement>
-    <MediaServiceKeyPoints xmlns="71af3243-3dd4-4a8d-8c0d-dd76da1f02a5" xsi:nil="true"/>
-  </documentManagement>
-</p:properties>
+<file path=customXml/itemProps2.xml><?xml version="1.0" encoding="utf-8"?>
+<ds:datastoreItem xmlns:ds="http://schemas.openxmlformats.org/officeDocument/2006/customXml" ds:itemID="{F651EF32-6551-47EB-8BA9-22EF81F3DDAC}">
+  <ds:schemaRefs>
+    <ds:schemaRef ds:uri="http://purl.org/dc/terms/"/>
+    <ds:schemaRef ds:uri="http://purl.org/dc/elements/1.1/"/>
+    <ds:schemaRef ds:uri="http://schemas.microsoft.com/office/infopath/2007/PartnerControls"/>
+    <ds:schemaRef ds:uri="http://purl.org/dc/dcmitype/"/>
+    <ds:schemaRef ds:uri="http://schemas.microsoft.com/office/2006/metadata/properties"/>
+    <ds:schemaRef ds:uri="71af3243-3dd4-4a8d-8c0d-dd76da1f02a5"/>
+    <ds:schemaRef ds:uri="http://schemas.microsoft.com/office/2006/documentManagement/types"/>
+    <ds:schemaRef ds:uri="http://schemas.openxmlformats.org/package/2006/metadata/core-properties"/>
+    <ds:schemaRef ds:uri="16c05727-aa75-4e4a-9b5f-8a80a1165891"/>
+    <ds:schemaRef ds:uri="http://www.w3.org/XML/1998/namespace"/>
+  </ds:schemaRefs>
+</ds:datastoreItem>
 </file>
 
-<file path=customXml/itemProps1.xml><?xml version="1.0" encoding="utf-8"?>
+<file path=customXml/itemProps3.xml><?xml version="1.0" encoding="utf-8"?>
 <ds:datastoreItem xmlns:ds="http://schemas.openxmlformats.org/officeDocument/2006/customXml" ds:itemID="{1EED214C-B51A-4B75-8B08-0E0DBD2305BE}">
   <ds:schemaRefs>
     <ds:schemaRef ds:uri="http://schemas.microsoft.com/office/2006/metadata/contentType"/>
@@ -57284,29 +57275,4 @@
     <ds:schemaRef ds:uri="http://schemas.microsoft.com/internal/obd"/>
   </ds:schemaRefs>
 </ds:datastoreItem>
-</file>
-
-<file path=customXml/itemProps2.xml><?xml version="1.0" encoding="utf-8"?>
-<ds:datastoreItem xmlns:ds="http://schemas.openxmlformats.org/officeDocument/2006/customXml" ds:itemID="{2B21BF1A-59D3-4E19-9B95-2FD4309AC3AF}">
-  <ds:schemaRefs>
-    <ds:schemaRef ds:uri="http://schemas.microsoft.com/sharepoint/v3/contenttype/forms"/>
-  </ds:schemaRefs>
-</ds:datastoreItem>
-</file>
-
-<file path=customXml/itemProps3.xml><?xml version="1.0" encoding="utf-8"?>
-<ds:datastoreItem xmlns:ds="http://schemas.openxmlformats.org/officeDocument/2006/customXml" ds:itemID="{F651EF32-6551-47EB-8BA9-22EF81F3DDAC}">
-  <ds:schemaRefs>
-    <ds:schemaRef ds:uri="http://purl.org/dc/terms/"/>
-    <ds:schemaRef ds:uri="http://purl.org/dc/elements/1.1/"/>
-    <ds:schemaRef ds:uri="http://schemas.microsoft.com/office/infopath/2007/PartnerControls"/>
-    <ds:schemaRef ds:uri="http://purl.org/dc/dcmitype/"/>
-    <ds:schemaRef ds:uri="http://schemas.microsoft.com/office/2006/metadata/properties"/>
-    <ds:schemaRef ds:uri="71af3243-3dd4-4a8d-8c0d-dd76da1f02a5"/>
-    <ds:schemaRef ds:uri="http://schemas.microsoft.com/office/2006/documentManagement/types"/>
-    <ds:schemaRef ds:uri="http://schemas.openxmlformats.org/package/2006/metadata/core-properties"/>
-    <ds:schemaRef ds:uri="16c05727-aa75-4e4a-9b5f-8a80a1165891"/>
-    <ds:schemaRef ds:uri="http://www.w3.org/XML/1998/namespace"/>
-  </ds:schemaRefs>
-</ds:datastoreItem>
 </file>